--- a/Courses/Software-Sciences/Module-3-Databases-New/09-Joining-Tables/09-Joining-Tables.pptx
+++ b/Courses/Software-Sciences/Module-3-Databases-New/09-Joining-Tables/09-Joining-Tables.pptx
@@ -531,7 +531,7 @@
           <a:p>
             <a:fld id="{4E087215-0C8F-4762-A664-737A353EC9A4}" type="datetimeFigureOut">
               <a:rPr lang="bg-BG" smtClean="0"/>
-              <a:t>6.10.2023 г.</a:t>
+              <a:t>13.4.2024 г.</a:t>
             </a:fld>
             <a:endParaRPr lang="bg-BG"/>
           </a:p>
@@ -727,7 +727,7 @@
           <a:p>
             <a:fld id="{72D84649-876A-46C9-8472-14CB09C070D8}" type="datetimeFigureOut">
               <a:rPr lang="en-US" smtClean="0"/>
-              <a:t>10/6/2023</a:t>
+              <a:t>4/13/2024</a:t>
             </a:fld>
             <a:endParaRPr lang="en-US"/>
           </a:p>
@@ -14004,9 +14004,21 @@
                   <a:srgbClr val="224464"/>
                 </a:solidFill>
               </a:rPr>
-              <a:t>редове от лявата таблица</a:t>
-            </a:r>
-            <a:endParaRPr lang="en-US" sz="3600" dirty="0"/>
+              <a:t>редове от </a:t>
+            </a:r>
+            <a:r>
+              <a:rPr lang="ru-RU" sz="3600" b="1" dirty="0">
+                <a:solidFill>
+                  <a:schemeClr val="bg1"/>
+                </a:solidFill>
+              </a:rPr>
+              <a:t>лявата таблица</a:t>
+            </a:r>
+            <a:endParaRPr lang="en-US" sz="3600" b="1" dirty="0">
+              <a:solidFill>
+                <a:schemeClr val="bg1"/>
+              </a:solidFill>
+            </a:endParaRPr>
           </a:p>
           <a:p>
             <a:pPr marL="360363" lvl="1"/>
@@ -26469,13 +26481,6 @@
               <a:rPr lang="en-US" dirty="0"/>
               <a:t> JOIN</a:t>
             </a:r>
-          </a:p>
-          <a:p>
-            <a:pPr lvl="1"/>
-            <a:endParaRPr lang="bg-BG" sz="3200" dirty="0"/>
-          </a:p>
-          <a:p>
-            <a:endParaRPr lang="bg-BG" sz="3400" dirty="0"/>
           </a:p>
         </p:txBody>
       </p:sp>

--- a/Courses/Software-Sciences/Module-3-Databases-New/09-Joining-Tables/09-Joining-Tables.pptx
+++ b/Courses/Software-Sciences/Module-3-Databases-New/09-Joining-Tables/09-Joining-Tables.pptx
@@ -17,8 +17,8 @@
     <p:sldId id="538" r:id="rId5"/>
     <p:sldId id="541" r:id="rId6"/>
     <p:sldId id="542" r:id="rId7"/>
-    <p:sldId id="539" r:id="rId8"/>
-    <p:sldId id="540" r:id="rId9"/>
+    <p:sldId id="540" r:id="rId8"/>
+    <p:sldId id="539" r:id="rId9"/>
     <p:sldId id="520" r:id="rId10"/>
     <p:sldId id="525" r:id="rId11"/>
     <p:sldId id="544" r:id="rId12"/>
@@ -150,8 +150,8 @@
             <p14:sldId id="538"/>
             <p14:sldId id="541"/>
             <p14:sldId id="542"/>
+            <p14:sldId id="540"/>
             <p14:sldId id="539"/>
-            <p14:sldId id="540"/>
           </p14:sldIdLst>
         </p14:section>
         <p14:section name="Видове JOIN" id="{EB9C316D-2D07-41BF-8164-6015278295A2}">
@@ -531,7 +531,7 @@
           <a:p>
             <a:fld id="{4E087215-0C8F-4762-A664-737A353EC9A4}" type="datetimeFigureOut">
               <a:rPr lang="bg-BG" smtClean="0"/>
-              <a:t>13.4.2024 г.</a:t>
+              <a:t>25.07.24 г.</a:t>
             </a:fld>
             <a:endParaRPr lang="bg-BG"/>
           </a:p>
@@ -727,7 +727,7 @@
           <a:p>
             <a:fld id="{72D84649-876A-46C9-8472-14CB09C070D8}" type="datetimeFigureOut">
               <a:rPr lang="en-US" smtClean="0"/>
-              <a:t>4/13/2024</a:t>
+              <a:t>7/25/24</a:t>
             </a:fld>
             <a:endParaRPr lang="en-US"/>
           </a:p>
@@ -9640,7 +9640,12 @@
             <p:ph type="subTitle" idx="1"/>
           </p:nvPr>
         </p:nvSpPr>
-        <p:spPr/>
+        <p:spPr>
+          <a:xfrm>
+            <a:off x="554746" y="1402943"/>
+            <a:ext cx="11083636" cy="724904"/>
+          </a:xfrm>
+        </p:spPr>
         <p:txBody>
           <a:bodyPr>
             <a:normAutofit/>
@@ -9649,7 +9654,7 @@
           <a:p>
             <a:r>
               <a:rPr lang="bg-BG" dirty="0"/>
-              <a:t>Същност. Различни видове съединения на таблици</a:t>
+              <a:t>Същност. Видове съединения на таблици</a:t>
             </a:r>
             <a:endParaRPr lang="en-US" dirty="0"/>
           </a:p>
@@ -9713,7 +9718,7 @@
       </p:pic>
       <p:pic>
         <p:nvPicPr>
-          <p:cNvPr id="4" name="Picture 3" descr="A yellow and blue sign with white text&#10;&#10;Description automatically generated">
+          <p:cNvPr id="4" name="Picture 3">
             <a:extLst>
               <a:ext uri="{FF2B5EF4-FFF2-40B4-BE49-F238E27FC236}">
                 <a16:creationId xmlns:a16="http://schemas.microsoft.com/office/drawing/2014/main" id="{43D3057E-F13A-B720-0BB0-B30ADA9F8D8D}"/>
@@ -9733,14 +9738,13 @@
               </a:ext>
             </a:extLst>
           </a:blip>
-          <a:stretch>
-            <a:fillRect/>
-          </a:stretch>
+          <a:srcRect/>
+          <a:stretch/>
         </p:blipFill>
         <p:spPr>
           <a:xfrm>
-            <a:off x="584311" y="3001428"/>
-            <a:ext cx="1956689" cy="877572"/>
+            <a:off x="584311" y="3002368"/>
+            <a:ext cx="1956689" cy="875691"/>
           </a:xfrm>
           <a:prstGeom prst="rect">
             <a:avLst/>
@@ -13955,7 +13959,7 @@
                   <a:srgbClr val="224464"/>
                 </a:solidFill>
               </a:rPr>
-              <a:t>Връща резултатите от вътрешното присъединяване </a:t>
+              <a:t>Връща резултатите от вътрешното съединяване </a:t>
             </a:r>
             <a:r>
               <a:rPr lang="en-US" sz="3600" dirty="0">
@@ -17511,7 +17515,7 @@
                   <a:srgbClr val="224464"/>
                 </a:solidFill>
               </a:rPr>
-              <a:t>Връща резултатите от вътрешното присъединяване </a:t>
+              <a:t>Връща резултатите от вътрешното съединяване </a:t>
             </a:r>
             <a:r>
               <a:rPr lang="en-US" sz="3600" dirty="0">
@@ -24506,7 +24510,7 @@
                   <a:schemeClr val="bg1"/>
                 </a:solidFill>
               </a:rPr>
-              <a:t>произведение</a:t>
+              <a:t>съединение</a:t>
             </a:r>
             <a:r>
               <a:rPr lang="ru-RU" sz="3200" b="1" dirty="0">
@@ -24530,7 +24534,7 @@
             </a:pPr>
             <a:r>
               <a:rPr lang="ru-RU" sz="3000" dirty="0"/>
-              <a:t>Същото като </a:t>
+              <a:t>Това на практика създава </a:t>
             </a:r>
             <a:r>
               <a:rPr lang="ru-RU" sz="3000" b="1" dirty="0">
@@ -24542,7 +24546,7 @@
             </a:r>
             <a:r>
               <a:rPr lang="ru-RU" sz="3000" dirty="0"/>
-              <a:t>, се използва </a:t>
+              <a:t> и се използва </a:t>
             </a:r>
             <a:r>
               <a:rPr lang="ru-RU" sz="3000" b="1" dirty="0">
@@ -26247,6 +26251,100 @@
                                           </p:stCondLst>
                                         </p:cTn>
                                         <p:tgtEl>
+                                          <p:spTgt spid="542723">
+                                            <p:txEl>
+                                              <p:pRg st="1" end="1"/>
+                                            </p:txEl>
+                                          </p:spTgt>
+                                        </p:tgtEl>
+                                        <p:attrNameLst>
+                                          <p:attrName>style.visibility</p:attrName>
+                                        </p:attrNameLst>
+                                      </p:cBhvr>
+                                      <p:to>
+                                        <p:strVal val="visible"/>
+                                      </p:to>
+                                    </p:set>
+                                  </p:childTnLst>
+                                </p:cTn>
+                              </p:par>
+                            </p:childTnLst>
+                          </p:cTn>
+                        </p:par>
+                      </p:childTnLst>
+                    </p:cTn>
+                  </p:par>
+                  <p:par>
+                    <p:cTn id="7" fill="hold">
+                      <p:stCondLst>
+                        <p:cond delay="indefinite"/>
+                      </p:stCondLst>
+                      <p:childTnLst>
+                        <p:par>
+                          <p:cTn id="8" fill="hold">
+                            <p:stCondLst>
+                              <p:cond delay="0"/>
+                            </p:stCondLst>
+                            <p:childTnLst>
+                              <p:par>
+                                <p:cTn id="9" presetID="1" presetClass="entr" presetSubtype="0" fill="hold" grpId="0" nodeType="clickEffect">
+                                  <p:stCondLst>
+                                    <p:cond delay="0"/>
+                                  </p:stCondLst>
+                                  <p:childTnLst>
+                                    <p:set>
+                                      <p:cBhvr>
+                                        <p:cTn id="10" dur="1" fill="hold">
+                                          <p:stCondLst>
+                                            <p:cond delay="0"/>
+                                          </p:stCondLst>
+                                        </p:cTn>
+                                        <p:tgtEl>
+                                          <p:spTgt spid="542724"/>
+                                        </p:tgtEl>
+                                        <p:attrNameLst>
+                                          <p:attrName>style.visibility</p:attrName>
+                                        </p:attrNameLst>
+                                      </p:cBhvr>
+                                      <p:to>
+                                        <p:strVal val="visible"/>
+                                      </p:to>
+                                    </p:set>
+                                  </p:childTnLst>
+                                </p:cTn>
+                              </p:par>
+                            </p:childTnLst>
+                          </p:cTn>
+                        </p:par>
+                      </p:childTnLst>
+                    </p:cTn>
+                  </p:par>
+                  <p:par>
+                    <p:cTn id="11" fill="hold">
+                      <p:stCondLst>
+                        <p:cond delay="indefinite"/>
+                      </p:stCondLst>
+                      <p:childTnLst>
+                        <p:par>
+                          <p:cTn id="12" fill="hold">
+                            <p:stCondLst>
+                              <p:cond delay="0"/>
+                            </p:stCondLst>
+                            <p:childTnLst>
+                              <p:par>
+                                <p:cTn id="13" presetID="1" presetClass="entr" presetSubtype="0" fill="hold" nodeType="clickEffect">
+                                  <p:stCondLst>
+                                    <p:cond delay="0"/>
+                                  </p:stCondLst>
+                                  <p:childTnLst>
+                                    <p:set>
+                                      <p:cBhvr>
+                                        <p:cTn id="14" dur="1" fill="hold">
+                                          <p:stCondLst>
+                                            <p:cond delay="0"/>
+                                          </p:stCondLst>
+                                        </p:cTn>
+                                        <p:tgtEl>
                                           <p:spTgt spid="542725"/>
                                         </p:tgtEl>
                                         <p:attrNameLst>
@@ -26287,6 +26385,9 @@
         </p:cTn>
       </p:par>
     </p:tnLst>
+    <p:bldLst>
+      <p:bldP spid="542724" grpId="0" animBg="1"/>
+    </p:bldLst>
   </p:timing>
 </p:sld>
 </file>
@@ -26710,15 +26811,33 @@
                                   </p:childTnLst>
                                 </p:cTn>
                               </p:par>
+                            </p:childTnLst>
+                          </p:cTn>
+                        </p:par>
+                      </p:childTnLst>
+                    </p:cTn>
+                  </p:par>
+                  <p:par>
+                    <p:cTn id="7" fill="hold">
+                      <p:stCondLst>
+                        <p:cond delay="indefinite"/>
+                      </p:stCondLst>
+                      <p:childTnLst>
+                        <p:par>
+                          <p:cTn id="8" fill="hold">
+                            <p:stCondLst>
+                              <p:cond delay="0"/>
+                            </p:stCondLst>
+                            <p:childTnLst>
                               <p:par>
-                                <p:cTn id="7" presetID="1" presetClass="entr" presetSubtype="0" fill="hold" nodeType="withEffect">
+                                <p:cTn id="9" presetID="1" presetClass="entr" presetSubtype="0" fill="hold" nodeType="clickEffect">
                                   <p:stCondLst>
                                     <p:cond delay="0"/>
                                   </p:stCondLst>
                                   <p:childTnLst>
                                     <p:set>
                                       <p:cBhvr>
-                                        <p:cTn id="8" dur="1" fill="hold">
+                                        <p:cTn id="10" dur="1" fill="hold">
                                           <p:stCondLst>
                                             <p:cond delay="0"/>
                                           </p:stCondLst>
@@ -26748,26 +26867,26 @@
                     </p:cTn>
                   </p:par>
                   <p:par>
-                    <p:cTn id="9" fill="hold">
+                    <p:cTn id="11" fill="hold">
                       <p:stCondLst>
                         <p:cond delay="indefinite"/>
                       </p:stCondLst>
                       <p:childTnLst>
                         <p:par>
-                          <p:cTn id="10" fill="hold">
+                          <p:cTn id="12" fill="hold">
                             <p:stCondLst>
                               <p:cond delay="0"/>
                             </p:stCondLst>
                             <p:childTnLst>
                               <p:par>
-                                <p:cTn id="11" presetID="1" presetClass="entr" presetSubtype="0" fill="hold" nodeType="clickEffect">
+                                <p:cTn id="13" presetID="1" presetClass="entr" presetSubtype="0" fill="hold" nodeType="clickEffect">
                                   <p:stCondLst>
                                     <p:cond delay="0"/>
                                   </p:stCondLst>
                                   <p:childTnLst>
                                     <p:set>
                                       <p:cBhvr>
-                                        <p:cTn id="12" dur="1" fill="hold">
+                                        <p:cTn id="14" dur="1" fill="hold">
                                           <p:stCondLst>
                                             <p:cond delay="0"/>
                                           </p:stCondLst>
@@ -26797,26 +26916,26 @@
                     </p:cTn>
                   </p:par>
                   <p:par>
-                    <p:cTn id="13" fill="hold">
+                    <p:cTn id="15" fill="hold">
                       <p:stCondLst>
                         <p:cond delay="indefinite"/>
                       </p:stCondLst>
                       <p:childTnLst>
                         <p:par>
-                          <p:cTn id="14" fill="hold">
+                          <p:cTn id="16" fill="hold">
                             <p:stCondLst>
                               <p:cond delay="0"/>
                             </p:stCondLst>
                             <p:childTnLst>
                               <p:par>
-                                <p:cTn id="15" presetID="1" presetClass="entr" presetSubtype="0" fill="hold" nodeType="clickEffect">
+                                <p:cTn id="17" presetID="1" presetClass="entr" presetSubtype="0" fill="hold" nodeType="clickEffect">
                                   <p:stCondLst>
                                     <p:cond delay="0"/>
                                   </p:stCondLst>
                                   <p:childTnLst>
                                     <p:set>
                                       <p:cBhvr>
-                                        <p:cTn id="16" dur="1" fill="hold">
+                                        <p:cTn id="18" dur="1" fill="hold">
                                           <p:stCondLst>
                                             <p:cond delay="0"/>
                                           </p:stCondLst>
@@ -26846,26 +26965,26 @@
                     </p:cTn>
                   </p:par>
                   <p:par>
-                    <p:cTn id="17" fill="hold">
+                    <p:cTn id="19" fill="hold">
                       <p:stCondLst>
                         <p:cond delay="indefinite"/>
                       </p:stCondLst>
                       <p:childTnLst>
                         <p:par>
-                          <p:cTn id="18" fill="hold">
+                          <p:cTn id="20" fill="hold">
                             <p:stCondLst>
                               <p:cond delay="0"/>
                             </p:stCondLst>
                             <p:childTnLst>
                               <p:par>
-                                <p:cTn id="19" presetID="1" presetClass="entr" presetSubtype="0" fill="hold" nodeType="clickEffect">
+                                <p:cTn id="21" presetID="1" presetClass="entr" presetSubtype="0" fill="hold" nodeType="clickEffect">
                                   <p:stCondLst>
                                     <p:cond delay="0"/>
                                   </p:stCondLst>
                                   <p:childTnLst>
                                     <p:set>
                                       <p:cBhvr>
-                                        <p:cTn id="20" dur="1" fill="hold">
+                                        <p:cTn id="22" dur="1" fill="hold">
                                           <p:stCondLst>
                                             <p:cond delay="0"/>
                                           </p:stCondLst>
@@ -26959,10 +27078,25 @@
               <a:lnSpc>
                 <a:spcPct val="100000"/>
               </a:lnSpc>
+              <a:buClr>
+                <a:schemeClr val="tx1"/>
+              </a:buClr>
             </a:pPr>
             <a:r>
+              <a:rPr lang="en-US" b="1" dirty="0">
+                <a:solidFill>
+                  <a:schemeClr val="bg1"/>
+                </a:solidFill>
+              </a:rPr>
+              <a:t>EQUI Join</a:t>
+            </a:r>
+            <a:r>
+              <a:rPr lang="en-US" b="1" dirty="0"/>
+              <a:t> </a:t>
+            </a:r>
+            <a:r>
               <a:rPr lang="en-US" dirty="0"/>
-              <a:t>EQUI Join == </a:t>
+              <a:t>== </a:t>
             </a:r>
             <a:r>
               <a:rPr lang="bg-BG" dirty="0"/>
@@ -26978,7 +27112,7 @@
             </a:r>
             <a:r>
               <a:rPr lang="ru-RU" dirty="0"/>
-              <a:t>са избутани до</a:t>
+              <a:t>са избутани в</a:t>
             </a:r>
             <a:r>
               <a:rPr lang="en-US" dirty="0"/>
@@ -32872,7 +33006,7 @@
             <a:r>
               <a:rPr lang="ru-RU" b="1" dirty="0">
                 <a:solidFill>
-                  <a:schemeClr val="accent1"/>
+                  <a:schemeClr val="bg1"/>
                 </a:solidFill>
               </a:rPr>
               <a:t>Самостоятелно съединяване</a:t>
@@ -36769,7 +36903,7 @@
                   <a:schemeClr val="bg2"/>
                 </a:solidFill>
               </a:rPr>
-              <a:t>За да се избегне – </a:t>
+              <a:t>Трябва да се избягва – задавайте </a:t>
             </a:r>
             <a:r>
               <a:rPr lang="bg-BG" sz="2800" b="1" dirty="0">
@@ -37731,7 +37865,7 @@
 </file>
 
 <file path=ppt/slides/slide26.xml><?xml version="1.0" encoding="utf-8"?>
-<p:sld xmlns:a="http://schemas.openxmlformats.org/drawingml/2006/main" xmlns:r="http://schemas.openxmlformats.org/officeDocument/2006/relationships" xmlns:p="http://schemas.openxmlformats.org/presentationml/2006/main">
+<p:sld xmlns:a="http://schemas.openxmlformats.org/drawingml/2006/main" xmlns:r="http://schemas.openxmlformats.org/officeDocument/2006/relationships" xmlns:p="http://schemas.openxmlformats.org/presentationml/2006/main" show="0">
   <p:cSld>
     <p:spTree>
       <p:nvGrpSpPr>
@@ -38102,11 +38236,11 @@
   <p:clrMapOvr>
     <a:masterClrMapping/>
   </p:clrMapOvr>
-  <mc:AlternateContent xmlns:mc="http://schemas.openxmlformats.org/markup-compatibility/2006" xmlns:p14="http://schemas.microsoft.com/office/powerpoint/2010/main">
-    <mc:Choice Requires="p14">
+  <mc:AlternateContent xmlns:mc="http://schemas.openxmlformats.org/markup-compatibility/2006">
+    <mc:Choice xmlns:p14="http://schemas.microsoft.com/office/powerpoint/2010/main" Requires="p14">
       <p:transition spd="slow" p14:dur="2000" advClick="0" advTm="5000"/>
     </mc:Choice>
-    <mc:Fallback xmlns="">
+    <mc:Fallback>
       <p:transition spd="slow" advClick="0" advTm="5000"/>
     </mc:Fallback>
   </mc:AlternateContent>
@@ -38261,7 +38395,7 @@
         </p:nvGrpSpPr>
         <p:grpSpPr bwMode="auto">
           <a:xfrm>
-            <a:off x="8177911" y="4005262"/>
+            <a:off x="8177911" y="4381034"/>
             <a:ext cx="647869" cy="1511300"/>
             <a:chOff x="4150" y="2578"/>
             <a:chExt cx="408" cy="952"/>
@@ -38354,7 +38488,7 @@
         </p:nvGrpSpPr>
         <p:grpSpPr bwMode="auto">
           <a:xfrm>
-            <a:off x="2896991" y="4003677"/>
+            <a:off x="2896991" y="4379449"/>
             <a:ext cx="849534" cy="1512887"/>
             <a:chOff x="930" y="2577"/>
             <a:chExt cx="535" cy="953"/>
@@ -38516,13 +38650,13 @@
           <p:nvPr>
             <p:extLst>
               <p:ext uri="{D42A27DB-BD31-4B8C-83A1-F6EECF244321}">
-                <p14:modId xmlns:p14="http://schemas.microsoft.com/office/powerpoint/2010/main" val="2988802164"/>
+                <p14:modId xmlns:p14="http://schemas.microsoft.com/office/powerpoint/2010/main" val="1463821151"/>
               </p:ext>
             </p:extLst>
           </p:nvPr>
         </p:nvGraphicFramePr>
         <p:xfrm>
-          <a:off x="2056348" y="2209800"/>
+          <a:off x="2056348" y="2585572"/>
           <a:ext cx="3633782" cy="1668780"/>
         </p:xfrm>
         <a:graphic>
@@ -39366,13 +39500,13 @@
           <p:nvPr>
             <p:extLst>
               <p:ext uri="{D42A27DB-BD31-4B8C-83A1-F6EECF244321}">
-                <p14:modId xmlns:p14="http://schemas.microsoft.com/office/powerpoint/2010/main" val="846641954"/>
+                <p14:modId xmlns:p14="http://schemas.microsoft.com/office/powerpoint/2010/main" val="1795810045"/>
               </p:ext>
             </p:extLst>
           </p:nvPr>
         </p:nvGraphicFramePr>
         <p:xfrm>
-          <a:off x="6102351" y="2209800"/>
+          <a:off x="6102351" y="2585572"/>
           <a:ext cx="3779870" cy="1668780"/>
         </p:xfrm>
         <a:graphic>
@@ -39430,7 +39564,7 @@
                           <a:effectLst/>
                           <a:latin typeface="+mj-lt"/>
                         </a:rPr>
-                        <a:t>DepartmentID</a:t>
+                        <a:t>ID</a:t>
                       </a:r>
                     </a:p>
                   </a:txBody>
@@ -40216,13 +40350,13 @@
           <p:nvPr>
             <p:extLst>
               <p:ext uri="{D42A27DB-BD31-4B8C-83A1-F6EECF244321}">
-                <p14:modId xmlns:p14="http://schemas.microsoft.com/office/powerpoint/2010/main" val="46705198"/>
+                <p14:modId xmlns:p14="http://schemas.microsoft.com/office/powerpoint/2010/main" val="437942717"/>
               </p:ext>
             </p:extLst>
           </p:nvPr>
         </p:nvGraphicFramePr>
         <p:xfrm>
-          <a:off x="3821784" y="4449762"/>
+          <a:off x="3821784" y="4825534"/>
           <a:ext cx="4287367" cy="1668780"/>
         </p:xfrm>
         <a:graphic>
@@ -41096,6 +41230,120 @@
               <a:t>4</a:t>
             </a:fld>
             <a:endParaRPr lang="en-US" noProof="0" dirty="0"/>
+          </a:p>
+        </p:txBody>
+      </p:sp>
+      <p:sp>
+        <p:nvSpPr>
+          <p:cNvPr id="4" name="TextBox 3">
+            <a:extLst>
+              <a:ext uri="{FF2B5EF4-FFF2-40B4-BE49-F238E27FC236}">
+                <a16:creationId xmlns:a16="http://schemas.microsoft.com/office/drawing/2014/main" id="{480A4583-8817-9776-975E-64D9D538C9A0}"/>
+              </a:ext>
+            </a:extLst>
+          </p:cNvPr>
+          <p:cNvSpPr txBox="1"/>
+          <p:nvPr/>
+        </p:nvSpPr>
+        <p:spPr>
+          <a:xfrm>
+            <a:off x="2896991" y="1899000"/>
+            <a:ext cx="1820077" cy="601997"/>
+          </a:xfrm>
+          <a:prstGeom prst="rect">
+            <a:avLst/>
+          </a:prstGeom>
+          <a:noFill/>
+          <a:ln w="12700">
+            <a:noFill/>
+          </a:ln>
+        </p:spPr>
+        <p:txBody>
+          <a:bodyPr vert="horz" wrap="none" lIns="144000" tIns="108000" rIns="144000" bIns="108000" rtlCol="0">
+            <a:spAutoFit/>
+          </a:bodyPr>
+          <a:lstStyle/>
+          <a:p>
+            <a:pPr algn="l" eaLnBrk="0" hangingPunct="0">
+              <a:lnSpc>
+                <a:spcPct val="110000"/>
+              </a:lnSpc>
+              <a:buClr>
+                <a:schemeClr val="accent5">
+                  <a:lumMod val="40000"/>
+                  <a:lumOff val="60000"/>
+                </a:schemeClr>
+              </a:buClr>
+              <a:buSzPct val="70000"/>
+            </a:pPr>
+            <a:r>
+              <a:rPr lang="en-US" sz="2400" b="1" dirty="0">
+                <a:latin typeface="Consolas" panose="020B0609020204030204" pitchFamily="49" charset="0"/>
+                <a:cs typeface="Consolas" panose="020B0609020204030204" pitchFamily="49" charset="0"/>
+              </a:rPr>
+              <a:t>Employees</a:t>
+            </a:r>
+            <a:endParaRPr lang="bg-BG" sz="2400" b="1" dirty="0">
+              <a:latin typeface="Consolas" panose="020B0609020204030204" pitchFamily="49" charset="0"/>
+              <a:cs typeface="Consolas" panose="020B0609020204030204" pitchFamily="49" charset="0"/>
+            </a:endParaRPr>
+          </a:p>
+        </p:txBody>
+      </p:sp>
+      <p:sp>
+        <p:nvSpPr>
+          <p:cNvPr id="6" name="TextBox 5">
+            <a:extLst>
+              <a:ext uri="{FF2B5EF4-FFF2-40B4-BE49-F238E27FC236}">
+                <a16:creationId xmlns:a16="http://schemas.microsoft.com/office/drawing/2014/main" id="{738BC22E-4AFE-9629-270A-E5F62A7A966D}"/>
+              </a:ext>
+            </a:extLst>
+          </p:cNvPr>
+          <p:cNvSpPr txBox="1"/>
+          <p:nvPr/>
+        </p:nvSpPr>
+        <p:spPr>
+          <a:xfrm>
+            <a:off x="6912329" y="1920416"/>
+            <a:ext cx="2159914" cy="601997"/>
+          </a:xfrm>
+          <a:prstGeom prst="rect">
+            <a:avLst/>
+          </a:prstGeom>
+          <a:noFill/>
+          <a:ln w="12700">
+            <a:noFill/>
+          </a:ln>
+        </p:spPr>
+        <p:txBody>
+          <a:bodyPr vert="horz" wrap="none" lIns="144000" tIns="108000" rIns="144000" bIns="108000" rtlCol="0">
+            <a:spAutoFit/>
+          </a:bodyPr>
+          <a:lstStyle/>
+          <a:p>
+            <a:pPr algn="l" eaLnBrk="0" hangingPunct="0">
+              <a:lnSpc>
+                <a:spcPct val="110000"/>
+              </a:lnSpc>
+              <a:buClr>
+                <a:schemeClr val="accent5">
+                  <a:lumMod val="40000"/>
+                  <a:lumOff val="60000"/>
+                </a:schemeClr>
+              </a:buClr>
+              <a:buSzPct val="70000"/>
+            </a:pPr>
+            <a:r>
+              <a:rPr lang="en-US" sz="2400" b="1" dirty="0">
+                <a:latin typeface="Consolas" panose="020B0609020204030204" pitchFamily="49" charset="0"/>
+                <a:cs typeface="Consolas" panose="020B0609020204030204" pitchFamily="49" charset="0"/>
+              </a:rPr>
+              <a:t>Departments</a:t>
+            </a:r>
+            <a:endParaRPr lang="bg-BG" sz="2400" b="1" dirty="0">
+              <a:latin typeface="Consolas" panose="020B0609020204030204" pitchFamily="49" charset="0"/>
+              <a:cs typeface="Consolas" panose="020B0609020204030204" pitchFamily="49" charset="0"/>
+            </a:endParaRPr>
           </a:p>
         </p:txBody>
       </p:sp>
@@ -41319,34 +41567,19 @@
               </a:rPr>
               <a:t>и</a:t>
             </a:r>
+            <a:r>
+              <a:rPr lang="ru-RU" dirty="0"/>
+              <a:t> </a:t>
+            </a:r>
+            <a:r>
+              <a:rPr lang="bg-BG" dirty="0"/>
+              <a:t>с цел:</a:t>
+            </a:r>
             <a:endParaRPr lang="en-US" b="1" dirty="0">
               <a:solidFill>
                 <a:schemeClr val="bg1"/>
               </a:solidFill>
             </a:endParaRPr>
-          </a:p>
-          <a:p>
-            <a:pPr lvl="1"/>
-            <a:r>
-              <a:rPr lang="bg-BG" dirty="0"/>
-              <a:t>Д</a:t>
-            </a:r>
-            <a:r>
-              <a:rPr lang="ru-RU" dirty="0"/>
-              <a:t>анни от </a:t>
-            </a:r>
-            <a:r>
-              <a:rPr lang="ru-RU" b="1" dirty="0">
-                <a:solidFill>
-                  <a:schemeClr val="bg1"/>
-                </a:solidFill>
-              </a:rPr>
-              <a:t>различни</a:t>
-            </a:r>
-            <a:r>
-              <a:rPr lang="ru-RU" dirty="0"/>
-              <a:t> места</a:t>
-            </a:r>
           </a:p>
           <a:p>
             <a:pPr lvl="1"/>
@@ -41466,7 +41699,7 @@
         </p:blipFill>
         <p:spPr bwMode="auto">
           <a:xfrm>
-            <a:off x="9296400" y="4495800"/>
+            <a:off x="4991099" y="4501633"/>
             <a:ext cx="2209801" cy="2209801"/>
           </a:xfrm>
           <a:prstGeom prst="rect">
@@ -41571,7 +41804,7 @@
                                         <p:tgtEl>
                                           <p:spTgt spid="3">
                                             <p:txEl>
-                                              <p:pRg st="2" end="2"/>
+                                              <p:pRg st="1" end="1"/>
                                             </p:txEl>
                                           </p:spTgt>
                                         </p:tgtEl>
@@ -41620,7 +41853,7 @@
                                         <p:tgtEl>
                                           <p:spTgt spid="3">
                                             <p:txEl>
-                                              <p:pRg st="3" end="3"/>
+                                              <p:pRg st="2" end="2"/>
                                             </p:txEl>
                                           </p:spTgt>
                                         </p:tgtEl>
@@ -41669,7 +41902,7 @@
                                         <p:tgtEl>
                                           <p:spTgt spid="3">
                                             <p:txEl>
-                                              <p:pRg st="4" end="4"/>
+                                              <p:pRg st="3" end="3"/>
                                             </p:txEl>
                                           </p:spTgt>
                                         </p:tgtEl>
@@ -42223,1856 +42456,6 @@
       </p:grpSpPr>
       <p:sp>
         <p:nvSpPr>
-          <p:cNvPr id="523266" name="Rectangle 2"/>
-          <p:cNvSpPr>
-            <a:spLocks noGrp="1" noChangeArrowheads="1"/>
-          </p:cNvSpPr>
-          <p:nvPr>
-            <p:ph type="title"/>
-          </p:nvPr>
-        </p:nvSpPr>
-        <p:spPr/>
-        <p:txBody>
-          <a:bodyPr/>
-          <a:lstStyle/>
-          <a:p>
-            <a:r>
-              <a:rPr lang="bg-BG" dirty="0"/>
-              <a:t>Декартово произведение</a:t>
-            </a:r>
-            <a:r>
-              <a:rPr lang="en-US" dirty="0"/>
-              <a:t> (1)</a:t>
-            </a:r>
-          </a:p>
-        </p:txBody>
-      </p:sp>
-      <p:sp>
-        <p:nvSpPr>
-          <p:cNvPr id="523267" name="Rectangle 3"/>
-          <p:cNvSpPr>
-            <a:spLocks noGrp="1" noChangeArrowheads="1"/>
-          </p:cNvSpPr>
-          <p:nvPr>
-            <p:ph idx="4294967295"/>
-          </p:nvPr>
-        </p:nvSpPr>
-        <p:spPr>
-          <a:xfrm>
-            <a:off x="190463" y="1151122"/>
-            <a:ext cx="11807897" cy="5570355"/>
-          </a:xfrm>
-          <a:prstGeom prst="rect">
-            <a:avLst/>
-          </a:prstGeom>
-        </p:spPr>
-        <p:txBody>
-          <a:bodyPr/>
-          <a:lstStyle/>
-          <a:p>
-            <a:pPr>
-              <a:lnSpc>
-                <a:spcPct val="90000"/>
-              </a:lnSpc>
-            </a:pPr>
-            <a:r>
-              <a:rPr lang="ru-RU" dirty="0"/>
-              <a:t>Тази заявка ще направи декартово произведение</a:t>
-            </a:r>
-            <a:r>
-              <a:rPr lang="en-US" dirty="0"/>
-              <a:t>:</a:t>
-            </a:r>
-          </a:p>
-          <a:p>
-            <a:pPr>
-              <a:lnSpc>
-                <a:spcPct val="90000"/>
-              </a:lnSpc>
-            </a:pPr>
-            <a:endParaRPr lang="en-US" dirty="0"/>
-          </a:p>
-          <a:p>
-            <a:pPr>
-              <a:lnSpc>
-                <a:spcPct val="90000"/>
-              </a:lnSpc>
-            </a:pPr>
-            <a:endParaRPr lang="en-US" dirty="0"/>
-          </a:p>
-          <a:p>
-            <a:pPr>
-              <a:lnSpc>
-                <a:spcPct val="90000"/>
-              </a:lnSpc>
-            </a:pPr>
-            <a:r>
-              <a:rPr lang="bg-BG" dirty="0"/>
-              <a:t>Резултатът</a:t>
-            </a:r>
-            <a:r>
-              <a:rPr lang="en-US" dirty="0"/>
-              <a:t>:</a:t>
-            </a:r>
-          </a:p>
-        </p:txBody>
-      </p:sp>
-      <p:sp>
-        <p:nvSpPr>
-          <p:cNvPr id="523268" name="Rectangle 4"/>
-          <p:cNvSpPr>
-            <a:spLocks noChangeArrowheads="1"/>
-          </p:cNvSpPr>
-          <p:nvPr/>
-        </p:nvSpPr>
-        <p:spPr bwMode="auto">
-          <a:xfrm>
-            <a:off x="2361227" y="1905000"/>
-            <a:ext cx="7393325" cy="892552"/>
-          </a:xfrm>
-          <a:prstGeom prst="rect">
-            <a:avLst/>
-          </a:prstGeom>
-          <a:solidFill>
-            <a:schemeClr val="accent5">
-              <a:lumMod val="40000"/>
-              <a:lumOff val="60000"/>
-              <a:alpha val="15000"/>
-            </a:schemeClr>
-          </a:solidFill>
-          <a:ln w="12700">
-            <a:solidFill>
-              <a:schemeClr val="accent5">
-                <a:lumMod val="60000"/>
-                <a:lumOff val="40000"/>
-              </a:schemeClr>
-            </a:solidFill>
-          </a:ln>
-        </p:spPr>
-        <p:txBody>
-          <a:bodyPr wrap="square">
-            <a:spAutoFit/>
-          </a:bodyPr>
-          <a:lstStyle/>
-          <a:p>
-            <a:pPr eaLnBrk="0" hangingPunct="0">
-              <a:buClr>
-                <a:schemeClr val="accent5">
-                  <a:lumMod val="40000"/>
-                  <a:lumOff val="60000"/>
-                </a:schemeClr>
-              </a:buClr>
-              <a:buSzPct val="70000"/>
-            </a:pPr>
-            <a:r>
-              <a:rPr lang="en-US" sz="2600" b="1" noProof="1">
-                <a:solidFill>
-                  <a:schemeClr val="bg1"/>
-                </a:solidFill>
-                <a:latin typeface="Consolas" pitchFamily="49" charset="0"/>
-                <a:cs typeface="Consolas" pitchFamily="49" charset="0"/>
-              </a:rPr>
-              <a:t>SELECT </a:t>
-            </a:r>
-            <a:r>
-              <a:rPr lang="en-US" sz="2600" b="1" noProof="1">
-                <a:latin typeface="Consolas" pitchFamily="49" charset="0"/>
-                <a:cs typeface="Consolas" pitchFamily="49" charset="0"/>
-              </a:rPr>
-              <a:t>LastName, Name AS DepartmentName</a:t>
-            </a:r>
-          </a:p>
-          <a:p>
-            <a:pPr eaLnBrk="0" hangingPunct="0">
-              <a:buClr>
-                <a:schemeClr val="accent5">
-                  <a:lumMod val="40000"/>
-                  <a:lumOff val="60000"/>
-                </a:schemeClr>
-              </a:buClr>
-              <a:buSzPct val="70000"/>
-            </a:pPr>
-            <a:r>
-              <a:rPr lang="en-US" sz="2600" b="1" noProof="1">
-                <a:solidFill>
-                  <a:schemeClr val="bg1"/>
-                </a:solidFill>
-                <a:latin typeface="Consolas" pitchFamily="49" charset="0"/>
-                <a:cs typeface="Consolas" pitchFamily="49" charset="0"/>
-              </a:rPr>
-              <a:t>FROM </a:t>
-            </a:r>
-            <a:r>
-              <a:rPr lang="en-US" sz="2600" b="1" noProof="1">
-                <a:latin typeface="Consolas" pitchFamily="49" charset="0"/>
-                <a:cs typeface="Consolas" pitchFamily="49" charset="0"/>
-              </a:rPr>
-              <a:t>Employees, Departments</a:t>
-            </a:r>
-          </a:p>
-        </p:txBody>
-      </p:sp>
-      <p:graphicFrame>
-        <p:nvGraphicFramePr>
-          <p:cNvPr id="523269" name="Group 5"/>
-          <p:cNvGraphicFramePr>
-            <a:graphicFrameLocks noGrp="1"/>
-          </p:cNvGraphicFramePr>
-          <p:nvPr>
-            <p:extLst>
-              <p:ext uri="{D42A27DB-BD31-4B8C-83A1-F6EECF244321}">
-                <p14:modId xmlns:p14="http://schemas.microsoft.com/office/powerpoint/2010/main" val="3047789939"/>
-              </p:ext>
-            </p:extLst>
-          </p:nvPr>
-        </p:nvGraphicFramePr>
-        <p:xfrm>
-          <a:off x="3352085" y="3505200"/>
-          <a:ext cx="5564049" cy="2898648"/>
-        </p:xfrm>
-        <a:graphic>
-          <a:graphicData uri="http://schemas.openxmlformats.org/drawingml/2006/table">
-            <a:tbl>
-              <a:tblPr/>
-              <a:tblGrid>
-                <a:gridCol w="2118423">
-                  <a:extLst>
-                    <a:ext uri="{9D8B030D-6E8A-4147-A177-3AD203B41FA5}">
-                      <a16:colId xmlns:a16="http://schemas.microsoft.com/office/drawing/2014/main" val="20000"/>
-                    </a:ext>
-                  </a:extLst>
-                </a:gridCol>
-                <a:gridCol w="3445626">
-                  <a:extLst>
-                    <a:ext uri="{9D8B030D-6E8A-4147-A177-3AD203B41FA5}">
-                      <a16:colId xmlns:a16="http://schemas.microsoft.com/office/drawing/2014/main" val="20001"/>
-                    </a:ext>
-                  </a:extLst>
-                </a:gridCol>
-              </a:tblGrid>
-              <a:tr h="342900">
-                <a:tc>
-                  <a:txBody>
-                    <a:bodyPr/>
-                    <a:lstStyle/>
-                    <a:p>
-                      <a:pPr marL="0" marR="0" lvl="0" indent="0" algn="ctr" defTabSz="914400" rtl="0" eaLnBrk="0" fontAlgn="base" latinLnBrk="0" hangingPunct="0">
-                        <a:lnSpc>
-                          <a:spcPct val="95000"/>
-                        </a:lnSpc>
-                        <a:spcBef>
-                          <a:spcPct val="40000"/>
-                        </a:spcBef>
-                        <a:spcAft>
-                          <a:spcPct val="0"/>
-                        </a:spcAft>
-                        <a:buClr>
-                          <a:schemeClr val="tx1"/>
-                        </a:buClr>
-                        <a:buSzTx/>
-                        <a:buFontTx/>
-                        <a:buNone/>
-                        <a:tabLst/>
-                      </a:pPr>
-                      <a:r>
-                        <a:rPr kumimoji="1" lang="en-US" sz="2400" b="1" i="0" u="none" strike="noStrike" cap="none" normalizeH="0" baseline="0" noProof="1">
-                          <a:ln>
-                            <a:noFill/>
-                          </a:ln>
-                          <a:solidFill>
-                            <a:schemeClr val="tx1"/>
-                          </a:solidFill>
-                          <a:effectLst/>
-                          <a:latin typeface="+mj-lt"/>
-                        </a:rPr>
-                        <a:t>LastName</a:t>
-                      </a:r>
-                    </a:p>
-                  </a:txBody>
-                  <a:tcPr marL="91464" marR="91464" anchor="ctr" horzOverflow="overflow">
-                    <a:lnL w="28575" cap="flat" cmpd="sng" algn="ctr">
-                      <a:solidFill>
-                        <a:schemeClr val="accent5">
-                          <a:lumMod val="20000"/>
-                          <a:lumOff val="80000"/>
-                        </a:schemeClr>
-                      </a:solidFill>
-                      <a:prstDash val="solid"/>
-                      <a:round/>
-                      <a:headEnd type="none" w="med" len="med"/>
-                      <a:tailEnd type="none" w="med" len="med"/>
-                    </a:lnL>
-                    <a:lnR w="28575" cap="flat" cmpd="sng" algn="ctr">
-                      <a:solidFill>
-                        <a:schemeClr val="accent5">
-                          <a:lumMod val="20000"/>
-                          <a:lumOff val="80000"/>
-                        </a:schemeClr>
-                      </a:solidFill>
-                      <a:prstDash val="solid"/>
-                      <a:round/>
-                      <a:headEnd type="none" w="med" len="med"/>
-                      <a:tailEnd type="none" w="med" len="med"/>
-                    </a:lnR>
-                    <a:lnT w="28575" cap="flat" cmpd="sng" algn="ctr">
-                      <a:solidFill>
-                        <a:schemeClr val="accent5">
-                          <a:lumMod val="20000"/>
-                          <a:lumOff val="80000"/>
-                        </a:schemeClr>
-                      </a:solidFill>
-                      <a:prstDash val="solid"/>
-                      <a:round/>
-                      <a:headEnd type="none" w="med" len="med"/>
-                      <a:tailEnd type="none" w="med" len="med"/>
-                    </a:lnT>
-                    <a:lnB w="28575" cap="flat" cmpd="sng" algn="ctr">
-                      <a:solidFill>
-                        <a:schemeClr val="accent5">
-                          <a:lumMod val="20000"/>
-                          <a:lumOff val="80000"/>
-                        </a:schemeClr>
-                      </a:solidFill>
-                      <a:prstDash val="solid"/>
-                      <a:round/>
-                      <a:headEnd type="none" w="med" len="med"/>
-                      <a:tailEnd type="none" w="med" len="med"/>
-                    </a:lnB>
-                    <a:lnTlToBr>
-                      <a:noFill/>
-                    </a:lnTlToBr>
-                    <a:lnBlToTr>
-                      <a:noFill/>
-                    </a:lnBlToTr>
-                    <a:solidFill>
-                      <a:schemeClr val="accent5">
-                        <a:lumMod val="60000"/>
-                        <a:lumOff val="40000"/>
-                        <a:alpha val="50000"/>
-                      </a:schemeClr>
-                    </a:solidFill>
-                  </a:tcPr>
-                </a:tc>
-                <a:tc>
-                  <a:txBody>
-                    <a:bodyPr/>
-                    <a:lstStyle/>
-                    <a:p>
-                      <a:pPr marL="0" marR="0" lvl="0" indent="0" algn="ctr" defTabSz="914400" rtl="0" eaLnBrk="0" fontAlgn="base" latinLnBrk="0" hangingPunct="0">
-                        <a:lnSpc>
-                          <a:spcPct val="95000"/>
-                        </a:lnSpc>
-                        <a:spcBef>
-                          <a:spcPct val="40000"/>
-                        </a:spcBef>
-                        <a:spcAft>
-                          <a:spcPct val="0"/>
-                        </a:spcAft>
-                        <a:buClr>
-                          <a:schemeClr val="tx1"/>
-                        </a:buClr>
-                        <a:buSzTx/>
-                        <a:buFontTx/>
-                        <a:buNone/>
-                        <a:tabLst/>
-                      </a:pPr>
-                      <a:r>
-                        <a:rPr kumimoji="1" lang="en-US" sz="2400" b="1" i="0" u="none" strike="noStrike" cap="none" normalizeH="0" baseline="0" dirty="0">
-                          <a:ln>
-                            <a:noFill/>
-                          </a:ln>
-                          <a:solidFill>
-                            <a:schemeClr val="tx1"/>
-                          </a:solidFill>
-                          <a:effectLst/>
-                          <a:latin typeface="+mj-lt"/>
-                        </a:rPr>
-                        <a:t>Department</a:t>
-                      </a:r>
-                      <a:r>
-                        <a:rPr kumimoji="1" lang="en-US" sz="2400" b="1" i="0" u="none" strike="noStrike" cap="none" normalizeH="0" baseline="0" noProof="1">
-                          <a:ln>
-                            <a:noFill/>
-                          </a:ln>
-                          <a:solidFill>
-                            <a:schemeClr val="tx1"/>
-                          </a:solidFill>
-                          <a:effectLst/>
-                          <a:latin typeface="+mj-lt"/>
-                        </a:rPr>
-                        <a:t>Name</a:t>
-                      </a:r>
-                    </a:p>
-                  </a:txBody>
-                  <a:tcPr marL="91464" marR="91464" anchor="ctr" horzOverflow="overflow">
-                    <a:lnL w="28575" cap="flat" cmpd="sng" algn="ctr">
-                      <a:solidFill>
-                        <a:schemeClr val="accent5">
-                          <a:lumMod val="20000"/>
-                          <a:lumOff val="80000"/>
-                        </a:schemeClr>
-                      </a:solidFill>
-                      <a:prstDash val="solid"/>
-                      <a:round/>
-                      <a:headEnd type="none" w="med" len="med"/>
-                      <a:tailEnd type="none" w="med" len="med"/>
-                    </a:lnL>
-                    <a:lnR w="28575" cap="flat" cmpd="sng" algn="ctr">
-                      <a:solidFill>
-                        <a:schemeClr val="accent5">
-                          <a:lumMod val="20000"/>
-                          <a:lumOff val="80000"/>
-                        </a:schemeClr>
-                      </a:solidFill>
-                      <a:prstDash val="solid"/>
-                      <a:round/>
-                      <a:headEnd type="none" w="med" len="med"/>
-                      <a:tailEnd type="none" w="med" len="med"/>
-                    </a:lnR>
-                    <a:lnT w="28575" cap="flat" cmpd="sng" algn="ctr">
-                      <a:solidFill>
-                        <a:schemeClr val="accent5">
-                          <a:lumMod val="20000"/>
-                          <a:lumOff val="80000"/>
-                        </a:schemeClr>
-                      </a:solidFill>
-                      <a:prstDash val="solid"/>
-                      <a:round/>
-                      <a:headEnd type="none" w="med" len="med"/>
-                      <a:tailEnd type="none" w="med" len="med"/>
-                    </a:lnT>
-                    <a:lnB w="28575" cap="flat" cmpd="sng" algn="ctr">
-                      <a:solidFill>
-                        <a:schemeClr val="accent5">
-                          <a:lumMod val="20000"/>
-                          <a:lumOff val="80000"/>
-                        </a:schemeClr>
-                      </a:solidFill>
-                      <a:prstDash val="solid"/>
-                      <a:round/>
-                      <a:headEnd type="none" w="med" len="med"/>
-                      <a:tailEnd type="none" w="med" len="med"/>
-                    </a:lnB>
-                    <a:lnTlToBr>
-                      <a:noFill/>
-                    </a:lnTlToBr>
-                    <a:lnBlToTr>
-                      <a:noFill/>
-                    </a:lnBlToTr>
-                    <a:solidFill>
-                      <a:schemeClr val="accent5">
-                        <a:lumMod val="60000"/>
-                        <a:lumOff val="40000"/>
-                        <a:alpha val="50000"/>
-                      </a:schemeClr>
-                    </a:solidFill>
-                  </a:tcPr>
-                </a:tc>
-                <a:extLst>
-                  <a:ext uri="{0D108BD9-81ED-4DB2-BD59-A6C34878D82A}">
-                    <a16:rowId xmlns:a16="http://schemas.microsoft.com/office/drawing/2014/main" val="10000"/>
-                  </a:ext>
-                </a:extLst>
-              </a:tr>
-              <a:tr h="342900">
-                <a:tc>
-                  <a:txBody>
-                    <a:bodyPr/>
-                    <a:lstStyle/>
-                    <a:p>
-                      <a:pPr marL="0" marR="0" lvl="0" indent="0" algn="l" defTabSz="914400" rtl="0" eaLnBrk="0" fontAlgn="base" latinLnBrk="0" hangingPunct="0">
-                        <a:lnSpc>
-                          <a:spcPct val="95000"/>
-                        </a:lnSpc>
-                        <a:spcBef>
-                          <a:spcPct val="40000"/>
-                        </a:spcBef>
-                        <a:spcAft>
-                          <a:spcPct val="0"/>
-                        </a:spcAft>
-                        <a:buClr>
-                          <a:schemeClr val="tx1"/>
-                        </a:buClr>
-                        <a:buSzTx/>
-                        <a:buFontTx/>
-                        <a:buNone/>
-                        <a:tabLst/>
-                      </a:pPr>
-                      <a:r>
-                        <a:rPr kumimoji="1" lang="en-US" sz="2200" b="0" i="0" u="none" strike="noStrike" cap="none" normalizeH="0" baseline="0" noProof="1">
-                          <a:ln>
-                            <a:noFill/>
-                          </a:ln>
-                          <a:solidFill>
-                            <a:schemeClr val="tx1"/>
-                          </a:solidFill>
-                          <a:effectLst/>
-                          <a:latin typeface="+mn-lt"/>
-                        </a:rPr>
-                        <a:t>Duffy</a:t>
-                      </a:r>
-                    </a:p>
-                  </a:txBody>
-                  <a:tcPr marL="91464" marR="91464" anchor="ctr" horzOverflow="overflow">
-                    <a:lnL w="28575" cap="flat" cmpd="sng" algn="ctr">
-                      <a:solidFill>
-                        <a:schemeClr val="accent5">
-                          <a:lumMod val="20000"/>
-                          <a:lumOff val="80000"/>
-                        </a:schemeClr>
-                      </a:solidFill>
-                      <a:prstDash val="solid"/>
-                      <a:round/>
-                      <a:headEnd type="none" w="med" len="med"/>
-                      <a:tailEnd type="none" w="med" len="med"/>
-                    </a:lnL>
-                    <a:lnR w="28575" cap="flat" cmpd="sng" algn="ctr">
-                      <a:solidFill>
-                        <a:schemeClr val="accent5">
-                          <a:lumMod val="20000"/>
-                          <a:lumOff val="80000"/>
-                        </a:schemeClr>
-                      </a:solidFill>
-                      <a:prstDash val="solid"/>
-                      <a:round/>
-                      <a:headEnd type="none" w="med" len="med"/>
-                      <a:tailEnd type="none" w="med" len="med"/>
-                    </a:lnR>
-                    <a:lnT w="28575" cap="flat" cmpd="sng" algn="ctr">
-                      <a:solidFill>
-                        <a:schemeClr val="accent5">
-                          <a:lumMod val="20000"/>
-                          <a:lumOff val="80000"/>
-                        </a:schemeClr>
-                      </a:solidFill>
-                      <a:prstDash val="solid"/>
-                      <a:round/>
-                      <a:headEnd type="none" w="med" len="med"/>
-                      <a:tailEnd type="none" w="med" len="med"/>
-                    </a:lnT>
-                    <a:lnB w="28575" cap="flat" cmpd="sng" algn="ctr">
-                      <a:solidFill>
-                        <a:schemeClr val="accent5">
-                          <a:lumMod val="20000"/>
-                          <a:lumOff val="80000"/>
-                        </a:schemeClr>
-                      </a:solidFill>
-                      <a:prstDash val="solid"/>
-                      <a:round/>
-                      <a:headEnd type="none" w="med" len="med"/>
-                      <a:tailEnd type="none" w="med" len="med"/>
-                    </a:lnB>
-                    <a:lnTlToBr>
-                      <a:noFill/>
-                    </a:lnTlToBr>
-                    <a:lnBlToTr>
-                      <a:noFill/>
-                    </a:lnBlToTr>
-                    <a:noFill/>
-                  </a:tcPr>
-                </a:tc>
-                <a:tc>
-                  <a:txBody>
-                    <a:bodyPr/>
-                    <a:lstStyle/>
-                    <a:p>
-                      <a:pPr marL="0" marR="0" lvl="0" indent="0" algn="l" defTabSz="914400" rtl="0" eaLnBrk="0" fontAlgn="base" latinLnBrk="0" hangingPunct="0">
-                        <a:lnSpc>
-                          <a:spcPct val="95000"/>
-                        </a:lnSpc>
-                        <a:spcBef>
-                          <a:spcPct val="40000"/>
-                        </a:spcBef>
-                        <a:spcAft>
-                          <a:spcPct val="0"/>
-                        </a:spcAft>
-                        <a:buClr>
-                          <a:schemeClr val="tx1"/>
-                        </a:buClr>
-                        <a:buSzTx/>
-                        <a:buFontTx/>
-                        <a:buNone/>
-                        <a:tabLst/>
-                      </a:pPr>
-                      <a:r>
-                        <a:rPr kumimoji="1" lang="en-US" sz="2200" b="0" i="0" u="none" strike="noStrike" cap="none" normalizeH="0" baseline="0" noProof="1">
-                          <a:ln>
-                            <a:noFill/>
-                          </a:ln>
-                          <a:solidFill>
-                            <a:schemeClr val="tx1"/>
-                          </a:solidFill>
-                          <a:effectLst/>
-                          <a:latin typeface="+mn-lt"/>
-                        </a:rPr>
-                        <a:t>Document Control</a:t>
-                      </a:r>
-                    </a:p>
-                  </a:txBody>
-                  <a:tcPr marL="91464" marR="91464" anchor="ctr" horzOverflow="overflow">
-                    <a:lnL w="28575" cap="flat" cmpd="sng" algn="ctr">
-                      <a:solidFill>
-                        <a:schemeClr val="accent5">
-                          <a:lumMod val="20000"/>
-                          <a:lumOff val="80000"/>
-                        </a:schemeClr>
-                      </a:solidFill>
-                      <a:prstDash val="solid"/>
-                      <a:round/>
-                      <a:headEnd type="none" w="med" len="med"/>
-                      <a:tailEnd type="none" w="med" len="med"/>
-                    </a:lnL>
-                    <a:lnR w="28575" cap="flat" cmpd="sng" algn="ctr">
-                      <a:solidFill>
-                        <a:schemeClr val="accent5">
-                          <a:lumMod val="20000"/>
-                          <a:lumOff val="80000"/>
-                        </a:schemeClr>
-                      </a:solidFill>
-                      <a:prstDash val="solid"/>
-                      <a:round/>
-                      <a:headEnd type="none" w="med" len="med"/>
-                      <a:tailEnd type="none" w="med" len="med"/>
-                    </a:lnR>
-                    <a:lnT w="28575" cap="flat" cmpd="sng" algn="ctr">
-                      <a:solidFill>
-                        <a:schemeClr val="accent5">
-                          <a:lumMod val="20000"/>
-                          <a:lumOff val="80000"/>
-                        </a:schemeClr>
-                      </a:solidFill>
-                      <a:prstDash val="solid"/>
-                      <a:round/>
-                      <a:headEnd type="none" w="med" len="med"/>
-                      <a:tailEnd type="none" w="med" len="med"/>
-                    </a:lnT>
-                    <a:lnB w="28575" cap="flat" cmpd="sng" algn="ctr">
-                      <a:solidFill>
-                        <a:schemeClr val="accent5">
-                          <a:lumMod val="20000"/>
-                          <a:lumOff val="80000"/>
-                        </a:schemeClr>
-                      </a:solidFill>
-                      <a:prstDash val="solid"/>
-                      <a:round/>
-                      <a:headEnd type="none" w="med" len="med"/>
-                      <a:tailEnd type="none" w="med" len="med"/>
-                    </a:lnB>
-                    <a:lnTlToBr>
-                      <a:noFill/>
-                    </a:lnTlToBr>
-                    <a:lnBlToTr>
-                      <a:noFill/>
-                    </a:lnBlToTr>
-                    <a:noFill/>
-                  </a:tcPr>
-                </a:tc>
-                <a:extLst>
-                  <a:ext uri="{0D108BD9-81ED-4DB2-BD59-A6C34878D82A}">
-                    <a16:rowId xmlns:a16="http://schemas.microsoft.com/office/drawing/2014/main" val="10001"/>
-                  </a:ext>
-                </a:extLst>
-              </a:tr>
-              <a:tr h="342900">
-                <a:tc>
-                  <a:txBody>
-                    <a:bodyPr/>
-                    <a:lstStyle/>
-                    <a:p>
-                      <a:pPr marL="0" marR="0" lvl="0" indent="0" algn="l" defTabSz="914400" rtl="0" eaLnBrk="0" fontAlgn="base" latinLnBrk="0" hangingPunct="0">
-                        <a:lnSpc>
-                          <a:spcPct val="95000"/>
-                        </a:lnSpc>
-                        <a:spcBef>
-                          <a:spcPct val="40000"/>
-                        </a:spcBef>
-                        <a:spcAft>
-                          <a:spcPct val="0"/>
-                        </a:spcAft>
-                        <a:buClr>
-                          <a:schemeClr val="tx1"/>
-                        </a:buClr>
-                        <a:buSzTx/>
-                        <a:buFontTx/>
-                        <a:buNone/>
-                        <a:tabLst/>
-                      </a:pPr>
-                      <a:r>
-                        <a:rPr kumimoji="1" lang="en-US" sz="2200" b="0" i="0" u="none" strike="noStrike" cap="none" normalizeH="0" baseline="0" noProof="1">
-                          <a:ln>
-                            <a:noFill/>
-                          </a:ln>
-                          <a:solidFill>
-                            <a:schemeClr val="tx1"/>
-                          </a:solidFill>
-                          <a:effectLst/>
-                          <a:latin typeface="+mn-lt"/>
-                        </a:rPr>
-                        <a:t>Wang</a:t>
-                      </a:r>
-                    </a:p>
-                  </a:txBody>
-                  <a:tcPr marL="91464" marR="91464" anchor="ctr" horzOverflow="overflow">
-                    <a:lnL w="28575" cap="flat" cmpd="sng" algn="ctr">
-                      <a:solidFill>
-                        <a:schemeClr val="accent5">
-                          <a:lumMod val="20000"/>
-                          <a:lumOff val="80000"/>
-                        </a:schemeClr>
-                      </a:solidFill>
-                      <a:prstDash val="solid"/>
-                      <a:round/>
-                      <a:headEnd type="none" w="med" len="med"/>
-                      <a:tailEnd type="none" w="med" len="med"/>
-                    </a:lnL>
-                    <a:lnR w="28575" cap="flat" cmpd="sng" algn="ctr">
-                      <a:solidFill>
-                        <a:schemeClr val="accent5">
-                          <a:lumMod val="20000"/>
-                          <a:lumOff val="80000"/>
-                        </a:schemeClr>
-                      </a:solidFill>
-                      <a:prstDash val="solid"/>
-                      <a:round/>
-                      <a:headEnd type="none" w="med" len="med"/>
-                      <a:tailEnd type="none" w="med" len="med"/>
-                    </a:lnR>
-                    <a:lnT w="28575" cap="flat" cmpd="sng" algn="ctr">
-                      <a:solidFill>
-                        <a:schemeClr val="accent5">
-                          <a:lumMod val="20000"/>
-                          <a:lumOff val="80000"/>
-                        </a:schemeClr>
-                      </a:solidFill>
-                      <a:prstDash val="solid"/>
-                      <a:round/>
-                      <a:headEnd type="none" w="med" len="med"/>
-                      <a:tailEnd type="none" w="med" len="med"/>
-                    </a:lnT>
-                    <a:lnB w="28575" cap="flat" cmpd="sng" algn="ctr">
-                      <a:solidFill>
-                        <a:schemeClr val="accent5">
-                          <a:lumMod val="20000"/>
-                          <a:lumOff val="80000"/>
-                        </a:schemeClr>
-                      </a:solidFill>
-                      <a:prstDash val="solid"/>
-                      <a:round/>
-                      <a:headEnd type="none" w="med" len="med"/>
-                      <a:tailEnd type="none" w="med" len="med"/>
-                    </a:lnB>
-                    <a:lnTlToBr>
-                      <a:noFill/>
-                    </a:lnTlToBr>
-                    <a:lnBlToTr>
-                      <a:noFill/>
-                    </a:lnBlToTr>
-                    <a:noFill/>
-                  </a:tcPr>
-                </a:tc>
-                <a:tc>
-                  <a:txBody>
-                    <a:bodyPr/>
-                    <a:lstStyle/>
-                    <a:p>
-                      <a:pPr marL="0" marR="0" lvl="0" indent="0" algn="l" defTabSz="914400" rtl="0" eaLnBrk="0" fontAlgn="base" latinLnBrk="0" hangingPunct="0">
-                        <a:lnSpc>
-                          <a:spcPct val="95000"/>
-                        </a:lnSpc>
-                        <a:spcBef>
-                          <a:spcPct val="40000"/>
-                        </a:spcBef>
-                        <a:spcAft>
-                          <a:spcPct val="0"/>
-                        </a:spcAft>
-                        <a:buClr>
-                          <a:schemeClr val="tx1"/>
-                        </a:buClr>
-                        <a:buSzTx/>
-                        <a:buFontTx/>
-                        <a:buNone/>
-                        <a:tabLst/>
-                      </a:pPr>
-                      <a:r>
-                        <a:rPr kumimoji="1" lang="en-US" sz="2200" b="0" i="0" u="none" strike="noStrike" cap="none" normalizeH="0" baseline="0" noProof="1">
-                          <a:ln>
-                            <a:noFill/>
-                          </a:ln>
-                          <a:solidFill>
-                            <a:schemeClr val="tx1"/>
-                          </a:solidFill>
-                          <a:effectLst/>
-                          <a:latin typeface="+mn-lt"/>
-                        </a:rPr>
-                        <a:t>Document Control</a:t>
-                      </a:r>
-                    </a:p>
-                  </a:txBody>
-                  <a:tcPr marL="91464" marR="91464" anchor="ctr" horzOverflow="overflow">
-                    <a:lnL w="28575" cap="flat" cmpd="sng" algn="ctr">
-                      <a:solidFill>
-                        <a:schemeClr val="accent5">
-                          <a:lumMod val="20000"/>
-                          <a:lumOff val="80000"/>
-                        </a:schemeClr>
-                      </a:solidFill>
-                      <a:prstDash val="solid"/>
-                      <a:round/>
-                      <a:headEnd type="none" w="med" len="med"/>
-                      <a:tailEnd type="none" w="med" len="med"/>
-                    </a:lnL>
-                    <a:lnR w="28575" cap="flat" cmpd="sng" algn="ctr">
-                      <a:solidFill>
-                        <a:schemeClr val="accent5">
-                          <a:lumMod val="20000"/>
-                          <a:lumOff val="80000"/>
-                        </a:schemeClr>
-                      </a:solidFill>
-                      <a:prstDash val="solid"/>
-                      <a:round/>
-                      <a:headEnd type="none" w="med" len="med"/>
-                      <a:tailEnd type="none" w="med" len="med"/>
-                    </a:lnR>
-                    <a:lnT w="28575" cap="flat" cmpd="sng" algn="ctr">
-                      <a:solidFill>
-                        <a:schemeClr val="accent5">
-                          <a:lumMod val="20000"/>
-                          <a:lumOff val="80000"/>
-                        </a:schemeClr>
-                      </a:solidFill>
-                      <a:prstDash val="solid"/>
-                      <a:round/>
-                      <a:headEnd type="none" w="med" len="med"/>
-                      <a:tailEnd type="none" w="med" len="med"/>
-                    </a:lnT>
-                    <a:lnB w="28575" cap="flat" cmpd="sng" algn="ctr">
-                      <a:solidFill>
-                        <a:schemeClr val="accent5">
-                          <a:lumMod val="20000"/>
-                          <a:lumOff val="80000"/>
-                        </a:schemeClr>
-                      </a:solidFill>
-                      <a:prstDash val="solid"/>
-                      <a:round/>
-                      <a:headEnd type="none" w="med" len="med"/>
-                      <a:tailEnd type="none" w="med" len="med"/>
-                    </a:lnB>
-                    <a:lnTlToBr>
-                      <a:noFill/>
-                    </a:lnTlToBr>
-                    <a:lnBlToTr>
-                      <a:noFill/>
-                    </a:lnBlToTr>
-                    <a:noFill/>
-                  </a:tcPr>
-                </a:tc>
-                <a:extLst>
-                  <a:ext uri="{0D108BD9-81ED-4DB2-BD59-A6C34878D82A}">
-                    <a16:rowId xmlns:a16="http://schemas.microsoft.com/office/drawing/2014/main" val="10002"/>
-                  </a:ext>
-                </a:extLst>
-              </a:tr>
-              <a:tr h="342900">
-                <a:tc>
-                  <a:txBody>
-                    <a:bodyPr/>
-                    <a:lstStyle/>
-                    <a:p>
-                      <a:pPr marL="0" marR="0" lvl="0" indent="0" algn="l" defTabSz="914400" rtl="0" eaLnBrk="0" fontAlgn="base" latinLnBrk="0" hangingPunct="0">
-                        <a:lnSpc>
-                          <a:spcPct val="95000"/>
-                        </a:lnSpc>
-                        <a:spcBef>
-                          <a:spcPct val="40000"/>
-                        </a:spcBef>
-                        <a:spcAft>
-                          <a:spcPct val="0"/>
-                        </a:spcAft>
-                        <a:buClr>
-                          <a:schemeClr val="tx1"/>
-                        </a:buClr>
-                        <a:buSzTx/>
-                        <a:buFontTx/>
-                        <a:buNone/>
-                        <a:tabLst/>
-                      </a:pPr>
-                      <a:r>
-                        <a:rPr kumimoji="1" lang="en-US" sz="2200" b="0" i="0" u="none" strike="noStrike" cap="none" normalizeH="0" baseline="0" noProof="1">
-                          <a:ln>
-                            <a:noFill/>
-                          </a:ln>
-                          <a:solidFill>
-                            <a:schemeClr val="tx1"/>
-                          </a:solidFill>
-                          <a:effectLst/>
-                          <a:latin typeface="+mn-lt"/>
-                        </a:rPr>
-                        <a:t>Sullivan</a:t>
-                      </a:r>
-                    </a:p>
-                  </a:txBody>
-                  <a:tcPr marL="91464" marR="91464" anchor="ctr" horzOverflow="overflow">
-                    <a:lnL w="28575" cap="flat" cmpd="sng" algn="ctr">
-                      <a:solidFill>
-                        <a:schemeClr val="accent5">
-                          <a:lumMod val="20000"/>
-                          <a:lumOff val="80000"/>
-                        </a:schemeClr>
-                      </a:solidFill>
-                      <a:prstDash val="solid"/>
-                      <a:round/>
-                      <a:headEnd type="none" w="med" len="med"/>
-                      <a:tailEnd type="none" w="med" len="med"/>
-                    </a:lnL>
-                    <a:lnR w="28575" cap="flat" cmpd="sng" algn="ctr">
-                      <a:solidFill>
-                        <a:schemeClr val="accent5">
-                          <a:lumMod val="20000"/>
-                          <a:lumOff val="80000"/>
-                        </a:schemeClr>
-                      </a:solidFill>
-                      <a:prstDash val="solid"/>
-                      <a:round/>
-                      <a:headEnd type="none" w="med" len="med"/>
-                      <a:tailEnd type="none" w="med" len="med"/>
-                    </a:lnR>
-                    <a:lnT w="28575" cap="flat" cmpd="sng" algn="ctr">
-                      <a:solidFill>
-                        <a:schemeClr val="accent5">
-                          <a:lumMod val="20000"/>
-                          <a:lumOff val="80000"/>
-                        </a:schemeClr>
-                      </a:solidFill>
-                      <a:prstDash val="solid"/>
-                      <a:round/>
-                      <a:headEnd type="none" w="med" len="med"/>
-                      <a:tailEnd type="none" w="med" len="med"/>
-                    </a:lnT>
-                    <a:lnB w="28575" cap="flat" cmpd="sng" algn="ctr">
-                      <a:solidFill>
-                        <a:schemeClr val="accent5">
-                          <a:lumMod val="20000"/>
-                          <a:lumOff val="80000"/>
-                        </a:schemeClr>
-                      </a:solidFill>
-                      <a:prstDash val="solid"/>
-                      <a:round/>
-                      <a:headEnd type="none" w="med" len="med"/>
-                      <a:tailEnd type="none" w="med" len="med"/>
-                    </a:lnB>
-                    <a:lnTlToBr>
-                      <a:noFill/>
-                    </a:lnTlToBr>
-                    <a:lnBlToTr>
-                      <a:noFill/>
-                    </a:lnBlToTr>
-                    <a:noFill/>
-                  </a:tcPr>
-                </a:tc>
-                <a:tc>
-                  <a:txBody>
-                    <a:bodyPr/>
-                    <a:lstStyle/>
-                    <a:p>
-                      <a:pPr marL="0" marR="0" lvl="0" indent="0" algn="l" defTabSz="914400" rtl="0" eaLnBrk="0" fontAlgn="base" latinLnBrk="0" hangingPunct="0">
-                        <a:lnSpc>
-                          <a:spcPct val="95000"/>
-                        </a:lnSpc>
-                        <a:spcBef>
-                          <a:spcPct val="40000"/>
-                        </a:spcBef>
-                        <a:spcAft>
-                          <a:spcPct val="0"/>
-                        </a:spcAft>
-                        <a:buClr>
-                          <a:schemeClr val="tx1"/>
-                        </a:buClr>
-                        <a:buSzTx/>
-                        <a:buFontTx/>
-                        <a:buNone/>
-                        <a:tabLst/>
-                      </a:pPr>
-                      <a:r>
-                        <a:rPr kumimoji="1" lang="en-US" sz="2200" b="0" i="0" u="none" strike="noStrike" cap="none" normalizeH="0" baseline="0" noProof="1">
-                          <a:ln>
-                            <a:noFill/>
-                          </a:ln>
-                          <a:solidFill>
-                            <a:schemeClr val="tx1"/>
-                          </a:solidFill>
-                          <a:effectLst/>
-                          <a:latin typeface="+mn-lt"/>
-                        </a:rPr>
-                        <a:t>Document Control</a:t>
-                      </a:r>
-                    </a:p>
-                  </a:txBody>
-                  <a:tcPr marL="91464" marR="91464" anchor="ctr" horzOverflow="overflow">
-                    <a:lnL w="28575" cap="flat" cmpd="sng" algn="ctr">
-                      <a:solidFill>
-                        <a:schemeClr val="accent5">
-                          <a:lumMod val="20000"/>
-                          <a:lumOff val="80000"/>
-                        </a:schemeClr>
-                      </a:solidFill>
-                      <a:prstDash val="solid"/>
-                      <a:round/>
-                      <a:headEnd type="none" w="med" len="med"/>
-                      <a:tailEnd type="none" w="med" len="med"/>
-                    </a:lnL>
-                    <a:lnR w="28575" cap="flat" cmpd="sng" algn="ctr">
-                      <a:solidFill>
-                        <a:schemeClr val="accent5">
-                          <a:lumMod val="20000"/>
-                          <a:lumOff val="80000"/>
-                        </a:schemeClr>
-                      </a:solidFill>
-                      <a:prstDash val="solid"/>
-                      <a:round/>
-                      <a:headEnd type="none" w="med" len="med"/>
-                      <a:tailEnd type="none" w="med" len="med"/>
-                    </a:lnR>
-                    <a:lnT w="28575" cap="flat" cmpd="sng" algn="ctr">
-                      <a:solidFill>
-                        <a:schemeClr val="accent5">
-                          <a:lumMod val="20000"/>
-                          <a:lumOff val="80000"/>
-                        </a:schemeClr>
-                      </a:solidFill>
-                      <a:prstDash val="solid"/>
-                      <a:round/>
-                      <a:headEnd type="none" w="med" len="med"/>
-                      <a:tailEnd type="none" w="med" len="med"/>
-                    </a:lnT>
-                    <a:lnB w="28575" cap="flat" cmpd="sng" algn="ctr">
-                      <a:solidFill>
-                        <a:schemeClr val="accent5">
-                          <a:lumMod val="20000"/>
-                          <a:lumOff val="80000"/>
-                        </a:schemeClr>
-                      </a:solidFill>
-                      <a:prstDash val="solid"/>
-                      <a:round/>
-                      <a:headEnd type="none" w="med" len="med"/>
-                      <a:tailEnd type="none" w="med" len="med"/>
-                    </a:lnB>
-                    <a:lnTlToBr>
-                      <a:noFill/>
-                    </a:lnTlToBr>
-                    <a:lnBlToTr>
-                      <a:noFill/>
-                    </a:lnBlToTr>
-                    <a:noFill/>
-                  </a:tcPr>
-                </a:tc>
-                <a:extLst>
-                  <a:ext uri="{0D108BD9-81ED-4DB2-BD59-A6C34878D82A}">
-                    <a16:rowId xmlns:a16="http://schemas.microsoft.com/office/drawing/2014/main" val="10003"/>
-                  </a:ext>
-                </a:extLst>
-              </a:tr>
-              <a:tr h="342900">
-                <a:tc>
-                  <a:txBody>
-                    <a:bodyPr/>
-                    <a:lstStyle/>
-                    <a:p>
-                      <a:pPr marL="0" marR="0" lvl="0" indent="0" algn="l" defTabSz="914400" rtl="0" eaLnBrk="0" fontAlgn="base" latinLnBrk="0" hangingPunct="0">
-                        <a:lnSpc>
-                          <a:spcPct val="95000"/>
-                        </a:lnSpc>
-                        <a:spcBef>
-                          <a:spcPct val="40000"/>
-                        </a:spcBef>
-                        <a:spcAft>
-                          <a:spcPct val="0"/>
-                        </a:spcAft>
-                        <a:buClr>
-                          <a:schemeClr val="tx1"/>
-                        </a:buClr>
-                        <a:buSzTx/>
-                        <a:buFontTx/>
-                        <a:buNone/>
-                        <a:tabLst/>
-                      </a:pPr>
-                      <a:r>
-                        <a:rPr kumimoji="1" lang="en-US" sz="2200" b="0" i="0" u="none" strike="noStrike" cap="none" normalizeH="0" baseline="0" noProof="1">
-                          <a:ln>
-                            <a:noFill/>
-                          </a:ln>
-                          <a:solidFill>
-                            <a:schemeClr val="tx1"/>
-                          </a:solidFill>
-                          <a:effectLst/>
-                          <a:latin typeface="+mn-lt"/>
-                        </a:rPr>
-                        <a:t>Duffy</a:t>
-                      </a:r>
-                    </a:p>
-                  </a:txBody>
-                  <a:tcPr marL="91464" marR="91464" anchor="ctr" horzOverflow="overflow">
-                    <a:lnL w="28575" cap="flat" cmpd="sng" algn="ctr">
-                      <a:solidFill>
-                        <a:schemeClr val="accent5">
-                          <a:lumMod val="20000"/>
-                          <a:lumOff val="80000"/>
-                        </a:schemeClr>
-                      </a:solidFill>
-                      <a:prstDash val="solid"/>
-                      <a:round/>
-                      <a:headEnd type="none" w="med" len="med"/>
-                      <a:tailEnd type="none" w="med" len="med"/>
-                    </a:lnL>
-                    <a:lnR w="28575" cap="flat" cmpd="sng" algn="ctr">
-                      <a:solidFill>
-                        <a:schemeClr val="accent5">
-                          <a:lumMod val="20000"/>
-                          <a:lumOff val="80000"/>
-                        </a:schemeClr>
-                      </a:solidFill>
-                      <a:prstDash val="solid"/>
-                      <a:round/>
-                      <a:headEnd type="none" w="med" len="med"/>
-                      <a:tailEnd type="none" w="med" len="med"/>
-                    </a:lnR>
-                    <a:lnT w="28575" cap="flat" cmpd="sng" algn="ctr">
-                      <a:solidFill>
-                        <a:schemeClr val="accent5">
-                          <a:lumMod val="20000"/>
-                          <a:lumOff val="80000"/>
-                        </a:schemeClr>
-                      </a:solidFill>
-                      <a:prstDash val="solid"/>
-                      <a:round/>
-                      <a:headEnd type="none" w="med" len="med"/>
-                      <a:tailEnd type="none" w="med" len="med"/>
-                    </a:lnT>
-                    <a:lnB w="28575" cap="flat" cmpd="sng" algn="ctr">
-                      <a:solidFill>
-                        <a:schemeClr val="accent5">
-                          <a:lumMod val="20000"/>
-                          <a:lumOff val="80000"/>
-                        </a:schemeClr>
-                      </a:solidFill>
-                      <a:prstDash val="solid"/>
-                      <a:round/>
-                      <a:headEnd type="none" w="med" len="med"/>
-                      <a:tailEnd type="none" w="med" len="med"/>
-                    </a:lnB>
-                    <a:lnTlToBr>
-                      <a:noFill/>
-                    </a:lnTlToBr>
-                    <a:lnBlToTr>
-                      <a:noFill/>
-                    </a:lnBlToTr>
-                    <a:noFill/>
-                  </a:tcPr>
-                </a:tc>
-                <a:tc>
-                  <a:txBody>
-                    <a:bodyPr/>
-                    <a:lstStyle/>
-                    <a:p>
-                      <a:pPr marL="0" marR="0" lvl="0" indent="0" algn="l" defTabSz="914400" rtl="0" eaLnBrk="0" fontAlgn="base" latinLnBrk="0" hangingPunct="0">
-                        <a:lnSpc>
-                          <a:spcPct val="95000"/>
-                        </a:lnSpc>
-                        <a:spcBef>
-                          <a:spcPct val="40000"/>
-                        </a:spcBef>
-                        <a:spcAft>
-                          <a:spcPct val="0"/>
-                        </a:spcAft>
-                        <a:buClr>
-                          <a:schemeClr val="tx1"/>
-                        </a:buClr>
-                        <a:buSzTx/>
-                        <a:buFontTx/>
-                        <a:buNone/>
-                        <a:tabLst/>
-                      </a:pPr>
-                      <a:r>
-                        <a:rPr kumimoji="1" lang="en-US" sz="2200" b="0" i="0" u="none" strike="noStrike" cap="none" normalizeH="0" baseline="0" noProof="1">
-                          <a:ln>
-                            <a:noFill/>
-                          </a:ln>
-                          <a:solidFill>
-                            <a:schemeClr val="tx1"/>
-                          </a:solidFill>
-                          <a:effectLst/>
-                          <a:latin typeface="+mn-lt"/>
-                        </a:rPr>
-                        <a:t>Engineering</a:t>
-                      </a:r>
-                    </a:p>
-                  </a:txBody>
-                  <a:tcPr marL="91464" marR="91464" anchor="ctr" horzOverflow="overflow">
-                    <a:lnL w="28575" cap="flat" cmpd="sng" algn="ctr">
-                      <a:solidFill>
-                        <a:schemeClr val="accent5">
-                          <a:lumMod val="20000"/>
-                          <a:lumOff val="80000"/>
-                        </a:schemeClr>
-                      </a:solidFill>
-                      <a:prstDash val="solid"/>
-                      <a:round/>
-                      <a:headEnd type="none" w="med" len="med"/>
-                      <a:tailEnd type="none" w="med" len="med"/>
-                    </a:lnL>
-                    <a:lnR w="28575" cap="flat" cmpd="sng" algn="ctr">
-                      <a:solidFill>
-                        <a:schemeClr val="accent5">
-                          <a:lumMod val="20000"/>
-                          <a:lumOff val="80000"/>
-                        </a:schemeClr>
-                      </a:solidFill>
-                      <a:prstDash val="solid"/>
-                      <a:round/>
-                      <a:headEnd type="none" w="med" len="med"/>
-                      <a:tailEnd type="none" w="med" len="med"/>
-                    </a:lnR>
-                    <a:lnT w="28575" cap="flat" cmpd="sng" algn="ctr">
-                      <a:solidFill>
-                        <a:schemeClr val="accent5">
-                          <a:lumMod val="20000"/>
-                          <a:lumOff val="80000"/>
-                        </a:schemeClr>
-                      </a:solidFill>
-                      <a:prstDash val="solid"/>
-                      <a:round/>
-                      <a:headEnd type="none" w="med" len="med"/>
-                      <a:tailEnd type="none" w="med" len="med"/>
-                    </a:lnT>
-                    <a:lnB w="28575" cap="flat" cmpd="sng" algn="ctr">
-                      <a:solidFill>
-                        <a:schemeClr val="accent5">
-                          <a:lumMod val="20000"/>
-                          <a:lumOff val="80000"/>
-                        </a:schemeClr>
-                      </a:solidFill>
-                      <a:prstDash val="solid"/>
-                      <a:round/>
-                      <a:headEnd type="none" w="med" len="med"/>
-                      <a:tailEnd type="none" w="med" len="med"/>
-                    </a:lnB>
-                    <a:lnTlToBr>
-                      <a:noFill/>
-                    </a:lnTlToBr>
-                    <a:lnBlToTr>
-                      <a:noFill/>
-                    </a:lnBlToTr>
-                    <a:noFill/>
-                  </a:tcPr>
-                </a:tc>
-                <a:extLst>
-                  <a:ext uri="{0D108BD9-81ED-4DB2-BD59-A6C34878D82A}">
-                    <a16:rowId xmlns:a16="http://schemas.microsoft.com/office/drawing/2014/main" val="10004"/>
-                  </a:ext>
-                </a:extLst>
-              </a:tr>
-              <a:tr h="342900">
-                <a:tc>
-                  <a:txBody>
-                    <a:bodyPr/>
-                    <a:lstStyle/>
-                    <a:p>
-                      <a:pPr marL="0" marR="0" lvl="0" indent="0" algn="l" defTabSz="914400" rtl="0" eaLnBrk="0" fontAlgn="base" latinLnBrk="0" hangingPunct="0">
-                        <a:lnSpc>
-                          <a:spcPct val="95000"/>
-                        </a:lnSpc>
-                        <a:spcBef>
-                          <a:spcPct val="40000"/>
-                        </a:spcBef>
-                        <a:spcAft>
-                          <a:spcPct val="0"/>
-                        </a:spcAft>
-                        <a:buClr>
-                          <a:schemeClr val="tx1"/>
-                        </a:buClr>
-                        <a:buSzTx/>
-                        <a:buFontTx/>
-                        <a:buNone/>
-                        <a:tabLst/>
-                      </a:pPr>
-                      <a:r>
-                        <a:rPr kumimoji="1" lang="en-US" sz="2200" b="0" i="0" u="none" strike="noStrike" cap="none" normalizeH="0" baseline="0" noProof="1">
-                          <a:ln>
-                            <a:noFill/>
-                          </a:ln>
-                          <a:solidFill>
-                            <a:schemeClr val="tx1"/>
-                          </a:solidFill>
-                          <a:effectLst/>
-                          <a:latin typeface="+mn-lt"/>
-                        </a:rPr>
-                        <a:t>Wang</a:t>
-                      </a:r>
-                    </a:p>
-                  </a:txBody>
-                  <a:tcPr marL="91464" marR="91464" anchor="ctr" horzOverflow="overflow">
-                    <a:lnL w="28575" cap="flat" cmpd="sng" algn="ctr">
-                      <a:solidFill>
-                        <a:schemeClr val="accent5">
-                          <a:lumMod val="20000"/>
-                          <a:lumOff val="80000"/>
-                        </a:schemeClr>
-                      </a:solidFill>
-                      <a:prstDash val="solid"/>
-                      <a:round/>
-                      <a:headEnd type="none" w="med" len="med"/>
-                      <a:tailEnd type="none" w="med" len="med"/>
-                    </a:lnL>
-                    <a:lnR w="28575" cap="flat" cmpd="sng" algn="ctr">
-                      <a:solidFill>
-                        <a:schemeClr val="accent5">
-                          <a:lumMod val="20000"/>
-                          <a:lumOff val="80000"/>
-                        </a:schemeClr>
-                      </a:solidFill>
-                      <a:prstDash val="solid"/>
-                      <a:round/>
-                      <a:headEnd type="none" w="med" len="med"/>
-                      <a:tailEnd type="none" w="med" len="med"/>
-                    </a:lnR>
-                    <a:lnT w="28575" cap="flat" cmpd="sng" algn="ctr">
-                      <a:solidFill>
-                        <a:schemeClr val="accent5">
-                          <a:lumMod val="20000"/>
-                          <a:lumOff val="80000"/>
-                        </a:schemeClr>
-                      </a:solidFill>
-                      <a:prstDash val="solid"/>
-                      <a:round/>
-                      <a:headEnd type="none" w="med" len="med"/>
-                      <a:tailEnd type="none" w="med" len="med"/>
-                    </a:lnT>
-                    <a:lnB w="28575" cap="flat" cmpd="sng" algn="ctr">
-                      <a:solidFill>
-                        <a:schemeClr val="accent5">
-                          <a:lumMod val="20000"/>
-                          <a:lumOff val="80000"/>
-                        </a:schemeClr>
-                      </a:solidFill>
-                      <a:prstDash val="solid"/>
-                      <a:round/>
-                      <a:headEnd type="none" w="med" len="med"/>
-                      <a:tailEnd type="none" w="med" len="med"/>
-                    </a:lnB>
-                    <a:lnTlToBr>
-                      <a:noFill/>
-                    </a:lnTlToBr>
-                    <a:lnBlToTr>
-                      <a:noFill/>
-                    </a:lnBlToTr>
-                    <a:noFill/>
-                  </a:tcPr>
-                </a:tc>
-                <a:tc>
-                  <a:txBody>
-                    <a:bodyPr/>
-                    <a:lstStyle/>
-                    <a:p>
-                      <a:pPr marL="0" marR="0" lvl="0" indent="0" algn="l" defTabSz="914400" rtl="0" eaLnBrk="0" fontAlgn="base" latinLnBrk="0" hangingPunct="0">
-                        <a:lnSpc>
-                          <a:spcPct val="95000"/>
-                        </a:lnSpc>
-                        <a:spcBef>
-                          <a:spcPct val="40000"/>
-                        </a:spcBef>
-                        <a:spcAft>
-                          <a:spcPct val="0"/>
-                        </a:spcAft>
-                        <a:buClr>
-                          <a:schemeClr val="tx1"/>
-                        </a:buClr>
-                        <a:buSzTx/>
-                        <a:buFontTx/>
-                        <a:buNone/>
-                        <a:tabLst/>
-                      </a:pPr>
-                      <a:r>
-                        <a:rPr kumimoji="1" lang="en-US" sz="2200" b="0" i="0" u="none" strike="noStrike" cap="none" normalizeH="0" baseline="0" noProof="1">
-                          <a:ln>
-                            <a:noFill/>
-                          </a:ln>
-                          <a:solidFill>
-                            <a:schemeClr val="tx1"/>
-                          </a:solidFill>
-                          <a:effectLst/>
-                          <a:latin typeface="+mn-lt"/>
-                        </a:rPr>
-                        <a:t>Engineering</a:t>
-                      </a:r>
-                    </a:p>
-                  </a:txBody>
-                  <a:tcPr marL="91464" marR="91464" anchor="ctr" horzOverflow="overflow">
-                    <a:lnL w="28575" cap="flat" cmpd="sng" algn="ctr">
-                      <a:solidFill>
-                        <a:schemeClr val="accent5">
-                          <a:lumMod val="20000"/>
-                          <a:lumOff val="80000"/>
-                        </a:schemeClr>
-                      </a:solidFill>
-                      <a:prstDash val="solid"/>
-                      <a:round/>
-                      <a:headEnd type="none" w="med" len="med"/>
-                      <a:tailEnd type="none" w="med" len="med"/>
-                    </a:lnL>
-                    <a:lnR w="28575" cap="flat" cmpd="sng" algn="ctr">
-                      <a:solidFill>
-                        <a:schemeClr val="accent5">
-                          <a:lumMod val="20000"/>
-                          <a:lumOff val="80000"/>
-                        </a:schemeClr>
-                      </a:solidFill>
-                      <a:prstDash val="solid"/>
-                      <a:round/>
-                      <a:headEnd type="none" w="med" len="med"/>
-                      <a:tailEnd type="none" w="med" len="med"/>
-                    </a:lnR>
-                    <a:lnT w="28575" cap="flat" cmpd="sng" algn="ctr">
-                      <a:solidFill>
-                        <a:schemeClr val="accent5">
-                          <a:lumMod val="20000"/>
-                          <a:lumOff val="80000"/>
-                        </a:schemeClr>
-                      </a:solidFill>
-                      <a:prstDash val="solid"/>
-                      <a:round/>
-                      <a:headEnd type="none" w="med" len="med"/>
-                      <a:tailEnd type="none" w="med" len="med"/>
-                    </a:lnT>
-                    <a:lnB w="28575" cap="flat" cmpd="sng" algn="ctr">
-                      <a:solidFill>
-                        <a:schemeClr val="accent5">
-                          <a:lumMod val="20000"/>
-                          <a:lumOff val="80000"/>
-                        </a:schemeClr>
-                      </a:solidFill>
-                      <a:prstDash val="solid"/>
-                      <a:round/>
-                      <a:headEnd type="none" w="med" len="med"/>
-                      <a:tailEnd type="none" w="med" len="med"/>
-                    </a:lnB>
-                    <a:lnTlToBr>
-                      <a:noFill/>
-                    </a:lnTlToBr>
-                    <a:lnBlToTr>
-                      <a:noFill/>
-                    </a:lnBlToTr>
-                    <a:noFill/>
-                  </a:tcPr>
-                </a:tc>
-                <a:extLst>
-                  <a:ext uri="{0D108BD9-81ED-4DB2-BD59-A6C34878D82A}">
-                    <a16:rowId xmlns:a16="http://schemas.microsoft.com/office/drawing/2014/main" val="10005"/>
-                  </a:ext>
-                </a:extLst>
-              </a:tr>
-              <a:tr h="304800">
-                <a:tc>
-                  <a:txBody>
-                    <a:bodyPr/>
-                    <a:lstStyle/>
-                    <a:p>
-                      <a:pPr marL="0" marR="0" lvl="0" indent="0" algn="l" defTabSz="914400" rtl="0" eaLnBrk="0" fontAlgn="base" latinLnBrk="0" hangingPunct="0">
-                        <a:lnSpc>
-                          <a:spcPct val="95000"/>
-                        </a:lnSpc>
-                        <a:spcBef>
-                          <a:spcPct val="40000"/>
-                        </a:spcBef>
-                        <a:spcAft>
-                          <a:spcPct val="0"/>
-                        </a:spcAft>
-                        <a:buClr>
-                          <a:schemeClr val="tx1"/>
-                        </a:buClr>
-                        <a:buSzTx/>
-                        <a:buFontTx/>
-                        <a:buNone/>
-                        <a:tabLst/>
-                      </a:pPr>
-                      <a:r>
-                        <a:rPr kumimoji="1" lang="en-US" sz="2200" b="0" i="0" u="none" strike="noStrike" cap="none" normalizeH="0" baseline="0" noProof="1">
-                          <a:ln>
-                            <a:noFill/>
-                          </a:ln>
-                          <a:solidFill>
-                            <a:schemeClr val="tx1"/>
-                          </a:solidFill>
-                          <a:effectLst/>
-                          <a:latin typeface="+mn-lt"/>
-                        </a:rPr>
-                        <a:t>…</a:t>
-                      </a:r>
-                      <a:endParaRPr kumimoji="1" lang="bg-BG" sz="2200" b="0" i="0" u="none" strike="noStrike" cap="none" normalizeH="0" baseline="0" noProof="1">
-                        <a:ln>
-                          <a:noFill/>
-                        </a:ln>
-                        <a:solidFill>
-                          <a:schemeClr val="tx1"/>
-                        </a:solidFill>
-                        <a:effectLst/>
-                        <a:latin typeface="+mn-lt"/>
-                      </a:endParaRPr>
-                    </a:p>
-                  </a:txBody>
-                  <a:tcPr marL="91464" marR="91464" anchor="ctr" horzOverflow="overflow">
-                    <a:lnL w="28575" cap="flat" cmpd="sng" algn="ctr">
-                      <a:solidFill>
-                        <a:schemeClr val="accent5">
-                          <a:lumMod val="20000"/>
-                          <a:lumOff val="80000"/>
-                        </a:schemeClr>
-                      </a:solidFill>
-                      <a:prstDash val="solid"/>
-                      <a:round/>
-                      <a:headEnd type="none" w="med" len="med"/>
-                      <a:tailEnd type="none" w="med" len="med"/>
-                    </a:lnL>
-                    <a:lnR w="28575" cap="flat" cmpd="sng" algn="ctr">
-                      <a:solidFill>
-                        <a:schemeClr val="accent5">
-                          <a:lumMod val="20000"/>
-                          <a:lumOff val="80000"/>
-                        </a:schemeClr>
-                      </a:solidFill>
-                      <a:prstDash val="solid"/>
-                      <a:round/>
-                      <a:headEnd type="none" w="med" len="med"/>
-                      <a:tailEnd type="none" w="med" len="med"/>
-                    </a:lnR>
-                    <a:lnT w="28575" cap="flat" cmpd="sng" algn="ctr">
-                      <a:solidFill>
-                        <a:schemeClr val="accent5">
-                          <a:lumMod val="20000"/>
-                          <a:lumOff val="80000"/>
-                        </a:schemeClr>
-                      </a:solidFill>
-                      <a:prstDash val="solid"/>
-                      <a:round/>
-                      <a:headEnd type="none" w="med" len="med"/>
-                      <a:tailEnd type="none" w="med" len="med"/>
-                    </a:lnT>
-                    <a:lnB w="28575" cap="flat" cmpd="sng" algn="ctr">
-                      <a:solidFill>
-                        <a:schemeClr val="accent5">
-                          <a:lumMod val="20000"/>
-                          <a:lumOff val="80000"/>
-                        </a:schemeClr>
-                      </a:solidFill>
-                      <a:prstDash val="solid"/>
-                      <a:round/>
-                      <a:headEnd type="none" w="med" len="med"/>
-                      <a:tailEnd type="none" w="med" len="med"/>
-                    </a:lnB>
-                    <a:lnTlToBr>
-                      <a:noFill/>
-                    </a:lnTlToBr>
-                    <a:lnBlToTr>
-                      <a:noFill/>
-                    </a:lnBlToTr>
-                    <a:noFill/>
-                  </a:tcPr>
-                </a:tc>
-                <a:tc>
-                  <a:txBody>
-                    <a:bodyPr/>
-                    <a:lstStyle/>
-                    <a:p>
-                      <a:pPr marL="0" marR="0" lvl="0" indent="0" algn="l" defTabSz="914400" rtl="0" eaLnBrk="0" fontAlgn="base" latinLnBrk="0" hangingPunct="0">
-                        <a:lnSpc>
-                          <a:spcPct val="95000"/>
-                        </a:lnSpc>
-                        <a:spcBef>
-                          <a:spcPct val="40000"/>
-                        </a:spcBef>
-                        <a:spcAft>
-                          <a:spcPct val="0"/>
-                        </a:spcAft>
-                        <a:buClr>
-                          <a:schemeClr val="tx1"/>
-                        </a:buClr>
-                        <a:buSzTx/>
-                        <a:buFontTx/>
-                        <a:buNone/>
-                        <a:tabLst/>
-                      </a:pPr>
-                      <a:r>
-                        <a:rPr kumimoji="1" lang="en-US" sz="2200" b="0" i="0" u="none" strike="noStrike" cap="none" normalizeH="0" baseline="0" noProof="1">
-                          <a:ln>
-                            <a:noFill/>
-                          </a:ln>
-                          <a:solidFill>
-                            <a:schemeClr val="tx1"/>
-                          </a:solidFill>
-                          <a:effectLst/>
-                          <a:latin typeface="+mn-lt"/>
-                        </a:rPr>
-                        <a:t>…</a:t>
-                      </a:r>
-                      <a:endParaRPr kumimoji="1" lang="bg-BG" sz="2200" b="0" i="0" u="none" strike="noStrike" cap="none" normalizeH="0" baseline="0" noProof="1">
-                        <a:ln>
-                          <a:noFill/>
-                        </a:ln>
-                        <a:solidFill>
-                          <a:schemeClr val="tx1"/>
-                        </a:solidFill>
-                        <a:effectLst/>
-                        <a:latin typeface="+mn-lt"/>
-                      </a:endParaRPr>
-                    </a:p>
-                  </a:txBody>
-                  <a:tcPr marL="91464" marR="91464" anchor="ctr" horzOverflow="overflow">
-                    <a:lnL w="28575" cap="flat" cmpd="sng" algn="ctr">
-                      <a:solidFill>
-                        <a:schemeClr val="accent5">
-                          <a:lumMod val="20000"/>
-                          <a:lumOff val="80000"/>
-                        </a:schemeClr>
-                      </a:solidFill>
-                      <a:prstDash val="solid"/>
-                      <a:round/>
-                      <a:headEnd type="none" w="med" len="med"/>
-                      <a:tailEnd type="none" w="med" len="med"/>
-                    </a:lnL>
-                    <a:lnR w="28575" cap="flat" cmpd="sng" algn="ctr">
-                      <a:solidFill>
-                        <a:schemeClr val="accent5">
-                          <a:lumMod val="20000"/>
-                          <a:lumOff val="80000"/>
-                        </a:schemeClr>
-                      </a:solidFill>
-                      <a:prstDash val="solid"/>
-                      <a:round/>
-                      <a:headEnd type="none" w="med" len="med"/>
-                      <a:tailEnd type="none" w="med" len="med"/>
-                    </a:lnR>
-                    <a:lnT w="28575" cap="flat" cmpd="sng" algn="ctr">
-                      <a:solidFill>
-                        <a:schemeClr val="accent5">
-                          <a:lumMod val="20000"/>
-                          <a:lumOff val="80000"/>
-                        </a:schemeClr>
-                      </a:solidFill>
-                      <a:prstDash val="solid"/>
-                      <a:round/>
-                      <a:headEnd type="none" w="med" len="med"/>
-                      <a:tailEnd type="none" w="med" len="med"/>
-                    </a:lnT>
-                    <a:lnB w="28575" cap="flat" cmpd="sng" algn="ctr">
-                      <a:solidFill>
-                        <a:schemeClr val="accent5">
-                          <a:lumMod val="20000"/>
-                          <a:lumOff val="80000"/>
-                        </a:schemeClr>
-                      </a:solidFill>
-                      <a:prstDash val="solid"/>
-                      <a:round/>
-                      <a:headEnd type="none" w="med" len="med"/>
-                      <a:tailEnd type="none" w="med" len="med"/>
-                    </a:lnB>
-                    <a:lnTlToBr>
-                      <a:noFill/>
-                    </a:lnTlToBr>
-                    <a:lnBlToTr>
-                      <a:noFill/>
-                    </a:lnBlToTr>
-                    <a:noFill/>
-                  </a:tcPr>
-                </a:tc>
-                <a:extLst>
-                  <a:ext uri="{0D108BD9-81ED-4DB2-BD59-A6C34878D82A}">
-                    <a16:rowId xmlns:a16="http://schemas.microsoft.com/office/drawing/2014/main" val="10006"/>
-                  </a:ext>
-                </a:extLst>
-              </a:tr>
-            </a:tbl>
-          </a:graphicData>
-        </a:graphic>
-      </p:graphicFrame>
-      <p:sp>
-        <p:nvSpPr>
-          <p:cNvPr id="3" name="Slide Number">
-            <a:extLst>
-              <a:ext uri="{FF2B5EF4-FFF2-40B4-BE49-F238E27FC236}">
-                <a16:creationId xmlns:a16="http://schemas.microsoft.com/office/drawing/2014/main" id="{1BA95FD6-1F2E-3F1E-CEDE-E9475D060E61}"/>
-              </a:ext>
-            </a:extLst>
-          </p:cNvPr>
-          <p:cNvSpPr>
-            <a:spLocks noGrp="1"/>
-          </p:cNvSpPr>
-          <p:nvPr>
-            <p:ph type="sldNum" sz="quarter" idx="5"/>
-          </p:nvPr>
-        </p:nvSpPr>
-        <p:spPr>
-          <a:xfrm>
-            <a:off x="11753030" y="6507000"/>
-            <a:ext cx="367414" cy="297000"/>
-          </a:xfrm>
-          <a:prstGeom prst="rect">
-            <a:avLst/>
-          </a:prstGeom>
-        </p:spPr>
-        <p:txBody>
-          <a:bodyPr vert="horz" lIns="91440" tIns="45720" rIns="91440" bIns="45720" rtlCol="0" anchor="b"/>
-          <a:lstStyle>
-            <a:lvl1pPr algn="r">
-              <a:defRPr sz="1000"/>
-            </a:lvl1pPr>
-          </a:lstStyle>
-          <a:p>
-            <a:fld id="{2BF067CD-8E6B-4360-9AA8-C5DF2A48A6D1}" type="slidenum">
-              <a:rPr lang="en-US" noProof="0" smtClean="0"/>
-              <a:pPr/>
-              <a:t>7</a:t>
-            </a:fld>
-            <a:endParaRPr lang="en-US" noProof="0" dirty="0"/>
-          </a:p>
-        </p:txBody>
-      </p:sp>
-    </p:spTree>
-    <p:extLst>
-      <p:ext uri="{BB962C8B-B14F-4D97-AF65-F5344CB8AC3E}">
-        <p14:creationId xmlns:p14="http://schemas.microsoft.com/office/powerpoint/2010/main" val="300773445"/>
-      </p:ext>
-    </p:extLst>
-  </p:cSld>
-  <p:clrMapOvr>
-    <a:masterClrMapping/>
-  </p:clrMapOvr>
-  <p:transition/>
-  <p:timing>
-    <p:tnLst>
-      <p:par>
-        <p:cTn id="1" dur="indefinite" restart="never" nodeType="tmRoot">
-          <p:childTnLst>
-            <p:seq concurrent="1" nextAc="seek">
-              <p:cTn id="2" dur="indefinite" nodeType="mainSeq">
-                <p:childTnLst>
-                  <p:par>
-                    <p:cTn id="3" fill="hold">
-                      <p:stCondLst>
-                        <p:cond delay="indefinite"/>
-                      </p:stCondLst>
-                      <p:childTnLst>
-                        <p:par>
-                          <p:cTn id="4" fill="hold">
-                            <p:stCondLst>
-                              <p:cond delay="0"/>
-                            </p:stCondLst>
-                            <p:childTnLst>
-                              <p:par>
-                                <p:cTn id="5" presetID="1" presetClass="entr" presetSubtype="0" fill="hold" nodeType="clickEffect">
-                                  <p:stCondLst>
-                                    <p:cond delay="0"/>
-                                  </p:stCondLst>
-                                  <p:childTnLst>
-                                    <p:set>
-                                      <p:cBhvr>
-                                        <p:cTn id="6" dur="1" fill="hold">
-                                          <p:stCondLst>
-                                            <p:cond delay="0"/>
-                                          </p:stCondLst>
-                                        </p:cTn>
-                                        <p:tgtEl>
-                                          <p:spTgt spid="523267">
-                                            <p:txEl>
-                                              <p:pRg st="3" end="3"/>
-                                            </p:txEl>
-                                          </p:spTgt>
-                                        </p:tgtEl>
-                                        <p:attrNameLst>
-                                          <p:attrName>style.visibility</p:attrName>
-                                        </p:attrNameLst>
-                                      </p:cBhvr>
-                                      <p:to>
-                                        <p:strVal val="visible"/>
-                                      </p:to>
-                                    </p:set>
-                                  </p:childTnLst>
-                                </p:cTn>
-                              </p:par>
-                              <p:par>
-                                <p:cTn id="7" presetID="1" presetClass="entr" presetSubtype="0" fill="hold" nodeType="withEffect">
-                                  <p:stCondLst>
-                                    <p:cond delay="0"/>
-                                  </p:stCondLst>
-                                  <p:childTnLst>
-                                    <p:set>
-                                      <p:cBhvr>
-                                        <p:cTn id="8" dur="1" fill="hold">
-                                          <p:stCondLst>
-                                            <p:cond delay="0"/>
-                                          </p:stCondLst>
-                                        </p:cTn>
-                                        <p:tgtEl>
-                                          <p:spTgt spid="523269"/>
-                                        </p:tgtEl>
-                                        <p:attrNameLst>
-                                          <p:attrName>style.visibility</p:attrName>
-                                        </p:attrNameLst>
-                                      </p:cBhvr>
-                                      <p:to>
-                                        <p:strVal val="visible"/>
-                                      </p:to>
-                                    </p:set>
-                                  </p:childTnLst>
-                                </p:cTn>
-                              </p:par>
-                            </p:childTnLst>
-                          </p:cTn>
-                        </p:par>
-                      </p:childTnLst>
-                    </p:cTn>
-                  </p:par>
-                </p:childTnLst>
-              </p:cTn>
-              <p:prevCondLst>
-                <p:cond evt="onPrev" delay="0">
-                  <p:tgtEl>
-                    <p:sldTgt/>
-                  </p:tgtEl>
-                </p:cond>
-              </p:prevCondLst>
-              <p:nextCondLst>
-                <p:cond evt="onNext" delay="0">
-                  <p:tgtEl>
-                    <p:sldTgt/>
-                  </p:tgtEl>
-                </p:cond>
-              </p:nextCondLst>
-            </p:seq>
-          </p:childTnLst>
-        </p:cTn>
-      </p:par>
-    </p:tnLst>
-  </p:timing>
-</p:sld>
-</file>
-
-<file path=ppt/slides/slide8.xml><?xml version="1.0" encoding="utf-8"?>
-<p:sld xmlns:a="http://schemas.openxmlformats.org/drawingml/2006/main" xmlns:r="http://schemas.openxmlformats.org/officeDocument/2006/relationships" xmlns:p="http://schemas.openxmlformats.org/presentationml/2006/main">
-  <p:cSld>
-    <p:spTree>
-      <p:nvGrpSpPr>
-        <p:cNvPr id="1" name=""/>
-        <p:cNvGrpSpPr/>
-        <p:nvPr/>
-      </p:nvGrpSpPr>
-      <p:grpSpPr>
-        <a:xfrm>
-          <a:off x="0" y="0"/>
-          <a:ext cx="0" cy="0"/>
-          <a:chOff x="0" y="0"/>
-          <a:chExt cx="0" cy="0"/>
-        </a:xfrm>
-      </p:grpSpPr>
-      <p:sp>
-        <p:nvSpPr>
           <p:cNvPr id="524290" name="Rectangle 2"/>
           <p:cNvSpPr>
             <a:spLocks noGrp="1" noChangeArrowheads="1"/>
@@ -44092,7 +42475,15 @@
             </a:r>
             <a:r>
               <a:rPr lang="en-US" dirty="0"/>
-              <a:t>(2)</a:t>
+              <a:t>(</a:t>
+            </a:r>
+            <a:r>
+              <a:rPr lang="bg-BG" dirty="0"/>
+              <a:t>1</a:t>
+            </a:r>
+            <a:r>
+              <a:rPr lang="en-US" dirty="0"/>
+              <a:t>)</a:t>
             </a:r>
           </a:p>
         </p:txBody>
@@ -44129,7 +42520,7 @@
               </a:buClr>
             </a:pPr>
             <a:r>
-              <a:rPr lang="ru-RU" b="1" dirty="0">
+              <a:rPr lang="ru-RU" sz="3200" b="1" dirty="0">
                 <a:solidFill>
                   <a:schemeClr val="bg1"/>
                 </a:solidFill>
@@ -44137,11 +42528,82 @@
               <a:t>Декартово произведение </a:t>
             </a:r>
             <a:r>
-              <a:rPr lang="ru-RU" dirty="0"/>
+              <a:rPr lang="en-US" sz="3200" dirty="0"/>
+              <a:t>–</a:t>
+            </a:r>
+            <a:r>
+              <a:rPr lang="en-US" sz="3200" b="1" dirty="0">
+                <a:solidFill>
+                  <a:schemeClr val="bg1"/>
+                </a:solidFill>
+              </a:rPr>
+              <a:t> </a:t>
+            </a:r>
+            <a:r>
+              <a:rPr lang="bg-BG" sz="3200" b="1" dirty="0">
+                <a:solidFill>
+                  <a:schemeClr val="bg1"/>
+                </a:solidFill>
+              </a:rPr>
+              <a:t>всички </a:t>
+            </a:r>
+            <a:r>
+              <a:rPr lang="ru-RU" sz="3200" dirty="0"/>
+              <a:t>редове в </a:t>
+            </a:r>
+            <a:r>
+              <a:rPr lang="ru-RU" sz="3200" b="1" dirty="0">
+                <a:solidFill>
+                  <a:schemeClr val="bg1"/>
+                </a:solidFill>
+              </a:rPr>
+              <a:t>първата</a:t>
+            </a:r>
+            <a:r>
+              <a:rPr lang="ru-RU" sz="3200" dirty="0"/>
+              <a:t> таблица се свързват с всички редове във </a:t>
+            </a:r>
+            <a:r>
+              <a:rPr lang="ru-RU" sz="3200" b="1" dirty="0">
+                <a:solidFill>
+                  <a:schemeClr val="bg1"/>
+                </a:solidFill>
+              </a:rPr>
+              <a:t>втората</a:t>
+            </a:r>
+            <a:r>
+              <a:rPr lang="ru-RU" sz="3200" dirty="0"/>
+              <a:t> таблица</a:t>
+            </a:r>
+            <a:endParaRPr lang="en-US" sz="3200" b="1" dirty="0">
+              <a:solidFill>
+                <a:schemeClr val="bg1"/>
+              </a:solidFill>
+            </a:endParaRPr>
+          </a:p>
+          <a:p>
+            <a:pPr>
+              <a:lnSpc>
+                <a:spcPct val="100000"/>
+              </a:lnSpc>
+              <a:buClr>
+                <a:schemeClr val="tx1"/>
+              </a:buClr>
+            </a:pPr>
+            <a:r>
+              <a:rPr lang="ru-RU" sz="3200" b="1" dirty="0">
+                <a:solidFill>
+                  <a:schemeClr val="bg1"/>
+                </a:solidFill>
+              </a:rPr>
+              <a:t>Декартово произведение </a:t>
+            </a:r>
+            <a:r>
+              <a:rPr lang="ru-RU" sz="3200" dirty="0"/>
               <a:t>се получава, когато</a:t>
             </a:r>
             <a:r>
-              <a:rPr lang="en-US" dirty="0"/>
+              <a:rPr lang="en-US" sz="3200" dirty="0"/>
               <a:t>:</a:t>
             </a:r>
           </a:p>
@@ -44152,22 +42614,22 @@
               </a:lnSpc>
             </a:pPr>
             <a:r>
-              <a:rPr lang="en-US" dirty="0"/>
+              <a:rPr lang="en-US" sz="3000" dirty="0"/>
               <a:t>Join </a:t>
             </a:r>
             <a:r>
-              <a:rPr lang="bg-BG" dirty="0"/>
+              <a:rPr lang="bg-BG" sz="3000" dirty="0"/>
               <a:t>условието е </a:t>
             </a:r>
             <a:r>
-              <a:rPr lang="bg-BG" b="1" dirty="0">
+              <a:rPr lang="bg-BG" sz="3000" b="1" dirty="0">
                 <a:solidFill>
                   <a:schemeClr val="bg1"/>
                 </a:solidFill>
               </a:rPr>
               <a:t>пропуснато</a:t>
             </a:r>
-            <a:endParaRPr lang="en-US" b="1" dirty="0">
+            <a:endParaRPr lang="en-US" sz="3000" b="1" dirty="0">
               <a:solidFill>
                 <a:schemeClr val="bg1"/>
               </a:solidFill>
@@ -44180,73 +42642,26 @@
               </a:lnSpc>
             </a:pPr>
             <a:r>
-              <a:rPr lang="en-US" dirty="0"/>
+              <a:rPr lang="en-US" sz="3000" dirty="0"/>
               <a:t>Join </a:t>
             </a:r>
             <a:r>
-              <a:rPr lang="bg-BG" dirty="0"/>
+              <a:rPr lang="bg-BG" sz="3000" dirty="0"/>
               <a:t>условието е </a:t>
             </a:r>
             <a:r>
-              <a:rPr lang="bg-BG" b="1" dirty="0">
+              <a:rPr lang="bg-BG" sz="3000" b="1" dirty="0">
                 <a:solidFill>
                   <a:schemeClr val="bg1"/>
                 </a:solidFill>
               </a:rPr>
               <a:t>невалидно</a:t>
             </a:r>
-            <a:endParaRPr lang="en-US" b="1" dirty="0">
+            <a:endParaRPr lang="en-US" sz="3000" b="1" dirty="0">
               <a:solidFill>
                 <a:schemeClr val="bg1"/>
               </a:solidFill>
             </a:endParaRPr>
-          </a:p>
-          <a:p>
-            <a:pPr lvl="1">
-              <a:lnSpc>
-                <a:spcPct val="100000"/>
-              </a:lnSpc>
-              <a:buClr>
-                <a:schemeClr val="tx1"/>
-              </a:buClr>
-            </a:pPr>
-            <a:r>
-              <a:rPr lang="ru-RU" b="1" dirty="0">
-                <a:solidFill>
-                  <a:schemeClr val="bg1"/>
-                </a:solidFill>
-              </a:rPr>
-              <a:t>Всички</a:t>
-            </a:r>
-            <a:r>
-              <a:rPr lang="ru-RU" dirty="0"/>
-              <a:t> редове в </a:t>
-            </a:r>
-            <a:r>
-              <a:rPr lang="ru-RU" b="1" dirty="0">
-                <a:solidFill>
-                  <a:schemeClr val="bg1"/>
-                </a:solidFill>
-              </a:rPr>
-              <a:t>първата</a:t>
-            </a:r>
-            <a:r>
-              <a:rPr lang="ru-RU" dirty="0"/>
-              <a:t> таблица се свързват с всички редове във </a:t>
-            </a:r>
-            <a:r>
-              <a:rPr lang="ru-RU" b="1" dirty="0">
-                <a:solidFill>
-                  <a:schemeClr val="bg1"/>
-                </a:solidFill>
-              </a:rPr>
-              <a:t>втората</a:t>
-            </a:r>
-            <a:r>
-              <a:rPr lang="ru-RU" dirty="0"/>
-              <a:t> таблица</a:t>
-            </a:r>
-            <a:endParaRPr lang="en-US" dirty="0"/>
           </a:p>
           <a:p>
             <a:pPr>
@@ -44255,18 +42670,18 @@
               </a:lnSpc>
             </a:pPr>
             <a:r>
-              <a:rPr lang="ru-RU" dirty="0"/>
+              <a:rPr lang="ru-RU" sz="3200" dirty="0"/>
               <a:t>За да избегнете декартово произведение, винаги включвайте </a:t>
             </a:r>
             <a:r>
-              <a:rPr lang="ru-RU" b="1" dirty="0">
+              <a:rPr lang="ru-RU" sz="3200" b="1" dirty="0">
                 <a:solidFill>
                   <a:schemeClr val="bg1"/>
                 </a:solidFill>
               </a:rPr>
               <a:t>валидно условие за свързване</a:t>
             </a:r>
-            <a:endParaRPr lang="en-US" b="1" dirty="0">
+            <a:endParaRPr lang="en-US" sz="3200" b="1" dirty="0">
               <a:solidFill>
                 <a:schemeClr val="bg1"/>
               </a:solidFill>
@@ -44475,7 +42890,7 @@
             <a:fld id="{2BF067CD-8E6B-4360-9AA8-C5DF2A48A6D1}" type="slidenum">
               <a:rPr lang="en-US" noProof="0" smtClean="0"/>
               <a:pPr/>
-              <a:t>8</a:t>
+              <a:t>7</a:t>
             </a:fld>
             <a:endParaRPr lang="en-US" noProof="0" dirty="0"/>
           </a:p>
@@ -44528,7 +42943,7 @@
                                         <p:tgtEl>
                                           <p:spTgt spid="524291">
                                             <p:txEl>
-                                              <p:pRg st="2" end="2"/>
+                                              <p:pRg st="1" end="1"/>
                                             </p:txEl>
                                           </p:spTgt>
                                         </p:tgtEl>
@@ -44577,7 +42992,7 @@
                                         <p:tgtEl>
                                           <p:spTgt spid="524291">
                                             <p:txEl>
-                                              <p:pRg st="3" end="3"/>
+                                              <p:pRg st="2" end="2"/>
                                             </p:txEl>
                                           </p:spTgt>
                                         </p:tgtEl>
@@ -44626,9 +43041,1913 @@
                                         <p:tgtEl>
                                           <p:spTgt spid="524291">
                                             <p:txEl>
+                                              <p:pRg st="3" end="3"/>
+                                            </p:txEl>
+                                          </p:spTgt>
+                                        </p:tgtEl>
+                                        <p:attrNameLst>
+                                          <p:attrName>style.visibility</p:attrName>
+                                        </p:attrNameLst>
+                                      </p:cBhvr>
+                                      <p:to>
+                                        <p:strVal val="visible"/>
+                                      </p:to>
+                                    </p:set>
+                                  </p:childTnLst>
+                                </p:cTn>
+                              </p:par>
+                            </p:childTnLst>
+                          </p:cTn>
+                        </p:par>
+                      </p:childTnLst>
+                    </p:cTn>
+                  </p:par>
+                  <p:par>
+                    <p:cTn id="15" fill="hold">
+                      <p:stCondLst>
+                        <p:cond delay="indefinite"/>
+                      </p:stCondLst>
+                      <p:childTnLst>
+                        <p:par>
+                          <p:cTn id="16" fill="hold">
+                            <p:stCondLst>
+                              <p:cond delay="0"/>
+                            </p:stCondLst>
+                            <p:childTnLst>
+                              <p:par>
+                                <p:cTn id="17" presetID="1" presetClass="entr" presetSubtype="0" fill="hold" nodeType="clickEffect">
+                                  <p:stCondLst>
+                                    <p:cond delay="0"/>
+                                  </p:stCondLst>
+                                  <p:childTnLst>
+                                    <p:set>
+                                      <p:cBhvr>
+                                        <p:cTn id="18" dur="1" fill="hold">
+                                          <p:stCondLst>
+                                            <p:cond delay="0"/>
+                                          </p:stCondLst>
+                                        </p:cTn>
+                                        <p:tgtEl>
+                                          <p:spTgt spid="524291">
+                                            <p:txEl>
                                               <p:pRg st="4" end="4"/>
                                             </p:txEl>
                                           </p:spTgt>
+                                        </p:tgtEl>
+                                        <p:attrNameLst>
+                                          <p:attrName>style.visibility</p:attrName>
+                                        </p:attrNameLst>
+                                      </p:cBhvr>
+                                      <p:to>
+                                        <p:strVal val="visible"/>
+                                      </p:to>
+                                    </p:set>
+                                  </p:childTnLst>
+                                </p:cTn>
+                              </p:par>
+                            </p:childTnLst>
+                          </p:cTn>
+                        </p:par>
+                      </p:childTnLst>
+                    </p:cTn>
+                  </p:par>
+                </p:childTnLst>
+              </p:cTn>
+              <p:prevCondLst>
+                <p:cond evt="onPrev" delay="0">
+                  <p:tgtEl>
+                    <p:sldTgt/>
+                  </p:tgtEl>
+                </p:cond>
+              </p:prevCondLst>
+              <p:nextCondLst>
+                <p:cond evt="onNext" delay="0">
+                  <p:tgtEl>
+                    <p:sldTgt/>
+                  </p:tgtEl>
+                </p:cond>
+              </p:nextCondLst>
+            </p:seq>
+          </p:childTnLst>
+        </p:cTn>
+      </p:par>
+    </p:tnLst>
+  </p:timing>
+</p:sld>
+</file>
+
+<file path=ppt/slides/slide8.xml><?xml version="1.0" encoding="utf-8"?>
+<p:sld xmlns:a="http://schemas.openxmlformats.org/drawingml/2006/main" xmlns:r="http://schemas.openxmlformats.org/officeDocument/2006/relationships" xmlns:p="http://schemas.openxmlformats.org/presentationml/2006/main">
+  <p:cSld>
+    <p:spTree>
+      <p:nvGrpSpPr>
+        <p:cNvPr id="1" name=""/>
+        <p:cNvGrpSpPr/>
+        <p:nvPr/>
+      </p:nvGrpSpPr>
+      <p:grpSpPr>
+        <a:xfrm>
+          <a:off x="0" y="0"/>
+          <a:ext cx="0" cy="0"/>
+          <a:chOff x="0" y="0"/>
+          <a:chExt cx="0" cy="0"/>
+        </a:xfrm>
+      </p:grpSpPr>
+      <p:sp>
+        <p:nvSpPr>
+          <p:cNvPr id="523266" name="Rectangle 2"/>
+          <p:cNvSpPr>
+            <a:spLocks noGrp="1" noChangeArrowheads="1"/>
+          </p:cNvSpPr>
+          <p:nvPr>
+            <p:ph type="title"/>
+          </p:nvPr>
+        </p:nvSpPr>
+        <p:spPr/>
+        <p:txBody>
+          <a:bodyPr/>
+          <a:lstStyle/>
+          <a:p>
+            <a:r>
+              <a:rPr lang="bg-BG" dirty="0"/>
+              <a:t>Декартово произведение</a:t>
+            </a:r>
+            <a:r>
+              <a:rPr lang="en-US" dirty="0"/>
+              <a:t> </a:t>
+            </a:r>
+            <a:r>
+              <a:rPr lang="bg-BG" dirty="0"/>
+              <a:t>– Пример</a:t>
+            </a:r>
+            <a:endParaRPr lang="en-US" dirty="0"/>
+          </a:p>
+        </p:txBody>
+      </p:sp>
+      <p:sp>
+        <p:nvSpPr>
+          <p:cNvPr id="523267" name="Rectangle 3"/>
+          <p:cNvSpPr>
+            <a:spLocks noGrp="1" noChangeArrowheads="1"/>
+          </p:cNvSpPr>
+          <p:nvPr>
+            <p:ph idx="4294967295"/>
+          </p:nvPr>
+        </p:nvSpPr>
+        <p:spPr>
+          <a:xfrm>
+            <a:off x="190463" y="1151122"/>
+            <a:ext cx="11807897" cy="5570355"/>
+          </a:xfrm>
+          <a:prstGeom prst="rect">
+            <a:avLst/>
+          </a:prstGeom>
+        </p:spPr>
+        <p:txBody>
+          <a:bodyPr/>
+          <a:lstStyle/>
+          <a:p>
+            <a:pPr>
+              <a:lnSpc>
+                <a:spcPct val="90000"/>
+              </a:lnSpc>
+            </a:pPr>
+            <a:r>
+              <a:rPr lang="ru-RU" dirty="0"/>
+              <a:t>Тази заявка ще направи декартово произведение</a:t>
+            </a:r>
+            <a:r>
+              <a:rPr lang="en-US" dirty="0"/>
+              <a:t>:</a:t>
+            </a:r>
+          </a:p>
+          <a:p>
+            <a:pPr>
+              <a:lnSpc>
+                <a:spcPct val="90000"/>
+              </a:lnSpc>
+            </a:pPr>
+            <a:endParaRPr lang="en-US" dirty="0"/>
+          </a:p>
+          <a:p>
+            <a:pPr>
+              <a:lnSpc>
+                <a:spcPct val="90000"/>
+              </a:lnSpc>
+            </a:pPr>
+            <a:endParaRPr lang="en-US" dirty="0"/>
+          </a:p>
+          <a:p>
+            <a:pPr>
+              <a:lnSpc>
+                <a:spcPct val="90000"/>
+              </a:lnSpc>
+            </a:pPr>
+            <a:r>
+              <a:rPr lang="bg-BG" dirty="0"/>
+              <a:t>Резултатът</a:t>
+            </a:r>
+            <a:r>
+              <a:rPr lang="en-US" dirty="0"/>
+              <a:t>:</a:t>
+            </a:r>
+          </a:p>
+        </p:txBody>
+      </p:sp>
+      <p:sp>
+        <p:nvSpPr>
+          <p:cNvPr id="523268" name="Rectangle 4"/>
+          <p:cNvSpPr>
+            <a:spLocks noChangeArrowheads="1"/>
+          </p:cNvSpPr>
+          <p:nvPr/>
+        </p:nvSpPr>
+        <p:spPr bwMode="auto">
+          <a:xfrm>
+            <a:off x="2361227" y="1905000"/>
+            <a:ext cx="7393325" cy="892552"/>
+          </a:xfrm>
+          <a:prstGeom prst="rect">
+            <a:avLst/>
+          </a:prstGeom>
+          <a:solidFill>
+            <a:schemeClr val="accent5">
+              <a:lumMod val="40000"/>
+              <a:lumOff val="60000"/>
+              <a:alpha val="15000"/>
+            </a:schemeClr>
+          </a:solidFill>
+          <a:ln w="12700">
+            <a:solidFill>
+              <a:schemeClr val="accent5">
+                <a:lumMod val="60000"/>
+                <a:lumOff val="40000"/>
+              </a:schemeClr>
+            </a:solidFill>
+          </a:ln>
+        </p:spPr>
+        <p:txBody>
+          <a:bodyPr wrap="square">
+            <a:spAutoFit/>
+          </a:bodyPr>
+          <a:lstStyle/>
+          <a:p>
+            <a:pPr eaLnBrk="0" hangingPunct="0">
+              <a:buClr>
+                <a:schemeClr val="accent5">
+                  <a:lumMod val="40000"/>
+                  <a:lumOff val="60000"/>
+                </a:schemeClr>
+              </a:buClr>
+              <a:buSzPct val="70000"/>
+            </a:pPr>
+            <a:r>
+              <a:rPr lang="en-US" sz="2600" b="1" noProof="1">
+                <a:solidFill>
+                  <a:schemeClr val="bg1"/>
+                </a:solidFill>
+                <a:latin typeface="Consolas" pitchFamily="49" charset="0"/>
+                <a:cs typeface="Consolas" pitchFamily="49" charset="0"/>
+              </a:rPr>
+              <a:t>SELECT </a:t>
+            </a:r>
+            <a:r>
+              <a:rPr lang="en-US" sz="2600" b="1" noProof="1">
+                <a:latin typeface="Consolas" pitchFamily="49" charset="0"/>
+                <a:cs typeface="Consolas" pitchFamily="49" charset="0"/>
+              </a:rPr>
+              <a:t>LastName, Name AS DepartmentName</a:t>
+            </a:r>
+          </a:p>
+          <a:p>
+            <a:pPr eaLnBrk="0" hangingPunct="0">
+              <a:buClr>
+                <a:schemeClr val="accent5">
+                  <a:lumMod val="40000"/>
+                  <a:lumOff val="60000"/>
+                </a:schemeClr>
+              </a:buClr>
+              <a:buSzPct val="70000"/>
+            </a:pPr>
+            <a:r>
+              <a:rPr lang="en-US" sz="2600" b="1" noProof="1">
+                <a:solidFill>
+                  <a:schemeClr val="bg1"/>
+                </a:solidFill>
+                <a:latin typeface="Consolas" pitchFamily="49" charset="0"/>
+                <a:cs typeface="Consolas" pitchFamily="49" charset="0"/>
+              </a:rPr>
+              <a:t>FROM </a:t>
+            </a:r>
+            <a:r>
+              <a:rPr lang="en-US" sz="2600" b="1" noProof="1">
+                <a:latin typeface="Consolas" pitchFamily="49" charset="0"/>
+                <a:cs typeface="Consolas" pitchFamily="49" charset="0"/>
+              </a:rPr>
+              <a:t>Employees, Departments</a:t>
+            </a:r>
+          </a:p>
+        </p:txBody>
+      </p:sp>
+      <p:graphicFrame>
+        <p:nvGraphicFramePr>
+          <p:cNvPr id="523269" name="Group 5"/>
+          <p:cNvGraphicFramePr>
+            <a:graphicFrameLocks noGrp="1"/>
+          </p:cNvGraphicFramePr>
+          <p:nvPr>
+            <p:extLst>
+              <p:ext uri="{D42A27DB-BD31-4B8C-83A1-F6EECF244321}">
+                <p14:modId xmlns:p14="http://schemas.microsoft.com/office/powerpoint/2010/main" val="3047789939"/>
+              </p:ext>
+            </p:extLst>
+          </p:nvPr>
+        </p:nvGraphicFramePr>
+        <p:xfrm>
+          <a:off x="3352085" y="3505200"/>
+          <a:ext cx="5564049" cy="2898648"/>
+        </p:xfrm>
+        <a:graphic>
+          <a:graphicData uri="http://schemas.openxmlformats.org/drawingml/2006/table">
+            <a:tbl>
+              <a:tblPr/>
+              <a:tblGrid>
+                <a:gridCol w="2118423">
+                  <a:extLst>
+                    <a:ext uri="{9D8B030D-6E8A-4147-A177-3AD203B41FA5}">
+                      <a16:colId xmlns:a16="http://schemas.microsoft.com/office/drawing/2014/main" val="20000"/>
+                    </a:ext>
+                  </a:extLst>
+                </a:gridCol>
+                <a:gridCol w="3445626">
+                  <a:extLst>
+                    <a:ext uri="{9D8B030D-6E8A-4147-A177-3AD203B41FA5}">
+                      <a16:colId xmlns:a16="http://schemas.microsoft.com/office/drawing/2014/main" val="20001"/>
+                    </a:ext>
+                  </a:extLst>
+                </a:gridCol>
+              </a:tblGrid>
+              <a:tr h="342900">
+                <a:tc>
+                  <a:txBody>
+                    <a:bodyPr/>
+                    <a:lstStyle/>
+                    <a:p>
+                      <a:pPr marL="0" marR="0" lvl="0" indent="0" algn="ctr" defTabSz="914400" rtl="0" eaLnBrk="0" fontAlgn="base" latinLnBrk="0" hangingPunct="0">
+                        <a:lnSpc>
+                          <a:spcPct val="95000"/>
+                        </a:lnSpc>
+                        <a:spcBef>
+                          <a:spcPct val="40000"/>
+                        </a:spcBef>
+                        <a:spcAft>
+                          <a:spcPct val="0"/>
+                        </a:spcAft>
+                        <a:buClr>
+                          <a:schemeClr val="tx1"/>
+                        </a:buClr>
+                        <a:buSzTx/>
+                        <a:buFontTx/>
+                        <a:buNone/>
+                        <a:tabLst/>
+                      </a:pPr>
+                      <a:r>
+                        <a:rPr kumimoji="1" lang="en-US" sz="2400" b="1" i="0" u="none" strike="noStrike" cap="none" normalizeH="0" baseline="0" noProof="1">
+                          <a:ln>
+                            <a:noFill/>
+                          </a:ln>
+                          <a:solidFill>
+                            <a:schemeClr val="tx1"/>
+                          </a:solidFill>
+                          <a:effectLst/>
+                          <a:latin typeface="+mj-lt"/>
+                        </a:rPr>
+                        <a:t>LastName</a:t>
+                      </a:r>
+                    </a:p>
+                  </a:txBody>
+                  <a:tcPr marL="91464" marR="91464" anchor="ctr" horzOverflow="overflow">
+                    <a:lnL w="28575" cap="flat" cmpd="sng" algn="ctr">
+                      <a:solidFill>
+                        <a:schemeClr val="accent5">
+                          <a:lumMod val="20000"/>
+                          <a:lumOff val="80000"/>
+                        </a:schemeClr>
+                      </a:solidFill>
+                      <a:prstDash val="solid"/>
+                      <a:round/>
+                      <a:headEnd type="none" w="med" len="med"/>
+                      <a:tailEnd type="none" w="med" len="med"/>
+                    </a:lnL>
+                    <a:lnR w="28575" cap="flat" cmpd="sng" algn="ctr">
+                      <a:solidFill>
+                        <a:schemeClr val="accent5">
+                          <a:lumMod val="20000"/>
+                          <a:lumOff val="80000"/>
+                        </a:schemeClr>
+                      </a:solidFill>
+                      <a:prstDash val="solid"/>
+                      <a:round/>
+                      <a:headEnd type="none" w="med" len="med"/>
+                      <a:tailEnd type="none" w="med" len="med"/>
+                    </a:lnR>
+                    <a:lnT w="28575" cap="flat" cmpd="sng" algn="ctr">
+                      <a:solidFill>
+                        <a:schemeClr val="accent5">
+                          <a:lumMod val="20000"/>
+                          <a:lumOff val="80000"/>
+                        </a:schemeClr>
+                      </a:solidFill>
+                      <a:prstDash val="solid"/>
+                      <a:round/>
+                      <a:headEnd type="none" w="med" len="med"/>
+                      <a:tailEnd type="none" w="med" len="med"/>
+                    </a:lnT>
+                    <a:lnB w="28575" cap="flat" cmpd="sng" algn="ctr">
+                      <a:solidFill>
+                        <a:schemeClr val="accent5">
+                          <a:lumMod val="20000"/>
+                          <a:lumOff val="80000"/>
+                        </a:schemeClr>
+                      </a:solidFill>
+                      <a:prstDash val="solid"/>
+                      <a:round/>
+                      <a:headEnd type="none" w="med" len="med"/>
+                      <a:tailEnd type="none" w="med" len="med"/>
+                    </a:lnB>
+                    <a:lnTlToBr>
+                      <a:noFill/>
+                    </a:lnTlToBr>
+                    <a:lnBlToTr>
+                      <a:noFill/>
+                    </a:lnBlToTr>
+                    <a:solidFill>
+                      <a:schemeClr val="accent5">
+                        <a:lumMod val="60000"/>
+                        <a:lumOff val="40000"/>
+                        <a:alpha val="50000"/>
+                      </a:schemeClr>
+                    </a:solidFill>
+                  </a:tcPr>
+                </a:tc>
+                <a:tc>
+                  <a:txBody>
+                    <a:bodyPr/>
+                    <a:lstStyle/>
+                    <a:p>
+                      <a:pPr marL="0" marR="0" lvl="0" indent="0" algn="ctr" defTabSz="914400" rtl="0" eaLnBrk="0" fontAlgn="base" latinLnBrk="0" hangingPunct="0">
+                        <a:lnSpc>
+                          <a:spcPct val="95000"/>
+                        </a:lnSpc>
+                        <a:spcBef>
+                          <a:spcPct val="40000"/>
+                        </a:spcBef>
+                        <a:spcAft>
+                          <a:spcPct val="0"/>
+                        </a:spcAft>
+                        <a:buClr>
+                          <a:schemeClr val="tx1"/>
+                        </a:buClr>
+                        <a:buSzTx/>
+                        <a:buFontTx/>
+                        <a:buNone/>
+                        <a:tabLst/>
+                      </a:pPr>
+                      <a:r>
+                        <a:rPr kumimoji="1" lang="en-US" sz="2400" b="1" i="0" u="none" strike="noStrike" cap="none" normalizeH="0" baseline="0" dirty="0">
+                          <a:ln>
+                            <a:noFill/>
+                          </a:ln>
+                          <a:solidFill>
+                            <a:schemeClr val="tx1"/>
+                          </a:solidFill>
+                          <a:effectLst/>
+                          <a:latin typeface="+mj-lt"/>
+                        </a:rPr>
+                        <a:t>Department</a:t>
+                      </a:r>
+                      <a:r>
+                        <a:rPr kumimoji="1" lang="en-US" sz="2400" b="1" i="0" u="none" strike="noStrike" cap="none" normalizeH="0" baseline="0" noProof="1">
+                          <a:ln>
+                            <a:noFill/>
+                          </a:ln>
+                          <a:solidFill>
+                            <a:schemeClr val="tx1"/>
+                          </a:solidFill>
+                          <a:effectLst/>
+                          <a:latin typeface="+mj-lt"/>
+                        </a:rPr>
+                        <a:t>Name</a:t>
+                      </a:r>
+                    </a:p>
+                  </a:txBody>
+                  <a:tcPr marL="91464" marR="91464" anchor="ctr" horzOverflow="overflow">
+                    <a:lnL w="28575" cap="flat" cmpd="sng" algn="ctr">
+                      <a:solidFill>
+                        <a:schemeClr val="accent5">
+                          <a:lumMod val="20000"/>
+                          <a:lumOff val="80000"/>
+                        </a:schemeClr>
+                      </a:solidFill>
+                      <a:prstDash val="solid"/>
+                      <a:round/>
+                      <a:headEnd type="none" w="med" len="med"/>
+                      <a:tailEnd type="none" w="med" len="med"/>
+                    </a:lnL>
+                    <a:lnR w="28575" cap="flat" cmpd="sng" algn="ctr">
+                      <a:solidFill>
+                        <a:schemeClr val="accent5">
+                          <a:lumMod val="20000"/>
+                          <a:lumOff val="80000"/>
+                        </a:schemeClr>
+                      </a:solidFill>
+                      <a:prstDash val="solid"/>
+                      <a:round/>
+                      <a:headEnd type="none" w="med" len="med"/>
+                      <a:tailEnd type="none" w="med" len="med"/>
+                    </a:lnR>
+                    <a:lnT w="28575" cap="flat" cmpd="sng" algn="ctr">
+                      <a:solidFill>
+                        <a:schemeClr val="accent5">
+                          <a:lumMod val="20000"/>
+                          <a:lumOff val="80000"/>
+                        </a:schemeClr>
+                      </a:solidFill>
+                      <a:prstDash val="solid"/>
+                      <a:round/>
+                      <a:headEnd type="none" w="med" len="med"/>
+                      <a:tailEnd type="none" w="med" len="med"/>
+                    </a:lnT>
+                    <a:lnB w="28575" cap="flat" cmpd="sng" algn="ctr">
+                      <a:solidFill>
+                        <a:schemeClr val="accent5">
+                          <a:lumMod val="20000"/>
+                          <a:lumOff val="80000"/>
+                        </a:schemeClr>
+                      </a:solidFill>
+                      <a:prstDash val="solid"/>
+                      <a:round/>
+                      <a:headEnd type="none" w="med" len="med"/>
+                      <a:tailEnd type="none" w="med" len="med"/>
+                    </a:lnB>
+                    <a:lnTlToBr>
+                      <a:noFill/>
+                    </a:lnTlToBr>
+                    <a:lnBlToTr>
+                      <a:noFill/>
+                    </a:lnBlToTr>
+                    <a:solidFill>
+                      <a:schemeClr val="accent5">
+                        <a:lumMod val="60000"/>
+                        <a:lumOff val="40000"/>
+                        <a:alpha val="50000"/>
+                      </a:schemeClr>
+                    </a:solidFill>
+                  </a:tcPr>
+                </a:tc>
+                <a:extLst>
+                  <a:ext uri="{0D108BD9-81ED-4DB2-BD59-A6C34878D82A}">
+                    <a16:rowId xmlns:a16="http://schemas.microsoft.com/office/drawing/2014/main" val="10000"/>
+                  </a:ext>
+                </a:extLst>
+              </a:tr>
+              <a:tr h="342900">
+                <a:tc>
+                  <a:txBody>
+                    <a:bodyPr/>
+                    <a:lstStyle/>
+                    <a:p>
+                      <a:pPr marL="0" marR="0" lvl="0" indent="0" algn="l" defTabSz="914400" rtl="0" eaLnBrk="0" fontAlgn="base" latinLnBrk="0" hangingPunct="0">
+                        <a:lnSpc>
+                          <a:spcPct val="95000"/>
+                        </a:lnSpc>
+                        <a:spcBef>
+                          <a:spcPct val="40000"/>
+                        </a:spcBef>
+                        <a:spcAft>
+                          <a:spcPct val="0"/>
+                        </a:spcAft>
+                        <a:buClr>
+                          <a:schemeClr val="tx1"/>
+                        </a:buClr>
+                        <a:buSzTx/>
+                        <a:buFontTx/>
+                        <a:buNone/>
+                        <a:tabLst/>
+                      </a:pPr>
+                      <a:r>
+                        <a:rPr kumimoji="1" lang="en-US" sz="2200" b="0" i="0" u="none" strike="noStrike" cap="none" normalizeH="0" baseline="0" noProof="1">
+                          <a:ln>
+                            <a:noFill/>
+                          </a:ln>
+                          <a:solidFill>
+                            <a:schemeClr val="tx1"/>
+                          </a:solidFill>
+                          <a:effectLst/>
+                          <a:latin typeface="+mn-lt"/>
+                        </a:rPr>
+                        <a:t>Duffy</a:t>
+                      </a:r>
+                    </a:p>
+                  </a:txBody>
+                  <a:tcPr marL="91464" marR="91464" anchor="ctr" horzOverflow="overflow">
+                    <a:lnL w="28575" cap="flat" cmpd="sng" algn="ctr">
+                      <a:solidFill>
+                        <a:schemeClr val="accent5">
+                          <a:lumMod val="20000"/>
+                          <a:lumOff val="80000"/>
+                        </a:schemeClr>
+                      </a:solidFill>
+                      <a:prstDash val="solid"/>
+                      <a:round/>
+                      <a:headEnd type="none" w="med" len="med"/>
+                      <a:tailEnd type="none" w="med" len="med"/>
+                    </a:lnL>
+                    <a:lnR w="28575" cap="flat" cmpd="sng" algn="ctr">
+                      <a:solidFill>
+                        <a:schemeClr val="accent5">
+                          <a:lumMod val="20000"/>
+                          <a:lumOff val="80000"/>
+                        </a:schemeClr>
+                      </a:solidFill>
+                      <a:prstDash val="solid"/>
+                      <a:round/>
+                      <a:headEnd type="none" w="med" len="med"/>
+                      <a:tailEnd type="none" w="med" len="med"/>
+                    </a:lnR>
+                    <a:lnT w="28575" cap="flat" cmpd="sng" algn="ctr">
+                      <a:solidFill>
+                        <a:schemeClr val="accent5">
+                          <a:lumMod val="20000"/>
+                          <a:lumOff val="80000"/>
+                        </a:schemeClr>
+                      </a:solidFill>
+                      <a:prstDash val="solid"/>
+                      <a:round/>
+                      <a:headEnd type="none" w="med" len="med"/>
+                      <a:tailEnd type="none" w="med" len="med"/>
+                    </a:lnT>
+                    <a:lnB w="28575" cap="flat" cmpd="sng" algn="ctr">
+                      <a:solidFill>
+                        <a:schemeClr val="accent5">
+                          <a:lumMod val="20000"/>
+                          <a:lumOff val="80000"/>
+                        </a:schemeClr>
+                      </a:solidFill>
+                      <a:prstDash val="solid"/>
+                      <a:round/>
+                      <a:headEnd type="none" w="med" len="med"/>
+                      <a:tailEnd type="none" w="med" len="med"/>
+                    </a:lnB>
+                    <a:lnTlToBr>
+                      <a:noFill/>
+                    </a:lnTlToBr>
+                    <a:lnBlToTr>
+                      <a:noFill/>
+                    </a:lnBlToTr>
+                    <a:noFill/>
+                  </a:tcPr>
+                </a:tc>
+                <a:tc>
+                  <a:txBody>
+                    <a:bodyPr/>
+                    <a:lstStyle/>
+                    <a:p>
+                      <a:pPr marL="0" marR="0" lvl="0" indent="0" algn="l" defTabSz="914400" rtl="0" eaLnBrk="0" fontAlgn="base" latinLnBrk="0" hangingPunct="0">
+                        <a:lnSpc>
+                          <a:spcPct val="95000"/>
+                        </a:lnSpc>
+                        <a:spcBef>
+                          <a:spcPct val="40000"/>
+                        </a:spcBef>
+                        <a:spcAft>
+                          <a:spcPct val="0"/>
+                        </a:spcAft>
+                        <a:buClr>
+                          <a:schemeClr val="tx1"/>
+                        </a:buClr>
+                        <a:buSzTx/>
+                        <a:buFontTx/>
+                        <a:buNone/>
+                        <a:tabLst/>
+                      </a:pPr>
+                      <a:r>
+                        <a:rPr kumimoji="1" lang="en-US" sz="2200" b="0" i="0" u="none" strike="noStrike" cap="none" normalizeH="0" baseline="0" noProof="1">
+                          <a:ln>
+                            <a:noFill/>
+                          </a:ln>
+                          <a:solidFill>
+                            <a:schemeClr val="tx1"/>
+                          </a:solidFill>
+                          <a:effectLst/>
+                          <a:latin typeface="+mn-lt"/>
+                        </a:rPr>
+                        <a:t>Document Control</a:t>
+                      </a:r>
+                    </a:p>
+                  </a:txBody>
+                  <a:tcPr marL="91464" marR="91464" anchor="ctr" horzOverflow="overflow">
+                    <a:lnL w="28575" cap="flat" cmpd="sng" algn="ctr">
+                      <a:solidFill>
+                        <a:schemeClr val="accent5">
+                          <a:lumMod val="20000"/>
+                          <a:lumOff val="80000"/>
+                        </a:schemeClr>
+                      </a:solidFill>
+                      <a:prstDash val="solid"/>
+                      <a:round/>
+                      <a:headEnd type="none" w="med" len="med"/>
+                      <a:tailEnd type="none" w="med" len="med"/>
+                    </a:lnL>
+                    <a:lnR w="28575" cap="flat" cmpd="sng" algn="ctr">
+                      <a:solidFill>
+                        <a:schemeClr val="accent5">
+                          <a:lumMod val="20000"/>
+                          <a:lumOff val="80000"/>
+                        </a:schemeClr>
+                      </a:solidFill>
+                      <a:prstDash val="solid"/>
+                      <a:round/>
+                      <a:headEnd type="none" w="med" len="med"/>
+                      <a:tailEnd type="none" w="med" len="med"/>
+                    </a:lnR>
+                    <a:lnT w="28575" cap="flat" cmpd="sng" algn="ctr">
+                      <a:solidFill>
+                        <a:schemeClr val="accent5">
+                          <a:lumMod val="20000"/>
+                          <a:lumOff val="80000"/>
+                        </a:schemeClr>
+                      </a:solidFill>
+                      <a:prstDash val="solid"/>
+                      <a:round/>
+                      <a:headEnd type="none" w="med" len="med"/>
+                      <a:tailEnd type="none" w="med" len="med"/>
+                    </a:lnT>
+                    <a:lnB w="28575" cap="flat" cmpd="sng" algn="ctr">
+                      <a:solidFill>
+                        <a:schemeClr val="accent5">
+                          <a:lumMod val="20000"/>
+                          <a:lumOff val="80000"/>
+                        </a:schemeClr>
+                      </a:solidFill>
+                      <a:prstDash val="solid"/>
+                      <a:round/>
+                      <a:headEnd type="none" w="med" len="med"/>
+                      <a:tailEnd type="none" w="med" len="med"/>
+                    </a:lnB>
+                    <a:lnTlToBr>
+                      <a:noFill/>
+                    </a:lnTlToBr>
+                    <a:lnBlToTr>
+                      <a:noFill/>
+                    </a:lnBlToTr>
+                    <a:noFill/>
+                  </a:tcPr>
+                </a:tc>
+                <a:extLst>
+                  <a:ext uri="{0D108BD9-81ED-4DB2-BD59-A6C34878D82A}">
+                    <a16:rowId xmlns:a16="http://schemas.microsoft.com/office/drawing/2014/main" val="10001"/>
+                  </a:ext>
+                </a:extLst>
+              </a:tr>
+              <a:tr h="342900">
+                <a:tc>
+                  <a:txBody>
+                    <a:bodyPr/>
+                    <a:lstStyle/>
+                    <a:p>
+                      <a:pPr marL="0" marR="0" lvl="0" indent="0" algn="l" defTabSz="914400" rtl="0" eaLnBrk="0" fontAlgn="base" latinLnBrk="0" hangingPunct="0">
+                        <a:lnSpc>
+                          <a:spcPct val="95000"/>
+                        </a:lnSpc>
+                        <a:spcBef>
+                          <a:spcPct val="40000"/>
+                        </a:spcBef>
+                        <a:spcAft>
+                          <a:spcPct val="0"/>
+                        </a:spcAft>
+                        <a:buClr>
+                          <a:schemeClr val="tx1"/>
+                        </a:buClr>
+                        <a:buSzTx/>
+                        <a:buFontTx/>
+                        <a:buNone/>
+                        <a:tabLst/>
+                      </a:pPr>
+                      <a:r>
+                        <a:rPr kumimoji="1" lang="en-US" sz="2200" b="0" i="0" u="none" strike="noStrike" cap="none" normalizeH="0" baseline="0" noProof="1">
+                          <a:ln>
+                            <a:noFill/>
+                          </a:ln>
+                          <a:solidFill>
+                            <a:schemeClr val="tx1"/>
+                          </a:solidFill>
+                          <a:effectLst/>
+                          <a:latin typeface="+mn-lt"/>
+                        </a:rPr>
+                        <a:t>Wang</a:t>
+                      </a:r>
+                    </a:p>
+                  </a:txBody>
+                  <a:tcPr marL="91464" marR="91464" anchor="ctr" horzOverflow="overflow">
+                    <a:lnL w="28575" cap="flat" cmpd="sng" algn="ctr">
+                      <a:solidFill>
+                        <a:schemeClr val="accent5">
+                          <a:lumMod val="20000"/>
+                          <a:lumOff val="80000"/>
+                        </a:schemeClr>
+                      </a:solidFill>
+                      <a:prstDash val="solid"/>
+                      <a:round/>
+                      <a:headEnd type="none" w="med" len="med"/>
+                      <a:tailEnd type="none" w="med" len="med"/>
+                    </a:lnL>
+                    <a:lnR w="28575" cap="flat" cmpd="sng" algn="ctr">
+                      <a:solidFill>
+                        <a:schemeClr val="accent5">
+                          <a:lumMod val="20000"/>
+                          <a:lumOff val="80000"/>
+                        </a:schemeClr>
+                      </a:solidFill>
+                      <a:prstDash val="solid"/>
+                      <a:round/>
+                      <a:headEnd type="none" w="med" len="med"/>
+                      <a:tailEnd type="none" w="med" len="med"/>
+                    </a:lnR>
+                    <a:lnT w="28575" cap="flat" cmpd="sng" algn="ctr">
+                      <a:solidFill>
+                        <a:schemeClr val="accent5">
+                          <a:lumMod val="20000"/>
+                          <a:lumOff val="80000"/>
+                        </a:schemeClr>
+                      </a:solidFill>
+                      <a:prstDash val="solid"/>
+                      <a:round/>
+                      <a:headEnd type="none" w="med" len="med"/>
+                      <a:tailEnd type="none" w="med" len="med"/>
+                    </a:lnT>
+                    <a:lnB w="28575" cap="flat" cmpd="sng" algn="ctr">
+                      <a:solidFill>
+                        <a:schemeClr val="accent5">
+                          <a:lumMod val="20000"/>
+                          <a:lumOff val="80000"/>
+                        </a:schemeClr>
+                      </a:solidFill>
+                      <a:prstDash val="solid"/>
+                      <a:round/>
+                      <a:headEnd type="none" w="med" len="med"/>
+                      <a:tailEnd type="none" w="med" len="med"/>
+                    </a:lnB>
+                    <a:lnTlToBr>
+                      <a:noFill/>
+                    </a:lnTlToBr>
+                    <a:lnBlToTr>
+                      <a:noFill/>
+                    </a:lnBlToTr>
+                    <a:noFill/>
+                  </a:tcPr>
+                </a:tc>
+                <a:tc>
+                  <a:txBody>
+                    <a:bodyPr/>
+                    <a:lstStyle/>
+                    <a:p>
+                      <a:pPr marL="0" marR="0" lvl="0" indent="0" algn="l" defTabSz="914400" rtl="0" eaLnBrk="0" fontAlgn="base" latinLnBrk="0" hangingPunct="0">
+                        <a:lnSpc>
+                          <a:spcPct val="95000"/>
+                        </a:lnSpc>
+                        <a:spcBef>
+                          <a:spcPct val="40000"/>
+                        </a:spcBef>
+                        <a:spcAft>
+                          <a:spcPct val="0"/>
+                        </a:spcAft>
+                        <a:buClr>
+                          <a:schemeClr val="tx1"/>
+                        </a:buClr>
+                        <a:buSzTx/>
+                        <a:buFontTx/>
+                        <a:buNone/>
+                        <a:tabLst/>
+                      </a:pPr>
+                      <a:r>
+                        <a:rPr kumimoji="1" lang="en-US" sz="2200" b="0" i="0" u="none" strike="noStrike" cap="none" normalizeH="0" baseline="0" noProof="1">
+                          <a:ln>
+                            <a:noFill/>
+                          </a:ln>
+                          <a:solidFill>
+                            <a:schemeClr val="tx1"/>
+                          </a:solidFill>
+                          <a:effectLst/>
+                          <a:latin typeface="+mn-lt"/>
+                        </a:rPr>
+                        <a:t>Document Control</a:t>
+                      </a:r>
+                    </a:p>
+                  </a:txBody>
+                  <a:tcPr marL="91464" marR="91464" anchor="ctr" horzOverflow="overflow">
+                    <a:lnL w="28575" cap="flat" cmpd="sng" algn="ctr">
+                      <a:solidFill>
+                        <a:schemeClr val="accent5">
+                          <a:lumMod val="20000"/>
+                          <a:lumOff val="80000"/>
+                        </a:schemeClr>
+                      </a:solidFill>
+                      <a:prstDash val="solid"/>
+                      <a:round/>
+                      <a:headEnd type="none" w="med" len="med"/>
+                      <a:tailEnd type="none" w="med" len="med"/>
+                    </a:lnL>
+                    <a:lnR w="28575" cap="flat" cmpd="sng" algn="ctr">
+                      <a:solidFill>
+                        <a:schemeClr val="accent5">
+                          <a:lumMod val="20000"/>
+                          <a:lumOff val="80000"/>
+                        </a:schemeClr>
+                      </a:solidFill>
+                      <a:prstDash val="solid"/>
+                      <a:round/>
+                      <a:headEnd type="none" w="med" len="med"/>
+                      <a:tailEnd type="none" w="med" len="med"/>
+                    </a:lnR>
+                    <a:lnT w="28575" cap="flat" cmpd="sng" algn="ctr">
+                      <a:solidFill>
+                        <a:schemeClr val="accent5">
+                          <a:lumMod val="20000"/>
+                          <a:lumOff val="80000"/>
+                        </a:schemeClr>
+                      </a:solidFill>
+                      <a:prstDash val="solid"/>
+                      <a:round/>
+                      <a:headEnd type="none" w="med" len="med"/>
+                      <a:tailEnd type="none" w="med" len="med"/>
+                    </a:lnT>
+                    <a:lnB w="28575" cap="flat" cmpd="sng" algn="ctr">
+                      <a:solidFill>
+                        <a:schemeClr val="accent5">
+                          <a:lumMod val="20000"/>
+                          <a:lumOff val="80000"/>
+                        </a:schemeClr>
+                      </a:solidFill>
+                      <a:prstDash val="solid"/>
+                      <a:round/>
+                      <a:headEnd type="none" w="med" len="med"/>
+                      <a:tailEnd type="none" w="med" len="med"/>
+                    </a:lnB>
+                    <a:lnTlToBr>
+                      <a:noFill/>
+                    </a:lnTlToBr>
+                    <a:lnBlToTr>
+                      <a:noFill/>
+                    </a:lnBlToTr>
+                    <a:noFill/>
+                  </a:tcPr>
+                </a:tc>
+                <a:extLst>
+                  <a:ext uri="{0D108BD9-81ED-4DB2-BD59-A6C34878D82A}">
+                    <a16:rowId xmlns:a16="http://schemas.microsoft.com/office/drawing/2014/main" val="10002"/>
+                  </a:ext>
+                </a:extLst>
+              </a:tr>
+              <a:tr h="342900">
+                <a:tc>
+                  <a:txBody>
+                    <a:bodyPr/>
+                    <a:lstStyle/>
+                    <a:p>
+                      <a:pPr marL="0" marR="0" lvl="0" indent="0" algn="l" defTabSz="914400" rtl="0" eaLnBrk="0" fontAlgn="base" latinLnBrk="0" hangingPunct="0">
+                        <a:lnSpc>
+                          <a:spcPct val="95000"/>
+                        </a:lnSpc>
+                        <a:spcBef>
+                          <a:spcPct val="40000"/>
+                        </a:spcBef>
+                        <a:spcAft>
+                          <a:spcPct val="0"/>
+                        </a:spcAft>
+                        <a:buClr>
+                          <a:schemeClr val="tx1"/>
+                        </a:buClr>
+                        <a:buSzTx/>
+                        <a:buFontTx/>
+                        <a:buNone/>
+                        <a:tabLst/>
+                      </a:pPr>
+                      <a:r>
+                        <a:rPr kumimoji="1" lang="en-US" sz="2200" b="0" i="0" u="none" strike="noStrike" cap="none" normalizeH="0" baseline="0" noProof="1">
+                          <a:ln>
+                            <a:noFill/>
+                          </a:ln>
+                          <a:solidFill>
+                            <a:schemeClr val="tx1"/>
+                          </a:solidFill>
+                          <a:effectLst/>
+                          <a:latin typeface="+mn-lt"/>
+                        </a:rPr>
+                        <a:t>Sullivan</a:t>
+                      </a:r>
+                    </a:p>
+                  </a:txBody>
+                  <a:tcPr marL="91464" marR="91464" anchor="ctr" horzOverflow="overflow">
+                    <a:lnL w="28575" cap="flat" cmpd="sng" algn="ctr">
+                      <a:solidFill>
+                        <a:schemeClr val="accent5">
+                          <a:lumMod val="20000"/>
+                          <a:lumOff val="80000"/>
+                        </a:schemeClr>
+                      </a:solidFill>
+                      <a:prstDash val="solid"/>
+                      <a:round/>
+                      <a:headEnd type="none" w="med" len="med"/>
+                      <a:tailEnd type="none" w="med" len="med"/>
+                    </a:lnL>
+                    <a:lnR w="28575" cap="flat" cmpd="sng" algn="ctr">
+                      <a:solidFill>
+                        <a:schemeClr val="accent5">
+                          <a:lumMod val="20000"/>
+                          <a:lumOff val="80000"/>
+                        </a:schemeClr>
+                      </a:solidFill>
+                      <a:prstDash val="solid"/>
+                      <a:round/>
+                      <a:headEnd type="none" w="med" len="med"/>
+                      <a:tailEnd type="none" w="med" len="med"/>
+                    </a:lnR>
+                    <a:lnT w="28575" cap="flat" cmpd="sng" algn="ctr">
+                      <a:solidFill>
+                        <a:schemeClr val="accent5">
+                          <a:lumMod val="20000"/>
+                          <a:lumOff val="80000"/>
+                        </a:schemeClr>
+                      </a:solidFill>
+                      <a:prstDash val="solid"/>
+                      <a:round/>
+                      <a:headEnd type="none" w="med" len="med"/>
+                      <a:tailEnd type="none" w="med" len="med"/>
+                    </a:lnT>
+                    <a:lnB w="28575" cap="flat" cmpd="sng" algn="ctr">
+                      <a:solidFill>
+                        <a:schemeClr val="accent5">
+                          <a:lumMod val="20000"/>
+                          <a:lumOff val="80000"/>
+                        </a:schemeClr>
+                      </a:solidFill>
+                      <a:prstDash val="solid"/>
+                      <a:round/>
+                      <a:headEnd type="none" w="med" len="med"/>
+                      <a:tailEnd type="none" w="med" len="med"/>
+                    </a:lnB>
+                    <a:lnTlToBr>
+                      <a:noFill/>
+                    </a:lnTlToBr>
+                    <a:lnBlToTr>
+                      <a:noFill/>
+                    </a:lnBlToTr>
+                    <a:noFill/>
+                  </a:tcPr>
+                </a:tc>
+                <a:tc>
+                  <a:txBody>
+                    <a:bodyPr/>
+                    <a:lstStyle/>
+                    <a:p>
+                      <a:pPr marL="0" marR="0" lvl="0" indent="0" algn="l" defTabSz="914400" rtl="0" eaLnBrk="0" fontAlgn="base" latinLnBrk="0" hangingPunct="0">
+                        <a:lnSpc>
+                          <a:spcPct val="95000"/>
+                        </a:lnSpc>
+                        <a:spcBef>
+                          <a:spcPct val="40000"/>
+                        </a:spcBef>
+                        <a:spcAft>
+                          <a:spcPct val="0"/>
+                        </a:spcAft>
+                        <a:buClr>
+                          <a:schemeClr val="tx1"/>
+                        </a:buClr>
+                        <a:buSzTx/>
+                        <a:buFontTx/>
+                        <a:buNone/>
+                        <a:tabLst/>
+                      </a:pPr>
+                      <a:r>
+                        <a:rPr kumimoji="1" lang="en-US" sz="2200" b="0" i="0" u="none" strike="noStrike" cap="none" normalizeH="0" baseline="0" noProof="1">
+                          <a:ln>
+                            <a:noFill/>
+                          </a:ln>
+                          <a:solidFill>
+                            <a:schemeClr val="tx1"/>
+                          </a:solidFill>
+                          <a:effectLst/>
+                          <a:latin typeface="+mn-lt"/>
+                        </a:rPr>
+                        <a:t>Document Control</a:t>
+                      </a:r>
+                    </a:p>
+                  </a:txBody>
+                  <a:tcPr marL="91464" marR="91464" anchor="ctr" horzOverflow="overflow">
+                    <a:lnL w="28575" cap="flat" cmpd="sng" algn="ctr">
+                      <a:solidFill>
+                        <a:schemeClr val="accent5">
+                          <a:lumMod val="20000"/>
+                          <a:lumOff val="80000"/>
+                        </a:schemeClr>
+                      </a:solidFill>
+                      <a:prstDash val="solid"/>
+                      <a:round/>
+                      <a:headEnd type="none" w="med" len="med"/>
+                      <a:tailEnd type="none" w="med" len="med"/>
+                    </a:lnL>
+                    <a:lnR w="28575" cap="flat" cmpd="sng" algn="ctr">
+                      <a:solidFill>
+                        <a:schemeClr val="accent5">
+                          <a:lumMod val="20000"/>
+                          <a:lumOff val="80000"/>
+                        </a:schemeClr>
+                      </a:solidFill>
+                      <a:prstDash val="solid"/>
+                      <a:round/>
+                      <a:headEnd type="none" w="med" len="med"/>
+                      <a:tailEnd type="none" w="med" len="med"/>
+                    </a:lnR>
+                    <a:lnT w="28575" cap="flat" cmpd="sng" algn="ctr">
+                      <a:solidFill>
+                        <a:schemeClr val="accent5">
+                          <a:lumMod val="20000"/>
+                          <a:lumOff val="80000"/>
+                        </a:schemeClr>
+                      </a:solidFill>
+                      <a:prstDash val="solid"/>
+                      <a:round/>
+                      <a:headEnd type="none" w="med" len="med"/>
+                      <a:tailEnd type="none" w="med" len="med"/>
+                    </a:lnT>
+                    <a:lnB w="28575" cap="flat" cmpd="sng" algn="ctr">
+                      <a:solidFill>
+                        <a:schemeClr val="accent5">
+                          <a:lumMod val="20000"/>
+                          <a:lumOff val="80000"/>
+                        </a:schemeClr>
+                      </a:solidFill>
+                      <a:prstDash val="solid"/>
+                      <a:round/>
+                      <a:headEnd type="none" w="med" len="med"/>
+                      <a:tailEnd type="none" w="med" len="med"/>
+                    </a:lnB>
+                    <a:lnTlToBr>
+                      <a:noFill/>
+                    </a:lnTlToBr>
+                    <a:lnBlToTr>
+                      <a:noFill/>
+                    </a:lnBlToTr>
+                    <a:noFill/>
+                  </a:tcPr>
+                </a:tc>
+                <a:extLst>
+                  <a:ext uri="{0D108BD9-81ED-4DB2-BD59-A6C34878D82A}">
+                    <a16:rowId xmlns:a16="http://schemas.microsoft.com/office/drawing/2014/main" val="10003"/>
+                  </a:ext>
+                </a:extLst>
+              </a:tr>
+              <a:tr h="342900">
+                <a:tc>
+                  <a:txBody>
+                    <a:bodyPr/>
+                    <a:lstStyle/>
+                    <a:p>
+                      <a:pPr marL="0" marR="0" lvl="0" indent="0" algn="l" defTabSz="914400" rtl="0" eaLnBrk="0" fontAlgn="base" latinLnBrk="0" hangingPunct="0">
+                        <a:lnSpc>
+                          <a:spcPct val="95000"/>
+                        </a:lnSpc>
+                        <a:spcBef>
+                          <a:spcPct val="40000"/>
+                        </a:spcBef>
+                        <a:spcAft>
+                          <a:spcPct val="0"/>
+                        </a:spcAft>
+                        <a:buClr>
+                          <a:schemeClr val="tx1"/>
+                        </a:buClr>
+                        <a:buSzTx/>
+                        <a:buFontTx/>
+                        <a:buNone/>
+                        <a:tabLst/>
+                      </a:pPr>
+                      <a:r>
+                        <a:rPr kumimoji="1" lang="en-US" sz="2200" b="0" i="0" u="none" strike="noStrike" cap="none" normalizeH="0" baseline="0" noProof="1">
+                          <a:ln>
+                            <a:noFill/>
+                          </a:ln>
+                          <a:solidFill>
+                            <a:schemeClr val="tx1"/>
+                          </a:solidFill>
+                          <a:effectLst/>
+                          <a:latin typeface="+mn-lt"/>
+                        </a:rPr>
+                        <a:t>Duffy</a:t>
+                      </a:r>
+                    </a:p>
+                  </a:txBody>
+                  <a:tcPr marL="91464" marR="91464" anchor="ctr" horzOverflow="overflow">
+                    <a:lnL w="28575" cap="flat" cmpd="sng" algn="ctr">
+                      <a:solidFill>
+                        <a:schemeClr val="accent5">
+                          <a:lumMod val="20000"/>
+                          <a:lumOff val="80000"/>
+                        </a:schemeClr>
+                      </a:solidFill>
+                      <a:prstDash val="solid"/>
+                      <a:round/>
+                      <a:headEnd type="none" w="med" len="med"/>
+                      <a:tailEnd type="none" w="med" len="med"/>
+                    </a:lnL>
+                    <a:lnR w="28575" cap="flat" cmpd="sng" algn="ctr">
+                      <a:solidFill>
+                        <a:schemeClr val="accent5">
+                          <a:lumMod val="20000"/>
+                          <a:lumOff val="80000"/>
+                        </a:schemeClr>
+                      </a:solidFill>
+                      <a:prstDash val="solid"/>
+                      <a:round/>
+                      <a:headEnd type="none" w="med" len="med"/>
+                      <a:tailEnd type="none" w="med" len="med"/>
+                    </a:lnR>
+                    <a:lnT w="28575" cap="flat" cmpd="sng" algn="ctr">
+                      <a:solidFill>
+                        <a:schemeClr val="accent5">
+                          <a:lumMod val="20000"/>
+                          <a:lumOff val="80000"/>
+                        </a:schemeClr>
+                      </a:solidFill>
+                      <a:prstDash val="solid"/>
+                      <a:round/>
+                      <a:headEnd type="none" w="med" len="med"/>
+                      <a:tailEnd type="none" w="med" len="med"/>
+                    </a:lnT>
+                    <a:lnB w="28575" cap="flat" cmpd="sng" algn="ctr">
+                      <a:solidFill>
+                        <a:schemeClr val="accent5">
+                          <a:lumMod val="20000"/>
+                          <a:lumOff val="80000"/>
+                        </a:schemeClr>
+                      </a:solidFill>
+                      <a:prstDash val="solid"/>
+                      <a:round/>
+                      <a:headEnd type="none" w="med" len="med"/>
+                      <a:tailEnd type="none" w="med" len="med"/>
+                    </a:lnB>
+                    <a:lnTlToBr>
+                      <a:noFill/>
+                    </a:lnTlToBr>
+                    <a:lnBlToTr>
+                      <a:noFill/>
+                    </a:lnBlToTr>
+                    <a:noFill/>
+                  </a:tcPr>
+                </a:tc>
+                <a:tc>
+                  <a:txBody>
+                    <a:bodyPr/>
+                    <a:lstStyle/>
+                    <a:p>
+                      <a:pPr marL="0" marR="0" lvl="0" indent="0" algn="l" defTabSz="914400" rtl="0" eaLnBrk="0" fontAlgn="base" latinLnBrk="0" hangingPunct="0">
+                        <a:lnSpc>
+                          <a:spcPct val="95000"/>
+                        </a:lnSpc>
+                        <a:spcBef>
+                          <a:spcPct val="40000"/>
+                        </a:spcBef>
+                        <a:spcAft>
+                          <a:spcPct val="0"/>
+                        </a:spcAft>
+                        <a:buClr>
+                          <a:schemeClr val="tx1"/>
+                        </a:buClr>
+                        <a:buSzTx/>
+                        <a:buFontTx/>
+                        <a:buNone/>
+                        <a:tabLst/>
+                      </a:pPr>
+                      <a:r>
+                        <a:rPr kumimoji="1" lang="en-US" sz="2200" b="0" i="0" u="none" strike="noStrike" cap="none" normalizeH="0" baseline="0" noProof="1">
+                          <a:ln>
+                            <a:noFill/>
+                          </a:ln>
+                          <a:solidFill>
+                            <a:schemeClr val="tx1"/>
+                          </a:solidFill>
+                          <a:effectLst/>
+                          <a:latin typeface="+mn-lt"/>
+                        </a:rPr>
+                        <a:t>Engineering</a:t>
+                      </a:r>
+                    </a:p>
+                  </a:txBody>
+                  <a:tcPr marL="91464" marR="91464" anchor="ctr" horzOverflow="overflow">
+                    <a:lnL w="28575" cap="flat" cmpd="sng" algn="ctr">
+                      <a:solidFill>
+                        <a:schemeClr val="accent5">
+                          <a:lumMod val="20000"/>
+                          <a:lumOff val="80000"/>
+                        </a:schemeClr>
+                      </a:solidFill>
+                      <a:prstDash val="solid"/>
+                      <a:round/>
+                      <a:headEnd type="none" w="med" len="med"/>
+                      <a:tailEnd type="none" w="med" len="med"/>
+                    </a:lnL>
+                    <a:lnR w="28575" cap="flat" cmpd="sng" algn="ctr">
+                      <a:solidFill>
+                        <a:schemeClr val="accent5">
+                          <a:lumMod val="20000"/>
+                          <a:lumOff val="80000"/>
+                        </a:schemeClr>
+                      </a:solidFill>
+                      <a:prstDash val="solid"/>
+                      <a:round/>
+                      <a:headEnd type="none" w="med" len="med"/>
+                      <a:tailEnd type="none" w="med" len="med"/>
+                    </a:lnR>
+                    <a:lnT w="28575" cap="flat" cmpd="sng" algn="ctr">
+                      <a:solidFill>
+                        <a:schemeClr val="accent5">
+                          <a:lumMod val="20000"/>
+                          <a:lumOff val="80000"/>
+                        </a:schemeClr>
+                      </a:solidFill>
+                      <a:prstDash val="solid"/>
+                      <a:round/>
+                      <a:headEnd type="none" w="med" len="med"/>
+                      <a:tailEnd type="none" w="med" len="med"/>
+                    </a:lnT>
+                    <a:lnB w="28575" cap="flat" cmpd="sng" algn="ctr">
+                      <a:solidFill>
+                        <a:schemeClr val="accent5">
+                          <a:lumMod val="20000"/>
+                          <a:lumOff val="80000"/>
+                        </a:schemeClr>
+                      </a:solidFill>
+                      <a:prstDash val="solid"/>
+                      <a:round/>
+                      <a:headEnd type="none" w="med" len="med"/>
+                      <a:tailEnd type="none" w="med" len="med"/>
+                    </a:lnB>
+                    <a:lnTlToBr>
+                      <a:noFill/>
+                    </a:lnTlToBr>
+                    <a:lnBlToTr>
+                      <a:noFill/>
+                    </a:lnBlToTr>
+                    <a:noFill/>
+                  </a:tcPr>
+                </a:tc>
+                <a:extLst>
+                  <a:ext uri="{0D108BD9-81ED-4DB2-BD59-A6C34878D82A}">
+                    <a16:rowId xmlns:a16="http://schemas.microsoft.com/office/drawing/2014/main" val="10004"/>
+                  </a:ext>
+                </a:extLst>
+              </a:tr>
+              <a:tr h="342900">
+                <a:tc>
+                  <a:txBody>
+                    <a:bodyPr/>
+                    <a:lstStyle/>
+                    <a:p>
+                      <a:pPr marL="0" marR="0" lvl="0" indent="0" algn="l" defTabSz="914400" rtl="0" eaLnBrk="0" fontAlgn="base" latinLnBrk="0" hangingPunct="0">
+                        <a:lnSpc>
+                          <a:spcPct val="95000"/>
+                        </a:lnSpc>
+                        <a:spcBef>
+                          <a:spcPct val="40000"/>
+                        </a:spcBef>
+                        <a:spcAft>
+                          <a:spcPct val="0"/>
+                        </a:spcAft>
+                        <a:buClr>
+                          <a:schemeClr val="tx1"/>
+                        </a:buClr>
+                        <a:buSzTx/>
+                        <a:buFontTx/>
+                        <a:buNone/>
+                        <a:tabLst/>
+                      </a:pPr>
+                      <a:r>
+                        <a:rPr kumimoji="1" lang="en-US" sz="2200" b="0" i="0" u="none" strike="noStrike" cap="none" normalizeH="0" baseline="0" noProof="1">
+                          <a:ln>
+                            <a:noFill/>
+                          </a:ln>
+                          <a:solidFill>
+                            <a:schemeClr val="tx1"/>
+                          </a:solidFill>
+                          <a:effectLst/>
+                          <a:latin typeface="+mn-lt"/>
+                        </a:rPr>
+                        <a:t>Wang</a:t>
+                      </a:r>
+                    </a:p>
+                  </a:txBody>
+                  <a:tcPr marL="91464" marR="91464" anchor="ctr" horzOverflow="overflow">
+                    <a:lnL w="28575" cap="flat" cmpd="sng" algn="ctr">
+                      <a:solidFill>
+                        <a:schemeClr val="accent5">
+                          <a:lumMod val="20000"/>
+                          <a:lumOff val="80000"/>
+                        </a:schemeClr>
+                      </a:solidFill>
+                      <a:prstDash val="solid"/>
+                      <a:round/>
+                      <a:headEnd type="none" w="med" len="med"/>
+                      <a:tailEnd type="none" w="med" len="med"/>
+                    </a:lnL>
+                    <a:lnR w="28575" cap="flat" cmpd="sng" algn="ctr">
+                      <a:solidFill>
+                        <a:schemeClr val="accent5">
+                          <a:lumMod val="20000"/>
+                          <a:lumOff val="80000"/>
+                        </a:schemeClr>
+                      </a:solidFill>
+                      <a:prstDash val="solid"/>
+                      <a:round/>
+                      <a:headEnd type="none" w="med" len="med"/>
+                      <a:tailEnd type="none" w="med" len="med"/>
+                    </a:lnR>
+                    <a:lnT w="28575" cap="flat" cmpd="sng" algn="ctr">
+                      <a:solidFill>
+                        <a:schemeClr val="accent5">
+                          <a:lumMod val="20000"/>
+                          <a:lumOff val="80000"/>
+                        </a:schemeClr>
+                      </a:solidFill>
+                      <a:prstDash val="solid"/>
+                      <a:round/>
+                      <a:headEnd type="none" w="med" len="med"/>
+                      <a:tailEnd type="none" w="med" len="med"/>
+                    </a:lnT>
+                    <a:lnB w="28575" cap="flat" cmpd="sng" algn="ctr">
+                      <a:solidFill>
+                        <a:schemeClr val="accent5">
+                          <a:lumMod val="20000"/>
+                          <a:lumOff val="80000"/>
+                        </a:schemeClr>
+                      </a:solidFill>
+                      <a:prstDash val="solid"/>
+                      <a:round/>
+                      <a:headEnd type="none" w="med" len="med"/>
+                      <a:tailEnd type="none" w="med" len="med"/>
+                    </a:lnB>
+                    <a:lnTlToBr>
+                      <a:noFill/>
+                    </a:lnTlToBr>
+                    <a:lnBlToTr>
+                      <a:noFill/>
+                    </a:lnBlToTr>
+                    <a:noFill/>
+                  </a:tcPr>
+                </a:tc>
+                <a:tc>
+                  <a:txBody>
+                    <a:bodyPr/>
+                    <a:lstStyle/>
+                    <a:p>
+                      <a:pPr marL="0" marR="0" lvl="0" indent="0" algn="l" defTabSz="914400" rtl="0" eaLnBrk="0" fontAlgn="base" latinLnBrk="0" hangingPunct="0">
+                        <a:lnSpc>
+                          <a:spcPct val="95000"/>
+                        </a:lnSpc>
+                        <a:spcBef>
+                          <a:spcPct val="40000"/>
+                        </a:spcBef>
+                        <a:spcAft>
+                          <a:spcPct val="0"/>
+                        </a:spcAft>
+                        <a:buClr>
+                          <a:schemeClr val="tx1"/>
+                        </a:buClr>
+                        <a:buSzTx/>
+                        <a:buFontTx/>
+                        <a:buNone/>
+                        <a:tabLst/>
+                      </a:pPr>
+                      <a:r>
+                        <a:rPr kumimoji="1" lang="en-US" sz="2200" b="0" i="0" u="none" strike="noStrike" cap="none" normalizeH="0" baseline="0" noProof="1">
+                          <a:ln>
+                            <a:noFill/>
+                          </a:ln>
+                          <a:solidFill>
+                            <a:schemeClr val="tx1"/>
+                          </a:solidFill>
+                          <a:effectLst/>
+                          <a:latin typeface="+mn-lt"/>
+                        </a:rPr>
+                        <a:t>Engineering</a:t>
+                      </a:r>
+                    </a:p>
+                  </a:txBody>
+                  <a:tcPr marL="91464" marR="91464" anchor="ctr" horzOverflow="overflow">
+                    <a:lnL w="28575" cap="flat" cmpd="sng" algn="ctr">
+                      <a:solidFill>
+                        <a:schemeClr val="accent5">
+                          <a:lumMod val="20000"/>
+                          <a:lumOff val="80000"/>
+                        </a:schemeClr>
+                      </a:solidFill>
+                      <a:prstDash val="solid"/>
+                      <a:round/>
+                      <a:headEnd type="none" w="med" len="med"/>
+                      <a:tailEnd type="none" w="med" len="med"/>
+                    </a:lnL>
+                    <a:lnR w="28575" cap="flat" cmpd="sng" algn="ctr">
+                      <a:solidFill>
+                        <a:schemeClr val="accent5">
+                          <a:lumMod val="20000"/>
+                          <a:lumOff val="80000"/>
+                        </a:schemeClr>
+                      </a:solidFill>
+                      <a:prstDash val="solid"/>
+                      <a:round/>
+                      <a:headEnd type="none" w="med" len="med"/>
+                      <a:tailEnd type="none" w="med" len="med"/>
+                    </a:lnR>
+                    <a:lnT w="28575" cap="flat" cmpd="sng" algn="ctr">
+                      <a:solidFill>
+                        <a:schemeClr val="accent5">
+                          <a:lumMod val="20000"/>
+                          <a:lumOff val="80000"/>
+                        </a:schemeClr>
+                      </a:solidFill>
+                      <a:prstDash val="solid"/>
+                      <a:round/>
+                      <a:headEnd type="none" w="med" len="med"/>
+                      <a:tailEnd type="none" w="med" len="med"/>
+                    </a:lnT>
+                    <a:lnB w="28575" cap="flat" cmpd="sng" algn="ctr">
+                      <a:solidFill>
+                        <a:schemeClr val="accent5">
+                          <a:lumMod val="20000"/>
+                          <a:lumOff val="80000"/>
+                        </a:schemeClr>
+                      </a:solidFill>
+                      <a:prstDash val="solid"/>
+                      <a:round/>
+                      <a:headEnd type="none" w="med" len="med"/>
+                      <a:tailEnd type="none" w="med" len="med"/>
+                    </a:lnB>
+                    <a:lnTlToBr>
+                      <a:noFill/>
+                    </a:lnTlToBr>
+                    <a:lnBlToTr>
+                      <a:noFill/>
+                    </a:lnBlToTr>
+                    <a:noFill/>
+                  </a:tcPr>
+                </a:tc>
+                <a:extLst>
+                  <a:ext uri="{0D108BD9-81ED-4DB2-BD59-A6C34878D82A}">
+                    <a16:rowId xmlns:a16="http://schemas.microsoft.com/office/drawing/2014/main" val="10005"/>
+                  </a:ext>
+                </a:extLst>
+              </a:tr>
+              <a:tr h="304800">
+                <a:tc>
+                  <a:txBody>
+                    <a:bodyPr/>
+                    <a:lstStyle/>
+                    <a:p>
+                      <a:pPr marL="0" marR="0" lvl="0" indent="0" algn="l" defTabSz="914400" rtl="0" eaLnBrk="0" fontAlgn="base" latinLnBrk="0" hangingPunct="0">
+                        <a:lnSpc>
+                          <a:spcPct val="95000"/>
+                        </a:lnSpc>
+                        <a:spcBef>
+                          <a:spcPct val="40000"/>
+                        </a:spcBef>
+                        <a:spcAft>
+                          <a:spcPct val="0"/>
+                        </a:spcAft>
+                        <a:buClr>
+                          <a:schemeClr val="tx1"/>
+                        </a:buClr>
+                        <a:buSzTx/>
+                        <a:buFontTx/>
+                        <a:buNone/>
+                        <a:tabLst/>
+                      </a:pPr>
+                      <a:r>
+                        <a:rPr kumimoji="1" lang="en-US" sz="2200" b="0" i="0" u="none" strike="noStrike" cap="none" normalizeH="0" baseline="0" noProof="1">
+                          <a:ln>
+                            <a:noFill/>
+                          </a:ln>
+                          <a:solidFill>
+                            <a:schemeClr val="tx1"/>
+                          </a:solidFill>
+                          <a:effectLst/>
+                          <a:latin typeface="+mn-lt"/>
+                        </a:rPr>
+                        <a:t>…</a:t>
+                      </a:r>
+                      <a:endParaRPr kumimoji="1" lang="bg-BG" sz="2200" b="0" i="0" u="none" strike="noStrike" cap="none" normalizeH="0" baseline="0" noProof="1">
+                        <a:ln>
+                          <a:noFill/>
+                        </a:ln>
+                        <a:solidFill>
+                          <a:schemeClr val="tx1"/>
+                        </a:solidFill>
+                        <a:effectLst/>
+                        <a:latin typeface="+mn-lt"/>
+                      </a:endParaRPr>
+                    </a:p>
+                  </a:txBody>
+                  <a:tcPr marL="91464" marR="91464" anchor="ctr" horzOverflow="overflow">
+                    <a:lnL w="28575" cap="flat" cmpd="sng" algn="ctr">
+                      <a:solidFill>
+                        <a:schemeClr val="accent5">
+                          <a:lumMod val="20000"/>
+                          <a:lumOff val="80000"/>
+                        </a:schemeClr>
+                      </a:solidFill>
+                      <a:prstDash val="solid"/>
+                      <a:round/>
+                      <a:headEnd type="none" w="med" len="med"/>
+                      <a:tailEnd type="none" w="med" len="med"/>
+                    </a:lnL>
+                    <a:lnR w="28575" cap="flat" cmpd="sng" algn="ctr">
+                      <a:solidFill>
+                        <a:schemeClr val="accent5">
+                          <a:lumMod val="20000"/>
+                          <a:lumOff val="80000"/>
+                        </a:schemeClr>
+                      </a:solidFill>
+                      <a:prstDash val="solid"/>
+                      <a:round/>
+                      <a:headEnd type="none" w="med" len="med"/>
+                      <a:tailEnd type="none" w="med" len="med"/>
+                    </a:lnR>
+                    <a:lnT w="28575" cap="flat" cmpd="sng" algn="ctr">
+                      <a:solidFill>
+                        <a:schemeClr val="accent5">
+                          <a:lumMod val="20000"/>
+                          <a:lumOff val="80000"/>
+                        </a:schemeClr>
+                      </a:solidFill>
+                      <a:prstDash val="solid"/>
+                      <a:round/>
+                      <a:headEnd type="none" w="med" len="med"/>
+                      <a:tailEnd type="none" w="med" len="med"/>
+                    </a:lnT>
+                    <a:lnB w="28575" cap="flat" cmpd="sng" algn="ctr">
+                      <a:solidFill>
+                        <a:schemeClr val="accent5">
+                          <a:lumMod val="20000"/>
+                          <a:lumOff val="80000"/>
+                        </a:schemeClr>
+                      </a:solidFill>
+                      <a:prstDash val="solid"/>
+                      <a:round/>
+                      <a:headEnd type="none" w="med" len="med"/>
+                      <a:tailEnd type="none" w="med" len="med"/>
+                    </a:lnB>
+                    <a:lnTlToBr>
+                      <a:noFill/>
+                    </a:lnTlToBr>
+                    <a:lnBlToTr>
+                      <a:noFill/>
+                    </a:lnBlToTr>
+                    <a:noFill/>
+                  </a:tcPr>
+                </a:tc>
+                <a:tc>
+                  <a:txBody>
+                    <a:bodyPr/>
+                    <a:lstStyle/>
+                    <a:p>
+                      <a:pPr marL="0" marR="0" lvl="0" indent="0" algn="l" defTabSz="914400" rtl="0" eaLnBrk="0" fontAlgn="base" latinLnBrk="0" hangingPunct="0">
+                        <a:lnSpc>
+                          <a:spcPct val="95000"/>
+                        </a:lnSpc>
+                        <a:spcBef>
+                          <a:spcPct val="40000"/>
+                        </a:spcBef>
+                        <a:spcAft>
+                          <a:spcPct val="0"/>
+                        </a:spcAft>
+                        <a:buClr>
+                          <a:schemeClr val="tx1"/>
+                        </a:buClr>
+                        <a:buSzTx/>
+                        <a:buFontTx/>
+                        <a:buNone/>
+                        <a:tabLst/>
+                      </a:pPr>
+                      <a:r>
+                        <a:rPr kumimoji="1" lang="en-US" sz="2200" b="0" i="0" u="none" strike="noStrike" cap="none" normalizeH="0" baseline="0" noProof="1">
+                          <a:ln>
+                            <a:noFill/>
+                          </a:ln>
+                          <a:solidFill>
+                            <a:schemeClr val="tx1"/>
+                          </a:solidFill>
+                          <a:effectLst/>
+                          <a:latin typeface="+mn-lt"/>
+                        </a:rPr>
+                        <a:t>…</a:t>
+                      </a:r>
+                      <a:endParaRPr kumimoji="1" lang="bg-BG" sz="2200" b="0" i="0" u="none" strike="noStrike" cap="none" normalizeH="0" baseline="0" noProof="1">
+                        <a:ln>
+                          <a:noFill/>
+                        </a:ln>
+                        <a:solidFill>
+                          <a:schemeClr val="tx1"/>
+                        </a:solidFill>
+                        <a:effectLst/>
+                        <a:latin typeface="+mn-lt"/>
+                      </a:endParaRPr>
+                    </a:p>
+                  </a:txBody>
+                  <a:tcPr marL="91464" marR="91464" anchor="ctr" horzOverflow="overflow">
+                    <a:lnL w="28575" cap="flat" cmpd="sng" algn="ctr">
+                      <a:solidFill>
+                        <a:schemeClr val="accent5">
+                          <a:lumMod val="20000"/>
+                          <a:lumOff val="80000"/>
+                        </a:schemeClr>
+                      </a:solidFill>
+                      <a:prstDash val="solid"/>
+                      <a:round/>
+                      <a:headEnd type="none" w="med" len="med"/>
+                      <a:tailEnd type="none" w="med" len="med"/>
+                    </a:lnL>
+                    <a:lnR w="28575" cap="flat" cmpd="sng" algn="ctr">
+                      <a:solidFill>
+                        <a:schemeClr val="accent5">
+                          <a:lumMod val="20000"/>
+                          <a:lumOff val="80000"/>
+                        </a:schemeClr>
+                      </a:solidFill>
+                      <a:prstDash val="solid"/>
+                      <a:round/>
+                      <a:headEnd type="none" w="med" len="med"/>
+                      <a:tailEnd type="none" w="med" len="med"/>
+                    </a:lnR>
+                    <a:lnT w="28575" cap="flat" cmpd="sng" algn="ctr">
+                      <a:solidFill>
+                        <a:schemeClr val="accent5">
+                          <a:lumMod val="20000"/>
+                          <a:lumOff val="80000"/>
+                        </a:schemeClr>
+                      </a:solidFill>
+                      <a:prstDash val="solid"/>
+                      <a:round/>
+                      <a:headEnd type="none" w="med" len="med"/>
+                      <a:tailEnd type="none" w="med" len="med"/>
+                    </a:lnT>
+                    <a:lnB w="28575" cap="flat" cmpd="sng" algn="ctr">
+                      <a:solidFill>
+                        <a:schemeClr val="accent5">
+                          <a:lumMod val="20000"/>
+                          <a:lumOff val="80000"/>
+                        </a:schemeClr>
+                      </a:solidFill>
+                      <a:prstDash val="solid"/>
+                      <a:round/>
+                      <a:headEnd type="none" w="med" len="med"/>
+                      <a:tailEnd type="none" w="med" len="med"/>
+                    </a:lnB>
+                    <a:lnTlToBr>
+                      <a:noFill/>
+                    </a:lnTlToBr>
+                    <a:lnBlToTr>
+                      <a:noFill/>
+                    </a:lnBlToTr>
+                    <a:noFill/>
+                  </a:tcPr>
+                </a:tc>
+                <a:extLst>
+                  <a:ext uri="{0D108BD9-81ED-4DB2-BD59-A6C34878D82A}">
+                    <a16:rowId xmlns:a16="http://schemas.microsoft.com/office/drawing/2014/main" val="10006"/>
+                  </a:ext>
+                </a:extLst>
+              </a:tr>
+            </a:tbl>
+          </a:graphicData>
+        </a:graphic>
+      </p:graphicFrame>
+      <p:sp>
+        <p:nvSpPr>
+          <p:cNvPr id="3" name="Slide Number">
+            <a:extLst>
+              <a:ext uri="{FF2B5EF4-FFF2-40B4-BE49-F238E27FC236}">
+                <a16:creationId xmlns:a16="http://schemas.microsoft.com/office/drawing/2014/main" id="{1BA95FD6-1F2E-3F1E-CEDE-E9475D060E61}"/>
+              </a:ext>
+            </a:extLst>
+          </p:cNvPr>
+          <p:cNvSpPr>
+            <a:spLocks noGrp="1"/>
+          </p:cNvSpPr>
+          <p:nvPr>
+            <p:ph type="sldNum" sz="quarter" idx="5"/>
+          </p:nvPr>
+        </p:nvSpPr>
+        <p:spPr>
+          <a:xfrm>
+            <a:off x="11753030" y="6507000"/>
+            <a:ext cx="367414" cy="297000"/>
+          </a:xfrm>
+          <a:prstGeom prst="rect">
+            <a:avLst/>
+          </a:prstGeom>
+        </p:spPr>
+        <p:txBody>
+          <a:bodyPr vert="horz" lIns="91440" tIns="45720" rIns="91440" bIns="45720" rtlCol="0" anchor="b"/>
+          <a:lstStyle>
+            <a:lvl1pPr algn="r">
+              <a:defRPr sz="1000"/>
+            </a:lvl1pPr>
+          </a:lstStyle>
+          <a:p>
+            <a:fld id="{2BF067CD-8E6B-4360-9AA8-C5DF2A48A6D1}" type="slidenum">
+              <a:rPr lang="en-US" noProof="0" smtClean="0"/>
+              <a:pPr/>
+              <a:t>8</a:t>
+            </a:fld>
+            <a:endParaRPr lang="en-US" noProof="0" dirty="0"/>
+          </a:p>
+        </p:txBody>
+      </p:sp>
+    </p:spTree>
+    <p:extLst>
+      <p:ext uri="{BB962C8B-B14F-4D97-AF65-F5344CB8AC3E}">
+        <p14:creationId xmlns:p14="http://schemas.microsoft.com/office/powerpoint/2010/main" val="300773445"/>
+      </p:ext>
+    </p:extLst>
+  </p:cSld>
+  <p:clrMapOvr>
+    <a:masterClrMapping/>
+  </p:clrMapOvr>
+  <p:transition/>
+  <p:timing>
+    <p:tnLst>
+      <p:par>
+        <p:cTn id="1" dur="indefinite" restart="never" nodeType="tmRoot">
+          <p:childTnLst>
+            <p:seq concurrent="1" nextAc="seek">
+              <p:cTn id="2" dur="indefinite" nodeType="mainSeq">
+                <p:childTnLst>
+                  <p:par>
+                    <p:cTn id="3" fill="hold">
+                      <p:stCondLst>
+                        <p:cond delay="indefinite"/>
+                      </p:stCondLst>
+                      <p:childTnLst>
+                        <p:par>
+                          <p:cTn id="4" fill="hold">
+                            <p:stCondLst>
+                              <p:cond delay="0"/>
+                            </p:stCondLst>
+                            <p:childTnLst>
+                              <p:par>
+                                <p:cTn id="5" presetID="1" presetClass="entr" presetSubtype="0" fill="hold" nodeType="clickEffect">
+                                  <p:stCondLst>
+                                    <p:cond delay="0"/>
+                                  </p:stCondLst>
+                                  <p:childTnLst>
+                                    <p:set>
+                                      <p:cBhvr>
+                                        <p:cTn id="6" dur="1" fill="hold">
+                                          <p:stCondLst>
+                                            <p:cond delay="0"/>
+                                          </p:stCondLst>
+                                        </p:cTn>
+                                        <p:tgtEl>
+                                          <p:spTgt spid="523267">
+                                            <p:txEl>
+                                              <p:pRg st="3" end="3"/>
+                                            </p:txEl>
+                                          </p:spTgt>
+                                        </p:tgtEl>
+                                        <p:attrNameLst>
+                                          <p:attrName>style.visibility</p:attrName>
+                                        </p:attrNameLst>
+                                      </p:cBhvr>
+                                      <p:to>
+                                        <p:strVal val="visible"/>
+                                      </p:to>
+                                    </p:set>
+                                  </p:childTnLst>
+                                </p:cTn>
+                              </p:par>
+                              <p:par>
+                                <p:cTn id="7" presetID="1" presetClass="entr" presetSubtype="0" fill="hold" nodeType="withEffect">
+                                  <p:stCondLst>
+                                    <p:cond delay="0"/>
+                                  </p:stCondLst>
+                                  <p:childTnLst>
+                                    <p:set>
+                                      <p:cBhvr>
+                                        <p:cTn id="8" dur="1" fill="hold">
+                                          <p:stCondLst>
+                                            <p:cond delay="0"/>
+                                          </p:stCondLst>
+                                        </p:cTn>
+                                        <p:tgtEl>
+                                          <p:spTgt spid="523269"/>
                                         </p:tgtEl>
                                         <p:attrNameLst>
                                           <p:attrName>style.visibility</p:attrName>

--- a/Courses/Software-Sciences/Module-3-Databases-New/09-Joining-Tables/09-Joining-Tables.pptx
+++ b/Courses/Software-Sciences/Module-3-Databases-New/09-Joining-Tables/09-Joining-Tables.pptx
@@ -5,10 +5,10 @@
     <p:sldMasterId id="2147483675" r:id="rId1"/>
   </p:sldMasterIdLst>
   <p:notesMasterIdLst>
-    <p:notesMasterId r:id="rId28"/>
+    <p:notesMasterId r:id="rId29"/>
   </p:notesMasterIdLst>
   <p:handoutMasterIdLst>
-    <p:handoutMasterId r:id="rId29"/>
+    <p:handoutMasterId r:id="rId30"/>
   </p:handoutMasterIdLst>
   <p:sldIdLst>
     <p:sldId id="503" r:id="rId2"/>
@@ -17,26 +17,27 @@
     <p:sldId id="538" r:id="rId5"/>
     <p:sldId id="541" r:id="rId6"/>
     <p:sldId id="542" r:id="rId7"/>
-    <p:sldId id="540" r:id="rId8"/>
-    <p:sldId id="539" r:id="rId9"/>
-    <p:sldId id="520" r:id="rId10"/>
-    <p:sldId id="525" r:id="rId11"/>
-    <p:sldId id="544" r:id="rId12"/>
-    <p:sldId id="543" r:id="rId13"/>
-    <p:sldId id="545" r:id="rId14"/>
-    <p:sldId id="530" r:id="rId15"/>
-    <p:sldId id="546" r:id="rId16"/>
-    <p:sldId id="531" r:id="rId17"/>
-    <p:sldId id="547" r:id="rId18"/>
-    <p:sldId id="532" r:id="rId19"/>
-    <p:sldId id="535" r:id="rId20"/>
-    <p:sldId id="527" r:id="rId21"/>
-    <p:sldId id="533" r:id="rId22"/>
-    <p:sldId id="534" r:id="rId23"/>
-    <p:sldId id="536" r:id="rId24"/>
-    <p:sldId id="349" r:id="rId25"/>
-    <p:sldId id="504" r:id="rId26"/>
-    <p:sldId id="505" r:id="rId27"/>
+    <p:sldId id="548" r:id="rId8"/>
+    <p:sldId id="540" r:id="rId9"/>
+    <p:sldId id="539" r:id="rId10"/>
+    <p:sldId id="520" r:id="rId11"/>
+    <p:sldId id="525" r:id="rId12"/>
+    <p:sldId id="544" r:id="rId13"/>
+    <p:sldId id="543" r:id="rId14"/>
+    <p:sldId id="545" r:id="rId15"/>
+    <p:sldId id="530" r:id="rId16"/>
+    <p:sldId id="546" r:id="rId17"/>
+    <p:sldId id="531" r:id="rId18"/>
+    <p:sldId id="547" r:id="rId19"/>
+    <p:sldId id="532" r:id="rId20"/>
+    <p:sldId id="535" r:id="rId21"/>
+    <p:sldId id="527" r:id="rId22"/>
+    <p:sldId id="533" r:id="rId23"/>
+    <p:sldId id="534" r:id="rId24"/>
+    <p:sldId id="536" r:id="rId25"/>
+    <p:sldId id="349" r:id="rId26"/>
+    <p:sldId id="504" r:id="rId27"/>
+    <p:sldId id="505" r:id="rId28"/>
   </p:sldIdLst>
   <p:sldSz cx="12192000" cy="6858000"/>
   <p:notesSz cx="6858000" cy="9144000"/>
@@ -150,6 +151,7 @@
             <p14:sldId id="538"/>
             <p14:sldId id="541"/>
             <p14:sldId id="542"/>
+            <p14:sldId id="548"/>
             <p14:sldId id="540"/>
             <p14:sldId id="539"/>
           </p14:sldIdLst>
@@ -531,7 +533,7 @@
           <a:p>
             <a:fld id="{4E087215-0C8F-4762-A664-737A353EC9A4}" type="datetimeFigureOut">
               <a:rPr lang="bg-BG" smtClean="0"/>
-              <a:t>25.07.24 г.</a:t>
+              <a:t>29.07.24 г.</a:t>
             </a:fld>
             <a:endParaRPr lang="bg-BG"/>
           </a:p>
@@ -727,7 +729,7 @@
           <a:p>
             <a:fld id="{72D84649-876A-46C9-8472-14CB09C070D8}" type="datetimeFigureOut">
               <a:rPr lang="en-US" smtClean="0"/>
-              <a:t>7/25/24</a:t>
+              <a:t>7/29/24</a:t>
             </a:fld>
             <a:endParaRPr lang="en-US"/>
           </a:p>
@@ -1208,7 +1210,7 @@
             <a:fld id="{B6D59B63-17A5-4FED-A6C2-2A10393AAC1F}" type="slidenum">
               <a:rPr lang="en-US"/>
               <a:pPr/>
-              <a:t>16</a:t>
+              <a:t>17</a:t>
             </a:fld>
             <a:r>
               <a:rPr lang="en-US" dirty="0"/>
@@ -1396,7 +1398,7 @@
             <a:fld id="{2BF067CD-8E6B-4360-9AA8-C5DF2A48A6D1}" type="slidenum">
               <a:rPr lang="en-US" smtClean="0"/>
               <a:pPr/>
-              <a:t>17</a:t>
+              <a:t>18</a:t>
             </a:fld>
             <a:endParaRPr lang="en-US" dirty="0"/>
           </a:p>
@@ -1507,7 +1509,7 @@
             <a:fld id="{1E9B8B4E-C865-4E72-A30E-66A786C202DA}" type="slidenum">
               <a:rPr lang="en-US"/>
               <a:pPr/>
-              <a:t>18</a:t>
+              <a:t>19</a:t>
             </a:fld>
             <a:r>
               <a:rPr lang="en-US" dirty="0"/>
@@ -1664,7 +1666,7 @@
             <a:fld id="{5799B9FA-0A3D-446C-8467-32663EA29608}" type="slidenum">
               <a:rPr lang="en-US"/>
               <a:pPr/>
-              <a:t>19</a:t>
+              <a:t>20</a:t>
             </a:fld>
             <a:r>
               <a:rPr lang="en-US" dirty="0"/>
@@ -1817,7 +1819,7 @@
             <a:fld id="{4B9CEAB4-A9FB-4753-BA40-6F58C2A73A33}" type="slidenum">
               <a:rPr lang="en-US"/>
               <a:pPr/>
-              <a:t>20</a:t>
+              <a:t>21</a:t>
             </a:fld>
             <a:r>
               <a:rPr lang="en-US" dirty="0"/>
@@ -1970,7 +1972,7 @@
             <a:fld id="{1BFA7091-1169-4A3F-A158-1ACE5A626F08}" type="slidenum">
               <a:rPr lang="en-US"/>
               <a:pPr/>
-              <a:t>21</a:t>
+              <a:t>22</a:t>
             </a:fld>
             <a:r>
               <a:rPr lang="en-US" dirty="0"/>
@@ -2171,7 +2173,7 @@
             <a:fld id="{CA89BB25-ABF2-40B6-A2DA-D2E8EC9D27F7}" type="slidenum">
               <a:rPr lang="en-US"/>
               <a:pPr/>
-              <a:t>22</a:t>
+              <a:t>23</a:t>
             </a:fld>
             <a:r>
               <a:rPr lang="en-US" dirty="0"/>
@@ -2323,7 +2325,7 @@
             <a:fld id="{6DAD1251-0D49-4EB1-BD4E-3DE084FC6C13}" type="slidenum">
               <a:rPr lang="en-US"/>
               <a:pPr/>
-              <a:t>23</a:t>
+              <a:t>24</a:t>
             </a:fld>
             <a:r>
               <a:rPr lang="en-US" dirty="0"/>
@@ -2611,7 +2613,7 @@
             <a:fld id="{3EBA5BD7-F043-4D1B-AA17-CD412FC534DE}" type="slidenum">
               <a:rPr lang="en-US" smtClean="0"/>
               <a:pPr/>
-              <a:t>24</a:t>
+              <a:t>25</a:t>
             </a:fld>
             <a:endParaRPr lang="en-US" dirty="0"/>
           </a:p>
@@ -2857,7 +2859,7 @@
             <a:fld id="{3EBA5BD7-F043-4D1B-AA17-CD412FC534DE}" type="slidenum">
               <a:rPr lang="en-US" smtClean="0"/>
               <a:pPr/>
-              <a:t>25</a:t>
+              <a:t>26</a:t>
             </a:fld>
             <a:endParaRPr lang="en-US" dirty="0"/>
           </a:p>
@@ -3361,7 +3363,7 @@
             <a:fld id="{3EBA5BD7-F043-4D1B-AA17-CD412FC534DE}" type="slidenum">
               <a:rPr lang="en-US" smtClean="0"/>
               <a:pPr/>
-              <a:t>26</a:t>
+              <a:t>27</a:t>
             </a:fld>
             <a:endParaRPr lang="en-US" dirty="0"/>
           </a:p>
@@ -3625,7 +3627,7 @@
             <a:fld id="{609DC064-E946-4394-A38B-3AD43C9C7D2D}" type="slidenum">
               <a:rPr lang="en-US"/>
               <a:pPr/>
-              <a:t>10</a:t>
+              <a:t>11</a:t>
             </a:fld>
             <a:r>
               <a:rPr lang="en-US" dirty="0"/>
@@ -3817,7 +3819,7 @@
             <a:fld id="{2BF067CD-8E6B-4360-9AA8-C5DF2A48A6D1}" type="slidenum">
               <a:rPr lang="en-US" smtClean="0"/>
               <a:pPr/>
-              <a:t>11</a:t>
+              <a:t>12</a:t>
             </a:fld>
             <a:endParaRPr lang="en-US" dirty="0"/>
           </a:p>
@@ -3928,7 +3930,7 @@
             <a:fld id="{A8F15FAA-5707-4561-ABC8-B51E27831921}" type="slidenum">
               <a:rPr lang="en-US"/>
               <a:pPr/>
-              <a:t>12</a:t>
+              <a:t>13</a:t>
             </a:fld>
             <a:r>
               <a:rPr lang="en-US" dirty="0"/>
@@ -4116,7 +4118,7 @@
             <a:fld id="{2BF067CD-8E6B-4360-9AA8-C5DF2A48A6D1}" type="slidenum">
               <a:rPr lang="en-US" smtClean="0"/>
               <a:pPr/>
-              <a:t>13</a:t>
+              <a:t>14</a:t>
             </a:fld>
             <a:endParaRPr lang="en-US" dirty="0"/>
           </a:p>
@@ -4227,7 +4229,7 @@
             <a:fld id="{BEA99F90-3862-4A9A-9952-ADAA5537D378}" type="slidenum">
               <a:rPr lang="en-US"/>
               <a:pPr/>
-              <a:t>14</a:t>
+              <a:t>15</a:t>
             </a:fld>
             <a:r>
               <a:rPr lang="en-US" dirty="0"/>
@@ -4411,7 +4413,7 @@
             <a:fld id="{2BF067CD-8E6B-4360-9AA8-C5DF2A48A6D1}" type="slidenum">
               <a:rPr lang="en-US" smtClean="0"/>
               <a:pPr/>
-              <a:t>15</a:t>
+              <a:t>16</a:t>
             </a:fld>
             <a:endParaRPr lang="en-US" dirty="0"/>
           </a:p>
@@ -9789,6 +9791,132 @@
           <a:chExt cx="0" cy="0"/>
         </a:xfrm>
       </p:grpSpPr>
+      <p:pic>
+        <p:nvPicPr>
+          <p:cNvPr id="37890" name="Picture 2" descr="Join, indexes, table, connection, conjunction, excel, compound icon -  Download on Iconfinder"/>
+          <p:cNvPicPr>
+            <a:picLocks noChangeAspect="1" noChangeArrowheads="1"/>
+          </p:cNvPicPr>
+          <p:nvPr/>
+        </p:nvPicPr>
+        <p:blipFill>
+          <a:blip r:embed="rId2" cstate="print"/>
+          <a:srcRect/>
+          <a:stretch>
+            <a:fillRect/>
+          </a:stretch>
+        </p:blipFill>
+        <p:spPr bwMode="auto">
+          <a:xfrm>
+            <a:off x="4762500" y="1371601"/>
+            <a:ext cx="2590799" cy="2590800"/>
+          </a:xfrm>
+          <a:prstGeom prst="rect">
+            <a:avLst/>
+          </a:prstGeom>
+          <a:noFill/>
+        </p:spPr>
+      </p:pic>
+      <p:sp>
+        <p:nvSpPr>
+          <p:cNvPr id="4" name="Подзаглавие 3">
+            <a:extLst>
+              <a:ext uri="{FF2B5EF4-FFF2-40B4-BE49-F238E27FC236}">
+                <a16:creationId xmlns:a16="http://schemas.microsoft.com/office/drawing/2014/main" id="{64374B73-6A38-D6DC-4070-54DB00E79E44}"/>
+              </a:ext>
+            </a:extLst>
+          </p:cNvPr>
+          <p:cNvSpPr>
+            <a:spLocks noGrp="1"/>
+          </p:cNvSpPr>
+          <p:nvPr>
+            <p:ph type="subTitle" sz="quarter" idx="11"/>
+          </p:nvPr>
+        </p:nvSpPr>
+        <p:spPr/>
+        <p:txBody>
+          <a:bodyPr/>
+          <a:lstStyle/>
+          <a:p>
+            <a:r>
+              <a:rPr lang="ru-RU" dirty="0"/>
+              <a:t>Селектиране на данни от няколко таблици</a:t>
+            </a:r>
+            <a:endParaRPr lang="bg-BG" dirty="0"/>
+          </a:p>
+        </p:txBody>
+      </p:sp>
+      <p:sp>
+        <p:nvSpPr>
+          <p:cNvPr id="7" name="Заглавие 6">
+            <a:extLst>
+              <a:ext uri="{FF2B5EF4-FFF2-40B4-BE49-F238E27FC236}">
+                <a16:creationId xmlns:a16="http://schemas.microsoft.com/office/drawing/2014/main" id="{1E22E5D1-E2EC-C623-4271-1559CA84E4D8}"/>
+              </a:ext>
+            </a:extLst>
+          </p:cNvPr>
+          <p:cNvSpPr>
+            <a:spLocks noGrp="1"/>
+          </p:cNvSpPr>
+          <p:nvPr>
+            <p:ph type="title" sz="quarter" idx="10"/>
+          </p:nvPr>
+        </p:nvSpPr>
+        <p:spPr/>
+        <p:txBody>
+          <a:bodyPr/>
+          <a:lstStyle/>
+          <a:p>
+            <a:r>
+              <a:rPr lang="bg-BG" dirty="0"/>
+              <a:t>Видове </a:t>
+            </a:r>
+            <a:r>
+              <a:rPr lang="en-US" dirty="0"/>
+              <a:t>JOIN</a:t>
+            </a:r>
+            <a:endParaRPr lang="bg-BG" dirty="0"/>
+          </a:p>
+        </p:txBody>
+      </p:sp>
+    </p:spTree>
+    <p:extLst>
+      <p:ext uri="{BB962C8B-B14F-4D97-AF65-F5344CB8AC3E}">
+        <p14:creationId xmlns:p14="http://schemas.microsoft.com/office/powerpoint/2010/main" val="3204255194"/>
+      </p:ext>
+    </p:extLst>
+  </p:cSld>
+  <p:clrMapOvr>
+    <a:masterClrMapping/>
+  </p:clrMapOvr>
+  <mc:AlternateContent xmlns:mc="http://schemas.openxmlformats.org/markup-compatibility/2006" xmlns:p14="http://schemas.microsoft.com/office/powerpoint/2010/main">
+    <mc:Choice Requires="p14">
+      <p:transition spd="slow" p14:dur="2000" advClick="0" advTm="5000"/>
+    </mc:Choice>
+    <mc:Fallback xmlns="">
+      <p:transition spd="slow" advClick="0" advTm="5000"/>
+    </mc:Fallback>
+  </mc:AlternateContent>
+</p:sld>
+</file>
+
+<file path=ppt/slides/slide11.xml><?xml version="1.0" encoding="utf-8"?>
+<p:sld xmlns:a="http://schemas.openxmlformats.org/drawingml/2006/main" xmlns:r="http://schemas.openxmlformats.org/officeDocument/2006/relationships" xmlns:p="http://schemas.openxmlformats.org/presentationml/2006/main">
+  <p:cSld>
+    <p:spTree>
+      <p:nvGrpSpPr>
+        <p:cNvPr id="1" name=""/>
+        <p:cNvGrpSpPr/>
+        <p:nvPr/>
+      </p:nvGrpSpPr>
+      <p:grpSpPr>
+        <a:xfrm>
+          <a:off x="0" y="0"/>
+          <a:ext cx="0" cy="0"/>
+          <a:chOff x="0" y="0"/>
+          <a:chExt cx="0" cy="0"/>
+        </a:xfrm>
+      </p:grpSpPr>
       <p:sp>
         <p:nvSpPr>
           <p:cNvPr id="525315" name="Rectangle 3"/>
@@ -10173,7 +10301,7 @@
             <a:fld id="{2BF067CD-8E6B-4360-9AA8-C5DF2A48A6D1}" type="slidenum">
               <a:rPr lang="en-US" noProof="0" smtClean="0"/>
               <a:pPr/>
-              <a:t>10</a:t>
+              <a:t>11</a:t>
             </a:fld>
             <a:endParaRPr lang="en-US" noProof="0" dirty="0"/>
           </a:p>
@@ -10370,7 +10498,7 @@
 </p:sld>
 </file>
 
-<file path=ppt/slides/slide11.xml><?xml version="1.0" encoding="utf-8"?>
+<file path=ppt/slides/slide12.xml><?xml version="1.0" encoding="utf-8"?>
 <p:sld xmlns:a="http://schemas.openxmlformats.org/drawingml/2006/main" xmlns:r="http://schemas.openxmlformats.org/officeDocument/2006/relationships" xmlns:p="http://schemas.openxmlformats.org/presentationml/2006/main">
   <p:cSld>
     <p:spTree>
@@ -10678,7 +10806,7 @@
             <a:fld id="{2BF067CD-8E6B-4360-9AA8-C5DF2A48A6D1}" type="slidenum">
               <a:rPr lang="en-US" smtClean="0"/>
               <a:pPr/>
-              <a:t>11</a:t>
+              <a:t>12</a:t>
             </a:fld>
             <a:endParaRPr lang="en-US" dirty="0"/>
           </a:p>
@@ -10829,7 +10957,7 @@
 </p:sld>
 </file>
 
-<file path=ppt/slides/slide12.xml><?xml version="1.0" encoding="utf-8"?>
+<file path=ppt/slides/slide13.xml><?xml version="1.0" encoding="utf-8"?>
 <p:sld xmlns:a="http://schemas.openxmlformats.org/drawingml/2006/main" xmlns:r="http://schemas.openxmlformats.org/officeDocument/2006/relationships" xmlns:p="http://schemas.openxmlformats.org/presentationml/2006/main">
   <p:cSld>
     <p:spTree>
@@ -13814,7 +13942,7 @@
             <a:fld id="{2BF067CD-8E6B-4360-9AA8-C5DF2A48A6D1}" type="slidenum">
               <a:rPr lang="en-US" noProof="0" smtClean="0"/>
               <a:pPr/>
-              <a:t>12</a:t>
+              <a:t>13</a:t>
             </a:fld>
             <a:endParaRPr lang="en-US" noProof="0" dirty="0"/>
           </a:p>
@@ -13909,7 +14037,7 @@
 </p:sld>
 </file>
 
-<file path=ppt/slides/slide13.xml><?xml version="1.0" encoding="utf-8"?>
+<file path=ppt/slides/slide14.xml><?xml version="1.0" encoding="utf-8"?>
 <p:sld xmlns:a="http://schemas.openxmlformats.org/drawingml/2006/main" xmlns:r="http://schemas.openxmlformats.org/officeDocument/2006/relationships" xmlns:p="http://schemas.openxmlformats.org/presentationml/2006/main">
   <p:cSld>
     <p:spTree>
@@ -14209,7 +14337,7 @@
             <a:fld id="{2BF067CD-8E6B-4360-9AA8-C5DF2A48A6D1}" type="slidenum">
               <a:rPr lang="en-US" smtClean="0"/>
               <a:pPr/>
-              <a:t>13</a:t>
+              <a:t>14</a:t>
             </a:fld>
             <a:endParaRPr lang="en-US" dirty="0"/>
           </a:p>
@@ -14311,7 +14439,7 @@
 </p:sld>
 </file>
 
-<file path=ppt/slides/slide14.xml><?xml version="1.0" encoding="utf-8"?>
+<file path=ppt/slides/slide15.xml><?xml version="1.0" encoding="utf-8"?>
 <p:sld xmlns:a="http://schemas.openxmlformats.org/drawingml/2006/main" xmlns:r="http://schemas.openxmlformats.org/officeDocument/2006/relationships" xmlns:p="http://schemas.openxmlformats.org/presentationml/2006/main">
   <p:cSld>
     <p:spTree>
@@ -17346,7 +17474,7 @@
             <a:fld id="{2BF067CD-8E6B-4360-9AA8-C5DF2A48A6D1}" type="slidenum">
               <a:rPr lang="en-US" noProof="0" smtClean="0"/>
               <a:pPr/>
-              <a:t>14</a:t>
+              <a:t>15</a:t>
             </a:fld>
             <a:endParaRPr lang="en-US" noProof="0" dirty="0"/>
           </a:p>
@@ -17441,7 +17569,7 @@
 </p:sld>
 </file>
 
-<file path=ppt/slides/slide15.xml><?xml version="1.0" encoding="utf-8"?>
+<file path=ppt/slides/slide16.xml><?xml version="1.0" encoding="utf-8"?>
 <p:sld xmlns:a="http://schemas.openxmlformats.org/drawingml/2006/main" xmlns:r="http://schemas.openxmlformats.org/officeDocument/2006/relationships" xmlns:p="http://schemas.openxmlformats.org/presentationml/2006/main">
   <p:cSld>
     <p:spTree>
@@ -17756,7 +17884,7 @@
             <a:fld id="{2BF067CD-8E6B-4360-9AA8-C5DF2A48A6D1}" type="slidenum">
               <a:rPr lang="en-US" smtClean="0"/>
               <a:pPr/>
-              <a:t>15</a:t>
+              <a:t>16</a:t>
             </a:fld>
             <a:endParaRPr lang="en-US" dirty="0"/>
           </a:p>
@@ -17907,7 +18035,7 @@
 </p:sld>
 </file>
 
-<file path=ppt/slides/slide16.xml><?xml version="1.0" encoding="utf-8"?>
+<file path=ppt/slides/slide17.xml><?xml version="1.0" encoding="utf-8"?>
 <p:sld xmlns:a="http://schemas.openxmlformats.org/drawingml/2006/main" xmlns:r="http://schemas.openxmlformats.org/officeDocument/2006/relationships" xmlns:p="http://schemas.openxmlformats.org/presentationml/2006/main">
   <p:cSld>
     <p:spTree>
@@ -20892,7 +21020,7 @@
             <a:fld id="{2BF067CD-8E6B-4360-9AA8-C5DF2A48A6D1}" type="slidenum">
               <a:rPr lang="en-US" noProof="0" smtClean="0"/>
               <a:pPr/>
-              <a:t>16</a:t>
+              <a:t>17</a:t>
             </a:fld>
             <a:endParaRPr lang="en-US" noProof="0" dirty="0"/>
           </a:p>
@@ -20987,7 +21115,7 @@
 </p:sld>
 </file>
 
-<file path=ppt/slides/slide17.xml><?xml version="1.0" encoding="utf-8"?>
+<file path=ppt/slides/slide18.xml><?xml version="1.0" encoding="utf-8"?>
 <p:sld xmlns:a="http://schemas.openxmlformats.org/drawingml/2006/main" xmlns:r="http://schemas.openxmlformats.org/officeDocument/2006/relationships" xmlns:p="http://schemas.openxmlformats.org/presentationml/2006/main">
   <p:cSld>
     <p:spTree>
@@ -21241,7 +21369,7 @@
             <a:fld id="{2BF067CD-8E6B-4360-9AA8-C5DF2A48A6D1}" type="slidenum">
               <a:rPr lang="en-US" smtClean="0"/>
               <a:pPr/>
-              <a:t>17</a:t>
+              <a:t>18</a:t>
             </a:fld>
             <a:endParaRPr lang="en-US" dirty="0"/>
           </a:p>
@@ -21343,7 +21471,7 @@
 </p:sld>
 </file>
 
-<file path=ppt/slides/slide18.xml><?xml version="1.0" encoding="utf-8"?>
+<file path=ppt/slides/slide19.xml><?xml version="1.0" encoding="utf-8"?>
 <p:sld xmlns:a="http://schemas.openxmlformats.org/drawingml/2006/main" xmlns:r="http://schemas.openxmlformats.org/officeDocument/2006/relationships" xmlns:p="http://schemas.openxmlformats.org/presentationml/2006/main">
   <p:cSld>
     <p:spTree>
@@ -24328,7 +24456,7 @@
             <a:fld id="{2BF067CD-8E6B-4360-9AA8-C5DF2A48A6D1}" type="slidenum">
               <a:rPr lang="en-US" noProof="0" smtClean="0"/>
               <a:pPr/>
-              <a:t>18</a:t>
+              <a:t>19</a:t>
             </a:fld>
             <a:endParaRPr lang="en-US" noProof="0" dirty="0"/>
           </a:p>
@@ -24419,1975 +24547,6 @@
         </p:cTn>
       </p:par>
     </p:tnLst>
-  </p:timing>
-</p:sld>
-</file>
-
-<file path=ppt/slides/slide19.xml><?xml version="1.0" encoding="utf-8"?>
-<p:sld xmlns:a="http://schemas.openxmlformats.org/drawingml/2006/main" xmlns:r="http://schemas.openxmlformats.org/officeDocument/2006/relationships" xmlns:p="http://schemas.openxmlformats.org/presentationml/2006/main">
-  <p:cSld>
-    <p:spTree>
-      <p:nvGrpSpPr>
-        <p:cNvPr id="1" name=""/>
-        <p:cNvGrpSpPr/>
-        <p:nvPr/>
-      </p:nvGrpSpPr>
-      <p:grpSpPr>
-        <a:xfrm>
-          <a:off x="0" y="0"/>
-          <a:ext cx="0" cy="0"/>
-          <a:chOff x="0" y="0"/>
-          <a:chExt cx="0" cy="0"/>
-        </a:xfrm>
-      </p:grpSpPr>
-      <p:sp>
-        <p:nvSpPr>
-          <p:cNvPr id="542723" name="Rectangle 3"/>
-          <p:cNvSpPr>
-            <a:spLocks noGrp="1" noChangeArrowheads="1"/>
-          </p:cNvSpPr>
-          <p:nvPr>
-            <p:ph type="body" sz="quarter" idx="10"/>
-          </p:nvPr>
-        </p:nvSpPr>
-        <p:spPr>
-          <a:xfrm>
-            <a:off x="1866000" y="990600"/>
-            <a:ext cx="10129234" cy="5546589"/>
-          </a:xfrm>
-          <a:prstGeom prst="rect">
-            <a:avLst/>
-          </a:prstGeom>
-        </p:spPr>
-        <p:txBody>
-          <a:bodyPr>
-            <a:normAutofit/>
-          </a:bodyPr>
-          <a:lstStyle/>
-          <a:p>
-            <a:pPr>
-              <a:lnSpc>
-                <a:spcPct val="95000"/>
-              </a:lnSpc>
-            </a:pPr>
-            <a:r>
-              <a:rPr lang="ru-RU" sz="3200" dirty="0"/>
-              <a:t>Клаузата </a:t>
-            </a:r>
-            <a:r>
-              <a:rPr lang="ru-RU" sz="3200" b="1" dirty="0">
-                <a:solidFill>
-                  <a:schemeClr val="bg1"/>
-                </a:solidFill>
-                <a:latin typeface="Consolas" panose="020B0609020204030204" pitchFamily="49" charset="0"/>
-                <a:cs typeface="Consolas" panose="020B0609020204030204" pitchFamily="49" charset="0"/>
-              </a:rPr>
-              <a:t>CROSS JOIN </a:t>
-            </a:r>
-            <a:r>
-              <a:rPr lang="ru-RU" sz="3200" dirty="0"/>
-              <a:t>създава </a:t>
-            </a:r>
-            <a:r>
-              <a:rPr lang="ru-RU" sz="3200" b="1" dirty="0">
-                <a:solidFill>
-                  <a:schemeClr val="bg1"/>
-                </a:solidFill>
-              </a:rPr>
-              <a:t>кръстосано</a:t>
-            </a:r>
-            <a:r>
-              <a:rPr lang="ru-RU" sz="3200" b="1" dirty="0">
-                <a:solidFill>
-                  <a:schemeClr val="accent1"/>
-                </a:solidFill>
-              </a:rPr>
-              <a:t> </a:t>
-            </a:r>
-            <a:r>
-              <a:rPr lang="ru-RU" sz="3200" b="1" dirty="0">
-                <a:solidFill>
-                  <a:schemeClr val="bg1"/>
-                </a:solidFill>
-              </a:rPr>
-              <a:t>съединение</a:t>
-            </a:r>
-            <a:r>
-              <a:rPr lang="ru-RU" sz="3200" b="1" dirty="0">
-                <a:solidFill>
-                  <a:schemeClr val="accent1"/>
-                </a:solidFill>
-              </a:rPr>
-              <a:t> </a:t>
-            </a:r>
-            <a:r>
-              <a:rPr lang="ru-RU" sz="3200" dirty="0"/>
-              <a:t>на две таблици</a:t>
-            </a:r>
-            <a:endParaRPr lang="en-US" sz="3200" dirty="0"/>
-          </a:p>
-          <a:p>
-            <a:pPr lvl="1">
-              <a:lnSpc>
-                <a:spcPct val="95000"/>
-              </a:lnSpc>
-            </a:pPr>
-            <a:r>
-              <a:rPr lang="ru-RU" sz="3000" dirty="0"/>
-              <a:t>Това на практика създава </a:t>
-            </a:r>
-            <a:r>
-              <a:rPr lang="ru-RU" sz="3000" b="1" dirty="0">
-                <a:solidFill>
-                  <a:schemeClr val="bg1"/>
-                </a:solidFill>
-              </a:rPr>
-              <a:t>декартово произведение</a:t>
-            </a:r>
-            <a:r>
-              <a:rPr lang="ru-RU" sz="3000" dirty="0"/>
-              <a:t> и се използва </a:t>
-            </a:r>
-            <a:r>
-              <a:rPr lang="ru-RU" sz="3000" b="1" dirty="0">
-                <a:solidFill>
-                  <a:schemeClr val="bg1"/>
-                </a:solidFill>
-              </a:rPr>
-              <a:t>рядко</a:t>
-            </a:r>
-            <a:endParaRPr lang="en-US" sz="3000" b="1" dirty="0">
-              <a:solidFill>
-                <a:schemeClr val="bg1"/>
-              </a:solidFill>
-            </a:endParaRPr>
-          </a:p>
-        </p:txBody>
-      </p:sp>
-      <p:sp>
-        <p:nvSpPr>
-          <p:cNvPr id="542722" name="Rectangle 2"/>
-          <p:cNvSpPr>
-            <a:spLocks noGrp="1" noChangeArrowheads="1"/>
-          </p:cNvSpPr>
-          <p:nvPr>
-            <p:ph type="title"/>
-          </p:nvPr>
-        </p:nvSpPr>
-        <p:spPr/>
-        <p:txBody>
-          <a:bodyPr/>
-          <a:lstStyle/>
-          <a:p>
-            <a:r>
-              <a:rPr lang="bg-BG" dirty="0"/>
-              <a:t>Кръстосано съединяване</a:t>
-            </a:r>
-            <a:endParaRPr lang="en-US" dirty="0"/>
-          </a:p>
-        </p:txBody>
-      </p:sp>
-      <p:sp>
-        <p:nvSpPr>
-          <p:cNvPr id="542724" name="Rectangle 4"/>
-          <p:cNvSpPr>
-            <a:spLocks noChangeArrowheads="1"/>
-          </p:cNvSpPr>
-          <p:nvPr/>
-        </p:nvSpPr>
-        <p:spPr bwMode="auto">
-          <a:xfrm>
-            <a:off x="2391533" y="3048000"/>
-            <a:ext cx="8459949" cy="892552"/>
-          </a:xfrm>
-          <a:prstGeom prst="rect">
-            <a:avLst/>
-          </a:prstGeom>
-          <a:solidFill>
-            <a:schemeClr val="accent5">
-              <a:lumMod val="40000"/>
-              <a:lumOff val="60000"/>
-              <a:alpha val="15000"/>
-            </a:schemeClr>
-          </a:solidFill>
-          <a:ln w="12700">
-            <a:solidFill>
-              <a:schemeClr val="accent5">
-                <a:lumMod val="60000"/>
-                <a:lumOff val="40000"/>
-              </a:schemeClr>
-            </a:solidFill>
-          </a:ln>
-        </p:spPr>
-        <p:txBody>
-          <a:bodyPr wrap="square">
-            <a:spAutoFit/>
-          </a:bodyPr>
-          <a:lstStyle/>
-          <a:p>
-            <a:pPr eaLnBrk="0" hangingPunct="0">
-              <a:buClr>
-                <a:schemeClr val="accent5">
-                  <a:lumMod val="40000"/>
-                  <a:lumOff val="60000"/>
-                </a:schemeClr>
-              </a:buClr>
-              <a:buSzPct val="70000"/>
-            </a:pPr>
-            <a:r>
-              <a:rPr lang="en-US" sz="2600" b="1" noProof="1">
-                <a:solidFill>
-                  <a:schemeClr val="bg1"/>
-                </a:solidFill>
-                <a:latin typeface="Consolas" pitchFamily="49" charset="0"/>
-                <a:cs typeface="Consolas" pitchFamily="49" charset="0"/>
-              </a:rPr>
-              <a:t>SELECT </a:t>
-            </a:r>
-            <a:r>
-              <a:rPr lang="en-US" sz="2600" b="1" noProof="1">
-                <a:solidFill>
-                  <a:srgbClr val="224464"/>
-                </a:solidFill>
-                <a:latin typeface="Consolas" pitchFamily="49" charset="0"/>
-                <a:cs typeface="Consolas" pitchFamily="49" charset="0"/>
-              </a:rPr>
-              <a:t>LastName [Last Name], Name [Dept Name]</a:t>
-            </a:r>
-          </a:p>
-          <a:p>
-            <a:pPr eaLnBrk="0" hangingPunct="0">
-              <a:buClr>
-                <a:schemeClr val="accent5">
-                  <a:lumMod val="40000"/>
-                  <a:lumOff val="60000"/>
-                </a:schemeClr>
-              </a:buClr>
-              <a:buSzPct val="70000"/>
-            </a:pPr>
-            <a:r>
-              <a:rPr lang="en-US" sz="2600" b="1" noProof="1">
-                <a:solidFill>
-                  <a:schemeClr val="bg1"/>
-                </a:solidFill>
-                <a:latin typeface="Consolas" pitchFamily="49" charset="0"/>
-                <a:cs typeface="Consolas" pitchFamily="49" charset="0"/>
-              </a:rPr>
-              <a:t>FROM </a:t>
-            </a:r>
-            <a:r>
-              <a:rPr lang="en-US" sz="2600" b="1" noProof="1">
-                <a:solidFill>
-                  <a:srgbClr val="224464"/>
-                </a:solidFill>
-                <a:latin typeface="Consolas" pitchFamily="49" charset="0"/>
-                <a:cs typeface="Consolas" pitchFamily="49" charset="0"/>
-              </a:rPr>
-              <a:t>Employees </a:t>
-            </a:r>
-            <a:r>
-              <a:rPr lang="en-US" sz="2600" b="1" noProof="1">
-                <a:solidFill>
-                  <a:schemeClr val="bg1"/>
-                </a:solidFill>
-                <a:latin typeface="Consolas" pitchFamily="49" charset="0"/>
-                <a:cs typeface="Consolas" pitchFamily="49" charset="0"/>
-              </a:rPr>
-              <a:t>CROSS JOIN </a:t>
-            </a:r>
-            <a:r>
-              <a:rPr lang="en-US" sz="2600" b="1" noProof="1">
-                <a:solidFill>
-                  <a:srgbClr val="224464"/>
-                </a:solidFill>
-                <a:latin typeface="Consolas" pitchFamily="49" charset="0"/>
-                <a:cs typeface="Consolas" pitchFamily="49" charset="0"/>
-              </a:rPr>
-              <a:t>Departments</a:t>
-            </a:r>
-          </a:p>
-        </p:txBody>
-      </p:sp>
-      <p:graphicFrame>
-        <p:nvGraphicFramePr>
-          <p:cNvPr id="542725" name="Group 5"/>
-          <p:cNvGraphicFramePr>
-            <a:graphicFrameLocks noGrp="1"/>
-          </p:cNvGraphicFramePr>
-          <p:nvPr>
-            <p:extLst>
-              <p:ext uri="{D42A27DB-BD31-4B8C-83A1-F6EECF244321}">
-                <p14:modId xmlns:p14="http://schemas.microsoft.com/office/powerpoint/2010/main" val="2790118080"/>
-              </p:ext>
-            </p:extLst>
-          </p:nvPr>
-        </p:nvGraphicFramePr>
-        <p:xfrm>
-          <a:off x="2391533" y="4114800"/>
-          <a:ext cx="8451925" cy="2590800"/>
-        </p:xfrm>
-        <a:graphic>
-          <a:graphicData uri="http://schemas.openxmlformats.org/drawingml/2006/table">
-            <a:tbl>
-              <a:tblPr/>
-              <a:tblGrid>
-                <a:gridCol w="3219183">
-                  <a:extLst>
-                    <a:ext uri="{9D8B030D-6E8A-4147-A177-3AD203B41FA5}">
-                      <a16:colId xmlns:a16="http://schemas.microsoft.com/office/drawing/2014/main" val="20000"/>
-                    </a:ext>
-                  </a:extLst>
-                </a:gridCol>
-                <a:gridCol w="5232742">
-                  <a:extLst>
-                    <a:ext uri="{9D8B030D-6E8A-4147-A177-3AD203B41FA5}">
-                      <a16:colId xmlns:a16="http://schemas.microsoft.com/office/drawing/2014/main" val="20001"/>
-                    </a:ext>
-                  </a:extLst>
-                </a:gridCol>
-              </a:tblGrid>
-              <a:tr h="456920">
-                <a:tc>
-                  <a:txBody>
-                    <a:bodyPr/>
-                    <a:lstStyle/>
-                    <a:p>
-                      <a:pPr marL="0" marR="0" lvl="0" indent="0" algn="ctr" defTabSz="914400" rtl="0" eaLnBrk="0" fontAlgn="base" latinLnBrk="0" hangingPunct="0">
-                        <a:lnSpc>
-                          <a:spcPct val="95000"/>
-                        </a:lnSpc>
-                        <a:spcBef>
-                          <a:spcPct val="40000"/>
-                        </a:spcBef>
-                        <a:spcAft>
-                          <a:spcPct val="0"/>
-                        </a:spcAft>
-                        <a:buClr>
-                          <a:schemeClr val="tx1"/>
-                        </a:buClr>
-                        <a:buSzTx/>
-                        <a:buFontTx/>
-                        <a:buNone/>
-                        <a:tabLst/>
-                      </a:pPr>
-                      <a:r>
-                        <a:rPr kumimoji="1" lang="en-US" sz="2400" b="1" i="0" u="none" strike="noStrike" cap="none" normalizeH="0" baseline="0" dirty="0">
-                          <a:ln>
-                            <a:noFill/>
-                          </a:ln>
-                          <a:solidFill>
-                            <a:srgbClr val="224464"/>
-                          </a:solidFill>
-                          <a:effectLst/>
-                          <a:latin typeface="+mj-lt"/>
-                        </a:rPr>
-                        <a:t>Last Name</a:t>
-                      </a:r>
-                      <a:endParaRPr kumimoji="1" lang="en-US" sz="2400" b="1" i="0" u="none" strike="noStrike" cap="none" normalizeH="0" baseline="0" noProof="1">
-                        <a:ln>
-                          <a:noFill/>
-                        </a:ln>
-                        <a:solidFill>
-                          <a:srgbClr val="224464"/>
-                        </a:solidFill>
-                        <a:effectLst/>
-                        <a:latin typeface="+mj-lt"/>
-                      </a:endParaRPr>
-                    </a:p>
-                  </a:txBody>
-                  <a:tcPr marL="91464" marR="91464" anchor="ctr" horzOverflow="overflow">
-                    <a:lnL w="28575" cap="flat" cmpd="sng" algn="ctr">
-                      <a:solidFill>
-                        <a:schemeClr val="accent5">
-                          <a:lumMod val="20000"/>
-                          <a:lumOff val="80000"/>
-                        </a:schemeClr>
-                      </a:solidFill>
-                      <a:prstDash val="solid"/>
-                      <a:round/>
-                      <a:headEnd type="none" w="med" len="med"/>
-                      <a:tailEnd type="none" w="med" len="med"/>
-                    </a:lnL>
-                    <a:lnR w="28575" cap="flat" cmpd="sng" algn="ctr">
-                      <a:solidFill>
-                        <a:schemeClr val="accent5">
-                          <a:lumMod val="20000"/>
-                          <a:lumOff val="80000"/>
-                        </a:schemeClr>
-                      </a:solidFill>
-                      <a:prstDash val="solid"/>
-                      <a:round/>
-                      <a:headEnd type="none" w="med" len="med"/>
-                      <a:tailEnd type="none" w="med" len="med"/>
-                    </a:lnR>
-                    <a:lnT w="28575" cap="flat" cmpd="sng" algn="ctr">
-                      <a:solidFill>
-                        <a:schemeClr val="accent5">
-                          <a:lumMod val="20000"/>
-                          <a:lumOff val="80000"/>
-                        </a:schemeClr>
-                      </a:solidFill>
-                      <a:prstDash val="solid"/>
-                      <a:round/>
-                      <a:headEnd type="none" w="med" len="med"/>
-                      <a:tailEnd type="none" w="med" len="med"/>
-                    </a:lnT>
-                    <a:lnB w="28575" cap="flat" cmpd="sng" algn="ctr">
-                      <a:solidFill>
-                        <a:schemeClr val="accent5">
-                          <a:lumMod val="20000"/>
-                          <a:lumOff val="80000"/>
-                        </a:schemeClr>
-                      </a:solidFill>
-                      <a:prstDash val="solid"/>
-                      <a:round/>
-                      <a:headEnd type="none" w="med" len="med"/>
-                      <a:tailEnd type="none" w="med" len="med"/>
-                    </a:lnB>
-                    <a:lnTlToBr>
-                      <a:noFill/>
-                    </a:lnTlToBr>
-                    <a:lnBlToTr>
-                      <a:noFill/>
-                    </a:lnBlToTr>
-                    <a:solidFill>
-                      <a:schemeClr val="accent5">
-                        <a:lumMod val="60000"/>
-                        <a:lumOff val="40000"/>
-                        <a:alpha val="50000"/>
-                      </a:schemeClr>
-                    </a:solidFill>
-                  </a:tcPr>
-                </a:tc>
-                <a:tc>
-                  <a:txBody>
-                    <a:bodyPr/>
-                    <a:lstStyle/>
-                    <a:p>
-                      <a:pPr marL="0" marR="0" lvl="0" indent="0" algn="ctr" defTabSz="914400" rtl="0" eaLnBrk="0" fontAlgn="base" latinLnBrk="0" hangingPunct="0">
-                        <a:lnSpc>
-                          <a:spcPct val="95000"/>
-                        </a:lnSpc>
-                        <a:spcBef>
-                          <a:spcPct val="40000"/>
-                        </a:spcBef>
-                        <a:spcAft>
-                          <a:spcPct val="0"/>
-                        </a:spcAft>
-                        <a:buClr>
-                          <a:schemeClr val="tx1"/>
-                        </a:buClr>
-                        <a:buSzTx/>
-                        <a:buFontTx/>
-                        <a:buNone/>
-                        <a:tabLst/>
-                      </a:pPr>
-                      <a:r>
-                        <a:rPr kumimoji="1" lang="en-US" sz="2400" b="1" i="0" u="none" strike="noStrike" cap="none" normalizeH="0" baseline="0" dirty="0">
-                          <a:ln>
-                            <a:noFill/>
-                          </a:ln>
-                          <a:solidFill>
-                            <a:srgbClr val="224464"/>
-                          </a:solidFill>
-                          <a:effectLst/>
-                          <a:latin typeface="+mj-lt"/>
-                        </a:rPr>
-                        <a:t>Dept Name</a:t>
-                      </a:r>
-                      <a:endParaRPr kumimoji="1" lang="en-US" sz="2400" b="1" i="0" u="none" strike="noStrike" cap="none" normalizeH="0" baseline="0" noProof="1">
-                        <a:ln>
-                          <a:noFill/>
-                        </a:ln>
-                        <a:solidFill>
-                          <a:srgbClr val="224464"/>
-                        </a:solidFill>
-                        <a:effectLst/>
-                        <a:latin typeface="+mj-lt"/>
-                      </a:endParaRPr>
-                    </a:p>
-                  </a:txBody>
-                  <a:tcPr marL="91464" marR="91464" anchor="ctr" horzOverflow="overflow">
-                    <a:lnL w="28575" cap="flat" cmpd="sng" algn="ctr">
-                      <a:solidFill>
-                        <a:schemeClr val="accent5">
-                          <a:lumMod val="20000"/>
-                          <a:lumOff val="80000"/>
-                        </a:schemeClr>
-                      </a:solidFill>
-                      <a:prstDash val="solid"/>
-                      <a:round/>
-                      <a:headEnd type="none" w="med" len="med"/>
-                      <a:tailEnd type="none" w="med" len="med"/>
-                    </a:lnL>
-                    <a:lnR w="28575" cap="flat" cmpd="sng" algn="ctr">
-                      <a:solidFill>
-                        <a:schemeClr val="accent5">
-                          <a:lumMod val="20000"/>
-                          <a:lumOff val="80000"/>
-                        </a:schemeClr>
-                      </a:solidFill>
-                      <a:prstDash val="solid"/>
-                      <a:round/>
-                      <a:headEnd type="none" w="med" len="med"/>
-                      <a:tailEnd type="none" w="med" len="med"/>
-                    </a:lnR>
-                    <a:lnT w="28575" cap="flat" cmpd="sng" algn="ctr">
-                      <a:solidFill>
-                        <a:schemeClr val="accent5">
-                          <a:lumMod val="20000"/>
-                          <a:lumOff val="80000"/>
-                        </a:schemeClr>
-                      </a:solidFill>
-                      <a:prstDash val="solid"/>
-                      <a:round/>
-                      <a:headEnd type="none" w="med" len="med"/>
-                      <a:tailEnd type="none" w="med" len="med"/>
-                    </a:lnT>
-                    <a:lnB w="28575" cap="flat" cmpd="sng" algn="ctr">
-                      <a:solidFill>
-                        <a:schemeClr val="accent5">
-                          <a:lumMod val="20000"/>
-                          <a:lumOff val="80000"/>
-                        </a:schemeClr>
-                      </a:solidFill>
-                      <a:prstDash val="solid"/>
-                      <a:round/>
-                      <a:headEnd type="none" w="med" len="med"/>
-                      <a:tailEnd type="none" w="med" len="med"/>
-                    </a:lnB>
-                    <a:lnTlToBr>
-                      <a:noFill/>
-                    </a:lnTlToBr>
-                    <a:lnBlToTr>
-                      <a:noFill/>
-                    </a:lnBlToTr>
-                    <a:solidFill>
-                      <a:schemeClr val="accent5">
-                        <a:lumMod val="60000"/>
-                        <a:lumOff val="40000"/>
-                        <a:alpha val="50000"/>
-                      </a:schemeClr>
-                    </a:solidFill>
-                  </a:tcPr>
-                </a:tc>
-                <a:extLst>
-                  <a:ext uri="{0D108BD9-81ED-4DB2-BD59-A6C34878D82A}">
-                    <a16:rowId xmlns:a16="http://schemas.microsoft.com/office/drawing/2014/main" val="10000"/>
-                  </a:ext>
-                </a:extLst>
-              </a:tr>
-              <a:tr h="426776">
-                <a:tc>
-                  <a:txBody>
-                    <a:bodyPr/>
-                    <a:lstStyle/>
-                    <a:p>
-                      <a:pPr marL="0" marR="0" lvl="0" indent="0" algn="l" defTabSz="914400" rtl="0" eaLnBrk="0" fontAlgn="base" latinLnBrk="0" hangingPunct="0">
-                        <a:lnSpc>
-                          <a:spcPct val="95000"/>
-                        </a:lnSpc>
-                        <a:spcBef>
-                          <a:spcPct val="40000"/>
-                        </a:spcBef>
-                        <a:spcAft>
-                          <a:spcPct val="0"/>
-                        </a:spcAft>
-                        <a:buClr>
-                          <a:schemeClr val="tx1"/>
-                        </a:buClr>
-                        <a:buSzTx/>
-                        <a:buFontTx/>
-                        <a:buNone/>
-                        <a:tabLst/>
-                      </a:pPr>
-                      <a:r>
-                        <a:rPr kumimoji="1" lang="en-US" sz="2200" b="0" i="0" u="none" strike="noStrike" cap="none" normalizeH="0" baseline="0" dirty="0">
-                          <a:ln>
-                            <a:noFill/>
-                          </a:ln>
-                          <a:solidFill>
-                            <a:srgbClr val="224464"/>
-                          </a:solidFill>
-                          <a:effectLst/>
-                          <a:latin typeface="+mn-lt"/>
-                        </a:rPr>
-                        <a:t>Duffy</a:t>
-                      </a:r>
-                      <a:endParaRPr kumimoji="1" lang="en-US" sz="2200" b="0" i="0" u="none" strike="noStrike" cap="none" normalizeH="0" baseline="0" noProof="1">
-                        <a:ln>
-                          <a:noFill/>
-                        </a:ln>
-                        <a:solidFill>
-                          <a:srgbClr val="224464"/>
-                        </a:solidFill>
-                        <a:effectLst/>
-                        <a:latin typeface="+mn-lt"/>
-                      </a:endParaRPr>
-                    </a:p>
-                  </a:txBody>
-                  <a:tcPr marL="91464" marR="91464" anchor="ctr" horzOverflow="overflow">
-                    <a:lnL w="28575" cap="flat" cmpd="sng" algn="ctr">
-                      <a:solidFill>
-                        <a:schemeClr val="accent5">
-                          <a:lumMod val="20000"/>
-                          <a:lumOff val="80000"/>
-                        </a:schemeClr>
-                      </a:solidFill>
-                      <a:prstDash val="solid"/>
-                      <a:round/>
-                      <a:headEnd type="none" w="med" len="med"/>
-                      <a:tailEnd type="none" w="med" len="med"/>
-                    </a:lnL>
-                    <a:lnR w="28575" cap="flat" cmpd="sng" algn="ctr">
-                      <a:solidFill>
-                        <a:schemeClr val="accent5">
-                          <a:lumMod val="20000"/>
-                          <a:lumOff val="80000"/>
-                        </a:schemeClr>
-                      </a:solidFill>
-                      <a:prstDash val="solid"/>
-                      <a:round/>
-                      <a:headEnd type="none" w="med" len="med"/>
-                      <a:tailEnd type="none" w="med" len="med"/>
-                    </a:lnR>
-                    <a:lnT w="28575" cap="flat" cmpd="sng" algn="ctr">
-                      <a:solidFill>
-                        <a:schemeClr val="accent5">
-                          <a:lumMod val="20000"/>
-                          <a:lumOff val="80000"/>
-                        </a:schemeClr>
-                      </a:solidFill>
-                      <a:prstDash val="solid"/>
-                      <a:round/>
-                      <a:headEnd type="none" w="med" len="med"/>
-                      <a:tailEnd type="none" w="med" len="med"/>
-                    </a:lnT>
-                    <a:lnB w="28575" cap="flat" cmpd="sng" algn="ctr">
-                      <a:solidFill>
-                        <a:schemeClr val="accent5">
-                          <a:lumMod val="20000"/>
-                          <a:lumOff val="80000"/>
-                        </a:schemeClr>
-                      </a:solidFill>
-                      <a:prstDash val="solid"/>
-                      <a:round/>
-                      <a:headEnd type="none" w="med" len="med"/>
-                      <a:tailEnd type="none" w="med" len="med"/>
-                    </a:lnB>
-                    <a:lnTlToBr>
-                      <a:noFill/>
-                    </a:lnTlToBr>
-                    <a:lnBlToTr>
-                      <a:noFill/>
-                    </a:lnBlToTr>
-                    <a:noFill/>
-                  </a:tcPr>
-                </a:tc>
-                <a:tc>
-                  <a:txBody>
-                    <a:bodyPr/>
-                    <a:lstStyle/>
-                    <a:p>
-                      <a:pPr marL="0" marR="0" lvl="0" indent="0" algn="l" defTabSz="914400" rtl="0" eaLnBrk="0" fontAlgn="base" latinLnBrk="0" hangingPunct="0">
-                        <a:lnSpc>
-                          <a:spcPct val="95000"/>
-                        </a:lnSpc>
-                        <a:spcBef>
-                          <a:spcPct val="40000"/>
-                        </a:spcBef>
-                        <a:spcAft>
-                          <a:spcPct val="0"/>
-                        </a:spcAft>
-                        <a:buClr>
-                          <a:schemeClr val="tx1"/>
-                        </a:buClr>
-                        <a:buSzTx/>
-                        <a:buFontTx/>
-                        <a:buNone/>
-                        <a:tabLst/>
-                      </a:pPr>
-                      <a:r>
-                        <a:rPr kumimoji="1" lang="en-US" sz="2200" b="0" i="0" u="none" strike="noStrike" cap="none" normalizeH="0" baseline="0" dirty="0">
-                          <a:ln>
-                            <a:noFill/>
-                          </a:ln>
-                          <a:solidFill>
-                            <a:srgbClr val="224464"/>
-                          </a:solidFill>
-                          <a:effectLst/>
-                          <a:latin typeface="+mn-lt"/>
-                        </a:rPr>
-                        <a:t>Document Control</a:t>
-                      </a:r>
-                      <a:endParaRPr kumimoji="1" lang="en-US" sz="2200" b="0" i="0" u="none" strike="noStrike" cap="none" normalizeH="0" baseline="0" noProof="1">
-                        <a:ln>
-                          <a:noFill/>
-                        </a:ln>
-                        <a:solidFill>
-                          <a:srgbClr val="224464"/>
-                        </a:solidFill>
-                        <a:effectLst/>
-                        <a:latin typeface="+mn-lt"/>
-                      </a:endParaRPr>
-                    </a:p>
-                  </a:txBody>
-                  <a:tcPr marL="91464" marR="91464" anchor="ctr" horzOverflow="overflow">
-                    <a:lnL w="28575" cap="flat" cmpd="sng" algn="ctr">
-                      <a:solidFill>
-                        <a:schemeClr val="accent5">
-                          <a:lumMod val="20000"/>
-                          <a:lumOff val="80000"/>
-                        </a:schemeClr>
-                      </a:solidFill>
-                      <a:prstDash val="solid"/>
-                      <a:round/>
-                      <a:headEnd type="none" w="med" len="med"/>
-                      <a:tailEnd type="none" w="med" len="med"/>
-                    </a:lnL>
-                    <a:lnR w="28575" cap="flat" cmpd="sng" algn="ctr">
-                      <a:solidFill>
-                        <a:schemeClr val="accent5">
-                          <a:lumMod val="20000"/>
-                          <a:lumOff val="80000"/>
-                        </a:schemeClr>
-                      </a:solidFill>
-                      <a:prstDash val="solid"/>
-                      <a:round/>
-                      <a:headEnd type="none" w="med" len="med"/>
-                      <a:tailEnd type="none" w="med" len="med"/>
-                    </a:lnR>
-                    <a:lnT w="28575" cap="flat" cmpd="sng" algn="ctr">
-                      <a:solidFill>
-                        <a:schemeClr val="accent5">
-                          <a:lumMod val="20000"/>
-                          <a:lumOff val="80000"/>
-                        </a:schemeClr>
-                      </a:solidFill>
-                      <a:prstDash val="solid"/>
-                      <a:round/>
-                      <a:headEnd type="none" w="med" len="med"/>
-                      <a:tailEnd type="none" w="med" len="med"/>
-                    </a:lnT>
-                    <a:lnB w="28575" cap="flat" cmpd="sng" algn="ctr">
-                      <a:solidFill>
-                        <a:schemeClr val="accent5">
-                          <a:lumMod val="20000"/>
-                          <a:lumOff val="80000"/>
-                        </a:schemeClr>
-                      </a:solidFill>
-                      <a:prstDash val="solid"/>
-                      <a:round/>
-                      <a:headEnd type="none" w="med" len="med"/>
-                      <a:tailEnd type="none" w="med" len="med"/>
-                    </a:lnB>
-                    <a:lnTlToBr>
-                      <a:noFill/>
-                    </a:lnTlToBr>
-                    <a:lnBlToTr>
-                      <a:noFill/>
-                    </a:lnBlToTr>
-                    <a:noFill/>
-                  </a:tcPr>
-                </a:tc>
-                <a:extLst>
-                  <a:ext uri="{0D108BD9-81ED-4DB2-BD59-A6C34878D82A}">
-                    <a16:rowId xmlns:a16="http://schemas.microsoft.com/office/drawing/2014/main" val="10001"/>
-                  </a:ext>
-                </a:extLst>
-              </a:tr>
-              <a:tr h="426776">
-                <a:tc>
-                  <a:txBody>
-                    <a:bodyPr/>
-                    <a:lstStyle/>
-                    <a:p>
-                      <a:pPr marL="0" marR="0" lvl="0" indent="0" algn="l" defTabSz="914400" rtl="0" eaLnBrk="0" fontAlgn="base" latinLnBrk="0" hangingPunct="0">
-                        <a:lnSpc>
-                          <a:spcPct val="95000"/>
-                        </a:lnSpc>
-                        <a:spcBef>
-                          <a:spcPct val="40000"/>
-                        </a:spcBef>
-                        <a:spcAft>
-                          <a:spcPct val="0"/>
-                        </a:spcAft>
-                        <a:buClr>
-                          <a:schemeClr val="tx1"/>
-                        </a:buClr>
-                        <a:buSzTx/>
-                        <a:buFontTx/>
-                        <a:buNone/>
-                        <a:tabLst/>
-                      </a:pPr>
-                      <a:r>
-                        <a:rPr kumimoji="1" lang="en-US" sz="2200" b="0" i="0" u="none" strike="noStrike" cap="none" normalizeH="0" baseline="0" dirty="0">
-                          <a:ln>
-                            <a:noFill/>
-                          </a:ln>
-                          <a:solidFill>
-                            <a:srgbClr val="224464"/>
-                          </a:solidFill>
-                          <a:effectLst/>
-                          <a:latin typeface="+mn-lt"/>
-                        </a:rPr>
-                        <a:t>Wang</a:t>
-                      </a:r>
-                      <a:endParaRPr kumimoji="1" lang="en-US" sz="2200" b="0" i="0" u="none" strike="noStrike" cap="none" normalizeH="0" baseline="0" noProof="1">
-                        <a:ln>
-                          <a:noFill/>
-                        </a:ln>
-                        <a:solidFill>
-                          <a:srgbClr val="224464"/>
-                        </a:solidFill>
-                        <a:effectLst/>
-                        <a:latin typeface="+mn-lt"/>
-                      </a:endParaRPr>
-                    </a:p>
-                  </a:txBody>
-                  <a:tcPr marL="91464" marR="91464" anchor="ctr" horzOverflow="overflow">
-                    <a:lnL w="28575" cap="flat" cmpd="sng" algn="ctr">
-                      <a:solidFill>
-                        <a:schemeClr val="accent5">
-                          <a:lumMod val="20000"/>
-                          <a:lumOff val="80000"/>
-                        </a:schemeClr>
-                      </a:solidFill>
-                      <a:prstDash val="solid"/>
-                      <a:round/>
-                      <a:headEnd type="none" w="med" len="med"/>
-                      <a:tailEnd type="none" w="med" len="med"/>
-                    </a:lnL>
-                    <a:lnR w="28575" cap="flat" cmpd="sng" algn="ctr">
-                      <a:solidFill>
-                        <a:schemeClr val="accent5">
-                          <a:lumMod val="20000"/>
-                          <a:lumOff val="80000"/>
-                        </a:schemeClr>
-                      </a:solidFill>
-                      <a:prstDash val="solid"/>
-                      <a:round/>
-                      <a:headEnd type="none" w="med" len="med"/>
-                      <a:tailEnd type="none" w="med" len="med"/>
-                    </a:lnR>
-                    <a:lnT w="28575" cap="flat" cmpd="sng" algn="ctr">
-                      <a:solidFill>
-                        <a:schemeClr val="accent5">
-                          <a:lumMod val="20000"/>
-                          <a:lumOff val="80000"/>
-                        </a:schemeClr>
-                      </a:solidFill>
-                      <a:prstDash val="solid"/>
-                      <a:round/>
-                      <a:headEnd type="none" w="med" len="med"/>
-                      <a:tailEnd type="none" w="med" len="med"/>
-                    </a:lnT>
-                    <a:lnB w="28575" cap="flat" cmpd="sng" algn="ctr">
-                      <a:solidFill>
-                        <a:schemeClr val="accent5">
-                          <a:lumMod val="20000"/>
-                          <a:lumOff val="80000"/>
-                        </a:schemeClr>
-                      </a:solidFill>
-                      <a:prstDash val="solid"/>
-                      <a:round/>
-                      <a:headEnd type="none" w="med" len="med"/>
-                      <a:tailEnd type="none" w="med" len="med"/>
-                    </a:lnB>
-                    <a:lnTlToBr>
-                      <a:noFill/>
-                    </a:lnTlToBr>
-                    <a:lnBlToTr>
-                      <a:noFill/>
-                    </a:lnBlToTr>
-                    <a:noFill/>
-                  </a:tcPr>
-                </a:tc>
-                <a:tc>
-                  <a:txBody>
-                    <a:bodyPr/>
-                    <a:lstStyle/>
-                    <a:p>
-                      <a:pPr marL="0" marR="0" lvl="0" indent="0" algn="l" defTabSz="914400" rtl="0" eaLnBrk="0" fontAlgn="base" latinLnBrk="0" hangingPunct="0">
-                        <a:lnSpc>
-                          <a:spcPct val="95000"/>
-                        </a:lnSpc>
-                        <a:spcBef>
-                          <a:spcPct val="40000"/>
-                        </a:spcBef>
-                        <a:spcAft>
-                          <a:spcPct val="0"/>
-                        </a:spcAft>
-                        <a:buClr>
-                          <a:schemeClr val="tx1"/>
-                        </a:buClr>
-                        <a:buSzTx/>
-                        <a:buFontTx/>
-                        <a:buNone/>
-                        <a:tabLst/>
-                      </a:pPr>
-                      <a:r>
-                        <a:rPr kumimoji="1" lang="en-US" sz="2200" b="0" i="0" u="none" strike="noStrike" cap="none" normalizeH="0" baseline="0" dirty="0">
-                          <a:ln>
-                            <a:noFill/>
-                          </a:ln>
-                          <a:solidFill>
-                            <a:srgbClr val="224464"/>
-                          </a:solidFill>
-                          <a:effectLst/>
-                          <a:latin typeface="+mn-lt"/>
-                        </a:rPr>
-                        <a:t>Document Control</a:t>
-                      </a:r>
-                      <a:endParaRPr kumimoji="1" lang="en-US" sz="2200" b="0" i="0" u="none" strike="noStrike" cap="none" normalizeH="0" baseline="0" noProof="1">
-                        <a:ln>
-                          <a:noFill/>
-                        </a:ln>
-                        <a:solidFill>
-                          <a:srgbClr val="224464"/>
-                        </a:solidFill>
-                        <a:effectLst/>
-                        <a:latin typeface="+mn-lt"/>
-                      </a:endParaRPr>
-                    </a:p>
-                  </a:txBody>
-                  <a:tcPr marL="91464" marR="91464" anchor="ctr" horzOverflow="overflow">
-                    <a:lnL w="28575" cap="flat" cmpd="sng" algn="ctr">
-                      <a:solidFill>
-                        <a:schemeClr val="accent5">
-                          <a:lumMod val="20000"/>
-                          <a:lumOff val="80000"/>
-                        </a:schemeClr>
-                      </a:solidFill>
-                      <a:prstDash val="solid"/>
-                      <a:round/>
-                      <a:headEnd type="none" w="med" len="med"/>
-                      <a:tailEnd type="none" w="med" len="med"/>
-                    </a:lnL>
-                    <a:lnR w="28575" cap="flat" cmpd="sng" algn="ctr">
-                      <a:solidFill>
-                        <a:schemeClr val="accent5">
-                          <a:lumMod val="20000"/>
-                          <a:lumOff val="80000"/>
-                        </a:schemeClr>
-                      </a:solidFill>
-                      <a:prstDash val="solid"/>
-                      <a:round/>
-                      <a:headEnd type="none" w="med" len="med"/>
-                      <a:tailEnd type="none" w="med" len="med"/>
-                    </a:lnR>
-                    <a:lnT w="28575" cap="flat" cmpd="sng" algn="ctr">
-                      <a:solidFill>
-                        <a:schemeClr val="accent5">
-                          <a:lumMod val="20000"/>
-                          <a:lumOff val="80000"/>
-                        </a:schemeClr>
-                      </a:solidFill>
-                      <a:prstDash val="solid"/>
-                      <a:round/>
-                      <a:headEnd type="none" w="med" len="med"/>
-                      <a:tailEnd type="none" w="med" len="med"/>
-                    </a:lnT>
-                    <a:lnB w="28575" cap="flat" cmpd="sng" algn="ctr">
-                      <a:solidFill>
-                        <a:schemeClr val="accent5">
-                          <a:lumMod val="20000"/>
-                          <a:lumOff val="80000"/>
-                        </a:schemeClr>
-                      </a:solidFill>
-                      <a:prstDash val="solid"/>
-                      <a:round/>
-                      <a:headEnd type="none" w="med" len="med"/>
-                      <a:tailEnd type="none" w="med" len="med"/>
-                    </a:lnB>
-                    <a:lnTlToBr>
-                      <a:noFill/>
-                    </a:lnTlToBr>
-                    <a:lnBlToTr>
-                      <a:noFill/>
-                    </a:lnBlToTr>
-                    <a:noFill/>
-                  </a:tcPr>
-                </a:tc>
-                <a:extLst>
-                  <a:ext uri="{0D108BD9-81ED-4DB2-BD59-A6C34878D82A}">
-                    <a16:rowId xmlns:a16="http://schemas.microsoft.com/office/drawing/2014/main" val="10002"/>
-                  </a:ext>
-                </a:extLst>
-              </a:tr>
-              <a:tr h="426776">
-                <a:tc>
-                  <a:txBody>
-                    <a:bodyPr/>
-                    <a:lstStyle/>
-                    <a:p>
-                      <a:pPr marL="0" marR="0" lvl="0" indent="0" algn="l" defTabSz="914400" rtl="0" eaLnBrk="0" fontAlgn="base" latinLnBrk="0" hangingPunct="0">
-                        <a:lnSpc>
-                          <a:spcPct val="95000"/>
-                        </a:lnSpc>
-                        <a:spcBef>
-                          <a:spcPct val="40000"/>
-                        </a:spcBef>
-                        <a:spcAft>
-                          <a:spcPct val="0"/>
-                        </a:spcAft>
-                        <a:buClr>
-                          <a:schemeClr val="tx1"/>
-                        </a:buClr>
-                        <a:buSzTx/>
-                        <a:buFontTx/>
-                        <a:buNone/>
-                        <a:tabLst/>
-                      </a:pPr>
-                      <a:r>
-                        <a:rPr kumimoji="1" lang="en-US" sz="2200" b="0" i="0" u="none" strike="noStrike" cap="none" normalizeH="0" baseline="0" dirty="0">
-                          <a:ln>
-                            <a:noFill/>
-                          </a:ln>
-                          <a:solidFill>
-                            <a:srgbClr val="224464"/>
-                          </a:solidFill>
-                          <a:effectLst/>
-                          <a:latin typeface="+mn-lt"/>
-                        </a:rPr>
-                        <a:t>Duffy</a:t>
-                      </a:r>
-                      <a:endParaRPr kumimoji="1" lang="en-US" sz="2200" b="0" i="0" u="none" strike="noStrike" cap="none" normalizeH="0" baseline="0" noProof="1">
-                        <a:ln>
-                          <a:noFill/>
-                        </a:ln>
-                        <a:solidFill>
-                          <a:srgbClr val="224464"/>
-                        </a:solidFill>
-                        <a:effectLst/>
-                        <a:latin typeface="+mn-lt"/>
-                      </a:endParaRPr>
-                    </a:p>
-                  </a:txBody>
-                  <a:tcPr marL="91464" marR="91464" anchor="ctr" horzOverflow="overflow">
-                    <a:lnL w="28575" cap="flat" cmpd="sng" algn="ctr">
-                      <a:solidFill>
-                        <a:schemeClr val="accent5">
-                          <a:lumMod val="20000"/>
-                          <a:lumOff val="80000"/>
-                        </a:schemeClr>
-                      </a:solidFill>
-                      <a:prstDash val="solid"/>
-                      <a:round/>
-                      <a:headEnd type="none" w="med" len="med"/>
-                      <a:tailEnd type="none" w="med" len="med"/>
-                    </a:lnL>
-                    <a:lnR w="28575" cap="flat" cmpd="sng" algn="ctr">
-                      <a:solidFill>
-                        <a:schemeClr val="accent5">
-                          <a:lumMod val="20000"/>
-                          <a:lumOff val="80000"/>
-                        </a:schemeClr>
-                      </a:solidFill>
-                      <a:prstDash val="solid"/>
-                      <a:round/>
-                      <a:headEnd type="none" w="med" len="med"/>
-                      <a:tailEnd type="none" w="med" len="med"/>
-                    </a:lnR>
-                    <a:lnT w="28575" cap="flat" cmpd="sng" algn="ctr">
-                      <a:solidFill>
-                        <a:schemeClr val="accent5">
-                          <a:lumMod val="20000"/>
-                          <a:lumOff val="80000"/>
-                        </a:schemeClr>
-                      </a:solidFill>
-                      <a:prstDash val="solid"/>
-                      <a:round/>
-                      <a:headEnd type="none" w="med" len="med"/>
-                      <a:tailEnd type="none" w="med" len="med"/>
-                    </a:lnT>
-                    <a:lnB w="28575" cap="flat" cmpd="sng" algn="ctr">
-                      <a:solidFill>
-                        <a:schemeClr val="accent5">
-                          <a:lumMod val="20000"/>
-                          <a:lumOff val="80000"/>
-                        </a:schemeClr>
-                      </a:solidFill>
-                      <a:prstDash val="solid"/>
-                      <a:round/>
-                      <a:headEnd type="none" w="med" len="med"/>
-                      <a:tailEnd type="none" w="med" len="med"/>
-                    </a:lnB>
-                    <a:lnTlToBr>
-                      <a:noFill/>
-                    </a:lnTlToBr>
-                    <a:lnBlToTr>
-                      <a:noFill/>
-                    </a:lnBlToTr>
-                    <a:noFill/>
-                  </a:tcPr>
-                </a:tc>
-                <a:tc>
-                  <a:txBody>
-                    <a:bodyPr/>
-                    <a:lstStyle/>
-                    <a:p>
-                      <a:pPr marL="0" marR="0" lvl="0" indent="0" algn="l" defTabSz="914400" rtl="0" eaLnBrk="0" fontAlgn="base" latinLnBrk="0" hangingPunct="0">
-                        <a:lnSpc>
-                          <a:spcPct val="95000"/>
-                        </a:lnSpc>
-                        <a:spcBef>
-                          <a:spcPct val="40000"/>
-                        </a:spcBef>
-                        <a:spcAft>
-                          <a:spcPct val="0"/>
-                        </a:spcAft>
-                        <a:buClr>
-                          <a:schemeClr val="tx1"/>
-                        </a:buClr>
-                        <a:buSzTx/>
-                        <a:buFontTx/>
-                        <a:buNone/>
-                        <a:tabLst/>
-                      </a:pPr>
-                      <a:r>
-                        <a:rPr kumimoji="1" lang="en-US" sz="2200" b="0" i="0" u="none" strike="noStrike" cap="none" normalizeH="0" baseline="0">
-                          <a:ln>
-                            <a:noFill/>
-                          </a:ln>
-                          <a:solidFill>
-                            <a:srgbClr val="224464"/>
-                          </a:solidFill>
-                          <a:effectLst/>
-                          <a:latin typeface="+mn-lt"/>
-                        </a:rPr>
-                        <a:t>Engineering</a:t>
-                      </a:r>
-                      <a:endParaRPr kumimoji="1" lang="en-US" sz="2200" b="0" i="0" u="none" strike="noStrike" cap="none" normalizeH="0" baseline="0" noProof="1">
-                        <a:ln>
-                          <a:noFill/>
-                        </a:ln>
-                        <a:solidFill>
-                          <a:srgbClr val="224464"/>
-                        </a:solidFill>
-                        <a:effectLst/>
-                        <a:latin typeface="+mn-lt"/>
-                      </a:endParaRPr>
-                    </a:p>
-                  </a:txBody>
-                  <a:tcPr marL="91464" marR="91464" anchor="ctr" horzOverflow="overflow">
-                    <a:lnL w="28575" cap="flat" cmpd="sng" algn="ctr">
-                      <a:solidFill>
-                        <a:schemeClr val="accent5">
-                          <a:lumMod val="20000"/>
-                          <a:lumOff val="80000"/>
-                        </a:schemeClr>
-                      </a:solidFill>
-                      <a:prstDash val="solid"/>
-                      <a:round/>
-                      <a:headEnd type="none" w="med" len="med"/>
-                      <a:tailEnd type="none" w="med" len="med"/>
-                    </a:lnL>
-                    <a:lnR w="28575" cap="flat" cmpd="sng" algn="ctr">
-                      <a:solidFill>
-                        <a:schemeClr val="accent5">
-                          <a:lumMod val="20000"/>
-                          <a:lumOff val="80000"/>
-                        </a:schemeClr>
-                      </a:solidFill>
-                      <a:prstDash val="solid"/>
-                      <a:round/>
-                      <a:headEnd type="none" w="med" len="med"/>
-                      <a:tailEnd type="none" w="med" len="med"/>
-                    </a:lnR>
-                    <a:lnT w="28575" cap="flat" cmpd="sng" algn="ctr">
-                      <a:solidFill>
-                        <a:schemeClr val="accent5">
-                          <a:lumMod val="20000"/>
-                          <a:lumOff val="80000"/>
-                        </a:schemeClr>
-                      </a:solidFill>
-                      <a:prstDash val="solid"/>
-                      <a:round/>
-                      <a:headEnd type="none" w="med" len="med"/>
-                      <a:tailEnd type="none" w="med" len="med"/>
-                    </a:lnT>
-                    <a:lnB w="28575" cap="flat" cmpd="sng" algn="ctr">
-                      <a:solidFill>
-                        <a:schemeClr val="accent5">
-                          <a:lumMod val="20000"/>
-                          <a:lumOff val="80000"/>
-                        </a:schemeClr>
-                      </a:solidFill>
-                      <a:prstDash val="solid"/>
-                      <a:round/>
-                      <a:headEnd type="none" w="med" len="med"/>
-                      <a:tailEnd type="none" w="med" len="med"/>
-                    </a:lnB>
-                    <a:lnTlToBr>
-                      <a:noFill/>
-                    </a:lnTlToBr>
-                    <a:lnBlToTr>
-                      <a:noFill/>
-                    </a:lnBlToTr>
-                    <a:noFill/>
-                  </a:tcPr>
-                </a:tc>
-                <a:extLst>
-                  <a:ext uri="{0D108BD9-81ED-4DB2-BD59-A6C34878D82A}">
-                    <a16:rowId xmlns:a16="http://schemas.microsoft.com/office/drawing/2014/main" val="10003"/>
-                  </a:ext>
-                </a:extLst>
-              </a:tr>
-              <a:tr h="426776">
-                <a:tc>
-                  <a:txBody>
-                    <a:bodyPr/>
-                    <a:lstStyle/>
-                    <a:p>
-                      <a:pPr marL="0" marR="0" lvl="0" indent="0" algn="l" defTabSz="914400" rtl="0" eaLnBrk="0" fontAlgn="base" latinLnBrk="0" hangingPunct="0">
-                        <a:lnSpc>
-                          <a:spcPct val="95000"/>
-                        </a:lnSpc>
-                        <a:spcBef>
-                          <a:spcPct val="40000"/>
-                        </a:spcBef>
-                        <a:spcAft>
-                          <a:spcPct val="0"/>
-                        </a:spcAft>
-                        <a:buClr>
-                          <a:schemeClr val="tx1"/>
-                        </a:buClr>
-                        <a:buSzTx/>
-                        <a:buFontTx/>
-                        <a:buNone/>
-                        <a:tabLst/>
-                      </a:pPr>
-                      <a:r>
-                        <a:rPr kumimoji="1" lang="en-US" sz="2200" b="0" i="0" u="none" strike="noStrike" cap="none" normalizeH="0" baseline="0" dirty="0">
-                          <a:ln>
-                            <a:noFill/>
-                          </a:ln>
-                          <a:solidFill>
-                            <a:srgbClr val="224464"/>
-                          </a:solidFill>
-                          <a:effectLst/>
-                          <a:latin typeface="+mn-lt"/>
-                        </a:rPr>
-                        <a:t>Wang</a:t>
-                      </a:r>
-                      <a:endParaRPr kumimoji="1" lang="en-US" sz="2200" b="0" i="0" u="none" strike="noStrike" cap="none" normalizeH="0" baseline="0" noProof="1">
-                        <a:ln>
-                          <a:noFill/>
-                        </a:ln>
-                        <a:solidFill>
-                          <a:srgbClr val="224464"/>
-                        </a:solidFill>
-                        <a:effectLst/>
-                        <a:latin typeface="+mn-lt"/>
-                      </a:endParaRPr>
-                    </a:p>
-                  </a:txBody>
-                  <a:tcPr marL="91464" marR="91464" anchor="ctr" horzOverflow="overflow">
-                    <a:lnL w="28575" cap="flat" cmpd="sng" algn="ctr">
-                      <a:solidFill>
-                        <a:schemeClr val="accent5">
-                          <a:lumMod val="20000"/>
-                          <a:lumOff val="80000"/>
-                        </a:schemeClr>
-                      </a:solidFill>
-                      <a:prstDash val="solid"/>
-                      <a:round/>
-                      <a:headEnd type="none" w="med" len="med"/>
-                      <a:tailEnd type="none" w="med" len="med"/>
-                    </a:lnL>
-                    <a:lnR w="28575" cap="flat" cmpd="sng" algn="ctr">
-                      <a:solidFill>
-                        <a:schemeClr val="accent5">
-                          <a:lumMod val="20000"/>
-                          <a:lumOff val="80000"/>
-                        </a:schemeClr>
-                      </a:solidFill>
-                      <a:prstDash val="solid"/>
-                      <a:round/>
-                      <a:headEnd type="none" w="med" len="med"/>
-                      <a:tailEnd type="none" w="med" len="med"/>
-                    </a:lnR>
-                    <a:lnT w="28575" cap="flat" cmpd="sng" algn="ctr">
-                      <a:solidFill>
-                        <a:schemeClr val="accent5">
-                          <a:lumMod val="20000"/>
-                          <a:lumOff val="80000"/>
-                        </a:schemeClr>
-                      </a:solidFill>
-                      <a:prstDash val="solid"/>
-                      <a:round/>
-                      <a:headEnd type="none" w="med" len="med"/>
-                      <a:tailEnd type="none" w="med" len="med"/>
-                    </a:lnT>
-                    <a:lnB w="28575" cap="flat" cmpd="sng" algn="ctr">
-                      <a:solidFill>
-                        <a:schemeClr val="accent5">
-                          <a:lumMod val="20000"/>
-                          <a:lumOff val="80000"/>
-                        </a:schemeClr>
-                      </a:solidFill>
-                      <a:prstDash val="solid"/>
-                      <a:round/>
-                      <a:headEnd type="none" w="med" len="med"/>
-                      <a:tailEnd type="none" w="med" len="med"/>
-                    </a:lnB>
-                    <a:lnTlToBr>
-                      <a:noFill/>
-                    </a:lnTlToBr>
-                    <a:lnBlToTr>
-                      <a:noFill/>
-                    </a:lnBlToTr>
-                    <a:noFill/>
-                  </a:tcPr>
-                </a:tc>
-                <a:tc>
-                  <a:txBody>
-                    <a:bodyPr/>
-                    <a:lstStyle/>
-                    <a:p>
-                      <a:pPr marL="0" marR="0" lvl="0" indent="0" algn="l" defTabSz="914400" rtl="0" eaLnBrk="0" fontAlgn="base" latinLnBrk="0" hangingPunct="0">
-                        <a:lnSpc>
-                          <a:spcPct val="95000"/>
-                        </a:lnSpc>
-                        <a:spcBef>
-                          <a:spcPct val="40000"/>
-                        </a:spcBef>
-                        <a:spcAft>
-                          <a:spcPct val="0"/>
-                        </a:spcAft>
-                        <a:buClr>
-                          <a:schemeClr val="tx1"/>
-                        </a:buClr>
-                        <a:buSzTx/>
-                        <a:buFontTx/>
-                        <a:buNone/>
-                        <a:tabLst/>
-                      </a:pPr>
-                      <a:r>
-                        <a:rPr kumimoji="1" lang="en-US" sz="2200" b="0" i="0" u="none" strike="noStrike" cap="none" normalizeH="0" baseline="0" dirty="0">
-                          <a:ln>
-                            <a:noFill/>
-                          </a:ln>
-                          <a:solidFill>
-                            <a:srgbClr val="224464"/>
-                          </a:solidFill>
-                          <a:effectLst/>
-                          <a:latin typeface="+mn-lt"/>
-                        </a:rPr>
-                        <a:t>Engineering</a:t>
-                      </a:r>
-                      <a:endParaRPr kumimoji="1" lang="en-US" sz="2200" b="0" i="0" u="none" strike="noStrike" cap="none" normalizeH="0" baseline="0" noProof="1">
-                        <a:ln>
-                          <a:noFill/>
-                        </a:ln>
-                        <a:solidFill>
-                          <a:srgbClr val="224464"/>
-                        </a:solidFill>
-                        <a:effectLst/>
-                        <a:latin typeface="+mn-lt"/>
-                      </a:endParaRPr>
-                    </a:p>
-                  </a:txBody>
-                  <a:tcPr marL="91464" marR="91464" anchor="ctr" horzOverflow="overflow">
-                    <a:lnL w="28575" cap="flat" cmpd="sng" algn="ctr">
-                      <a:solidFill>
-                        <a:schemeClr val="accent5">
-                          <a:lumMod val="20000"/>
-                          <a:lumOff val="80000"/>
-                        </a:schemeClr>
-                      </a:solidFill>
-                      <a:prstDash val="solid"/>
-                      <a:round/>
-                      <a:headEnd type="none" w="med" len="med"/>
-                      <a:tailEnd type="none" w="med" len="med"/>
-                    </a:lnL>
-                    <a:lnR w="28575" cap="flat" cmpd="sng" algn="ctr">
-                      <a:solidFill>
-                        <a:schemeClr val="accent5">
-                          <a:lumMod val="20000"/>
-                          <a:lumOff val="80000"/>
-                        </a:schemeClr>
-                      </a:solidFill>
-                      <a:prstDash val="solid"/>
-                      <a:round/>
-                      <a:headEnd type="none" w="med" len="med"/>
-                      <a:tailEnd type="none" w="med" len="med"/>
-                    </a:lnR>
-                    <a:lnT w="28575" cap="flat" cmpd="sng" algn="ctr">
-                      <a:solidFill>
-                        <a:schemeClr val="accent5">
-                          <a:lumMod val="20000"/>
-                          <a:lumOff val="80000"/>
-                        </a:schemeClr>
-                      </a:solidFill>
-                      <a:prstDash val="solid"/>
-                      <a:round/>
-                      <a:headEnd type="none" w="med" len="med"/>
-                      <a:tailEnd type="none" w="med" len="med"/>
-                    </a:lnT>
-                    <a:lnB w="28575" cap="flat" cmpd="sng" algn="ctr">
-                      <a:solidFill>
-                        <a:schemeClr val="accent5">
-                          <a:lumMod val="20000"/>
-                          <a:lumOff val="80000"/>
-                        </a:schemeClr>
-                      </a:solidFill>
-                      <a:prstDash val="solid"/>
-                      <a:round/>
-                      <a:headEnd type="none" w="med" len="med"/>
-                      <a:tailEnd type="none" w="med" len="med"/>
-                    </a:lnB>
-                    <a:lnTlToBr>
-                      <a:noFill/>
-                    </a:lnTlToBr>
-                    <a:lnBlToTr>
-                      <a:noFill/>
-                    </a:lnBlToTr>
-                    <a:noFill/>
-                  </a:tcPr>
-                </a:tc>
-                <a:extLst>
-                  <a:ext uri="{0D108BD9-81ED-4DB2-BD59-A6C34878D82A}">
-                    <a16:rowId xmlns:a16="http://schemas.microsoft.com/office/drawing/2014/main" val="10004"/>
-                  </a:ext>
-                </a:extLst>
-              </a:tr>
-              <a:tr h="426776">
-                <a:tc>
-                  <a:txBody>
-                    <a:bodyPr/>
-                    <a:lstStyle/>
-                    <a:p>
-                      <a:pPr marL="0" marR="0" lvl="0" indent="0" algn="l" defTabSz="914400" rtl="0" eaLnBrk="0" fontAlgn="base" latinLnBrk="0" hangingPunct="0">
-                        <a:lnSpc>
-                          <a:spcPct val="95000"/>
-                        </a:lnSpc>
-                        <a:spcBef>
-                          <a:spcPct val="40000"/>
-                        </a:spcBef>
-                        <a:spcAft>
-                          <a:spcPct val="0"/>
-                        </a:spcAft>
-                        <a:buClr>
-                          <a:schemeClr val="tx1"/>
-                        </a:buClr>
-                        <a:buSzTx/>
-                        <a:buFontTx/>
-                        <a:buNone/>
-                        <a:tabLst/>
-                      </a:pPr>
-                      <a:r>
-                        <a:rPr kumimoji="1" lang="en-US" sz="2200" b="0" i="0" u="none" strike="noStrike" cap="none" normalizeH="0" baseline="0" dirty="0">
-                          <a:ln>
-                            <a:noFill/>
-                          </a:ln>
-                          <a:solidFill>
-                            <a:srgbClr val="224464"/>
-                          </a:solidFill>
-                          <a:effectLst/>
-                          <a:latin typeface="+mn-lt"/>
-                        </a:rPr>
-                        <a:t>…</a:t>
-                      </a:r>
-                      <a:endParaRPr kumimoji="1" lang="en-US" sz="2200" b="0" i="0" u="none" strike="noStrike" cap="none" normalizeH="0" baseline="0" noProof="1">
-                        <a:ln>
-                          <a:noFill/>
-                        </a:ln>
-                        <a:solidFill>
-                          <a:srgbClr val="224464"/>
-                        </a:solidFill>
-                        <a:effectLst/>
-                        <a:latin typeface="+mn-lt"/>
-                      </a:endParaRPr>
-                    </a:p>
-                  </a:txBody>
-                  <a:tcPr marL="91464" marR="91464" anchor="ctr" horzOverflow="overflow">
-                    <a:lnL w="28575" cap="flat" cmpd="sng" algn="ctr">
-                      <a:solidFill>
-                        <a:schemeClr val="accent5">
-                          <a:lumMod val="20000"/>
-                          <a:lumOff val="80000"/>
-                        </a:schemeClr>
-                      </a:solidFill>
-                      <a:prstDash val="solid"/>
-                      <a:round/>
-                      <a:headEnd type="none" w="med" len="med"/>
-                      <a:tailEnd type="none" w="med" len="med"/>
-                    </a:lnL>
-                    <a:lnR w="28575" cap="flat" cmpd="sng" algn="ctr">
-                      <a:solidFill>
-                        <a:schemeClr val="accent5">
-                          <a:lumMod val="20000"/>
-                          <a:lumOff val="80000"/>
-                        </a:schemeClr>
-                      </a:solidFill>
-                      <a:prstDash val="solid"/>
-                      <a:round/>
-                      <a:headEnd type="none" w="med" len="med"/>
-                      <a:tailEnd type="none" w="med" len="med"/>
-                    </a:lnR>
-                    <a:lnT w="28575" cap="flat" cmpd="sng" algn="ctr">
-                      <a:solidFill>
-                        <a:schemeClr val="accent5">
-                          <a:lumMod val="20000"/>
-                          <a:lumOff val="80000"/>
-                        </a:schemeClr>
-                      </a:solidFill>
-                      <a:prstDash val="solid"/>
-                      <a:round/>
-                      <a:headEnd type="none" w="med" len="med"/>
-                      <a:tailEnd type="none" w="med" len="med"/>
-                    </a:lnT>
-                    <a:lnB w="28575" cap="flat" cmpd="sng" algn="ctr">
-                      <a:solidFill>
-                        <a:schemeClr val="accent5">
-                          <a:lumMod val="20000"/>
-                          <a:lumOff val="80000"/>
-                        </a:schemeClr>
-                      </a:solidFill>
-                      <a:prstDash val="solid"/>
-                      <a:round/>
-                      <a:headEnd type="none" w="med" len="med"/>
-                      <a:tailEnd type="none" w="med" len="med"/>
-                    </a:lnB>
-                    <a:lnTlToBr>
-                      <a:noFill/>
-                    </a:lnTlToBr>
-                    <a:lnBlToTr>
-                      <a:noFill/>
-                    </a:lnBlToTr>
-                    <a:noFill/>
-                  </a:tcPr>
-                </a:tc>
-                <a:tc>
-                  <a:txBody>
-                    <a:bodyPr/>
-                    <a:lstStyle/>
-                    <a:p>
-                      <a:pPr marL="0" marR="0" lvl="0" indent="0" algn="l" defTabSz="914400" rtl="0" eaLnBrk="0" fontAlgn="base" latinLnBrk="0" hangingPunct="0">
-                        <a:lnSpc>
-                          <a:spcPct val="95000"/>
-                        </a:lnSpc>
-                        <a:spcBef>
-                          <a:spcPct val="40000"/>
-                        </a:spcBef>
-                        <a:spcAft>
-                          <a:spcPct val="0"/>
-                        </a:spcAft>
-                        <a:buClr>
-                          <a:schemeClr val="tx1"/>
-                        </a:buClr>
-                        <a:buSzTx/>
-                        <a:buFontTx/>
-                        <a:buNone/>
-                        <a:tabLst/>
-                      </a:pPr>
-                      <a:r>
-                        <a:rPr kumimoji="1" lang="en-US" sz="2200" b="0" i="0" u="none" strike="noStrike" cap="none" normalizeH="0" baseline="0" dirty="0">
-                          <a:ln>
-                            <a:noFill/>
-                          </a:ln>
-                          <a:solidFill>
-                            <a:srgbClr val="224464"/>
-                          </a:solidFill>
-                          <a:effectLst/>
-                          <a:latin typeface="+mn-lt"/>
-                        </a:rPr>
-                        <a:t>…</a:t>
-                      </a:r>
-                      <a:endParaRPr kumimoji="1" lang="en-US" sz="2200" b="0" i="0" u="none" strike="noStrike" cap="none" normalizeH="0" baseline="0" noProof="1">
-                        <a:ln>
-                          <a:noFill/>
-                        </a:ln>
-                        <a:solidFill>
-                          <a:srgbClr val="224464"/>
-                        </a:solidFill>
-                        <a:effectLst/>
-                        <a:latin typeface="+mn-lt"/>
-                      </a:endParaRPr>
-                    </a:p>
-                  </a:txBody>
-                  <a:tcPr marL="91464" marR="91464" anchor="ctr" horzOverflow="overflow">
-                    <a:lnL w="28575" cap="flat" cmpd="sng" algn="ctr">
-                      <a:solidFill>
-                        <a:schemeClr val="accent5">
-                          <a:lumMod val="20000"/>
-                          <a:lumOff val="80000"/>
-                        </a:schemeClr>
-                      </a:solidFill>
-                      <a:prstDash val="solid"/>
-                      <a:round/>
-                      <a:headEnd type="none" w="med" len="med"/>
-                      <a:tailEnd type="none" w="med" len="med"/>
-                    </a:lnL>
-                    <a:lnR w="28575" cap="flat" cmpd="sng" algn="ctr">
-                      <a:solidFill>
-                        <a:schemeClr val="accent5">
-                          <a:lumMod val="20000"/>
-                          <a:lumOff val="80000"/>
-                        </a:schemeClr>
-                      </a:solidFill>
-                      <a:prstDash val="solid"/>
-                      <a:round/>
-                      <a:headEnd type="none" w="med" len="med"/>
-                      <a:tailEnd type="none" w="med" len="med"/>
-                    </a:lnR>
-                    <a:lnT w="28575" cap="flat" cmpd="sng" algn="ctr">
-                      <a:solidFill>
-                        <a:schemeClr val="accent5">
-                          <a:lumMod val="20000"/>
-                          <a:lumOff val="80000"/>
-                        </a:schemeClr>
-                      </a:solidFill>
-                      <a:prstDash val="solid"/>
-                      <a:round/>
-                      <a:headEnd type="none" w="med" len="med"/>
-                      <a:tailEnd type="none" w="med" len="med"/>
-                    </a:lnT>
-                    <a:lnB w="28575" cap="flat" cmpd="sng" algn="ctr">
-                      <a:solidFill>
-                        <a:schemeClr val="accent5">
-                          <a:lumMod val="20000"/>
-                          <a:lumOff val="80000"/>
-                        </a:schemeClr>
-                      </a:solidFill>
-                      <a:prstDash val="solid"/>
-                      <a:round/>
-                      <a:headEnd type="none" w="med" len="med"/>
-                      <a:tailEnd type="none" w="med" len="med"/>
-                    </a:lnB>
-                    <a:lnTlToBr>
-                      <a:noFill/>
-                    </a:lnTlToBr>
-                    <a:lnBlToTr>
-                      <a:noFill/>
-                    </a:lnBlToTr>
-                    <a:noFill/>
-                  </a:tcPr>
-                </a:tc>
-                <a:extLst>
-                  <a:ext uri="{0D108BD9-81ED-4DB2-BD59-A6C34878D82A}">
-                    <a16:rowId xmlns:a16="http://schemas.microsoft.com/office/drawing/2014/main" val="10005"/>
-                  </a:ext>
-                </a:extLst>
-              </a:tr>
-            </a:tbl>
-          </a:graphicData>
-        </a:graphic>
-      </p:graphicFrame>
-      <p:sp>
-        <p:nvSpPr>
-          <p:cNvPr id="3" name="Slide Number">
-            <a:extLst>
-              <a:ext uri="{FF2B5EF4-FFF2-40B4-BE49-F238E27FC236}">
-                <a16:creationId xmlns:a16="http://schemas.microsoft.com/office/drawing/2014/main" id="{0D4EAA7C-3D2C-F594-5B5B-C3C253B8E3DB}"/>
-              </a:ext>
-            </a:extLst>
-          </p:cNvPr>
-          <p:cNvSpPr txBox="1">
-            <a:spLocks/>
-          </p:cNvSpPr>
-          <p:nvPr/>
-        </p:nvSpPr>
-        <p:spPr>
-          <a:xfrm>
-            <a:off x="11753030" y="6507000"/>
-            <a:ext cx="367414" cy="297000"/>
-          </a:xfrm>
-          <a:prstGeom prst="rect">
-            <a:avLst/>
-          </a:prstGeom>
-        </p:spPr>
-        <p:txBody>
-          <a:bodyPr vert="horz" lIns="91440" tIns="45720" rIns="91440" bIns="45720" rtlCol="0" anchor="b"/>
-          <a:lstStyle>
-            <a:defPPr>
-              <a:defRPr lang="en-US"/>
-            </a:defPPr>
-            <a:lvl1pPr marL="0" algn="r" defTabSz="914400" rtl="0" eaLnBrk="1" latinLnBrk="0" hangingPunct="1">
-              <a:defRPr sz="1000" kern="1200">
-                <a:solidFill>
-                  <a:schemeClr val="tx1"/>
-                </a:solidFill>
-                <a:latin typeface="+mn-lt"/>
-                <a:ea typeface="+mn-ea"/>
-                <a:cs typeface="+mn-cs"/>
-              </a:defRPr>
-            </a:lvl1pPr>
-            <a:lvl2pPr marL="457200" algn="l" defTabSz="914400" rtl="0" eaLnBrk="1" latinLnBrk="0" hangingPunct="1">
-              <a:defRPr sz="1800" kern="1200">
-                <a:solidFill>
-                  <a:schemeClr val="tx1"/>
-                </a:solidFill>
-                <a:latin typeface="+mn-lt"/>
-                <a:ea typeface="+mn-ea"/>
-                <a:cs typeface="+mn-cs"/>
-              </a:defRPr>
-            </a:lvl2pPr>
-            <a:lvl3pPr marL="914400" algn="l" defTabSz="914400" rtl="0" eaLnBrk="1" latinLnBrk="0" hangingPunct="1">
-              <a:defRPr sz="1800" kern="1200">
-                <a:solidFill>
-                  <a:schemeClr val="tx1"/>
-                </a:solidFill>
-                <a:latin typeface="+mn-lt"/>
-                <a:ea typeface="+mn-ea"/>
-                <a:cs typeface="+mn-cs"/>
-              </a:defRPr>
-            </a:lvl3pPr>
-            <a:lvl4pPr marL="1371600" algn="l" defTabSz="914400" rtl="0" eaLnBrk="1" latinLnBrk="0" hangingPunct="1">
-              <a:defRPr sz="1800" kern="1200">
-                <a:solidFill>
-                  <a:schemeClr val="tx1"/>
-                </a:solidFill>
-                <a:latin typeface="+mn-lt"/>
-                <a:ea typeface="+mn-ea"/>
-                <a:cs typeface="+mn-cs"/>
-              </a:defRPr>
-            </a:lvl4pPr>
-            <a:lvl5pPr marL="1828800" algn="l" defTabSz="914400" rtl="0" eaLnBrk="1" latinLnBrk="0" hangingPunct="1">
-              <a:defRPr sz="1800" kern="1200">
-                <a:solidFill>
-                  <a:schemeClr val="tx1"/>
-                </a:solidFill>
-                <a:latin typeface="+mn-lt"/>
-                <a:ea typeface="+mn-ea"/>
-                <a:cs typeface="+mn-cs"/>
-              </a:defRPr>
-            </a:lvl5pPr>
-            <a:lvl6pPr marL="2286000" algn="l" defTabSz="914400" rtl="0" eaLnBrk="1" latinLnBrk="0" hangingPunct="1">
-              <a:defRPr sz="1800" kern="1200">
-                <a:solidFill>
-                  <a:schemeClr val="tx1"/>
-                </a:solidFill>
-                <a:latin typeface="+mn-lt"/>
-                <a:ea typeface="+mn-ea"/>
-                <a:cs typeface="+mn-cs"/>
-              </a:defRPr>
-            </a:lvl6pPr>
-            <a:lvl7pPr marL="2743200" algn="l" defTabSz="914400" rtl="0" eaLnBrk="1" latinLnBrk="0" hangingPunct="1">
-              <a:defRPr sz="1800" kern="1200">
-                <a:solidFill>
-                  <a:schemeClr val="tx1"/>
-                </a:solidFill>
-                <a:latin typeface="+mn-lt"/>
-                <a:ea typeface="+mn-ea"/>
-                <a:cs typeface="+mn-cs"/>
-              </a:defRPr>
-            </a:lvl7pPr>
-            <a:lvl8pPr marL="3200400" algn="l" defTabSz="914400" rtl="0" eaLnBrk="1" latinLnBrk="0" hangingPunct="1">
-              <a:defRPr sz="1800" kern="1200">
-                <a:solidFill>
-                  <a:schemeClr val="tx1"/>
-                </a:solidFill>
-                <a:latin typeface="+mn-lt"/>
-                <a:ea typeface="+mn-ea"/>
-                <a:cs typeface="+mn-cs"/>
-              </a:defRPr>
-            </a:lvl8pPr>
-            <a:lvl9pPr marL="3657600" algn="l" defTabSz="914400" rtl="0" eaLnBrk="1" latinLnBrk="0" hangingPunct="1">
-              <a:defRPr sz="1800" kern="1200">
-                <a:solidFill>
-                  <a:schemeClr val="tx1"/>
-                </a:solidFill>
-                <a:latin typeface="+mn-lt"/>
-                <a:ea typeface="+mn-ea"/>
-                <a:cs typeface="+mn-cs"/>
-              </a:defRPr>
-            </a:lvl9pPr>
-          </a:lstStyle>
-          <a:p>
-            <a:fld id="{2BF067CD-8E6B-4360-9AA8-C5DF2A48A6D1}" type="slidenum">
-              <a:rPr lang="en-US" smtClean="0"/>
-              <a:pPr/>
-              <a:t>19</a:t>
-            </a:fld>
-            <a:endParaRPr lang="en-US" dirty="0"/>
-          </a:p>
-        </p:txBody>
-      </p:sp>
-    </p:spTree>
-    <p:extLst>
-      <p:ext uri="{BB962C8B-B14F-4D97-AF65-F5344CB8AC3E}">
-        <p14:creationId xmlns:p14="http://schemas.microsoft.com/office/powerpoint/2010/main" val="3438213413"/>
-      </p:ext>
-    </p:extLst>
-  </p:cSld>
-  <p:clrMapOvr>
-    <a:masterClrMapping/>
-  </p:clrMapOvr>
-  <p:transition/>
-  <p:timing>
-    <p:tnLst>
-      <p:par>
-        <p:cTn id="1" dur="indefinite" restart="never" nodeType="tmRoot">
-          <p:childTnLst>
-            <p:seq concurrent="1" nextAc="seek">
-              <p:cTn id="2" dur="indefinite" nodeType="mainSeq">
-                <p:childTnLst>
-                  <p:par>
-                    <p:cTn id="3" fill="hold">
-                      <p:stCondLst>
-                        <p:cond delay="indefinite"/>
-                      </p:stCondLst>
-                      <p:childTnLst>
-                        <p:par>
-                          <p:cTn id="4" fill="hold">
-                            <p:stCondLst>
-                              <p:cond delay="0"/>
-                            </p:stCondLst>
-                            <p:childTnLst>
-                              <p:par>
-                                <p:cTn id="5" presetID="1" presetClass="entr" presetSubtype="0" fill="hold" nodeType="clickEffect">
-                                  <p:stCondLst>
-                                    <p:cond delay="0"/>
-                                  </p:stCondLst>
-                                  <p:childTnLst>
-                                    <p:set>
-                                      <p:cBhvr>
-                                        <p:cTn id="6" dur="1" fill="hold">
-                                          <p:stCondLst>
-                                            <p:cond delay="0"/>
-                                          </p:stCondLst>
-                                        </p:cTn>
-                                        <p:tgtEl>
-                                          <p:spTgt spid="542723">
-                                            <p:txEl>
-                                              <p:pRg st="1" end="1"/>
-                                            </p:txEl>
-                                          </p:spTgt>
-                                        </p:tgtEl>
-                                        <p:attrNameLst>
-                                          <p:attrName>style.visibility</p:attrName>
-                                        </p:attrNameLst>
-                                      </p:cBhvr>
-                                      <p:to>
-                                        <p:strVal val="visible"/>
-                                      </p:to>
-                                    </p:set>
-                                  </p:childTnLst>
-                                </p:cTn>
-                              </p:par>
-                            </p:childTnLst>
-                          </p:cTn>
-                        </p:par>
-                      </p:childTnLst>
-                    </p:cTn>
-                  </p:par>
-                  <p:par>
-                    <p:cTn id="7" fill="hold">
-                      <p:stCondLst>
-                        <p:cond delay="indefinite"/>
-                      </p:stCondLst>
-                      <p:childTnLst>
-                        <p:par>
-                          <p:cTn id="8" fill="hold">
-                            <p:stCondLst>
-                              <p:cond delay="0"/>
-                            </p:stCondLst>
-                            <p:childTnLst>
-                              <p:par>
-                                <p:cTn id="9" presetID="1" presetClass="entr" presetSubtype="0" fill="hold" grpId="0" nodeType="clickEffect">
-                                  <p:stCondLst>
-                                    <p:cond delay="0"/>
-                                  </p:stCondLst>
-                                  <p:childTnLst>
-                                    <p:set>
-                                      <p:cBhvr>
-                                        <p:cTn id="10" dur="1" fill="hold">
-                                          <p:stCondLst>
-                                            <p:cond delay="0"/>
-                                          </p:stCondLst>
-                                        </p:cTn>
-                                        <p:tgtEl>
-                                          <p:spTgt spid="542724"/>
-                                        </p:tgtEl>
-                                        <p:attrNameLst>
-                                          <p:attrName>style.visibility</p:attrName>
-                                        </p:attrNameLst>
-                                      </p:cBhvr>
-                                      <p:to>
-                                        <p:strVal val="visible"/>
-                                      </p:to>
-                                    </p:set>
-                                  </p:childTnLst>
-                                </p:cTn>
-                              </p:par>
-                            </p:childTnLst>
-                          </p:cTn>
-                        </p:par>
-                      </p:childTnLst>
-                    </p:cTn>
-                  </p:par>
-                  <p:par>
-                    <p:cTn id="11" fill="hold">
-                      <p:stCondLst>
-                        <p:cond delay="indefinite"/>
-                      </p:stCondLst>
-                      <p:childTnLst>
-                        <p:par>
-                          <p:cTn id="12" fill="hold">
-                            <p:stCondLst>
-                              <p:cond delay="0"/>
-                            </p:stCondLst>
-                            <p:childTnLst>
-                              <p:par>
-                                <p:cTn id="13" presetID="1" presetClass="entr" presetSubtype="0" fill="hold" nodeType="clickEffect">
-                                  <p:stCondLst>
-                                    <p:cond delay="0"/>
-                                  </p:stCondLst>
-                                  <p:childTnLst>
-                                    <p:set>
-                                      <p:cBhvr>
-                                        <p:cTn id="14" dur="1" fill="hold">
-                                          <p:stCondLst>
-                                            <p:cond delay="0"/>
-                                          </p:stCondLst>
-                                        </p:cTn>
-                                        <p:tgtEl>
-                                          <p:spTgt spid="542725"/>
-                                        </p:tgtEl>
-                                        <p:attrNameLst>
-                                          <p:attrName>style.visibility</p:attrName>
-                                        </p:attrNameLst>
-                                      </p:cBhvr>
-                                      <p:to>
-                                        <p:strVal val="visible"/>
-                                      </p:to>
-                                    </p:set>
-                                  </p:childTnLst>
-                                </p:cTn>
-                              </p:par>
-                            </p:childTnLst>
-                          </p:cTn>
-                        </p:par>
-                      </p:childTnLst>
-                    </p:cTn>
-                  </p:par>
-                </p:childTnLst>
-              </p:cTn>
-              <p:prevCondLst>
-                <p:cond evt="onPrev" delay="0">
-                  <p:tgtEl>
-                    <p:sldTgt/>
-                  </p:tgtEl>
-                </p:cond>
-              </p:prevCondLst>
-              <p:nextCondLst>
-                <p:cond evt="onNext" delay="0">
-                  <p:tgtEl>
-                    <p:sldTgt/>
-                  </p:tgtEl>
-                </p:cond>
-              </p:nextCondLst>
-            </p:seq>
-          </p:childTnLst>
-        </p:cTn>
-      </p:par>
-    </p:tnLst>
-    <p:bldLst>
-      <p:bldP spid="542724" grpId="0" animBg="1"/>
-    </p:bldLst>
   </p:timing>
 </p:sld>
 </file>
@@ -27057,6 +25216,1975 @@
       </p:grpSpPr>
       <p:sp>
         <p:nvSpPr>
+          <p:cNvPr id="542723" name="Rectangle 3"/>
+          <p:cNvSpPr>
+            <a:spLocks noGrp="1" noChangeArrowheads="1"/>
+          </p:cNvSpPr>
+          <p:nvPr>
+            <p:ph type="body" sz="quarter" idx="10"/>
+          </p:nvPr>
+        </p:nvSpPr>
+        <p:spPr>
+          <a:xfrm>
+            <a:off x="1866000" y="990600"/>
+            <a:ext cx="10129234" cy="5546589"/>
+          </a:xfrm>
+          <a:prstGeom prst="rect">
+            <a:avLst/>
+          </a:prstGeom>
+        </p:spPr>
+        <p:txBody>
+          <a:bodyPr>
+            <a:normAutofit/>
+          </a:bodyPr>
+          <a:lstStyle/>
+          <a:p>
+            <a:pPr>
+              <a:lnSpc>
+                <a:spcPct val="95000"/>
+              </a:lnSpc>
+            </a:pPr>
+            <a:r>
+              <a:rPr lang="ru-RU" sz="3200" dirty="0"/>
+              <a:t>Клаузата </a:t>
+            </a:r>
+            <a:r>
+              <a:rPr lang="ru-RU" sz="3200" b="1" dirty="0">
+                <a:solidFill>
+                  <a:schemeClr val="bg1"/>
+                </a:solidFill>
+                <a:latin typeface="Consolas" panose="020B0609020204030204" pitchFamily="49" charset="0"/>
+                <a:cs typeface="Consolas" panose="020B0609020204030204" pitchFamily="49" charset="0"/>
+              </a:rPr>
+              <a:t>CROSS JOIN </a:t>
+            </a:r>
+            <a:r>
+              <a:rPr lang="ru-RU" sz="3200" dirty="0"/>
+              <a:t>създава </a:t>
+            </a:r>
+            <a:r>
+              <a:rPr lang="ru-RU" sz="3200" b="1" dirty="0">
+                <a:solidFill>
+                  <a:schemeClr val="bg1"/>
+                </a:solidFill>
+              </a:rPr>
+              <a:t>кръстосано</a:t>
+            </a:r>
+            <a:r>
+              <a:rPr lang="ru-RU" sz="3200" b="1" dirty="0">
+                <a:solidFill>
+                  <a:schemeClr val="accent1"/>
+                </a:solidFill>
+              </a:rPr>
+              <a:t> </a:t>
+            </a:r>
+            <a:r>
+              <a:rPr lang="ru-RU" sz="3200" b="1" dirty="0">
+                <a:solidFill>
+                  <a:schemeClr val="bg1"/>
+                </a:solidFill>
+              </a:rPr>
+              <a:t>съединение</a:t>
+            </a:r>
+            <a:r>
+              <a:rPr lang="ru-RU" sz="3200" b="1" dirty="0">
+                <a:solidFill>
+                  <a:schemeClr val="accent1"/>
+                </a:solidFill>
+              </a:rPr>
+              <a:t> </a:t>
+            </a:r>
+            <a:r>
+              <a:rPr lang="ru-RU" sz="3200" dirty="0"/>
+              <a:t>на две таблици</a:t>
+            </a:r>
+            <a:endParaRPr lang="en-US" sz="3200" dirty="0"/>
+          </a:p>
+          <a:p>
+            <a:pPr lvl="1">
+              <a:lnSpc>
+                <a:spcPct val="95000"/>
+              </a:lnSpc>
+            </a:pPr>
+            <a:r>
+              <a:rPr lang="ru-RU" sz="3000" dirty="0"/>
+              <a:t>Това на практика създава </a:t>
+            </a:r>
+            <a:r>
+              <a:rPr lang="ru-RU" sz="3000" b="1" dirty="0">
+                <a:solidFill>
+                  <a:schemeClr val="bg1"/>
+                </a:solidFill>
+              </a:rPr>
+              <a:t>декартово произведение</a:t>
+            </a:r>
+            <a:r>
+              <a:rPr lang="ru-RU" sz="3000" dirty="0"/>
+              <a:t> и се използва </a:t>
+            </a:r>
+            <a:r>
+              <a:rPr lang="ru-RU" sz="3000" b="1" dirty="0">
+                <a:solidFill>
+                  <a:schemeClr val="bg1"/>
+                </a:solidFill>
+              </a:rPr>
+              <a:t>рядко</a:t>
+            </a:r>
+            <a:endParaRPr lang="en-US" sz="3000" b="1" dirty="0">
+              <a:solidFill>
+                <a:schemeClr val="bg1"/>
+              </a:solidFill>
+            </a:endParaRPr>
+          </a:p>
+        </p:txBody>
+      </p:sp>
+      <p:sp>
+        <p:nvSpPr>
+          <p:cNvPr id="542722" name="Rectangle 2"/>
+          <p:cNvSpPr>
+            <a:spLocks noGrp="1" noChangeArrowheads="1"/>
+          </p:cNvSpPr>
+          <p:nvPr>
+            <p:ph type="title"/>
+          </p:nvPr>
+        </p:nvSpPr>
+        <p:spPr/>
+        <p:txBody>
+          <a:bodyPr/>
+          <a:lstStyle/>
+          <a:p>
+            <a:r>
+              <a:rPr lang="bg-BG" dirty="0"/>
+              <a:t>Кръстосано съединяване</a:t>
+            </a:r>
+            <a:endParaRPr lang="en-US" dirty="0"/>
+          </a:p>
+        </p:txBody>
+      </p:sp>
+      <p:sp>
+        <p:nvSpPr>
+          <p:cNvPr id="542724" name="Rectangle 4"/>
+          <p:cNvSpPr>
+            <a:spLocks noChangeArrowheads="1"/>
+          </p:cNvSpPr>
+          <p:nvPr/>
+        </p:nvSpPr>
+        <p:spPr bwMode="auto">
+          <a:xfrm>
+            <a:off x="2391533" y="3048000"/>
+            <a:ext cx="8459949" cy="892552"/>
+          </a:xfrm>
+          <a:prstGeom prst="rect">
+            <a:avLst/>
+          </a:prstGeom>
+          <a:solidFill>
+            <a:schemeClr val="accent5">
+              <a:lumMod val="40000"/>
+              <a:lumOff val="60000"/>
+              <a:alpha val="15000"/>
+            </a:schemeClr>
+          </a:solidFill>
+          <a:ln w="12700">
+            <a:solidFill>
+              <a:schemeClr val="accent5">
+                <a:lumMod val="60000"/>
+                <a:lumOff val="40000"/>
+              </a:schemeClr>
+            </a:solidFill>
+          </a:ln>
+        </p:spPr>
+        <p:txBody>
+          <a:bodyPr wrap="square">
+            <a:spAutoFit/>
+          </a:bodyPr>
+          <a:lstStyle/>
+          <a:p>
+            <a:pPr eaLnBrk="0" hangingPunct="0">
+              <a:buClr>
+                <a:schemeClr val="accent5">
+                  <a:lumMod val="40000"/>
+                  <a:lumOff val="60000"/>
+                </a:schemeClr>
+              </a:buClr>
+              <a:buSzPct val="70000"/>
+            </a:pPr>
+            <a:r>
+              <a:rPr lang="en-US" sz="2600" b="1" noProof="1">
+                <a:solidFill>
+                  <a:schemeClr val="bg1"/>
+                </a:solidFill>
+                <a:latin typeface="Consolas" pitchFamily="49" charset="0"/>
+                <a:cs typeface="Consolas" pitchFamily="49" charset="0"/>
+              </a:rPr>
+              <a:t>SELECT </a:t>
+            </a:r>
+            <a:r>
+              <a:rPr lang="en-US" sz="2600" b="1" noProof="1">
+                <a:solidFill>
+                  <a:srgbClr val="224464"/>
+                </a:solidFill>
+                <a:latin typeface="Consolas" pitchFamily="49" charset="0"/>
+                <a:cs typeface="Consolas" pitchFamily="49" charset="0"/>
+              </a:rPr>
+              <a:t>LastName [Last Name], Name [Dept Name]</a:t>
+            </a:r>
+          </a:p>
+          <a:p>
+            <a:pPr eaLnBrk="0" hangingPunct="0">
+              <a:buClr>
+                <a:schemeClr val="accent5">
+                  <a:lumMod val="40000"/>
+                  <a:lumOff val="60000"/>
+                </a:schemeClr>
+              </a:buClr>
+              <a:buSzPct val="70000"/>
+            </a:pPr>
+            <a:r>
+              <a:rPr lang="en-US" sz="2600" b="1" noProof="1">
+                <a:solidFill>
+                  <a:schemeClr val="bg1"/>
+                </a:solidFill>
+                <a:latin typeface="Consolas" pitchFamily="49" charset="0"/>
+                <a:cs typeface="Consolas" pitchFamily="49" charset="0"/>
+              </a:rPr>
+              <a:t>FROM </a:t>
+            </a:r>
+            <a:r>
+              <a:rPr lang="en-US" sz="2600" b="1" noProof="1">
+                <a:solidFill>
+                  <a:srgbClr val="224464"/>
+                </a:solidFill>
+                <a:latin typeface="Consolas" pitchFamily="49" charset="0"/>
+                <a:cs typeface="Consolas" pitchFamily="49" charset="0"/>
+              </a:rPr>
+              <a:t>Employees </a:t>
+            </a:r>
+            <a:r>
+              <a:rPr lang="en-US" sz="2600" b="1" noProof="1">
+                <a:solidFill>
+                  <a:schemeClr val="bg1"/>
+                </a:solidFill>
+                <a:latin typeface="Consolas" pitchFamily="49" charset="0"/>
+                <a:cs typeface="Consolas" pitchFamily="49" charset="0"/>
+              </a:rPr>
+              <a:t>CROSS JOIN </a:t>
+            </a:r>
+            <a:r>
+              <a:rPr lang="en-US" sz="2600" b="1" noProof="1">
+                <a:solidFill>
+                  <a:srgbClr val="224464"/>
+                </a:solidFill>
+                <a:latin typeface="Consolas" pitchFamily="49" charset="0"/>
+                <a:cs typeface="Consolas" pitchFamily="49" charset="0"/>
+              </a:rPr>
+              <a:t>Departments</a:t>
+            </a:r>
+          </a:p>
+        </p:txBody>
+      </p:sp>
+      <p:graphicFrame>
+        <p:nvGraphicFramePr>
+          <p:cNvPr id="542725" name="Group 5"/>
+          <p:cNvGraphicFramePr>
+            <a:graphicFrameLocks noGrp="1"/>
+          </p:cNvGraphicFramePr>
+          <p:nvPr>
+            <p:extLst>
+              <p:ext uri="{D42A27DB-BD31-4B8C-83A1-F6EECF244321}">
+                <p14:modId xmlns:p14="http://schemas.microsoft.com/office/powerpoint/2010/main" val="2790118080"/>
+              </p:ext>
+            </p:extLst>
+          </p:nvPr>
+        </p:nvGraphicFramePr>
+        <p:xfrm>
+          <a:off x="2391533" y="4114800"/>
+          <a:ext cx="8451925" cy="2590800"/>
+        </p:xfrm>
+        <a:graphic>
+          <a:graphicData uri="http://schemas.openxmlformats.org/drawingml/2006/table">
+            <a:tbl>
+              <a:tblPr/>
+              <a:tblGrid>
+                <a:gridCol w="3219183">
+                  <a:extLst>
+                    <a:ext uri="{9D8B030D-6E8A-4147-A177-3AD203B41FA5}">
+                      <a16:colId xmlns:a16="http://schemas.microsoft.com/office/drawing/2014/main" val="20000"/>
+                    </a:ext>
+                  </a:extLst>
+                </a:gridCol>
+                <a:gridCol w="5232742">
+                  <a:extLst>
+                    <a:ext uri="{9D8B030D-6E8A-4147-A177-3AD203B41FA5}">
+                      <a16:colId xmlns:a16="http://schemas.microsoft.com/office/drawing/2014/main" val="20001"/>
+                    </a:ext>
+                  </a:extLst>
+                </a:gridCol>
+              </a:tblGrid>
+              <a:tr h="456920">
+                <a:tc>
+                  <a:txBody>
+                    <a:bodyPr/>
+                    <a:lstStyle/>
+                    <a:p>
+                      <a:pPr marL="0" marR="0" lvl="0" indent="0" algn="ctr" defTabSz="914400" rtl="0" eaLnBrk="0" fontAlgn="base" latinLnBrk="0" hangingPunct="0">
+                        <a:lnSpc>
+                          <a:spcPct val="95000"/>
+                        </a:lnSpc>
+                        <a:spcBef>
+                          <a:spcPct val="40000"/>
+                        </a:spcBef>
+                        <a:spcAft>
+                          <a:spcPct val="0"/>
+                        </a:spcAft>
+                        <a:buClr>
+                          <a:schemeClr val="tx1"/>
+                        </a:buClr>
+                        <a:buSzTx/>
+                        <a:buFontTx/>
+                        <a:buNone/>
+                        <a:tabLst/>
+                      </a:pPr>
+                      <a:r>
+                        <a:rPr kumimoji="1" lang="en-US" sz="2400" b="1" i="0" u="none" strike="noStrike" cap="none" normalizeH="0" baseline="0" dirty="0">
+                          <a:ln>
+                            <a:noFill/>
+                          </a:ln>
+                          <a:solidFill>
+                            <a:srgbClr val="224464"/>
+                          </a:solidFill>
+                          <a:effectLst/>
+                          <a:latin typeface="+mj-lt"/>
+                        </a:rPr>
+                        <a:t>Last Name</a:t>
+                      </a:r>
+                      <a:endParaRPr kumimoji="1" lang="en-US" sz="2400" b="1" i="0" u="none" strike="noStrike" cap="none" normalizeH="0" baseline="0" noProof="1">
+                        <a:ln>
+                          <a:noFill/>
+                        </a:ln>
+                        <a:solidFill>
+                          <a:srgbClr val="224464"/>
+                        </a:solidFill>
+                        <a:effectLst/>
+                        <a:latin typeface="+mj-lt"/>
+                      </a:endParaRPr>
+                    </a:p>
+                  </a:txBody>
+                  <a:tcPr marL="91464" marR="91464" anchor="ctr" horzOverflow="overflow">
+                    <a:lnL w="28575" cap="flat" cmpd="sng" algn="ctr">
+                      <a:solidFill>
+                        <a:schemeClr val="accent5">
+                          <a:lumMod val="20000"/>
+                          <a:lumOff val="80000"/>
+                        </a:schemeClr>
+                      </a:solidFill>
+                      <a:prstDash val="solid"/>
+                      <a:round/>
+                      <a:headEnd type="none" w="med" len="med"/>
+                      <a:tailEnd type="none" w="med" len="med"/>
+                    </a:lnL>
+                    <a:lnR w="28575" cap="flat" cmpd="sng" algn="ctr">
+                      <a:solidFill>
+                        <a:schemeClr val="accent5">
+                          <a:lumMod val="20000"/>
+                          <a:lumOff val="80000"/>
+                        </a:schemeClr>
+                      </a:solidFill>
+                      <a:prstDash val="solid"/>
+                      <a:round/>
+                      <a:headEnd type="none" w="med" len="med"/>
+                      <a:tailEnd type="none" w="med" len="med"/>
+                    </a:lnR>
+                    <a:lnT w="28575" cap="flat" cmpd="sng" algn="ctr">
+                      <a:solidFill>
+                        <a:schemeClr val="accent5">
+                          <a:lumMod val="20000"/>
+                          <a:lumOff val="80000"/>
+                        </a:schemeClr>
+                      </a:solidFill>
+                      <a:prstDash val="solid"/>
+                      <a:round/>
+                      <a:headEnd type="none" w="med" len="med"/>
+                      <a:tailEnd type="none" w="med" len="med"/>
+                    </a:lnT>
+                    <a:lnB w="28575" cap="flat" cmpd="sng" algn="ctr">
+                      <a:solidFill>
+                        <a:schemeClr val="accent5">
+                          <a:lumMod val="20000"/>
+                          <a:lumOff val="80000"/>
+                        </a:schemeClr>
+                      </a:solidFill>
+                      <a:prstDash val="solid"/>
+                      <a:round/>
+                      <a:headEnd type="none" w="med" len="med"/>
+                      <a:tailEnd type="none" w="med" len="med"/>
+                    </a:lnB>
+                    <a:lnTlToBr>
+                      <a:noFill/>
+                    </a:lnTlToBr>
+                    <a:lnBlToTr>
+                      <a:noFill/>
+                    </a:lnBlToTr>
+                    <a:solidFill>
+                      <a:schemeClr val="accent5">
+                        <a:lumMod val="60000"/>
+                        <a:lumOff val="40000"/>
+                        <a:alpha val="50000"/>
+                      </a:schemeClr>
+                    </a:solidFill>
+                  </a:tcPr>
+                </a:tc>
+                <a:tc>
+                  <a:txBody>
+                    <a:bodyPr/>
+                    <a:lstStyle/>
+                    <a:p>
+                      <a:pPr marL="0" marR="0" lvl="0" indent="0" algn="ctr" defTabSz="914400" rtl="0" eaLnBrk="0" fontAlgn="base" latinLnBrk="0" hangingPunct="0">
+                        <a:lnSpc>
+                          <a:spcPct val="95000"/>
+                        </a:lnSpc>
+                        <a:spcBef>
+                          <a:spcPct val="40000"/>
+                        </a:spcBef>
+                        <a:spcAft>
+                          <a:spcPct val="0"/>
+                        </a:spcAft>
+                        <a:buClr>
+                          <a:schemeClr val="tx1"/>
+                        </a:buClr>
+                        <a:buSzTx/>
+                        <a:buFontTx/>
+                        <a:buNone/>
+                        <a:tabLst/>
+                      </a:pPr>
+                      <a:r>
+                        <a:rPr kumimoji="1" lang="en-US" sz="2400" b="1" i="0" u="none" strike="noStrike" cap="none" normalizeH="0" baseline="0" dirty="0">
+                          <a:ln>
+                            <a:noFill/>
+                          </a:ln>
+                          <a:solidFill>
+                            <a:srgbClr val="224464"/>
+                          </a:solidFill>
+                          <a:effectLst/>
+                          <a:latin typeface="+mj-lt"/>
+                        </a:rPr>
+                        <a:t>Dept Name</a:t>
+                      </a:r>
+                      <a:endParaRPr kumimoji="1" lang="en-US" sz="2400" b="1" i="0" u="none" strike="noStrike" cap="none" normalizeH="0" baseline="0" noProof="1">
+                        <a:ln>
+                          <a:noFill/>
+                        </a:ln>
+                        <a:solidFill>
+                          <a:srgbClr val="224464"/>
+                        </a:solidFill>
+                        <a:effectLst/>
+                        <a:latin typeface="+mj-lt"/>
+                      </a:endParaRPr>
+                    </a:p>
+                  </a:txBody>
+                  <a:tcPr marL="91464" marR="91464" anchor="ctr" horzOverflow="overflow">
+                    <a:lnL w="28575" cap="flat" cmpd="sng" algn="ctr">
+                      <a:solidFill>
+                        <a:schemeClr val="accent5">
+                          <a:lumMod val="20000"/>
+                          <a:lumOff val="80000"/>
+                        </a:schemeClr>
+                      </a:solidFill>
+                      <a:prstDash val="solid"/>
+                      <a:round/>
+                      <a:headEnd type="none" w="med" len="med"/>
+                      <a:tailEnd type="none" w="med" len="med"/>
+                    </a:lnL>
+                    <a:lnR w="28575" cap="flat" cmpd="sng" algn="ctr">
+                      <a:solidFill>
+                        <a:schemeClr val="accent5">
+                          <a:lumMod val="20000"/>
+                          <a:lumOff val="80000"/>
+                        </a:schemeClr>
+                      </a:solidFill>
+                      <a:prstDash val="solid"/>
+                      <a:round/>
+                      <a:headEnd type="none" w="med" len="med"/>
+                      <a:tailEnd type="none" w="med" len="med"/>
+                    </a:lnR>
+                    <a:lnT w="28575" cap="flat" cmpd="sng" algn="ctr">
+                      <a:solidFill>
+                        <a:schemeClr val="accent5">
+                          <a:lumMod val="20000"/>
+                          <a:lumOff val="80000"/>
+                        </a:schemeClr>
+                      </a:solidFill>
+                      <a:prstDash val="solid"/>
+                      <a:round/>
+                      <a:headEnd type="none" w="med" len="med"/>
+                      <a:tailEnd type="none" w="med" len="med"/>
+                    </a:lnT>
+                    <a:lnB w="28575" cap="flat" cmpd="sng" algn="ctr">
+                      <a:solidFill>
+                        <a:schemeClr val="accent5">
+                          <a:lumMod val="20000"/>
+                          <a:lumOff val="80000"/>
+                        </a:schemeClr>
+                      </a:solidFill>
+                      <a:prstDash val="solid"/>
+                      <a:round/>
+                      <a:headEnd type="none" w="med" len="med"/>
+                      <a:tailEnd type="none" w="med" len="med"/>
+                    </a:lnB>
+                    <a:lnTlToBr>
+                      <a:noFill/>
+                    </a:lnTlToBr>
+                    <a:lnBlToTr>
+                      <a:noFill/>
+                    </a:lnBlToTr>
+                    <a:solidFill>
+                      <a:schemeClr val="accent5">
+                        <a:lumMod val="60000"/>
+                        <a:lumOff val="40000"/>
+                        <a:alpha val="50000"/>
+                      </a:schemeClr>
+                    </a:solidFill>
+                  </a:tcPr>
+                </a:tc>
+                <a:extLst>
+                  <a:ext uri="{0D108BD9-81ED-4DB2-BD59-A6C34878D82A}">
+                    <a16:rowId xmlns:a16="http://schemas.microsoft.com/office/drawing/2014/main" val="10000"/>
+                  </a:ext>
+                </a:extLst>
+              </a:tr>
+              <a:tr h="426776">
+                <a:tc>
+                  <a:txBody>
+                    <a:bodyPr/>
+                    <a:lstStyle/>
+                    <a:p>
+                      <a:pPr marL="0" marR="0" lvl="0" indent="0" algn="l" defTabSz="914400" rtl="0" eaLnBrk="0" fontAlgn="base" latinLnBrk="0" hangingPunct="0">
+                        <a:lnSpc>
+                          <a:spcPct val="95000"/>
+                        </a:lnSpc>
+                        <a:spcBef>
+                          <a:spcPct val="40000"/>
+                        </a:spcBef>
+                        <a:spcAft>
+                          <a:spcPct val="0"/>
+                        </a:spcAft>
+                        <a:buClr>
+                          <a:schemeClr val="tx1"/>
+                        </a:buClr>
+                        <a:buSzTx/>
+                        <a:buFontTx/>
+                        <a:buNone/>
+                        <a:tabLst/>
+                      </a:pPr>
+                      <a:r>
+                        <a:rPr kumimoji="1" lang="en-US" sz="2200" b="0" i="0" u="none" strike="noStrike" cap="none" normalizeH="0" baseline="0" dirty="0">
+                          <a:ln>
+                            <a:noFill/>
+                          </a:ln>
+                          <a:solidFill>
+                            <a:srgbClr val="224464"/>
+                          </a:solidFill>
+                          <a:effectLst/>
+                          <a:latin typeface="+mn-lt"/>
+                        </a:rPr>
+                        <a:t>Duffy</a:t>
+                      </a:r>
+                      <a:endParaRPr kumimoji="1" lang="en-US" sz="2200" b="0" i="0" u="none" strike="noStrike" cap="none" normalizeH="0" baseline="0" noProof="1">
+                        <a:ln>
+                          <a:noFill/>
+                        </a:ln>
+                        <a:solidFill>
+                          <a:srgbClr val="224464"/>
+                        </a:solidFill>
+                        <a:effectLst/>
+                        <a:latin typeface="+mn-lt"/>
+                      </a:endParaRPr>
+                    </a:p>
+                  </a:txBody>
+                  <a:tcPr marL="91464" marR="91464" anchor="ctr" horzOverflow="overflow">
+                    <a:lnL w="28575" cap="flat" cmpd="sng" algn="ctr">
+                      <a:solidFill>
+                        <a:schemeClr val="accent5">
+                          <a:lumMod val="20000"/>
+                          <a:lumOff val="80000"/>
+                        </a:schemeClr>
+                      </a:solidFill>
+                      <a:prstDash val="solid"/>
+                      <a:round/>
+                      <a:headEnd type="none" w="med" len="med"/>
+                      <a:tailEnd type="none" w="med" len="med"/>
+                    </a:lnL>
+                    <a:lnR w="28575" cap="flat" cmpd="sng" algn="ctr">
+                      <a:solidFill>
+                        <a:schemeClr val="accent5">
+                          <a:lumMod val="20000"/>
+                          <a:lumOff val="80000"/>
+                        </a:schemeClr>
+                      </a:solidFill>
+                      <a:prstDash val="solid"/>
+                      <a:round/>
+                      <a:headEnd type="none" w="med" len="med"/>
+                      <a:tailEnd type="none" w="med" len="med"/>
+                    </a:lnR>
+                    <a:lnT w="28575" cap="flat" cmpd="sng" algn="ctr">
+                      <a:solidFill>
+                        <a:schemeClr val="accent5">
+                          <a:lumMod val="20000"/>
+                          <a:lumOff val="80000"/>
+                        </a:schemeClr>
+                      </a:solidFill>
+                      <a:prstDash val="solid"/>
+                      <a:round/>
+                      <a:headEnd type="none" w="med" len="med"/>
+                      <a:tailEnd type="none" w="med" len="med"/>
+                    </a:lnT>
+                    <a:lnB w="28575" cap="flat" cmpd="sng" algn="ctr">
+                      <a:solidFill>
+                        <a:schemeClr val="accent5">
+                          <a:lumMod val="20000"/>
+                          <a:lumOff val="80000"/>
+                        </a:schemeClr>
+                      </a:solidFill>
+                      <a:prstDash val="solid"/>
+                      <a:round/>
+                      <a:headEnd type="none" w="med" len="med"/>
+                      <a:tailEnd type="none" w="med" len="med"/>
+                    </a:lnB>
+                    <a:lnTlToBr>
+                      <a:noFill/>
+                    </a:lnTlToBr>
+                    <a:lnBlToTr>
+                      <a:noFill/>
+                    </a:lnBlToTr>
+                    <a:noFill/>
+                  </a:tcPr>
+                </a:tc>
+                <a:tc>
+                  <a:txBody>
+                    <a:bodyPr/>
+                    <a:lstStyle/>
+                    <a:p>
+                      <a:pPr marL="0" marR="0" lvl="0" indent="0" algn="l" defTabSz="914400" rtl="0" eaLnBrk="0" fontAlgn="base" latinLnBrk="0" hangingPunct="0">
+                        <a:lnSpc>
+                          <a:spcPct val="95000"/>
+                        </a:lnSpc>
+                        <a:spcBef>
+                          <a:spcPct val="40000"/>
+                        </a:spcBef>
+                        <a:spcAft>
+                          <a:spcPct val="0"/>
+                        </a:spcAft>
+                        <a:buClr>
+                          <a:schemeClr val="tx1"/>
+                        </a:buClr>
+                        <a:buSzTx/>
+                        <a:buFontTx/>
+                        <a:buNone/>
+                        <a:tabLst/>
+                      </a:pPr>
+                      <a:r>
+                        <a:rPr kumimoji="1" lang="en-US" sz="2200" b="0" i="0" u="none" strike="noStrike" cap="none" normalizeH="0" baseline="0" dirty="0">
+                          <a:ln>
+                            <a:noFill/>
+                          </a:ln>
+                          <a:solidFill>
+                            <a:srgbClr val="224464"/>
+                          </a:solidFill>
+                          <a:effectLst/>
+                          <a:latin typeface="+mn-lt"/>
+                        </a:rPr>
+                        <a:t>Document Control</a:t>
+                      </a:r>
+                      <a:endParaRPr kumimoji="1" lang="en-US" sz="2200" b="0" i="0" u="none" strike="noStrike" cap="none" normalizeH="0" baseline="0" noProof="1">
+                        <a:ln>
+                          <a:noFill/>
+                        </a:ln>
+                        <a:solidFill>
+                          <a:srgbClr val="224464"/>
+                        </a:solidFill>
+                        <a:effectLst/>
+                        <a:latin typeface="+mn-lt"/>
+                      </a:endParaRPr>
+                    </a:p>
+                  </a:txBody>
+                  <a:tcPr marL="91464" marR="91464" anchor="ctr" horzOverflow="overflow">
+                    <a:lnL w="28575" cap="flat" cmpd="sng" algn="ctr">
+                      <a:solidFill>
+                        <a:schemeClr val="accent5">
+                          <a:lumMod val="20000"/>
+                          <a:lumOff val="80000"/>
+                        </a:schemeClr>
+                      </a:solidFill>
+                      <a:prstDash val="solid"/>
+                      <a:round/>
+                      <a:headEnd type="none" w="med" len="med"/>
+                      <a:tailEnd type="none" w="med" len="med"/>
+                    </a:lnL>
+                    <a:lnR w="28575" cap="flat" cmpd="sng" algn="ctr">
+                      <a:solidFill>
+                        <a:schemeClr val="accent5">
+                          <a:lumMod val="20000"/>
+                          <a:lumOff val="80000"/>
+                        </a:schemeClr>
+                      </a:solidFill>
+                      <a:prstDash val="solid"/>
+                      <a:round/>
+                      <a:headEnd type="none" w="med" len="med"/>
+                      <a:tailEnd type="none" w="med" len="med"/>
+                    </a:lnR>
+                    <a:lnT w="28575" cap="flat" cmpd="sng" algn="ctr">
+                      <a:solidFill>
+                        <a:schemeClr val="accent5">
+                          <a:lumMod val="20000"/>
+                          <a:lumOff val="80000"/>
+                        </a:schemeClr>
+                      </a:solidFill>
+                      <a:prstDash val="solid"/>
+                      <a:round/>
+                      <a:headEnd type="none" w="med" len="med"/>
+                      <a:tailEnd type="none" w="med" len="med"/>
+                    </a:lnT>
+                    <a:lnB w="28575" cap="flat" cmpd="sng" algn="ctr">
+                      <a:solidFill>
+                        <a:schemeClr val="accent5">
+                          <a:lumMod val="20000"/>
+                          <a:lumOff val="80000"/>
+                        </a:schemeClr>
+                      </a:solidFill>
+                      <a:prstDash val="solid"/>
+                      <a:round/>
+                      <a:headEnd type="none" w="med" len="med"/>
+                      <a:tailEnd type="none" w="med" len="med"/>
+                    </a:lnB>
+                    <a:lnTlToBr>
+                      <a:noFill/>
+                    </a:lnTlToBr>
+                    <a:lnBlToTr>
+                      <a:noFill/>
+                    </a:lnBlToTr>
+                    <a:noFill/>
+                  </a:tcPr>
+                </a:tc>
+                <a:extLst>
+                  <a:ext uri="{0D108BD9-81ED-4DB2-BD59-A6C34878D82A}">
+                    <a16:rowId xmlns:a16="http://schemas.microsoft.com/office/drawing/2014/main" val="10001"/>
+                  </a:ext>
+                </a:extLst>
+              </a:tr>
+              <a:tr h="426776">
+                <a:tc>
+                  <a:txBody>
+                    <a:bodyPr/>
+                    <a:lstStyle/>
+                    <a:p>
+                      <a:pPr marL="0" marR="0" lvl="0" indent="0" algn="l" defTabSz="914400" rtl="0" eaLnBrk="0" fontAlgn="base" latinLnBrk="0" hangingPunct="0">
+                        <a:lnSpc>
+                          <a:spcPct val="95000"/>
+                        </a:lnSpc>
+                        <a:spcBef>
+                          <a:spcPct val="40000"/>
+                        </a:spcBef>
+                        <a:spcAft>
+                          <a:spcPct val="0"/>
+                        </a:spcAft>
+                        <a:buClr>
+                          <a:schemeClr val="tx1"/>
+                        </a:buClr>
+                        <a:buSzTx/>
+                        <a:buFontTx/>
+                        <a:buNone/>
+                        <a:tabLst/>
+                      </a:pPr>
+                      <a:r>
+                        <a:rPr kumimoji="1" lang="en-US" sz="2200" b="0" i="0" u="none" strike="noStrike" cap="none" normalizeH="0" baseline="0" dirty="0">
+                          <a:ln>
+                            <a:noFill/>
+                          </a:ln>
+                          <a:solidFill>
+                            <a:srgbClr val="224464"/>
+                          </a:solidFill>
+                          <a:effectLst/>
+                          <a:latin typeface="+mn-lt"/>
+                        </a:rPr>
+                        <a:t>Wang</a:t>
+                      </a:r>
+                      <a:endParaRPr kumimoji="1" lang="en-US" sz="2200" b="0" i="0" u="none" strike="noStrike" cap="none" normalizeH="0" baseline="0" noProof="1">
+                        <a:ln>
+                          <a:noFill/>
+                        </a:ln>
+                        <a:solidFill>
+                          <a:srgbClr val="224464"/>
+                        </a:solidFill>
+                        <a:effectLst/>
+                        <a:latin typeface="+mn-lt"/>
+                      </a:endParaRPr>
+                    </a:p>
+                  </a:txBody>
+                  <a:tcPr marL="91464" marR="91464" anchor="ctr" horzOverflow="overflow">
+                    <a:lnL w="28575" cap="flat" cmpd="sng" algn="ctr">
+                      <a:solidFill>
+                        <a:schemeClr val="accent5">
+                          <a:lumMod val="20000"/>
+                          <a:lumOff val="80000"/>
+                        </a:schemeClr>
+                      </a:solidFill>
+                      <a:prstDash val="solid"/>
+                      <a:round/>
+                      <a:headEnd type="none" w="med" len="med"/>
+                      <a:tailEnd type="none" w="med" len="med"/>
+                    </a:lnL>
+                    <a:lnR w="28575" cap="flat" cmpd="sng" algn="ctr">
+                      <a:solidFill>
+                        <a:schemeClr val="accent5">
+                          <a:lumMod val="20000"/>
+                          <a:lumOff val="80000"/>
+                        </a:schemeClr>
+                      </a:solidFill>
+                      <a:prstDash val="solid"/>
+                      <a:round/>
+                      <a:headEnd type="none" w="med" len="med"/>
+                      <a:tailEnd type="none" w="med" len="med"/>
+                    </a:lnR>
+                    <a:lnT w="28575" cap="flat" cmpd="sng" algn="ctr">
+                      <a:solidFill>
+                        <a:schemeClr val="accent5">
+                          <a:lumMod val="20000"/>
+                          <a:lumOff val="80000"/>
+                        </a:schemeClr>
+                      </a:solidFill>
+                      <a:prstDash val="solid"/>
+                      <a:round/>
+                      <a:headEnd type="none" w="med" len="med"/>
+                      <a:tailEnd type="none" w="med" len="med"/>
+                    </a:lnT>
+                    <a:lnB w="28575" cap="flat" cmpd="sng" algn="ctr">
+                      <a:solidFill>
+                        <a:schemeClr val="accent5">
+                          <a:lumMod val="20000"/>
+                          <a:lumOff val="80000"/>
+                        </a:schemeClr>
+                      </a:solidFill>
+                      <a:prstDash val="solid"/>
+                      <a:round/>
+                      <a:headEnd type="none" w="med" len="med"/>
+                      <a:tailEnd type="none" w="med" len="med"/>
+                    </a:lnB>
+                    <a:lnTlToBr>
+                      <a:noFill/>
+                    </a:lnTlToBr>
+                    <a:lnBlToTr>
+                      <a:noFill/>
+                    </a:lnBlToTr>
+                    <a:noFill/>
+                  </a:tcPr>
+                </a:tc>
+                <a:tc>
+                  <a:txBody>
+                    <a:bodyPr/>
+                    <a:lstStyle/>
+                    <a:p>
+                      <a:pPr marL="0" marR="0" lvl="0" indent="0" algn="l" defTabSz="914400" rtl="0" eaLnBrk="0" fontAlgn="base" latinLnBrk="0" hangingPunct="0">
+                        <a:lnSpc>
+                          <a:spcPct val="95000"/>
+                        </a:lnSpc>
+                        <a:spcBef>
+                          <a:spcPct val="40000"/>
+                        </a:spcBef>
+                        <a:spcAft>
+                          <a:spcPct val="0"/>
+                        </a:spcAft>
+                        <a:buClr>
+                          <a:schemeClr val="tx1"/>
+                        </a:buClr>
+                        <a:buSzTx/>
+                        <a:buFontTx/>
+                        <a:buNone/>
+                        <a:tabLst/>
+                      </a:pPr>
+                      <a:r>
+                        <a:rPr kumimoji="1" lang="en-US" sz="2200" b="0" i="0" u="none" strike="noStrike" cap="none" normalizeH="0" baseline="0" dirty="0">
+                          <a:ln>
+                            <a:noFill/>
+                          </a:ln>
+                          <a:solidFill>
+                            <a:srgbClr val="224464"/>
+                          </a:solidFill>
+                          <a:effectLst/>
+                          <a:latin typeface="+mn-lt"/>
+                        </a:rPr>
+                        <a:t>Document Control</a:t>
+                      </a:r>
+                      <a:endParaRPr kumimoji="1" lang="en-US" sz="2200" b="0" i="0" u="none" strike="noStrike" cap="none" normalizeH="0" baseline="0" noProof="1">
+                        <a:ln>
+                          <a:noFill/>
+                        </a:ln>
+                        <a:solidFill>
+                          <a:srgbClr val="224464"/>
+                        </a:solidFill>
+                        <a:effectLst/>
+                        <a:latin typeface="+mn-lt"/>
+                      </a:endParaRPr>
+                    </a:p>
+                  </a:txBody>
+                  <a:tcPr marL="91464" marR="91464" anchor="ctr" horzOverflow="overflow">
+                    <a:lnL w="28575" cap="flat" cmpd="sng" algn="ctr">
+                      <a:solidFill>
+                        <a:schemeClr val="accent5">
+                          <a:lumMod val="20000"/>
+                          <a:lumOff val="80000"/>
+                        </a:schemeClr>
+                      </a:solidFill>
+                      <a:prstDash val="solid"/>
+                      <a:round/>
+                      <a:headEnd type="none" w="med" len="med"/>
+                      <a:tailEnd type="none" w="med" len="med"/>
+                    </a:lnL>
+                    <a:lnR w="28575" cap="flat" cmpd="sng" algn="ctr">
+                      <a:solidFill>
+                        <a:schemeClr val="accent5">
+                          <a:lumMod val="20000"/>
+                          <a:lumOff val="80000"/>
+                        </a:schemeClr>
+                      </a:solidFill>
+                      <a:prstDash val="solid"/>
+                      <a:round/>
+                      <a:headEnd type="none" w="med" len="med"/>
+                      <a:tailEnd type="none" w="med" len="med"/>
+                    </a:lnR>
+                    <a:lnT w="28575" cap="flat" cmpd="sng" algn="ctr">
+                      <a:solidFill>
+                        <a:schemeClr val="accent5">
+                          <a:lumMod val="20000"/>
+                          <a:lumOff val="80000"/>
+                        </a:schemeClr>
+                      </a:solidFill>
+                      <a:prstDash val="solid"/>
+                      <a:round/>
+                      <a:headEnd type="none" w="med" len="med"/>
+                      <a:tailEnd type="none" w="med" len="med"/>
+                    </a:lnT>
+                    <a:lnB w="28575" cap="flat" cmpd="sng" algn="ctr">
+                      <a:solidFill>
+                        <a:schemeClr val="accent5">
+                          <a:lumMod val="20000"/>
+                          <a:lumOff val="80000"/>
+                        </a:schemeClr>
+                      </a:solidFill>
+                      <a:prstDash val="solid"/>
+                      <a:round/>
+                      <a:headEnd type="none" w="med" len="med"/>
+                      <a:tailEnd type="none" w="med" len="med"/>
+                    </a:lnB>
+                    <a:lnTlToBr>
+                      <a:noFill/>
+                    </a:lnTlToBr>
+                    <a:lnBlToTr>
+                      <a:noFill/>
+                    </a:lnBlToTr>
+                    <a:noFill/>
+                  </a:tcPr>
+                </a:tc>
+                <a:extLst>
+                  <a:ext uri="{0D108BD9-81ED-4DB2-BD59-A6C34878D82A}">
+                    <a16:rowId xmlns:a16="http://schemas.microsoft.com/office/drawing/2014/main" val="10002"/>
+                  </a:ext>
+                </a:extLst>
+              </a:tr>
+              <a:tr h="426776">
+                <a:tc>
+                  <a:txBody>
+                    <a:bodyPr/>
+                    <a:lstStyle/>
+                    <a:p>
+                      <a:pPr marL="0" marR="0" lvl="0" indent="0" algn="l" defTabSz="914400" rtl="0" eaLnBrk="0" fontAlgn="base" latinLnBrk="0" hangingPunct="0">
+                        <a:lnSpc>
+                          <a:spcPct val="95000"/>
+                        </a:lnSpc>
+                        <a:spcBef>
+                          <a:spcPct val="40000"/>
+                        </a:spcBef>
+                        <a:spcAft>
+                          <a:spcPct val="0"/>
+                        </a:spcAft>
+                        <a:buClr>
+                          <a:schemeClr val="tx1"/>
+                        </a:buClr>
+                        <a:buSzTx/>
+                        <a:buFontTx/>
+                        <a:buNone/>
+                        <a:tabLst/>
+                      </a:pPr>
+                      <a:r>
+                        <a:rPr kumimoji="1" lang="en-US" sz="2200" b="0" i="0" u="none" strike="noStrike" cap="none" normalizeH="0" baseline="0" dirty="0">
+                          <a:ln>
+                            <a:noFill/>
+                          </a:ln>
+                          <a:solidFill>
+                            <a:srgbClr val="224464"/>
+                          </a:solidFill>
+                          <a:effectLst/>
+                          <a:latin typeface="+mn-lt"/>
+                        </a:rPr>
+                        <a:t>Duffy</a:t>
+                      </a:r>
+                      <a:endParaRPr kumimoji="1" lang="en-US" sz="2200" b="0" i="0" u="none" strike="noStrike" cap="none" normalizeH="0" baseline="0" noProof="1">
+                        <a:ln>
+                          <a:noFill/>
+                        </a:ln>
+                        <a:solidFill>
+                          <a:srgbClr val="224464"/>
+                        </a:solidFill>
+                        <a:effectLst/>
+                        <a:latin typeface="+mn-lt"/>
+                      </a:endParaRPr>
+                    </a:p>
+                  </a:txBody>
+                  <a:tcPr marL="91464" marR="91464" anchor="ctr" horzOverflow="overflow">
+                    <a:lnL w="28575" cap="flat" cmpd="sng" algn="ctr">
+                      <a:solidFill>
+                        <a:schemeClr val="accent5">
+                          <a:lumMod val="20000"/>
+                          <a:lumOff val="80000"/>
+                        </a:schemeClr>
+                      </a:solidFill>
+                      <a:prstDash val="solid"/>
+                      <a:round/>
+                      <a:headEnd type="none" w="med" len="med"/>
+                      <a:tailEnd type="none" w="med" len="med"/>
+                    </a:lnL>
+                    <a:lnR w="28575" cap="flat" cmpd="sng" algn="ctr">
+                      <a:solidFill>
+                        <a:schemeClr val="accent5">
+                          <a:lumMod val="20000"/>
+                          <a:lumOff val="80000"/>
+                        </a:schemeClr>
+                      </a:solidFill>
+                      <a:prstDash val="solid"/>
+                      <a:round/>
+                      <a:headEnd type="none" w="med" len="med"/>
+                      <a:tailEnd type="none" w="med" len="med"/>
+                    </a:lnR>
+                    <a:lnT w="28575" cap="flat" cmpd="sng" algn="ctr">
+                      <a:solidFill>
+                        <a:schemeClr val="accent5">
+                          <a:lumMod val="20000"/>
+                          <a:lumOff val="80000"/>
+                        </a:schemeClr>
+                      </a:solidFill>
+                      <a:prstDash val="solid"/>
+                      <a:round/>
+                      <a:headEnd type="none" w="med" len="med"/>
+                      <a:tailEnd type="none" w="med" len="med"/>
+                    </a:lnT>
+                    <a:lnB w="28575" cap="flat" cmpd="sng" algn="ctr">
+                      <a:solidFill>
+                        <a:schemeClr val="accent5">
+                          <a:lumMod val="20000"/>
+                          <a:lumOff val="80000"/>
+                        </a:schemeClr>
+                      </a:solidFill>
+                      <a:prstDash val="solid"/>
+                      <a:round/>
+                      <a:headEnd type="none" w="med" len="med"/>
+                      <a:tailEnd type="none" w="med" len="med"/>
+                    </a:lnB>
+                    <a:lnTlToBr>
+                      <a:noFill/>
+                    </a:lnTlToBr>
+                    <a:lnBlToTr>
+                      <a:noFill/>
+                    </a:lnBlToTr>
+                    <a:noFill/>
+                  </a:tcPr>
+                </a:tc>
+                <a:tc>
+                  <a:txBody>
+                    <a:bodyPr/>
+                    <a:lstStyle/>
+                    <a:p>
+                      <a:pPr marL="0" marR="0" lvl="0" indent="0" algn="l" defTabSz="914400" rtl="0" eaLnBrk="0" fontAlgn="base" latinLnBrk="0" hangingPunct="0">
+                        <a:lnSpc>
+                          <a:spcPct val="95000"/>
+                        </a:lnSpc>
+                        <a:spcBef>
+                          <a:spcPct val="40000"/>
+                        </a:spcBef>
+                        <a:spcAft>
+                          <a:spcPct val="0"/>
+                        </a:spcAft>
+                        <a:buClr>
+                          <a:schemeClr val="tx1"/>
+                        </a:buClr>
+                        <a:buSzTx/>
+                        <a:buFontTx/>
+                        <a:buNone/>
+                        <a:tabLst/>
+                      </a:pPr>
+                      <a:r>
+                        <a:rPr kumimoji="1" lang="en-US" sz="2200" b="0" i="0" u="none" strike="noStrike" cap="none" normalizeH="0" baseline="0">
+                          <a:ln>
+                            <a:noFill/>
+                          </a:ln>
+                          <a:solidFill>
+                            <a:srgbClr val="224464"/>
+                          </a:solidFill>
+                          <a:effectLst/>
+                          <a:latin typeface="+mn-lt"/>
+                        </a:rPr>
+                        <a:t>Engineering</a:t>
+                      </a:r>
+                      <a:endParaRPr kumimoji="1" lang="en-US" sz="2200" b="0" i="0" u="none" strike="noStrike" cap="none" normalizeH="0" baseline="0" noProof="1">
+                        <a:ln>
+                          <a:noFill/>
+                        </a:ln>
+                        <a:solidFill>
+                          <a:srgbClr val="224464"/>
+                        </a:solidFill>
+                        <a:effectLst/>
+                        <a:latin typeface="+mn-lt"/>
+                      </a:endParaRPr>
+                    </a:p>
+                  </a:txBody>
+                  <a:tcPr marL="91464" marR="91464" anchor="ctr" horzOverflow="overflow">
+                    <a:lnL w="28575" cap="flat" cmpd="sng" algn="ctr">
+                      <a:solidFill>
+                        <a:schemeClr val="accent5">
+                          <a:lumMod val="20000"/>
+                          <a:lumOff val="80000"/>
+                        </a:schemeClr>
+                      </a:solidFill>
+                      <a:prstDash val="solid"/>
+                      <a:round/>
+                      <a:headEnd type="none" w="med" len="med"/>
+                      <a:tailEnd type="none" w="med" len="med"/>
+                    </a:lnL>
+                    <a:lnR w="28575" cap="flat" cmpd="sng" algn="ctr">
+                      <a:solidFill>
+                        <a:schemeClr val="accent5">
+                          <a:lumMod val="20000"/>
+                          <a:lumOff val="80000"/>
+                        </a:schemeClr>
+                      </a:solidFill>
+                      <a:prstDash val="solid"/>
+                      <a:round/>
+                      <a:headEnd type="none" w="med" len="med"/>
+                      <a:tailEnd type="none" w="med" len="med"/>
+                    </a:lnR>
+                    <a:lnT w="28575" cap="flat" cmpd="sng" algn="ctr">
+                      <a:solidFill>
+                        <a:schemeClr val="accent5">
+                          <a:lumMod val="20000"/>
+                          <a:lumOff val="80000"/>
+                        </a:schemeClr>
+                      </a:solidFill>
+                      <a:prstDash val="solid"/>
+                      <a:round/>
+                      <a:headEnd type="none" w="med" len="med"/>
+                      <a:tailEnd type="none" w="med" len="med"/>
+                    </a:lnT>
+                    <a:lnB w="28575" cap="flat" cmpd="sng" algn="ctr">
+                      <a:solidFill>
+                        <a:schemeClr val="accent5">
+                          <a:lumMod val="20000"/>
+                          <a:lumOff val="80000"/>
+                        </a:schemeClr>
+                      </a:solidFill>
+                      <a:prstDash val="solid"/>
+                      <a:round/>
+                      <a:headEnd type="none" w="med" len="med"/>
+                      <a:tailEnd type="none" w="med" len="med"/>
+                    </a:lnB>
+                    <a:lnTlToBr>
+                      <a:noFill/>
+                    </a:lnTlToBr>
+                    <a:lnBlToTr>
+                      <a:noFill/>
+                    </a:lnBlToTr>
+                    <a:noFill/>
+                  </a:tcPr>
+                </a:tc>
+                <a:extLst>
+                  <a:ext uri="{0D108BD9-81ED-4DB2-BD59-A6C34878D82A}">
+                    <a16:rowId xmlns:a16="http://schemas.microsoft.com/office/drawing/2014/main" val="10003"/>
+                  </a:ext>
+                </a:extLst>
+              </a:tr>
+              <a:tr h="426776">
+                <a:tc>
+                  <a:txBody>
+                    <a:bodyPr/>
+                    <a:lstStyle/>
+                    <a:p>
+                      <a:pPr marL="0" marR="0" lvl="0" indent="0" algn="l" defTabSz="914400" rtl="0" eaLnBrk="0" fontAlgn="base" latinLnBrk="0" hangingPunct="0">
+                        <a:lnSpc>
+                          <a:spcPct val="95000"/>
+                        </a:lnSpc>
+                        <a:spcBef>
+                          <a:spcPct val="40000"/>
+                        </a:spcBef>
+                        <a:spcAft>
+                          <a:spcPct val="0"/>
+                        </a:spcAft>
+                        <a:buClr>
+                          <a:schemeClr val="tx1"/>
+                        </a:buClr>
+                        <a:buSzTx/>
+                        <a:buFontTx/>
+                        <a:buNone/>
+                        <a:tabLst/>
+                      </a:pPr>
+                      <a:r>
+                        <a:rPr kumimoji="1" lang="en-US" sz="2200" b="0" i="0" u="none" strike="noStrike" cap="none" normalizeH="0" baseline="0" dirty="0">
+                          <a:ln>
+                            <a:noFill/>
+                          </a:ln>
+                          <a:solidFill>
+                            <a:srgbClr val="224464"/>
+                          </a:solidFill>
+                          <a:effectLst/>
+                          <a:latin typeface="+mn-lt"/>
+                        </a:rPr>
+                        <a:t>Wang</a:t>
+                      </a:r>
+                      <a:endParaRPr kumimoji="1" lang="en-US" sz="2200" b="0" i="0" u="none" strike="noStrike" cap="none" normalizeH="0" baseline="0" noProof="1">
+                        <a:ln>
+                          <a:noFill/>
+                        </a:ln>
+                        <a:solidFill>
+                          <a:srgbClr val="224464"/>
+                        </a:solidFill>
+                        <a:effectLst/>
+                        <a:latin typeface="+mn-lt"/>
+                      </a:endParaRPr>
+                    </a:p>
+                  </a:txBody>
+                  <a:tcPr marL="91464" marR="91464" anchor="ctr" horzOverflow="overflow">
+                    <a:lnL w="28575" cap="flat" cmpd="sng" algn="ctr">
+                      <a:solidFill>
+                        <a:schemeClr val="accent5">
+                          <a:lumMod val="20000"/>
+                          <a:lumOff val="80000"/>
+                        </a:schemeClr>
+                      </a:solidFill>
+                      <a:prstDash val="solid"/>
+                      <a:round/>
+                      <a:headEnd type="none" w="med" len="med"/>
+                      <a:tailEnd type="none" w="med" len="med"/>
+                    </a:lnL>
+                    <a:lnR w="28575" cap="flat" cmpd="sng" algn="ctr">
+                      <a:solidFill>
+                        <a:schemeClr val="accent5">
+                          <a:lumMod val="20000"/>
+                          <a:lumOff val="80000"/>
+                        </a:schemeClr>
+                      </a:solidFill>
+                      <a:prstDash val="solid"/>
+                      <a:round/>
+                      <a:headEnd type="none" w="med" len="med"/>
+                      <a:tailEnd type="none" w="med" len="med"/>
+                    </a:lnR>
+                    <a:lnT w="28575" cap="flat" cmpd="sng" algn="ctr">
+                      <a:solidFill>
+                        <a:schemeClr val="accent5">
+                          <a:lumMod val="20000"/>
+                          <a:lumOff val="80000"/>
+                        </a:schemeClr>
+                      </a:solidFill>
+                      <a:prstDash val="solid"/>
+                      <a:round/>
+                      <a:headEnd type="none" w="med" len="med"/>
+                      <a:tailEnd type="none" w="med" len="med"/>
+                    </a:lnT>
+                    <a:lnB w="28575" cap="flat" cmpd="sng" algn="ctr">
+                      <a:solidFill>
+                        <a:schemeClr val="accent5">
+                          <a:lumMod val="20000"/>
+                          <a:lumOff val="80000"/>
+                        </a:schemeClr>
+                      </a:solidFill>
+                      <a:prstDash val="solid"/>
+                      <a:round/>
+                      <a:headEnd type="none" w="med" len="med"/>
+                      <a:tailEnd type="none" w="med" len="med"/>
+                    </a:lnB>
+                    <a:lnTlToBr>
+                      <a:noFill/>
+                    </a:lnTlToBr>
+                    <a:lnBlToTr>
+                      <a:noFill/>
+                    </a:lnBlToTr>
+                    <a:noFill/>
+                  </a:tcPr>
+                </a:tc>
+                <a:tc>
+                  <a:txBody>
+                    <a:bodyPr/>
+                    <a:lstStyle/>
+                    <a:p>
+                      <a:pPr marL="0" marR="0" lvl="0" indent="0" algn="l" defTabSz="914400" rtl="0" eaLnBrk="0" fontAlgn="base" latinLnBrk="0" hangingPunct="0">
+                        <a:lnSpc>
+                          <a:spcPct val="95000"/>
+                        </a:lnSpc>
+                        <a:spcBef>
+                          <a:spcPct val="40000"/>
+                        </a:spcBef>
+                        <a:spcAft>
+                          <a:spcPct val="0"/>
+                        </a:spcAft>
+                        <a:buClr>
+                          <a:schemeClr val="tx1"/>
+                        </a:buClr>
+                        <a:buSzTx/>
+                        <a:buFontTx/>
+                        <a:buNone/>
+                        <a:tabLst/>
+                      </a:pPr>
+                      <a:r>
+                        <a:rPr kumimoji="1" lang="en-US" sz="2200" b="0" i="0" u="none" strike="noStrike" cap="none" normalizeH="0" baseline="0" dirty="0">
+                          <a:ln>
+                            <a:noFill/>
+                          </a:ln>
+                          <a:solidFill>
+                            <a:srgbClr val="224464"/>
+                          </a:solidFill>
+                          <a:effectLst/>
+                          <a:latin typeface="+mn-lt"/>
+                        </a:rPr>
+                        <a:t>Engineering</a:t>
+                      </a:r>
+                      <a:endParaRPr kumimoji="1" lang="en-US" sz="2200" b="0" i="0" u="none" strike="noStrike" cap="none" normalizeH="0" baseline="0" noProof="1">
+                        <a:ln>
+                          <a:noFill/>
+                        </a:ln>
+                        <a:solidFill>
+                          <a:srgbClr val="224464"/>
+                        </a:solidFill>
+                        <a:effectLst/>
+                        <a:latin typeface="+mn-lt"/>
+                      </a:endParaRPr>
+                    </a:p>
+                  </a:txBody>
+                  <a:tcPr marL="91464" marR="91464" anchor="ctr" horzOverflow="overflow">
+                    <a:lnL w="28575" cap="flat" cmpd="sng" algn="ctr">
+                      <a:solidFill>
+                        <a:schemeClr val="accent5">
+                          <a:lumMod val="20000"/>
+                          <a:lumOff val="80000"/>
+                        </a:schemeClr>
+                      </a:solidFill>
+                      <a:prstDash val="solid"/>
+                      <a:round/>
+                      <a:headEnd type="none" w="med" len="med"/>
+                      <a:tailEnd type="none" w="med" len="med"/>
+                    </a:lnL>
+                    <a:lnR w="28575" cap="flat" cmpd="sng" algn="ctr">
+                      <a:solidFill>
+                        <a:schemeClr val="accent5">
+                          <a:lumMod val="20000"/>
+                          <a:lumOff val="80000"/>
+                        </a:schemeClr>
+                      </a:solidFill>
+                      <a:prstDash val="solid"/>
+                      <a:round/>
+                      <a:headEnd type="none" w="med" len="med"/>
+                      <a:tailEnd type="none" w="med" len="med"/>
+                    </a:lnR>
+                    <a:lnT w="28575" cap="flat" cmpd="sng" algn="ctr">
+                      <a:solidFill>
+                        <a:schemeClr val="accent5">
+                          <a:lumMod val="20000"/>
+                          <a:lumOff val="80000"/>
+                        </a:schemeClr>
+                      </a:solidFill>
+                      <a:prstDash val="solid"/>
+                      <a:round/>
+                      <a:headEnd type="none" w="med" len="med"/>
+                      <a:tailEnd type="none" w="med" len="med"/>
+                    </a:lnT>
+                    <a:lnB w="28575" cap="flat" cmpd="sng" algn="ctr">
+                      <a:solidFill>
+                        <a:schemeClr val="accent5">
+                          <a:lumMod val="20000"/>
+                          <a:lumOff val="80000"/>
+                        </a:schemeClr>
+                      </a:solidFill>
+                      <a:prstDash val="solid"/>
+                      <a:round/>
+                      <a:headEnd type="none" w="med" len="med"/>
+                      <a:tailEnd type="none" w="med" len="med"/>
+                    </a:lnB>
+                    <a:lnTlToBr>
+                      <a:noFill/>
+                    </a:lnTlToBr>
+                    <a:lnBlToTr>
+                      <a:noFill/>
+                    </a:lnBlToTr>
+                    <a:noFill/>
+                  </a:tcPr>
+                </a:tc>
+                <a:extLst>
+                  <a:ext uri="{0D108BD9-81ED-4DB2-BD59-A6C34878D82A}">
+                    <a16:rowId xmlns:a16="http://schemas.microsoft.com/office/drawing/2014/main" val="10004"/>
+                  </a:ext>
+                </a:extLst>
+              </a:tr>
+              <a:tr h="426776">
+                <a:tc>
+                  <a:txBody>
+                    <a:bodyPr/>
+                    <a:lstStyle/>
+                    <a:p>
+                      <a:pPr marL="0" marR="0" lvl="0" indent="0" algn="l" defTabSz="914400" rtl="0" eaLnBrk="0" fontAlgn="base" latinLnBrk="0" hangingPunct="0">
+                        <a:lnSpc>
+                          <a:spcPct val="95000"/>
+                        </a:lnSpc>
+                        <a:spcBef>
+                          <a:spcPct val="40000"/>
+                        </a:spcBef>
+                        <a:spcAft>
+                          <a:spcPct val="0"/>
+                        </a:spcAft>
+                        <a:buClr>
+                          <a:schemeClr val="tx1"/>
+                        </a:buClr>
+                        <a:buSzTx/>
+                        <a:buFontTx/>
+                        <a:buNone/>
+                        <a:tabLst/>
+                      </a:pPr>
+                      <a:r>
+                        <a:rPr kumimoji="1" lang="en-US" sz="2200" b="0" i="0" u="none" strike="noStrike" cap="none" normalizeH="0" baseline="0" dirty="0">
+                          <a:ln>
+                            <a:noFill/>
+                          </a:ln>
+                          <a:solidFill>
+                            <a:srgbClr val="224464"/>
+                          </a:solidFill>
+                          <a:effectLst/>
+                          <a:latin typeface="+mn-lt"/>
+                        </a:rPr>
+                        <a:t>…</a:t>
+                      </a:r>
+                      <a:endParaRPr kumimoji="1" lang="en-US" sz="2200" b="0" i="0" u="none" strike="noStrike" cap="none" normalizeH="0" baseline="0" noProof="1">
+                        <a:ln>
+                          <a:noFill/>
+                        </a:ln>
+                        <a:solidFill>
+                          <a:srgbClr val="224464"/>
+                        </a:solidFill>
+                        <a:effectLst/>
+                        <a:latin typeface="+mn-lt"/>
+                      </a:endParaRPr>
+                    </a:p>
+                  </a:txBody>
+                  <a:tcPr marL="91464" marR="91464" anchor="ctr" horzOverflow="overflow">
+                    <a:lnL w="28575" cap="flat" cmpd="sng" algn="ctr">
+                      <a:solidFill>
+                        <a:schemeClr val="accent5">
+                          <a:lumMod val="20000"/>
+                          <a:lumOff val="80000"/>
+                        </a:schemeClr>
+                      </a:solidFill>
+                      <a:prstDash val="solid"/>
+                      <a:round/>
+                      <a:headEnd type="none" w="med" len="med"/>
+                      <a:tailEnd type="none" w="med" len="med"/>
+                    </a:lnL>
+                    <a:lnR w="28575" cap="flat" cmpd="sng" algn="ctr">
+                      <a:solidFill>
+                        <a:schemeClr val="accent5">
+                          <a:lumMod val="20000"/>
+                          <a:lumOff val="80000"/>
+                        </a:schemeClr>
+                      </a:solidFill>
+                      <a:prstDash val="solid"/>
+                      <a:round/>
+                      <a:headEnd type="none" w="med" len="med"/>
+                      <a:tailEnd type="none" w="med" len="med"/>
+                    </a:lnR>
+                    <a:lnT w="28575" cap="flat" cmpd="sng" algn="ctr">
+                      <a:solidFill>
+                        <a:schemeClr val="accent5">
+                          <a:lumMod val="20000"/>
+                          <a:lumOff val="80000"/>
+                        </a:schemeClr>
+                      </a:solidFill>
+                      <a:prstDash val="solid"/>
+                      <a:round/>
+                      <a:headEnd type="none" w="med" len="med"/>
+                      <a:tailEnd type="none" w="med" len="med"/>
+                    </a:lnT>
+                    <a:lnB w="28575" cap="flat" cmpd="sng" algn="ctr">
+                      <a:solidFill>
+                        <a:schemeClr val="accent5">
+                          <a:lumMod val="20000"/>
+                          <a:lumOff val="80000"/>
+                        </a:schemeClr>
+                      </a:solidFill>
+                      <a:prstDash val="solid"/>
+                      <a:round/>
+                      <a:headEnd type="none" w="med" len="med"/>
+                      <a:tailEnd type="none" w="med" len="med"/>
+                    </a:lnB>
+                    <a:lnTlToBr>
+                      <a:noFill/>
+                    </a:lnTlToBr>
+                    <a:lnBlToTr>
+                      <a:noFill/>
+                    </a:lnBlToTr>
+                    <a:noFill/>
+                  </a:tcPr>
+                </a:tc>
+                <a:tc>
+                  <a:txBody>
+                    <a:bodyPr/>
+                    <a:lstStyle/>
+                    <a:p>
+                      <a:pPr marL="0" marR="0" lvl="0" indent="0" algn="l" defTabSz="914400" rtl="0" eaLnBrk="0" fontAlgn="base" latinLnBrk="0" hangingPunct="0">
+                        <a:lnSpc>
+                          <a:spcPct val="95000"/>
+                        </a:lnSpc>
+                        <a:spcBef>
+                          <a:spcPct val="40000"/>
+                        </a:spcBef>
+                        <a:spcAft>
+                          <a:spcPct val="0"/>
+                        </a:spcAft>
+                        <a:buClr>
+                          <a:schemeClr val="tx1"/>
+                        </a:buClr>
+                        <a:buSzTx/>
+                        <a:buFontTx/>
+                        <a:buNone/>
+                        <a:tabLst/>
+                      </a:pPr>
+                      <a:r>
+                        <a:rPr kumimoji="1" lang="en-US" sz="2200" b="0" i="0" u="none" strike="noStrike" cap="none" normalizeH="0" baseline="0" dirty="0">
+                          <a:ln>
+                            <a:noFill/>
+                          </a:ln>
+                          <a:solidFill>
+                            <a:srgbClr val="224464"/>
+                          </a:solidFill>
+                          <a:effectLst/>
+                          <a:latin typeface="+mn-lt"/>
+                        </a:rPr>
+                        <a:t>…</a:t>
+                      </a:r>
+                      <a:endParaRPr kumimoji="1" lang="en-US" sz="2200" b="0" i="0" u="none" strike="noStrike" cap="none" normalizeH="0" baseline="0" noProof="1">
+                        <a:ln>
+                          <a:noFill/>
+                        </a:ln>
+                        <a:solidFill>
+                          <a:srgbClr val="224464"/>
+                        </a:solidFill>
+                        <a:effectLst/>
+                        <a:latin typeface="+mn-lt"/>
+                      </a:endParaRPr>
+                    </a:p>
+                  </a:txBody>
+                  <a:tcPr marL="91464" marR="91464" anchor="ctr" horzOverflow="overflow">
+                    <a:lnL w="28575" cap="flat" cmpd="sng" algn="ctr">
+                      <a:solidFill>
+                        <a:schemeClr val="accent5">
+                          <a:lumMod val="20000"/>
+                          <a:lumOff val="80000"/>
+                        </a:schemeClr>
+                      </a:solidFill>
+                      <a:prstDash val="solid"/>
+                      <a:round/>
+                      <a:headEnd type="none" w="med" len="med"/>
+                      <a:tailEnd type="none" w="med" len="med"/>
+                    </a:lnL>
+                    <a:lnR w="28575" cap="flat" cmpd="sng" algn="ctr">
+                      <a:solidFill>
+                        <a:schemeClr val="accent5">
+                          <a:lumMod val="20000"/>
+                          <a:lumOff val="80000"/>
+                        </a:schemeClr>
+                      </a:solidFill>
+                      <a:prstDash val="solid"/>
+                      <a:round/>
+                      <a:headEnd type="none" w="med" len="med"/>
+                      <a:tailEnd type="none" w="med" len="med"/>
+                    </a:lnR>
+                    <a:lnT w="28575" cap="flat" cmpd="sng" algn="ctr">
+                      <a:solidFill>
+                        <a:schemeClr val="accent5">
+                          <a:lumMod val="20000"/>
+                          <a:lumOff val="80000"/>
+                        </a:schemeClr>
+                      </a:solidFill>
+                      <a:prstDash val="solid"/>
+                      <a:round/>
+                      <a:headEnd type="none" w="med" len="med"/>
+                      <a:tailEnd type="none" w="med" len="med"/>
+                    </a:lnT>
+                    <a:lnB w="28575" cap="flat" cmpd="sng" algn="ctr">
+                      <a:solidFill>
+                        <a:schemeClr val="accent5">
+                          <a:lumMod val="20000"/>
+                          <a:lumOff val="80000"/>
+                        </a:schemeClr>
+                      </a:solidFill>
+                      <a:prstDash val="solid"/>
+                      <a:round/>
+                      <a:headEnd type="none" w="med" len="med"/>
+                      <a:tailEnd type="none" w="med" len="med"/>
+                    </a:lnB>
+                    <a:lnTlToBr>
+                      <a:noFill/>
+                    </a:lnTlToBr>
+                    <a:lnBlToTr>
+                      <a:noFill/>
+                    </a:lnBlToTr>
+                    <a:noFill/>
+                  </a:tcPr>
+                </a:tc>
+                <a:extLst>
+                  <a:ext uri="{0D108BD9-81ED-4DB2-BD59-A6C34878D82A}">
+                    <a16:rowId xmlns:a16="http://schemas.microsoft.com/office/drawing/2014/main" val="10005"/>
+                  </a:ext>
+                </a:extLst>
+              </a:tr>
+            </a:tbl>
+          </a:graphicData>
+        </a:graphic>
+      </p:graphicFrame>
+      <p:sp>
+        <p:nvSpPr>
+          <p:cNvPr id="3" name="Slide Number">
+            <a:extLst>
+              <a:ext uri="{FF2B5EF4-FFF2-40B4-BE49-F238E27FC236}">
+                <a16:creationId xmlns:a16="http://schemas.microsoft.com/office/drawing/2014/main" id="{0D4EAA7C-3D2C-F594-5B5B-C3C253B8E3DB}"/>
+              </a:ext>
+            </a:extLst>
+          </p:cNvPr>
+          <p:cNvSpPr txBox="1">
+            <a:spLocks/>
+          </p:cNvSpPr>
+          <p:nvPr/>
+        </p:nvSpPr>
+        <p:spPr>
+          <a:xfrm>
+            <a:off x="11753030" y="6507000"/>
+            <a:ext cx="367414" cy="297000"/>
+          </a:xfrm>
+          <a:prstGeom prst="rect">
+            <a:avLst/>
+          </a:prstGeom>
+        </p:spPr>
+        <p:txBody>
+          <a:bodyPr vert="horz" lIns="91440" tIns="45720" rIns="91440" bIns="45720" rtlCol="0" anchor="b"/>
+          <a:lstStyle>
+            <a:defPPr>
+              <a:defRPr lang="en-US"/>
+            </a:defPPr>
+            <a:lvl1pPr marL="0" algn="r" defTabSz="914400" rtl="0" eaLnBrk="1" latinLnBrk="0" hangingPunct="1">
+              <a:defRPr sz="1000" kern="1200">
+                <a:solidFill>
+                  <a:schemeClr val="tx1"/>
+                </a:solidFill>
+                <a:latin typeface="+mn-lt"/>
+                <a:ea typeface="+mn-ea"/>
+                <a:cs typeface="+mn-cs"/>
+              </a:defRPr>
+            </a:lvl1pPr>
+            <a:lvl2pPr marL="457200" algn="l" defTabSz="914400" rtl="0" eaLnBrk="1" latinLnBrk="0" hangingPunct="1">
+              <a:defRPr sz="1800" kern="1200">
+                <a:solidFill>
+                  <a:schemeClr val="tx1"/>
+                </a:solidFill>
+                <a:latin typeface="+mn-lt"/>
+                <a:ea typeface="+mn-ea"/>
+                <a:cs typeface="+mn-cs"/>
+              </a:defRPr>
+            </a:lvl2pPr>
+            <a:lvl3pPr marL="914400" algn="l" defTabSz="914400" rtl="0" eaLnBrk="1" latinLnBrk="0" hangingPunct="1">
+              <a:defRPr sz="1800" kern="1200">
+                <a:solidFill>
+                  <a:schemeClr val="tx1"/>
+                </a:solidFill>
+                <a:latin typeface="+mn-lt"/>
+                <a:ea typeface="+mn-ea"/>
+                <a:cs typeface="+mn-cs"/>
+              </a:defRPr>
+            </a:lvl3pPr>
+            <a:lvl4pPr marL="1371600" algn="l" defTabSz="914400" rtl="0" eaLnBrk="1" latinLnBrk="0" hangingPunct="1">
+              <a:defRPr sz="1800" kern="1200">
+                <a:solidFill>
+                  <a:schemeClr val="tx1"/>
+                </a:solidFill>
+                <a:latin typeface="+mn-lt"/>
+                <a:ea typeface="+mn-ea"/>
+                <a:cs typeface="+mn-cs"/>
+              </a:defRPr>
+            </a:lvl4pPr>
+            <a:lvl5pPr marL="1828800" algn="l" defTabSz="914400" rtl="0" eaLnBrk="1" latinLnBrk="0" hangingPunct="1">
+              <a:defRPr sz="1800" kern="1200">
+                <a:solidFill>
+                  <a:schemeClr val="tx1"/>
+                </a:solidFill>
+                <a:latin typeface="+mn-lt"/>
+                <a:ea typeface="+mn-ea"/>
+                <a:cs typeface="+mn-cs"/>
+              </a:defRPr>
+            </a:lvl5pPr>
+            <a:lvl6pPr marL="2286000" algn="l" defTabSz="914400" rtl="0" eaLnBrk="1" latinLnBrk="0" hangingPunct="1">
+              <a:defRPr sz="1800" kern="1200">
+                <a:solidFill>
+                  <a:schemeClr val="tx1"/>
+                </a:solidFill>
+                <a:latin typeface="+mn-lt"/>
+                <a:ea typeface="+mn-ea"/>
+                <a:cs typeface="+mn-cs"/>
+              </a:defRPr>
+            </a:lvl6pPr>
+            <a:lvl7pPr marL="2743200" algn="l" defTabSz="914400" rtl="0" eaLnBrk="1" latinLnBrk="0" hangingPunct="1">
+              <a:defRPr sz="1800" kern="1200">
+                <a:solidFill>
+                  <a:schemeClr val="tx1"/>
+                </a:solidFill>
+                <a:latin typeface="+mn-lt"/>
+                <a:ea typeface="+mn-ea"/>
+                <a:cs typeface="+mn-cs"/>
+              </a:defRPr>
+            </a:lvl7pPr>
+            <a:lvl8pPr marL="3200400" algn="l" defTabSz="914400" rtl="0" eaLnBrk="1" latinLnBrk="0" hangingPunct="1">
+              <a:defRPr sz="1800" kern="1200">
+                <a:solidFill>
+                  <a:schemeClr val="tx1"/>
+                </a:solidFill>
+                <a:latin typeface="+mn-lt"/>
+                <a:ea typeface="+mn-ea"/>
+                <a:cs typeface="+mn-cs"/>
+              </a:defRPr>
+            </a:lvl8pPr>
+            <a:lvl9pPr marL="3657600" algn="l" defTabSz="914400" rtl="0" eaLnBrk="1" latinLnBrk="0" hangingPunct="1">
+              <a:defRPr sz="1800" kern="1200">
+                <a:solidFill>
+                  <a:schemeClr val="tx1"/>
+                </a:solidFill>
+                <a:latin typeface="+mn-lt"/>
+                <a:ea typeface="+mn-ea"/>
+                <a:cs typeface="+mn-cs"/>
+              </a:defRPr>
+            </a:lvl9pPr>
+          </a:lstStyle>
+          <a:p>
+            <a:fld id="{2BF067CD-8E6B-4360-9AA8-C5DF2A48A6D1}" type="slidenum">
+              <a:rPr lang="en-US" smtClean="0"/>
+              <a:pPr/>
+              <a:t>20</a:t>
+            </a:fld>
+            <a:endParaRPr lang="en-US" dirty="0"/>
+          </a:p>
+        </p:txBody>
+      </p:sp>
+    </p:spTree>
+    <p:extLst>
+      <p:ext uri="{BB962C8B-B14F-4D97-AF65-F5344CB8AC3E}">
+        <p14:creationId xmlns:p14="http://schemas.microsoft.com/office/powerpoint/2010/main" val="3438213413"/>
+      </p:ext>
+    </p:extLst>
+  </p:cSld>
+  <p:clrMapOvr>
+    <a:masterClrMapping/>
+  </p:clrMapOvr>
+  <p:transition/>
+  <p:timing>
+    <p:tnLst>
+      <p:par>
+        <p:cTn id="1" dur="indefinite" restart="never" nodeType="tmRoot">
+          <p:childTnLst>
+            <p:seq concurrent="1" nextAc="seek">
+              <p:cTn id="2" dur="indefinite" nodeType="mainSeq">
+                <p:childTnLst>
+                  <p:par>
+                    <p:cTn id="3" fill="hold">
+                      <p:stCondLst>
+                        <p:cond delay="indefinite"/>
+                      </p:stCondLst>
+                      <p:childTnLst>
+                        <p:par>
+                          <p:cTn id="4" fill="hold">
+                            <p:stCondLst>
+                              <p:cond delay="0"/>
+                            </p:stCondLst>
+                            <p:childTnLst>
+                              <p:par>
+                                <p:cTn id="5" presetID="1" presetClass="entr" presetSubtype="0" fill="hold" nodeType="clickEffect">
+                                  <p:stCondLst>
+                                    <p:cond delay="0"/>
+                                  </p:stCondLst>
+                                  <p:childTnLst>
+                                    <p:set>
+                                      <p:cBhvr>
+                                        <p:cTn id="6" dur="1" fill="hold">
+                                          <p:stCondLst>
+                                            <p:cond delay="0"/>
+                                          </p:stCondLst>
+                                        </p:cTn>
+                                        <p:tgtEl>
+                                          <p:spTgt spid="542723">
+                                            <p:txEl>
+                                              <p:pRg st="1" end="1"/>
+                                            </p:txEl>
+                                          </p:spTgt>
+                                        </p:tgtEl>
+                                        <p:attrNameLst>
+                                          <p:attrName>style.visibility</p:attrName>
+                                        </p:attrNameLst>
+                                      </p:cBhvr>
+                                      <p:to>
+                                        <p:strVal val="visible"/>
+                                      </p:to>
+                                    </p:set>
+                                  </p:childTnLst>
+                                </p:cTn>
+                              </p:par>
+                            </p:childTnLst>
+                          </p:cTn>
+                        </p:par>
+                      </p:childTnLst>
+                    </p:cTn>
+                  </p:par>
+                  <p:par>
+                    <p:cTn id="7" fill="hold">
+                      <p:stCondLst>
+                        <p:cond delay="indefinite"/>
+                      </p:stCondLst>
+                      <p:childTnLst>
+                        <p:par>
+                          <p:cTn id="8" fill="hold">
+                            <p:stCondLst>
+                              <p:cond delay="0"/>
+                            </p:stCondLst>
+                            <p:childTnLst>
+                              <p:par>
+                                <p:cTn id="9" presetID="1" presetClass="entr" presetSubtype="0" fill="hold" grpId="0" nodeType="clickEffect">
+                                  <p:stCondLst>
+                                    <p:cond delay="0"/>
+                                  </p:stCondLst>
+                                  <p:childTnLst>
+                                    <p:set>
+                                      <p:cBhvr>
+                                        <p:cTn id="10" dur="1" fill="hold">
+                                          <p:stCondLst>
+                                            <p:cond delay="0"/>
+                                          </p:stCondLst>
+                                        </p:cTn>
+                                        <p:tgtEl>
+                                          <p:spTgt spid="542724"/>
+                                        </p:tgtEl>
+                                        <p:attrNameLst>
+                                          <p:attrName>style.visibility</p:attrName>
+                                        </p:attrNameLst>
+                                      </p:cBhvr>
+                                      <p:to>
+                                        <p:strVal val="visible"/>
+                                      </p:to>
+                                    </p:set>
+                                  </p:childTnLst>
+                                </p:cTn>
+                              </p:par>
+                            </p:childTnLst>
+                          </p:cTn>
+                        </p:par>
+                      </p:childTnLst>
+                    </p:cTn>
+                  </p:par>
+                  <p:par>
+                    <p:cTn id="11" fill="hold">
+                      <p:stCondLst>
+                        <p:cond delay="indefinite"/>
+                      </p:stCondLst>
+                      <p:childTnLst>
+                        <p:par>
+                          <p:cTn id="12" fill="hold">
+                            <p:stCondLst>
+                              <p:cond delay="0"/>
+                            </p:stCondLst>
+                            <p:childTnLst>
+                              <p:par>
+                                <p:cTn id="13" presetID="1" presetClass="entr" presetSubtype="0" fill="hold" nodeType="clickEffect">
+                                  <p:stCondLst>
+                                    <p:cond delay="0"/>
+                                  </p:stCondLst>
+                                  <p:childTnLst>
+                                    <p:set>
+                                      <p:cBhvr>
+                                        <p:cTn id="14" dur="1" fill="hold">
+                                          <p:stCondLst>
+                                            <p:cond delay="0"/>
+                                          </p:stCondLst>
+                                        </p:cTn>
+                                        <p:tgtEl>
+                                          <p:spTgt spid="542725"/>
+                                        </p:tgtEl>
+                                        <p:attrNameLst>
+                                          <p:attrName>style.visibility</p:attrName>
+                                        </p:attrNameLst>
+                                      </p:cBhvr>
+                                      <p:to>
+                                        <p:strVal val="visible"/>
+                                      </p:to>
+                                    </p:set>
+                                  </p:childTnLst>
+                                </p:cTn>
+                              </p:par>
+                            </p:childTnLst>
+                          </p:cTn>
+                        </p:par>
+                      </p:childTnLst>
+                    </p:cTn>
+                  </p:par>
+                </p:childTnLst>
+              </p:cTn>
+              <p:prevCondLst>
+                <p:cond evt="onPrev" delay="0">
+                  <p:tgtEl>
+                    <p:sldTgt/>
+                  </p:tgtEl>
+                </p:cond>
+              </p:prevCondLst>
+              <p:nextCondLst>
+                <p:cond evt="onNext" delay="0">
+                  <p:tgtEl>
+                    <p:sldTgt/>
+                  </p:tgtEl>
+                </p:cond>
+              </p:nextCondLst>
+            </p:seq>
+          </p:childTnLst>
+        </p:cTn>
+      </p:par>
+    </p:tnLst>
+    <p:bldLst>
+      <p:bldP spid="542724" grpId="0" animBg="1"/>
+    </p:bldLst>
+  </p:timing>
+</p:sld>
+</file>
+
+<file path=ppt/slides/slide21.xml><?xml version="1.0" encoding="utf-8"?>
+<p:sld xmlns:a="http://schemas.openxmlformats.org/drawingml/2006/main" xmlns:r="http://schemas.openxmlformats.org/officeDocument/2006/relationships" xmlns:p="http://schemas.openxmlformats.org/presentationml/2006/main">
+  <p:cSld>
+    <p:spTree>
+      <p:nvGrpSpPr>
+        <p:cNvPr id="1" name=""/>
+        <p:cNvGrpSpPr/>
+        <p:nvPr/>
+      </p:nvGrpSpPr>
+      <p:grpSpPr>
+        <a:xfrm>
+          <a:off x="0" y="0"/>
+          <a:ext cx="0" cy="0"/>
+          <a:chOff x="0" y="0"/>
+          <a:chExt cx="0" cy="0"/>
+        </a:xfrm>
+      </p:grpSpPr>
+      <p:sp>
+        <p:nvSpPr>
           <p:cNvPr id="529411" name="Rectangle 3"/>
           <p:cNvSpPr>
             <a:spLocks noGrp="1" noChangeArrowheads="1"/>
@@ -30275,7 +30403,7 @@
             <a:fld id="{2BF067CD-8E6B-4360-9AA8-C5DF2A48A6D1}" type="slidenum">
               <a:rPr lang="en-US" smtClean="0"/>
               <a:pPr/>
-              <a:t>20</a:t>
+              <a:t>21</a:t>
             </a:fld>
             <a:endParaRPr lang="en-US" dirty="0"/>
           </a:p>
@@ -30370,7 +30498,7 @@
 </p:sld>
 </file>
 
-<file path=ppt/slides/slide21.xml><?xml version="1.0" encoding="utf-8"?>
+<file path=ppt/slides/slide22.xml><?xml version="1.0" encoding="utf-8"?>
 <p:sld xmlns:a="http://schemas.openxmlformats.org/drawingml/2006/main" xmlns:r="http://schemas.openxmlformats.org/officeDocument/2006/relationships" xmlns:p="http://schemas.openxmlformats.org/presentationml/2006/main">
   <p:cSld>
     <p:spTree>
@@ -32864,7 +32992,7 @@
             <a:fld id="{2BF067CD-8E6B-4360-9AA8-C5DF2A48A6D1}" type="slidenum">
               <a:rPr lang="en-US" smtClean="0"/>
               <a:pPr/>
-              <a:t>21</a:t>
+              <a:t>22</a:t>
             </a:fld>
             <a:endParaRPr lang="en-US" dirty="0"/>
           </a:p>
@@ -32959,7 +33087,7 @@
 </p:sld>
 </file>
 
-<file path=ppt/slides/slide22.xml><?xml version="1.0" encoding="utf-8"?>
+<file path=ppt/slides/slide23.xml><?xml version="1.0" encoding="utf-8"?>
 <p:sld xmlns:a="http://schemas.openxmlformats.org/drawingml/2006/main" xmlns:r="http://schemas.openxmlformats.org/officeDocument/2006/relationships" xmlns:p="http://schemas.openxmlformats.org/presentationml/2006/main">
   <p:cSld>
     <p:spTree>
@@ -34014,7 +34142,7 @@
             <a:fld id="{2BF067CD-8E6B-4360-9AA8-C5DF2A48A6D1}" type="slidenum">
               <a:rPr lang="en-US" smtClean="0"/>
               <a:pPr/>
-              <a:t>22</a:t>
+              <a:t>23</a:t>
             </a:fld>
             <a:endParaRPr lang="en-US" dirty="0"/>
           </a:p>
@@ -34109,7 +34237,7 @@
 </p:sld>
 </file>
 
-<file path=ppt/slides/slide23.xml><?xml version="1.0" encoding="utf-8"?>
+<file path=ppt/slides/slide24.xml><?xml version="1.0" encoding="utf-8"?>
 <p:sld xmlns:a="http://schemas.openxmlformats.org/drawingml/2006/main" xmlns:r="http://schemas.openxmlformats.org/officeDocument/2006/relationships" xmlns:p="http://schemas.openxmlformats.org/presentationml/2006/main">
   <p:cSld>
     <p:spTree>
@@ -36530,7 +36658,7 @@
             <a:fld id="{2BF067CD-8E6B-4360-9AA8-C5DF2A48A6D1}" type="slidenum">
               <a:rPr lang="en-US" noProof="0" smtClean="0"/>
               <a:pPr/>
-              <a:t>23</a:t>
+              <a:t>24</a:t>
             </a:fld>
             <a:endParaRPr lang="en-US" noProof="0" dirty="0"/>
           </a:p>
@@ -36550,7 +36678,7 @@
 </p:sld>
 </file>
 
-<file path=ppt/slides/slide24.xml><?xml version="1.0" encoding="utf-8"?>
+<file path=ppt/slides/slide25.xml><?xml version="1.0" encoding="utf-8"?>
 <p:sld xmlns:a="http://schemas.openxmlformats.org/drawingml/2006/main" xmlns:r="http://schemas.openxmlformats.org/officeDocument/2006/relationships" xmlns:p="http://schemas.openxmlformats.org/presentationml/2006/main">
   <p:cSld>
     <p:spTree>
@@ -37261,7 +37389,7 @@
             <a:fld id="{2BF067CD-8E6B-4360-9AA8-C5DF2A48A6D1}" type="slidenum">
               <a:rPr lang="en-US" noProof="0" smtClean="0"/>
               <a:pPr/>
-              <a:t>24</a:t>
+              <a:t>25</a:t>
             </a:fld>
             <a:endParaRPr lang="en-US" noProof="0" dirty="0"/>
           </a:p>
@@ -37674,7 +37802,7 @@
 </p:sld>
 </file>
 
-<file path=ppt/slides/slide25.xml><?xml version="1.0" encoding="utf-8"?>
+<file path=ppt/slides/slide26.xml><?xml version="1.0" encoding="utf-8"?>
 <p:sld xmlns:a="http://schemas.openxmlformats.org/drawingml/2006/main" xmlns:r="http://schemas.openxmlformats.org/officeDocument/2006/relationships" xmlns:p="http://schemas.openxmlformats.org/presentationml/2006/main">
   <p:cSld>
     <p:spTree>
@@ -37864,7 +37992,7 @@
 </p:sld>
 </file>
 
-<file path=ppt/slides/slide26.xml><?xml version="1.0" encoding="utf-8"?>
+<file path=ppt/slides/slide27.xml><?xml version="1.0" encoding="utf-8"?>
 <p:sld xmlns:a="http://schemas.openxmlformats.org/drawingml/2006/main" xmlns:r="http://schemas.openxmlformats.org/officeDocument/2006/relationships" xmlns:p="http://schemas.openxmlformats.org/presentationml/2006/main" show="0">
   <p:cSld>
     <p:spTree>
@@ -38220,7 +38348,7 @@
             <a:fld id="{2BF067CD-8E6B-4360-9AA8-C5DF2A48A6D1}" type="slidenum">
               <a:rPr lang="en-US" noProof="0" smtClean="0"/>
               <a:pPr/>
-              <a:t>26</a:t>
+              <a:t>27</a:t>
             </a:fld>
             <a:endParaRPr lang="en-US" noProof="0" dirty="0"/>
           </a:p>
@@ -38236,11 +38364,11 @@
   <p:clrMapOvr>
     <a:masterClrMapping/>
   </p:clrMapOvr>
-  <mc:AlternateContent xmlns:mc="http://schemas.openxmlformats.org/markup-compatibility/2006">
-    <mc:Choice xmlns:p14="http://schemas.microsoft.com/office/powerpoint/2010/main" Requires="p14">
+  <mc:AlternateContent xmlns:mc="http://schemas.openxmlformats.org/markup-compatibility/2006" xmlns:p14="http://schemas.microsoft.com/office/powerpoint/2010/main">
+    <mc:Choice Requires="p14">
       <p:transition spd="slow" p14:dur="2000" advClick="0" advTm="5000"/>
     </mc:Choice>
-    <mc:Fallback>
+    <mc:Fallback xmlns="">
       <p:transition spd="slow" advClick="0" advTm="5000"/>
     </mc:Fallback>
   </mc:AlternateContent>
@@ -41992,7 +42120,7 @@
             </a:r>
             <a:r>
               <a:rPr lang="bg-BG" dirty="0"/>
-              <a:t>Пример</a:t>
+              <a:t>Пример (1)</a:t>
             </a:r>
           </a:p>
         </p:txBody>
@@ -42007,8 +42135,8 @@
         </p:nvSpPr>
         <p:spPr bwMode="auto">
           <a:xfrm>
-            <a:off x="1980714" y="1905000"/>
-            <a:ext cx="8230573" cy="2400657"/>
+            <a:off x="1338357" y="1899000"/>
+            <a:ext cx="9515286" cy="2400657"/>
           </a:xfrm>
           <a:prstGeom prst="rect">
             <a:avLst/>
@@ -42052,7 +42180,7 @@
                 <a:latin typeface="Consolas" pitchFamily="49" charset="0"/>
                 <a:cs typeface="Consolas" pitchFamily="49" charset="0"/>
               </a:rPr>
-              <a:t>SELECT e</a:t>
+              <a:t>SELECT Employees</a:t>
             </a:r>
             <a:r>
               <a:rPr lang="en-US" sz="3000" b="1" noProof="1">
@@ -42069,7 +42197,7 @@
                 <a:latin typeface="Consolas" pitchFamily="49" charset="0"/>
                 <a:cs typeface="Consolas" pitchFamily="49" charset="0"/>
               </a:rPr>
-              <a:t>d</a:t>
+              <a:t>Departments</a:t>
             </a:r>
             <a:r>
               <a:rPr lang="en-US" sz="3000" b="1" noProof="1">
@@ -42104,18 +42232,15 @@
                 <a:latin typeface="Consolas" pitchFamily="49" charset="0"/>
                 <a:cs typeface="Consolas" pitchFamily="49" charset="0"/>
               </a:rPr>
-              <a:t>Employees AS </a:t>
-            </a:r>
-            <a:r>
-              <a:rPr lang="en-US" sz="3000" b="1" noProof="1">
-                <a:solidFill>
-                  <a:schemeClr val="bg1"/>
-                </a:solidFill>
-                <a:latin typeface="Consolas" pitchFamily="49" charset="0"/>
-                <a:cs typeface="Consolas" pitchFamily="49" charset="0"/>
-              </a:rPr>
-              <a:t>e</a:t>
-            </a:r>
+              <a:t>Employees</a:t>
+            </a:r>
+            <a:endParaRPr lang="en-US" sz="3000" b="1" noProof="1">
+              <a:solidFill>
+                <a:schemeClr val="bg1"/>
+              </a:solidFill>
+              <a:latin typeface="Consolas" pitchFamily="49" charset="0"/>
+              <a:cs typeface="Consolas" pitchFamily="49" charset="0"/>
+            </a:endParaRPr>
           </a:p>
           <a:p>
             <a:pPr eaLnBrk="0" hangingPunct="0">
@@ -42142,18 +42267,15 @@
                 <a:latin typeface="Consolas" pitchFamily="49" charset="0"/>
                 <a:cs typeface="Consolas" pitchFamily="49" charset="0"/>
               </a:rPr>
-              <a:t> Departments AS </a:t>
-            </a:r>
-            <a:r>
-              <a:rPr lang="en-US" sz="3000" b="1" noProof="1">
-                <a:solidFill>
-                  <a:schemeClr val="bg1"/>
-                </a:solidFill>
-                <a:latin typeface="Consolas" pitchFamily="49" charset="0"/>
-                <a:cs typeface="Consolas" pitchFamily="49" charset="0"/>
-              </a:rPr>
-              <a:t>d</a:t>
-            </a:r>
+              <a:t> Departments</a:t>
+            </a:r>
+            <a:endParaRPr lang="en-US" sz="3000" b="1" noProof="1">
+              <a:solidFill>
+                <a:schemeClr val="bg1"/>
+              </a:solidFill>
+              <a:latin typeface="Consolas" pitchFamily="49" charset="0"/>
+              <a:cs typeface="Consolas" pitchFamily="49" charset="0"/>
+            </a:endParaRPr>
           </a:p>
           <a:p>
             <a:pPr eaLnBrk="0" hangingPunct="0">
@@ -42190,7 +42312,7 @@
                 <a:latin typeface="Consolas" pitchFamily="49" charset="0"/>
                 <a:cs typeface="Consolas" pitchFamily="49" charset="0"/>
               </a:rPr>
-              <a:t>e</a:t>
+              <a:t>Employees</a:t>
             </a:r>
             <a:r>
               <a:rPr lang="en-US" sz="3000" b="1" noProof="1">
@@ -42207,7 +42329,7 @@
                 <a:latin typeface="Consolas" pitchFamily="49" charset="0"/>
                 <a:cs typeface="Consolas" pitchFamily="49" charset="0"/>
               </a:rPr>
-              <a:t>d</a:t>
+              <a:t>Departments</a:t>
             </a:r>
             <a:r>
               <a:rPr lang="en-US" sz="3000" b="1" noProof="1">
@@ -42230,12 +42352,12 @@
         <p:spPr bwMode="auto">
           <a:xfrm>
             <a:off x="5867400" y="4572000"/>
-            <a:ext cx="2209800" cy="685800"/>
+            <a:ext cx="2209800" cy="927000"/>
           </a:xfrm>
           <a:prstGeom prst="wedgeRoundRectCallout">
             <a:avLst>
-              <a:gd name="adj1" fmla="val -45738"/>
-              <a:gd name="adj2" fmla="val -93628"/>
+              <a:gd name="adj1" fmla="val -46214"/>
+              <a:gd name="adj2" fmla="val -84558"/>
               <a:gd name="adj3" fmla="val 16667"/>
             </a:avLst>
           </a:prstGeom>
@@ -42286,7 +42408,7 @@
                   <a:srgbClr val="FFFFFF"/>
                 </a:solidFill>
               </a:rPr>
-              <a:t>Условие</a:t>
+              <a:t>Условие за свързване</a:t>
             </a:r>
             <a:endParaRPr lang="en-US" sz="2399" b="1" noProof="1">
               <a:solidFill>
@@ -42438,6 +42560,382 @@
 </file>
 
 <file path=ppt/slides/slide7.xml><?xml version="1.0" encoding="utf-8"?>
+<p:sld xmlns:a="http://schemas.openxmlformats.org/drawingml/2006/main" xmlns:r="http://schemas.openxmlformats.org/officeDocument/2006/relationships" xmlns:p="http://schemas.openxmlformats.org/presentationml/2006/main">
+  <p:cSld>
+    <p:spTree>
+      <p:nvGrpSpPr>
+        <p:cNvPr id="1" name=""/>
+        <p:cNvGrpSpPr/>
+        <p:nvPr/>
+      </p:nvGrpSpPr>
+      <p:grpSpPr>
+        <a:xfrm>
+          <a:off x="0" y="0"/>
+          <a:ext cx="0" cy="0"/>
+          <a:chOff x="0" y="0"/>
+          <a:chExt cx="0" cy="0"/>
+        </a:xfrm>
+      </p:grpSpPr>
+      <p:sp>
+        <p:nvSpPr>
+          <p:cNvPr id="3" name="Slide Number">
+            <a:extLst>
+              <a:ext uri="{FF2B5EF4-FFF2-40B4-BE49-F238E27FC236}">
+                <a16:creationId xmlns:a16="http://schemas.microsoft.com/office/drawing/2014/main" id="{B641E589-4E7E-7222-8F8C-3766CAEAA2EA}"/>
+              </a:ext>
+            </a:extLst>
+          </p:cNvPr>
+          <p:cNvSpPr>
+            <a:spLocks noGrp="1"/>
+          </p:cNvSpPr>
+          <p:nvPr>
+            <p:ph type="sldNum" sz="quarter" idx="5"/>
+          </p:nvPr>
+        </p:nvSpPr>
+        <p:spPr>
+          <a:xfrm>
+            <a:off x="11753030" y="6507000"/>
+            <a:ext cx="367414" cy="297000"/>
+          </a:xfrm>
+        </p:spPr>
+        <p:txBody>
+          <a:bodyPr vert="horz" lIns="91440" tIns="45720" rIns="91440" bIns="45720" rtlCol="0" anchor="b"/>
+          <a:lstStyle>
+            <a:lvl1pPr algn="r">
+              <a:defRPr sz="1000"/>
+            </a:lvl1pPr>
+          </a:lstStyle>
+          <a:p>
+            <a:fld id="{2BF067CD-8E6B-4360-9AA8-C5DF2A48A6D1}" type="slidenum">
+              <a:rPr lang="en-US" noProof="0" smtClean="0"/>
+              <a:pPr/>
+              <a:t>7</a:t>
+            </a:fld>
+            <a:endParaRPr lang="en-US" noProof="0" dirty="0"/>
+          </a:p>
+        </p:txBody>
+      </p:sp>
+      <p:sp>
+        <p:nvSpPr>
+          <p:cNvPr id="8" name="Text Placeholder 7">
+            <a:extLst>
+              <a:ext uri="{FF2B5EF4-FFF2-40B4-BE49-F238E27FC236}">
+                <a16:creationId xmlns:a16="http://schemas.microsoft.com/office/drawing/2014/main" id="{C3FFB4CB-016C-896F-ACD7-0E7B7BB55CFD}"/>
+              </a:ext>
+            </a:extLst>
+          </p:cNvPr>
+          <p:cNvSpPr>
+            <a:spLocks noGrp="1"/>
+          </p:cNvSpPr>
+          <p:nvPr>
+            <p:ph type="body" sz="quarter" idx="10"/>
+          </p:nvPr>
+        </p:nvSpPr>
+        <p:spPr/>
+        <p:txBody>
+          <a:bodyPr/>
+          <a:lstStyle/>
+          <a:p>
+            <a:r>
+              <a:rPr lang="bg-BG" dirty="0"/>
+              <a:t>При този тип заявки често се използват </a:t>
+            </a:r>
+            <a:r>
+              <a:rPr lang="bg-BG" b="1" dirty="0">
+                <a:solidFill>
+                  <a:schemeClr val="bg1"/>
+                </a:solidFill>
+              </a:rPr>
+              <a:t>съкратени имена </a:t>
+            </a:r>
+            <a:r>
+              <a:rPr lang="bg-BG" dirty="0"/>
+              <a:t>на таблиците:</a:t>
+            </a:r>
+          </a:p>
+        </p:txBody>
+      </p:sp>
+      <p:sp>
+        <p:nvSpPr>
+          <p:cNvPr id="4" name="Title 3">
+            <a:extLst>
+              <a:ext uri="{FF2B5EF4-FFF2-40B4-BE49-F238E27FC236}">
+                <a16:creationId xmlns:a16="http://schemas.microsoft.com/office/drawing/2014/main" id="{4385C1D4-BD7A-773D-B04C-6A53C30B43DB}"/>
+              </a:ext>
+            </a:extLst>
+          </p:cNvPr>
+          <p:cNvSpPr>
+            <a:spLocks noGrp="1"/>
+          </p:cNvSpPr>
+          <p:nvPr>
+            <p:ph type="title"/>
+          </p:nvPr>
+        </p:nvSpPr>
+        <p:spPr>
+          <a:xfrm>
+            <a:off x="190406" y="100750"/>
+            <a:ext cx="10270594" cy="882654"/>
+          </a:xfrm>
+        </p:spPr>
+        <p:txBody>
+          <a:bodyPr/>
+          <a:lstStyle/>
+          <a:p>
+            <a:r>
+              <a:rPr lang="en-US" dirty="0"/>
+              <a:t>SQL Join – </a:t>
+            </a:r>
+            <a:r>
+              <a:rPr lang="bg-BG" dirty="0"/>
+              <a:t>Пример (2)</a:t>
+            </a:r>
+          </a:p>
+        </p:txBody>
+      </p:sp>
+      <p:sp>
+        <p:nvSpPr>
+          <p:cNvPr id="6" name="Rectangle 4"/>
+          <p:cNvSpPr>
+            <a:spLocks noChangeArrowheads="1"/>
+          </p:cNvSpPr>
+          <p:nvPr/>
+        </p:nvSpPr>
+        <p:spPr bwMode="auto">
+          <a:xfrm>
+            <a:off x="1980713" y="2934000"/>
+            <a:ext cx="8230573" cy="2400657"/>
+          </a:xfrm>
+          <a:prstGeom prst="rect">
+            <a:avLst/>
+          </a:prstGeom>
+          <a:solidFill>
+            <a:schemeClr val="accent5">
+              <a:lumMod val="40000"/>
+              <a:lumOff val="60000"/>
+              <a:alpha val="15000"/>
+            </a:schemeClr>
+          </a:solidFill>
+          <a:ln w="12700">
+            <a:solidFill>
+              <a:schemeClr val="accent5">
+                <a:lumMod val="60000"/>
+                <a:lumOff val="40000"/>
+              </a:schemeClr>
+            </a:solidFill>
+          </a:ln>
+        </p:spPr>
+        <p:txBody>
+          <a:bodyPr wrap="square">
+            <a:spAutoFit/>
+          </a:bodyPr>
+          <a:lstStyle/>
+          <a:p>
+            <a:pPr eaLnBrk="0" hangingPunct="0">
+              <a:buClr>
+                <a:schemeClr val="accent5">
+                  <a:lumMod val="40000"/>
+                  <a:lumOff val="60000"/>
+                </a:schemeClr>
+              </a:buClr>
+              <a:buSzPct val="70000"/>
+            </a:pPr>
+            <a:r>
+              <a:rPr lang="en-US" sz="3000" b="1" noProof="1">
+                <a:solidFill>
+                  <a:schemeClr val="bg1"/>
+                </a:solidFill>
+                <a:latin typeface="Consolas" pitchFamily="49" charset="0"/>
+                <a:cs typeface="Consolas" pitchFamily="49" charset="0"/>
+              </a:rPr>
+              <a:t>SELECT e</a:t>
+            </a:r>
+            <a:r>
+              <a:rPr lang="en-US" sz="3000" b="1" noProof="1">
+                <a:latin typeface="Consolas" pitchFamily="49" charset="0"/>
+                <a:cs typeface="Consolas" pitchFamily="49" charset="0"/>
+              </a:rPr>
+              <a:t>.LastName, </a:t>
+            </a:r>
+            <a:r>
+              <a:rPr lang="en-US" sz="3000" b="1" noProof="1">
+                <a:solidFill>
+                  <a:schemeClr val="bg1"/>
+                </a:solidFill>
+                <a:latin typeface="Consolas" pitchFamily="49" charset="0"/>
+                <a:cs typeface="Consolas" pitchFamily="49" charset="0"/>
+              </a:rPr>
+              <a:t>d</a:t>
+            </a:r>
+            <a:r>
+              <a:rPr lang="en-US" sz="3000" b="1" noProof="1">
+                <a:latin typeface="Consolas" pitchFamily="49" charset="0"/>
+                <a:cs typeface="Consolas" pitchFamily="49" charset="0"/>
+              </a:rPr>
+              <a:t>.Name AS DepartmentName</a:t>
+            </a:r>
+          </a:p>
+          <a:p>
+            <a:pPr eaLnBrk="0" hangingPunct="0">
+              <a:buClr>
+                <a:schemeClr val="accent5">
+                  <a:lumMod val="40000"/>
+                  <a:lumOff val="60000"/>
+                </a:schemeClr>
+              </a:buClr>
+              <a:buSzPct val="70000"/>
+            </a:pPr>
+            <a:r>
+              <a:rPr lang="en-US" sz="3000" b="1" noProof="1">
+                <a:solidFill>
+                  <a:schemeClr val="bg1"/>
+                </a:solidFill>
+                <a:latin typeface="Consolas" pitchFamily="49" charset="0"/>
+                <a:cs typeface="Consolas" pitchFamily="49" charset="0"/>
+              </a:rPr>
+              <a:t>FROM </a:t>
+            </a:r>
+            <a:r>
+              <a:rPr lang="en-US" sz="3000" b="1" noProof="1">
+                <a:latin typeface="Consolas" pitchFamily="49" charset="0"/>
+                <a:cs typeface="Consolas" pitchFamily="49" charset="0"/>
+              </a:rPr>
+              <a:t>Employees AS </a:t>
+            </a:r>
+            <a:r>
+              <a:rPr lang="en-US" sz="3000" b="1" noProof="1">
+                <a:solidFill>
+                  <a:schemeClr val="bg1"/>
+                </a:solidFill>
+                <a:latin typeface="Consolas" pitchFamily="49" charset="0"/>
+                <a:cs typeface="Consolas" pitchFamily="49" charset="0"/>
+              </a:rPr>
+              <a:t>e</a:t>
+            </a:r>
+          </a:p>
+          <a:p>
+            <a:pPr eaLnBrk="0" hangingPunct="0">
+              <a:buClr>
+                <a:schemeClr val="accent5">
+                  <a:lumMod val="40000"/>
+                  <a:lumOff val="60000"/>
+                </a:schemeClr>
+              </a:buClr>
+              <a:buSzPct val="70000"/>
+            </a:pPr>
+            <a:r>
+              <a:rPr lang="en-US" sz="3000" b="1" noProof="1">
+                <a:solidFill>
+                  <a:schemeClr val="bg1"/>
+                </a:solidFill>
+                <a:latin typeface="Consolas" pitchFamily="49" charset="0"/>
+                <a:cs typeface="Consolas" pitchFamily="49" charset="0"/>
+              </a:rPr>
+              <a:t>JOIN</a:t>
+            </a:r>
+            <a:r>
+              <a:rPr lang="en-US" sz="3000" b="1" noProof="1">
+                <a:latin typeface="Consolas" pitchFamily="49" charset="0"/>
+                <a:cs typeface="Consolas" pitchFamily="49" charset="0"/>
+              </a:rPr>
+              <a:t> Departments AS </a:t>
+            </a:r>
+            <a:r>
+              <a:rPr lang="en-US" sz="3000" b="1" noProof="1">
+                <a:solidFill>
+                  <a:schemeClr val="bg1"/>
+                </a:solidFill>
+                <a:latin typeface="Consolas" pitchFamily="49" charset="0"/>
+                <a:cs typeface="Consolas" pitchFamily="49" charset="0"/>
+              </a:rPr>
+              <a:t>d</a:t>
+            </a:r>
+          </a:p>
+          <a:p>
+            <a:pPr eaLnBrk="0" hangingPunct="0">
+              <a:buClr>
+                <a:schemeClr val="accent5">
+                  <a:lumMod val="40000"/>
+                  <a:lumOff val="60000"/>
+                </a:schemeClr>
+              </a:buClr>
+              <a:buSzPct val="70000"/>
+            </a:pPr>
+            <a:r>
+              <a:rPr lang="en-US" sz="3000" b="1" noProof="1">
+                <a:solidFill>
+                  <a:schemeClr val="bg1"/>
+                </a:solidFill>
+                <a:latin typeface="Consolas" pitchFamily="49" charset="0"/>
+                <a:cs typeface="Consolas" pitchFamily="49" charset="0"/>
+              </a:rPr>
+              <a:t>ON</a:t>
+            </a:r>
+            <a:r>
+              <a:rPr lang="en-US" sz="3000" b="1" noProof="1">
+                <a:latin typeface="Consolas" pitchFamily="49" charset="0"/>
+                <a:cs typeface="Consolas" pitchFamily="49" charset="0"/>
+              </a:rPr>
+              <a:t> </a:t>
+            </a:r>
+            <a:r>
+              <a:rPr lang="en-US" sz="3000" b="1" noProof="1">
+                <a:solidFill>
+                  <a:schemeClr val="bg1"/>
+                </a:solidFill>
+                <a:latin typeface="Consolas" pitchFamily="49" charset="0"/>
+                <a:cs typeface="Consolas" pitchFamily="49" charset="0"/>
+              </a:rPr>
+              <a:t>e</a:t>
+            </a:r>
+            <a:r>
+              <a:rPr lang="en-US" sz="3000" b="1" noProof="1">
+                <a:latin typeface="Consolas" pitchFamily="49" charset="0"/>
+                <a:cs typeface="Consolas" pitchFamily="49" charset="0"/>
+              </a:rPr>
+              <a:t>.DepartmentId = </a:t>
+            </a:r>
+            <a:r>
+              <a:rPr lang="en-US" sz="3000" b="1" noProof="1">
+                <a:solidFill>
+                  <a:schemeClr val="bg1"/>
+                </a:solidFill>
+                <a:latin typeface="Consolas" pitchFamily="49" charset="0"/>
+                <a:cs typeface="Consolas" pitchFamily="49" charset="0"/>
+              </a:rPr>
+              <a:t>d</a:t>
+            </a:r>
+            <a:r>
+              <a:rPr lang="en-US" sz="3000" b="1" noProof="1">
+                <a:latin typeface="Consolas" pitchFamily="49" charset="0"/>
+                <a:cs typeface="Consolas" pitchFamily="49" charset="0"/>
+              </a:rPr>
+              <a:t>.Id</a:t>
+            </a:r>
+          </a:p>
+        </p:txBody>
+      </p:sp>
+    </p:spTree>
+    <p:extLst>
+      <p:ext uri="{BB962C8B-B14F-4D97-AF65-F5344CB8AC3E}">
+        <p14:creationId xmlns:p14="http://schemas.microsoft.com/office/powerpoint/2010/main" val="518580081"/>
+      </p:ext>
+    </p:extLst>
+  </p:cSld>
+  <p:clrMapOvr>
+    <a:masterClrMapping/>
+  </p:clrMapOvr>
+  <mc:AlternateContent xmlns:mc="http://schemas.openxmlformats.org/markup-compatibility/2006">
+    <mc:Choice xmlns:p14="http://schemas.microsoft.com/office/powerpoint/2010/main" Requires="p14">
+      <p:transition spd="slow" p14:dur="2000" advClick="0" advTm="5000"/>
+    </mc:Choice>
+    <mc:Fallback>
+      <p:transition spd="slow" advClick="0" advTm="5000"/>
+    </mc:Fallback>
+  </mc:AlternateContent>
+</p:sld>
+</file>
+
+<file path=ppt/slides/slide8.xml><?xml version="1.0" encoding="utf-8"?>
 <p:sld xmlns:a="http://schemas.openxmlformats.org/drawingml/2006/main" xmlns:r="http://schemas.openxmlformats.org/officeDocument/2006/relationships" xmlns:p="http://schemas.openxmlformats.org/presentationml/2006/main">
   <p:cSld>
     <p:spTree>
@@ -42890,7 +43388,7 @@
             <a:fld id="{2BF067CD-8E6B-4360-9AA8-C5DF2A48A6D1}" type="slidenum">
               <a:rPr lang="en-US" noProof="0" smtClean="0"/>
               <a:pPr/>
-              <a:t>7</a:t>
+              <a:t>8</a:t>
             </a:fld>
             <a:endParaRPr lang="en-US" noProof="0" dirty="0"/>
           </a:p>
@@ -43136,7 +43634,7 @@
 </p:sld>
 </file>
 
-<file path=ppt/slides/slide8.xml><?xml version="1.0" encoding="utf-8"?>
+<file path=ppt/slides/slide9.xml><?xml version="1.0" encoding="utf-8"?>
 <p:sld xmlns:a="http://schemas.openxmlformats.org/drawingml/2006/main" xmlns:r="http://schemas.openxmlformats.org/officeDocument/2006/relationships" xmlns:p="http://schemas.openxmlformats.org/presentationml/2006/main">
   <p:cSld>
     <p:spTree>
@@ -44865,7 +45363,7 @@
             <a:fld id="{2BF067CD-8E6B-4360-9AA8-C5DF2A48A6D1}" type="slidenum">
               <a:rPr lang="en-US" noProof="0" smtClean="0"/>
               <a:pPr/>
-              <a:t>8</a:t>
+              <a:t>9</a:t>
             </a:fld>
             <a:endParaRPr lang="en-US" noProof="0" dirty="0"/>
           </a:p>
@@ -44988,132 +45486,6 @@
       </p:par>
     </p:tnLst>
   </p:timing>
-</p:sld>
-</file>
-
-<file path=ppt/slides/slide9.xml><?xml version="1.0" encoding="utf-8"?>
-<p:sld xmlns:a="http://schemas.openxmlformats.org/drawingml/2006/main" xmlns:r="http://schemas.openxmlformats.org/officeDocument/2006/relationships" xmlns:p="http://schemas.openxmlformats.org/presentationml/2006/main">
-  <p:cSld>
-    <p:spTree>
-      <p:nvGrpSpPr>
-        <p:cNvPr id="1" name=""/>
-        <p:cNvGrpSpPr/>
-        <p:nvPr/>
-      </p:nvGrpSpPr>
-      <p:grpSpPr>
-        <a:xfrm>
-          <a:off x="0" y="0"/>
-          <a:ext cx="0" cy="0"/>
-          <a:chOff x="0" y="0"/>
-          <a:chExt cx="0" cy="0"/>
-        </a:xfrm>
-      </p:grpSpPr>
-      <p:pic>
-        <p:nvPicPr>
-          <p:cNvPr id="37890" name="Picture 2" descr="Join, indexes, table, connection, conjunction, excel, compound icon -  Download on Iconfinder"/>
-          <p:cNvPicPr>
-            <a:picLocks noChangeAspect="1" noChangeArrowheads="1"/>
-          </p:cNvPicPr>
-          <p:nvPr/>
-        </p:nvPicPr>
-        <p:blipFill>
-          <a:blip r:embed="rId2" cstate="print"/>
-          <a:srcRect/>
-          <a:stretch>
-            <a:fillRect/>
-          </a:stretch>
-        </p:blipFill>
-        <p:spPr bwMode="auto">
-          <a:xfrm>
-            <a:off x="4762500" y="1371601"/>
-            <a:ext cx="2590799" cy="2590800"/>
-          </a:xfrm>
-          <a:prstGeom prst="rect">
-            <a:avLst/>
-          </a:prstGeom>
-          <a:noFill/>
-        </p:spPr>
-      </p:pic>
-      <p:sp>
-        <p:nvSpPr>
-          <p:cNvPr id="4" name="Подзаглавие 3">
-            <a:extLst>
-              <a:ext uri="{FF2B5EF4-FFF2-40B4-BE49-F238E27FC236}">
-                <a16:creationId xmlns:a16="http://schemas.microsoft.com/office/drawing/2014/main" id="{64374B73-6A38-D6DC-4070-54DB00E79E44}"/>
-              </a:ext>
-            </a:extLst>
-          </p:cNvPr>
-          <p:cNvSpPr>
-            <a:spLocks noGrp="1"/>
-          </p:cNvSpPr>
-          <p:nvPr>
-            <p:ph type="subTitle" sz="quarter" idx="11"/>
-          </p:nvPr>
-        </p:nvSpPr>
-        <p:spPr/>
-        <p:txBody>
-          <a:bodyPr/>
-          <a:lstStyle/>
-          <a:p>
-            <a:r>
-              <a:rPr lang="ru-RU" dirty="0"/>
-              <a:t>Селектиране на данни от няколко таблици</a:t>
-            </a:r>
-            <a:endParaRPr lang="bg-BG" dirty="0"/>
-          </a:p>
-        </p:txBody>
-      </p:sp>
-      <p:sp>
-        <p:nvSpPr>
-          <p:cNvPr id="7" name="Заглавие 6">
-            <a:extLst>
-              <a:ext uri="{FF2B5EF4-FFF2-40B4-BE49-F238E27FC236}">
-                <a16:creationId xmlns:a16="http://schemas.microsoft.com/office/drawing/2014/main" id="{1E22E5D1-E2EC-C623-4271-1559CA84E4D8}"/>
-              </a:ext>
-            </a:extLst>
-          </p:cNvPr>
-          <p:cNvSpPr>
-            <a:spLocks noGrp="1"/>
-          </p:cNvSpPr>
-          <p:nvPr>
-            <p:ph type="title" sz="quarter" idx="10"/>
-          </p:nvPr>
-        </p:nvSpPr>
-        <p:spPr/>
-        <p:txBody>
-          <a:bodyPr/>
-          <a:lstStyle/>
-          <a:p>
-            <a:r>
-              <a:rPr lang="bg-BG" dirty="0"/>
-              <a:t>Видове </a:t>
-            </a:r>
-            <a:r>
-              <a:rPr lang="en-US" dirty="0"/>
-              <a:t>JOIN</a:t>
-            </a:r>
-            <a:endParaRPr lang="bg-BG" dirty="0"/>
-          </a:p>
-        </p:txBody>
-      </p:sp>
-    </p:spTree>
-    <p:extLst>
-      <p:ext uri="{BB962C8B-B14F-4D97-AF65-F5344CB8AC3E}">
-        <p14:creationId xmlns:p14="http://schemas.microsoft.com/office/powerpoint/2010/main" val="3204255194"/>
-      </p:ext>
-    </p:extLst>
-  </p:cSld>
-  <p:clrMapOvr>
-    <a:masterClrMapping/>
-  </p:clrMapOvr>
-  <mc:AlternateContent xmlns:mc="http://schemas.openxmlformats.org/markup-compatibility/2006" xmlns:p14="http://schemas.microsoft.com/office/powerpoint/2010/main">
-    <mc:Choice Requires="p14">
-      <p:transition spd="slow" p14:dur="2000" advClick="0" advTm="5000"/>
-    </mc:Choice>
-    <mc:Fallback xmlns="">
-      <p:transition spd="slow" advClick="0" advTm="5000"/>
-    </mc:Fallback>
-  </mc:AlternateContent>
 </p:sld>
 </file>
 
